--- a/PPTs/ProgramacionII_Clase_21-2018.pptx
+++ b/PPTs/ProgramacionII_Clase_21-2018.pptx
@@ -2,7 +2,7 @@
 <file path=ppt/presentation.xml><?xml version="1.0" encoding="utf-8"?>
 <p:presentation xmlns:a="http://schemas.openxmlformats.org/drawingml/2006/main" xmlns:r="http://schemas.openxmlformats.org/officeDocument/2006/relationships" xmlns:p="http://schemas.openxmlformats.org/presentationml/2006/main" autoCompressPictures="0">
   <p:sldMasterIdLst>
-    <p:sldMasterId id="2147483648" r:id="rId1"/>
+    <p:sldMasterId id="2147483669" r:id="rId1"/>
   </p:sldMasterIdLst>
   <p:sldIdLst>
     <p:sldId id="256" r:id="rId2"/>
@@ -12,6 +12,7 @@
     <p:sldId id="260" r:id="rId6"/>
     <p:sldId id="261" r:id="rId7"/>
     <p:sldId id="262" r:id="rId8"/>
+    <p:sldId id="263" r:id="rId9"/>
   </p:sldIdLst>
   <p:sldSz cx="12192000" cy="6858000"/>
   <p:notesSz cx="6858000" cy="9144000"/>
@@ -110,6 +111,11 @@
       </a:defRPr>
     </a:lvl9pPr>
   </p:defaultTextStyle>
+  <p:extLst>
+    <p:ext uri="{EFAFB233-063F-42B5-8137-9DF3F51BA10A}">
+      <p15:sldGuideLst xmlns:p15="http://schemas.microsoft.com/office/powerpoint/2012/main"/>
+    </p:ext>
+  </p:extLst>
 </p:presentation>
 </file>
 
@@ -196,7 +202,7 @@
           <p:cNvSpPr/>
           <p:nvPr/>
         </p:nvSpPr>
-        <p:spPr>
+        <p:spPr bwMode="ltGray">
           <a:xfrm>
             <a:off x="0" y="2590078"/>
             <a:ext cx="8968085" cy="1660332"/>
@@ -296,7 +302,7 @@
           </a:lstStyle>
           <a:p>
             <a:r>
-              <a:rPr lang="es-ES" smtClean="0"/>
+              <a:rPr lang="es-ES"/>
               <a:t>Haga clic para modificar el estilo de título del patrón</a:t>
             </a:r>
             <a:endParaRPr lang="en-US" dirty="0"/>
@@ -363,7 +369,7 @@
           </a:lstStyle>
           <a:p>
             <a:r>
-              <a:rPr lang="es-ES" smtClean="0"/>
+              <a:rPr lang="es-ES"/>
               <a:t>Haga clic para modificar el estilo de subtítulo del patrón</a:t>
             </a:r>
             <a:endParaRPr lang="en-US" dirty="0"/>
@@ -386,8 +392,8 @@
           <a:lstStyle/>
           <a:p>
             <a:fld id="{78ABE3C1-DBE1-495D-B57B-2849774B866A}" type="datetimeFigureOut">
-              <a:rPr lang="en-US" dirty="0"/>
-              <a:t>10/24/2018</a:t>
+              <a:rPr lang="en-US" smtClean="0"/>
+              <a:t>4/24/2020</a:t>
             </a:fld>
             <a:endParaRPr lang="en-US" dirty="0"/>
           </a:p>
@@ -433,7 +439,7 @@
           <a:lstStyle/>
           <a:p>
             <a:fld id="{6D22F896-40B5-4ADD-8801-0D06FADFA095}" type="slidenum">
-              <a:rPr lang="en-US" dirty="0"/>
+              <a:rPr lang="en-US" smtClean="0"/>
               <a:t>‹Nº›</a:t>
             </a:fld>
             <a:endParaRPr lang="en-US" dirty="0"/>
@@ -441,6 +447,11 @@
         </p:txBody>
       </p:sp>
     </p:spTree>
+    <p:extLst>
+      <p:ext uri="{BB962C8B-B14F-4D97-AF65-F5344CB8AC3E}">
+        <p14:creationId xmlns:p14="http://schemas.microsoft.com/office/powerpoint/2010/main" val="3891353064"/>
+      </p:ext>
+    </p:extLst>
   </p:cSld>
   <p:clrMapOvr>
     <a:masterClrMapping/>
@@ -531,7 +542,7 @@
           <p:cNvSpPr/>
           <p:nvPr/>
         </p:nvSpPr>
-        <p:spPr>
+        <p:spPr bwMode="ltGray">
           <a:xfrm>
             <a:off x="0" y="4567988"/>
             <a:ext cx="10437812" cy="1368198"/>
@@ -631,7 +642,7 @@
           </a:lstStyle>
           <a:p>
             <a:r>
-              <a:rPr lang="es-ES" smtClean="0"/>
+              <a:rPr lang="es-ES"/>
               <a:t>Haga clic para modificar el estilo de título del patrón</a:t>
             </a:r>
             <a:endParaRPr lang="en-US" dirty="0"/>
@@ -707,7 +718,7 @@
           </a:lstStyle>
           <a:p>
             <a:r>
-              <a:rPr lang="es-ES" smtClean="0"/>
+              <a:rPr lang="es-ES"/>
               <a:t>Haga clic en el icono para agregar una imagen</a:t>
             </a:r>
             <a:endParaRPr lang="en-US" dirty="0"/>
@@ -773,8 +784,8 @@
           <a:p>
             <a:pPr lvl="0"/>
             <a:r>
-              <a:rPr lang="es-ES" smtClean="0"/>
-              <a:t>Haga clic para modificar el estilo de texto del patrón</a:t>
+              <a:rPr lang="es-ES"/>
+              <a:t>Haga clic para modificar los estilos de texto del patrón</a:t>
             </a:r>
           </a:p>
         </p:txBody>
@@ -795,8 +806,8 @@
           <a:lstStyle/>
           <a:p>
             <a:fld id="{446C117F-5CCF-4837-BE5F-2B92066CAFAF}" type="datetimeFigureOut">
-              <a:rPr lang="en-US" dirty="0"/>
-              <a:t>10/24/2018</a:t>
+              <a:rPr lang="en-US" smtClean="0"/>
+              <a:t>4/24/2020</a:t>
             </a:fld>
             <a:endParaRPr lang="en-US" dirty="0"/>
           </a:p>
@@ -842,7 +853,7 @@
           <a:lstStyle/>
           <a:p>
             <a:fld id="{6D22F896-40B5-4ADD-8801-0D06FADFA095}" type="slidenum">
-              <a:rPr lang="en-US" dirty="0"/>
+              <a:rPr lang="en-US" smtClean="0"/>
               <a:t>‹Nº›</a:t>
             </a:fld>
             <a:endParaRPr lang="en-US" dirty="0"/>
@@ -850,6 +861,11 @@
         </p:txBody>
       </p:sp>
     </p:spTree>
+    <p:extLst>
+      <p:ext uri="{BB962C8B-B14F-4D97-AF65-F5344CB8AC3E}">
+        <p14:creationId xmlns:p14="http://schemas.microsoft.com/office/powerpoint/2010/main" val="2218251280"/>
+      </p:ext>
+    </p:extLst>
   </p:cSld>
   <p:clrMapOvr>
     <a:masterClrMapping/>
@@ -940,7 +956,7 @@
           <p:cNvSpPr/>
           <p:nvPr/>
         </p:nvSpPr>
-        <p:spPr>
+        <p:spPr bwMode="ltGray">
           <a:xfrm>
             <a:off x="0" y="4567988"/>
             <a:ext cx="10437812" cy="1368198"/>
@@ -1038,7 +1054,7 @@
           </a:lstStyle>
           <a:p>
             <a:r>
-              <a:rPr lang="es-ES" smtClean="0"/>
+              <a:rPr lang="es-ES"/>
               <a:t>Haga clic para modificar el estilo de título del patrón</a:t>
             </a:r>
             <a:endParaRPr lang="en-US" dirty="0"/>
@@ -1104,8 +1120,8 @@
           <a:p>
             <a:pPr lvl="0"/>
             <a:r>
-              <a:rPr lang="es-ES" smtClean="0"/>
-              <a:t>Haga clic para modificar el estilo de texto del patrón</a:t>
+              <a:rPr lang="es-ES"/>
+              <a:t>Haga clic para modificar los estilos de texto del patrón</a:t>
             </a:r>
           </a:p>
         </p:txBody>
@@ -1126,8 +1142,8 @@
           <a:lstStyle/>
           <a:p>
             <a:fld id="{84EB90BD-B6CE-46B7-997F-7313B992CCDC}" type="datetimeFigureOut">
-              <a:rPr lang="en-US" dirty="0"/>
-              <a:t>10/24/2018</a:t>
+              <a:rPr lang="en-US" smtClean="0"/>
+              <a:t>4/24/2020</a:t>
             </a:fld>
             <a:endParaRPr lang="en-US" dirty="0"/>
           </a:p>
@@ -1173,7 +1189,7 @@
           <a:lstStyle/>
           <a:p>
             <a:fld id="{6D22F896-40B5-4ADD-8801-0D06FADFA095}" type="slidenum">
-              <a:rPr lang="en-US" dirty="0"/>
+              <a:rPr lang="en-US" smtClean="0"/>
               <a:t>‹Nº›</a:t>
             </a:fld>
             <a:endParaRPr lang="en-US" dirty="0"/>
@@ -1181,6 +1197,11 @@
         </p:txBody>
       </p:sp>
     </p:spTree>
+    <p:extLst>
+      <p:ext uri="{BB962C8B-B14F-4D97-AF65-F5344CB8AC3E}">
+        <p14:creationId xmlns:p14="http://schemas.microsoft.com/office/powerpoint/2010/main" val="971052474"/>
+      </p:ext>
+    </p:extLst>
   </p:cSld>
   <p:clrMapOvr>
     <a:masterClrMapping/>
@@ -1271,7 +1292,7 @@
           <p:cNvSpPr/>
           <p:nvPr/>
         </p:nvSpPr>
-        <p:spPr>
+        <p:spPr bwMode="ltGray">
           <a:xfrm>
             <a:off x="0" y="4567988"/>
             <a:ext cx="10437812" cy="1368198"/>
@@ -1369,7 +1390,7 @@
           </a:lstStyle>
           <a:p>
             <a:r>
-              <a:rPr lang="es-ES" smtClean="0"/>
+              <a:rPr lang="es-ES"/>
               <a:t>Haga clic para modificar el estilo de título del patrón</a:t>
             </a:r>
             <a:endParaRPr lang="en-US" dirty="0"/>
@@ -1437,8 +1458,8 @@
           <a:p>
             <a:pPr lvl="0"/>
             <a:r>
-              <a:rPr lang="es-ES" smtClean="0"/>
-              <a:t>Haga clic para modificar el estilo de texto del patrón</a:t>
+              <a:rPr lang="es-ES"/>
+              <a:t>Haga clic para modificar los estilos de texto del patrón</a:t>
             </a:r>
           </a:p>
         </p:txBody>
@@ -1504,8 +1525,8 @@
           <a:p>
             <a:pPr lvl="0"/>
             <a:r>
-              <a:rPr lang="es-ES" smtClean="0"/>
-              <a:t>Haga clic para modificar el estilo de texto del patrón</a:t>
+              <a:rPr lang="es-ES"/>
+              <a:t>Haga clic para modificar los estilos de texto del patrón</a:t>
             </a:r>
           </a:p>
         </p:txBody>
@@ -1526,8 +1547,8 @@
           <a:lstStyle/>
           <a:p>
             <a:fld id="{CDB9D11F-B188-461D-B23F-39381795C052}" type="datetimeFigureOut">
-              <a:rPr lang="en-US" dirty="0"/>
-              <a:t>10/24/2018</a:t>
+              <a:rPr lang="en-US" smtClean="0"/>
+              <a:t>4/24/2020</a:t>
             </a:fld>
             <a:endParaRPr lang="en-US" dirty="0"/>
           </a:p>
@@ -1573,7 +1594,7 @@
           <a:lstStyle/>
           <a:p>
             <a:fld id="{6D22F896-40B5-4ADD-8801-0D06FADFA095}" type="slidenum">
-              <a:rPr lang="en-US" dirty="0"/>
+              <a:rPr lang="en-US" smtClean="0"/>
               <a:t>‹Nº›</a:t>
             </a:fld>
             <a:endParaRPr lang="en-US" dirty="0"/>
@@ -1813,6 +1834,11 @@
         </p:txBody>
       </p:sp>
     </p:spTree>
+    <p:extLst>
+      <p:ext uri="{BB962C8B-B14F-4D97-AF65-F5344CB8AC3E}">
+        <p14:creationId xmlns:p14="http://schemas.microsoft.com/office/powerpoint/2010/main" val="2963744042"/>
+      </p:ext>
+    </p:extLst>
   </p:cSld>
   <p:clrMapOvr>
     <a:masterClrMapping/>
@@ -1903,7 +1929,7 @@
           <p:cNvSpPr/>
           <p:nvPr/>
         </p:nvSpPr>
-        <p:spPr>
+        <p:spPr bwMode="ltGray">
           <a:xfrm>
             <a:off x="0" y="4567988"/>
             <a:ext cx="10437812" cy="1368198"/>
@@ -2001,7 +2027,7 @@
           </a:lstStyle>
           <a:p>
             <a:r>
-              <a:rPr lang="es-ES" smtClean="0"/>
+              <a:rPr lang="es-ES"/>
               <a:t>Haga clic para modificar el estilo de título del patrón</a:t>
             </a:r>
             <a:endParaRPr lang="en-US" dirty="0"/>
@@ -2067,8 +2093,8 @@
           <a:p>
             <a:pPr lvl="0"/>
             <a:r>
-              <a:rPr lang="es-ES" smtClean="0"/>
-              <a:t>Haga clic para modificar el estilo de texto del patrón</a:t>
+              <a:rPr lang="es-ES"/>
+              <a:t>Haga clic para modificar los estilos de texto del patrón</a:t>
             </a:r>
           </a:p>
         </p:txBody>
@@ -2089,8 +2115,8 @@
           <a:lstStyle/>
           <a:p>
             <a:fld id="{52E6D8D9-55A2-4063-B0F3-121F44549695}" type="datetimeFigureOut">
-              <a:rPr lang="en-US" dirty="0"/>
-              <a:t>10/24/2018</a:t>
+              <a:rPr lang="en-US" smtClean="0"/>
+              <a:t>4/24/2020</a:t>
             </a:fld>
             <a:endParaRPr lang="en-US" dirty="0"/>
           </a:p>
@@ -2136,7 +2162,7 @@
           <a:lstStyle/>
           <a:p>
             <a:fld id="{6D22F896-40B5-4ADD-8801-0D06FADFA095}" type="slidenum">
-              <a:rPr lang="en-US" dirty="0"/>
+              <a:rPr lang="en-US" smtClean="0"/>
               <a:t>‹Nº›</a:t>
             </a:fld>
             <a:endParaRPr lang="en-US" dirty="0"/>
@@ -2144,6 +2170,11 @@
         </p:txBody>
       </p:sp>
     </p:spTree>
+    <p:extLst>
+      <p:ext uri="{BB962C8B-B14F-4D97-AF65-F5344CB8AC3E}">
+        <p14:creationId xmlns:p14="http://schemas.microsoft.com/office/powerpoint/2010/main" val="3392821889"/>
+      </p:ext>
+    </p:extLst>
   </p:cSld>
   <p:clrMapOvr>
     <a:masterClrMapping/>
@@ -2234,7 +2265,7 @@
           <p:cNvSpPr/>
           <p:nvPr/>
         </p:nvSpPr>
-        <p:spPr>
+        <p:spPr bwMode="ltGray">
           <a:xfrm>
             <a:off x="0" y="609600"/>
             <a:ext cx="10437812" cy="1368198"/>
@@ -2328,7 +2359,7 @@
           <a:lstStyle/>
           <a:p>
             <a:r>
-              <a:rPr lang="es-ES" smtClean="0"/>
+              <a:rPr lang="es-ES"/>
               <a:t>Haga clic para modificar el estilo de título del patrón</a:t>
             </a:r>
             <a:endParaRPr lang="en-US" dirty="0"/>
@@ -2400,8 +2431,8 @@
           <a:p>
             <a:pPr lvl="0"/>
             <a:r>
-              <a:rPr lang="es-ES" smtClean="0"/>
-              <a:t>Haga clic para modificar el estilo de texto del patrón</a:t>
+              <a:rPr lang="es-ES"/>
+              <a:t>Haga clic para modificar los estilos de texto del patrón</a:t>
             </a:r>
           </a:p>
         </p:txBody>
@@ -2467,8 +2498,8 @@
           <a:p>
             <a:pPr lvl="0"/>
             <a:r>
-              <a:rPr lang="es-ES" smtClean="0"/>
-              <a:t>Haga clic para modificar el estilo de texto del patrón</a:t>
+              <a:rPr lang="es-ES"/>
+              <a:t>Haga clic para modificar los estilos de texto del patrón</a:t>
             </a:r>
           </a:p>
         </p:txBody>
@@ -2538,8 +2569,8 @@
           <a:p>
             <a:pPr lvl="0"/>
             <a:r>
-              <a:rPr lang="es-ES" smtClean="0"/>
-              <a:t>Haga clic para modificar el estilo de texto del patrón</a:t>
+              <a:rPr lang="es-ES"/>
+              <a:t>Haga clic para modificar los estilos de texto del patrón</a:t>
             </a:r>
           </a:p>
         </p:txBody>
@@ -2605,8 +2636,8 @@
           <a:p>
             <a:pPr lvl="0"/>
             <a:r>
-              <a:rPr lang="es-ES" smtClean="0"/>
-              <a:t>Haga clic para modificar el estilo de texto del patrón</a:t>
+              <a:rPr lang="es-ES"/>
+              <a:t>Haga clic para modificar los estilos de texto del patrón</a:t>
             </a:r>
           </a:p>
         </p:txBody>
@@ -2676,8 +2707,8 @@
           <a:p>
             <a:pPr lvl="0"/>
             <a:r>
-              <a:rPr lang="es-ES" smtClean="0"/>
-              <a:t>Haga clic para modificar el estilo de texto del patrón</a:t>
+              <a:rPr lang="es-ES"/>
+              <a:t>Haga clic para modificar los estilos de texto del patrón</a:t>
             </a:r>
           </a:p>
         </p:txBody>
@@ -2743,8 +2774,8 @@
           <a:p>
             <a:pPr lvl="0"/>
             <a:r>
-              <a:rPr lang="es-ES" smtClean="0"/>
-              <a:t>Haga clic para modificar el estilo de texto del patrón</a:t>
+              <a:rPr lang="es-ES"/>
+              <a:t>Haga clic para modificar los estilos de texto del patrón</a:t>
             </a:r>
           </a:p>
         </p:txBody>
@@ -2765,8 +2796,8 @@
           <a:lstStyle/>
           <a:p>
             <a:fld id="{D4B24536-994D-4021-A283-9F449C0DB509}" type="datetimeFigureOut">
-              <a:rPr lang="en-US" dirty="0"/>
-              <a:t>10/24/2018</a:t>
+              <a:rPr lang="en-US" smtClean="0"/>
+              <a:t>4/24/2020</a:t>
             </a:fld>
             <a:endParaRPr lang="en-US" dirty="0"/>
           </a:p>
@@ -2807,7 +2838,7 @@
           <a:lstStyle/>
           <a:p>
             <a:fld id="{6D22F896-40B5-4ADD-8801-0D06FADFA095}" type="slidenum">
-              <a:rPr lang="en-US" dirty="0"/>
+              <a:rPr lang="en-US" smtClean="0"/>
               <a:t>‹Nº›</a:t>
             </a:fld>
             <a:endParaRPr lang="en-US" dirty="0"/>
@@ -2815,6 +2846,11 @@
         </p:txBody>
       </p:sp>
     </p:spTree>
+    <p:extLst>
+      <p:ext uri="{BB962C8B-B14F-4D97-AF65-F5344CB8AC3E}">
+        <p14:creationId xmlns:p14="http://schemas.microsoft.com/office/powerpoint/2010/main" val="661932724"/>
+      </p:ext>
+    </p:extLst>
   </p:cSld>
   <p:clrMapOvr>
     <a:masterClrMapping/>
@@ -2905,7 +2941,7 @@
           <p:cNvSpPr/>
           <p:nvPr/>
         </p:nvSpPr>
-        <p:spPr>
+        <p:spPr bwMode="ltGray">
           <a:xfrm>
             <a:off x="0" y="609600"/>
             <a:ext cx="10437812" cy="1368198"/>
@@ -2999,7 +3035,7 @@
           <a:lstStyle/>
           <a:p>
             <a:r>
-              <a:rPr lang="es-ES" smtClean="0"/>
+              <a:rPr lang="es-ES"/>
               <a:t>Haga clic para modificar el estilo de título del patrón</a:t>
             </a:r>
             <a:endParaRPr lang="en-US" dirty="0"/>
@@ -3071,8 +3107,8 @@
           <a:p>
             <a:pPr lvl="0"/>
             <a:r>
-              <a:rPr lang="es-ES" smtClean="0"/>
-              <a:t>Haga clic para modificar el estilo de texto del patrón</a:t>
+              <a:rPr lang="es-ES"/>
+              <a:t>Haga clic para modificar los estilos de texto del patrón</a:t>
             </a:r>
           </a:p>
         </p:txBody>
@@ -3149,7 +3185,7 @@
           </a:lstStyle>
           <a:p>
             <a:r>
-              <a:rPr lang="es-ES" smtClean="0"/>
+              <a:rPr lang="es-ES"/>
               <a:t>Haga clic en el icono para agregar una imagen</a:t>
             </a:r>
             <a:endParaRPr lang="en-US" dirty="0"/>
@@ -3217,8 +3253,8 @@
           <a:p>
             <a:pPr lvl="0"/>
             <a:r>
-              <a:rPr lang="es-ES" smtClean="0"/>
-              <a:t>Haga clic para modificar el estilo de texto del patrón</a:t>
+              <a:rPr lang="es-ES"/>
+              <a:t>Haga clic para modificar los estilos de texto del patrón</a:t>
             </a:r>
           </a:p>
         </p:txBody>
@@ -3288,8 +3324,8 @@
           <a:p>
             <a:pPr lvl="0"/>
             <a:r>
-              <a:rPr lang="es-ES" smtClean="0"/>
-              <a:t>Haga clic para modificar el estilo de texto del patrón</a:t>
+              <a:rPr lang="es-ES"/>
+              <a:t>Haga clic para modificar los estilos de texto del patrón</a:t>
             </a:r>
           </a:p>
         </p:txBody>
@@ -3366,7 +3402,7 @@
           </a:lstStyle>
           <a:p>
             <a:r>
-              <a:rPr lang="es-ES" smtClean="0"/>
+              <a:rPr lang="es-ES"/>
               <a:t>Haga clic en el icono para agregar una imagen</a:t>
             </a:r>
             <a:endParaRPr lang="en-US" dirty="0"/>
@@ -3434,8 +3470,8 @@
           <a:p>
             <a:pPr lvl="0"/>
             <a:r>
-              <a:rPr lang="es-ES" smtClean="0"/>
-              <a:t>Haga clic para modificar el estilo de texto del patrón</a:t>
+              <a:rPr lang="es-ES"/>
+              <a:t>Haga clic para modificar los estilos de texto del patrón</a:t>
             </a:r>
           </a:p>
         </p:txBody>
@@ -3505,8 +3541,8 @@
           <a:p>
             <a:pPr lvl="0"/>
             <a:r>
-              <a:rPr lang="es-ES" smtClean="0"/>
-              <a:t>Haga clic para modificar el estilo de texto del patrón</a:t>
+              <a:rPr lang="es-ES"/>
+              <a:t>Haga clic para modificar los estilos de texto del patrón</a:t>
             </a:r>
           </a:p>
         </p:txBody>
@@ -3583,7 +3619,7 @@
           </a:lstStyle>
           <a:p>
             <a:r>
-              <a:rPr lang="es-ES" smtClean="0"/>
+              <a:rPr lang="es-ES"/>
               <a:t>Haga clic en el icono para agregar una imagen</a:t>
             </a:r>
             <a:endParaRPr lang="en-US" dirty="0"/>
@@ -3651,8 +3687,8 @@
           <a:p>
             <a:pPr lvl="0"/>
             <a:r>
-              <a:rPr lang="es-ES" smtClean="0"/>
-              <a:t>Haga clic para modificar el estilo de texto del patrón</a:t>
+              <a:rPr lang="es-ES"/>
+              <a:t>Haga clic para modificar los estilos de texto del patrón</a:t>
             </a:r>
           </a:p>
         </p:txBody>
@@ -3673,8 +3709,8 @@
           <a:lstStyle/>
           <a:p>
             <a:fld id="{3CBBBB78-C96F-47B7-AB17-D852CA960AC9}" type="datetimeFigureOut">
-              <a:rPr lang="en-US" dirty="0"/>
-              <a:t>10/24/2018</a:t>
+              <a:rPr lang="en-US" smtClean="0"/>
+              <a:t>4/24/2020</a:t>
             </a:fld>
             <a:endParaRPr lang="en-US" dirty="0"/>
           </a:p>
@@ -3715,7 +3751,7 @@
           <a:lstStyle/>
           <a:p>
             <a:fld id="{6D22F896-40B5-4ADD-8801-0D06FADFA095}" type="slidenum">
-              <a:rPr lang="en-US" dirty="0"/>
+              <a:rPr lang="en-US" smtClean="0"/>
               <a:t>‹Nº›</a:t>
             </a:fld>
             <a:endParaRPr lang="en-US" dirty="0"/>
@@ -3723,6 +3759,11 @@
         </p:txBody>
       </p:sp>
     </p:spTree>
+    <p:extLst>
+      <p:ext uri="{BB962C8B-B14F-4D97-AF65-F5344CB8AC3E}">
+        <p14:creationId xmlns:p14="http://schemas.microsoft.com/office/powerpoint/2010/main" val="3758682172"/>
+      </p:ext>
+    </p:extLst>
   </p:cSld>
   <p:clrMapOvr>
     <a:masterClrMapping/>
@@ -3813,7 +3854,7 @@
           <p:cNvSpPr/>
           <p:nvPr/>
         </p:nvSpPr>
-        <p:spPr>
+        <p:spPr bwMode="ltGray">
           <a:xfrm>
             <a:off x="0" y="609600"/>
             <a:ext cx="10437812" cy="1368198"/>
@@ -3906,7 +3947,7 @@
           </a:lstStyle>
           <a:p>
             <a:r>
-              <a:rPr lang="es-ES" smtClean="0"/>
+              <a:rPr lang="es-ES"/>
               <a:t>Haga clic para modificar el estilo de título del patrón</a:t>
             </a:r>
             <a:endParaRPr lang="en-US" dirty="0"/>
@@ -3930,35 +3971,35 @@
           <a:p>
             <a:pPr lvl="0"/>
             <a:r>
-              <a:rPr lang="es-ES" smtClean="0"/>
-              <a:t>Haga clic para modificar el estilo de texto del patrón</a:t>
+              <a:rPr lang="es-ES"/>
+              <a:t>Haga clic para modificar los estilos de texto del patrón</a:t>
             </a:r>
           </a:p>
           <a:p>
             <a:pPr lvl="1"/>
             <a:r>
-              <a:rPr lang="es-ES" smtClean="0"/>
+              <a:rPr lang="es-ES"/>
               <a:t>Segundo nivel</a:t>
             </a:r>
           </a:p>
           <a:p>
             <a:pPr lvl="2"/>
             <a:r>
-              <a:rPr lang="es-ES" smtClean="0"/>
+              <a:rPr lang="es-ES"/>
               <a:t>Tercer nivel</a:t>
             </a:r>
           </a:p>
           <a:p>
             <a:pPr lvl="3"/>
             <a:r>
-              <a:rPr lang="es-ES" smtClean="0"/>
+              <a:rPr lang="es-ES"/>
               <a:t>Cuarto nivel</a:t>
             </a:r>
           </a:p>
           <a:p>
             <a:pPr lvl="4"/>
             <a:r>
-              <a:rPr lang="es-ES" smtClean="0"/>
+              <a:rPr lang="es-ES"/>
               <a:t>Quinto nivel</a:t>
             </a:r>
             <a:endParaRPr lang="en-US" dirty="0"/>
@@ -3981,8 +4022,8 @@
           <a:lstStyle/>
           <a:p>
             <a:fld id="{1FA3F48C-C7C6-4055-9F49-3777875E72AE}" type="datetimeFigureOut">
-              <a:rPr lang="en-US" dirty="0"/>
-              <a:t>10/24/2018</a:t>
+              <a:rPr lang="en-US" smtClean="0"/>
+              <a:t>4/24/2020</a:t>
             </a:fld>
             <a:endParaRPr lang="en-US" dirty="0"/>
           </a:p>
@@ -4023,7 +4064,7 @@
           <a:lstStyle/>
           <a:p>
             <a:fld id="{6D22F896-40B5-4ADD-8801-0D06FADFA095}" type="slidenum">
-              <a:rPr lang="en-US" dirty="0"/>
+              <a:rPr lang="en-US" smtClean="0"/>
               <a:t>‹Nº›</a:t>
             </a:fld>
             <a:endParaRPr lang="en-US" dirty="0"/>
@@ -4031,6 +4072,11 @@
         </p:txBody>
       </p:sp>
     </p:spTree>
+    <p:extLst>
+      <p:ext uri="{BB962C8B-B14F-4D97-AF65-F5344CB8AC3E}">
+        <p14:creationId xmlns:p14="http://schemas.microsoft.com/office/powerpoint/2010/main" val="1025978326"/>
+      </p:ext>
+    </p:extLst>
   </p:cSld>
   <p:clrMapOvr>
     <a:masterClrMapping/>
@@ -4061,7 +4107,7 @@
           <p:cNvSpPr/>
           <p:nvPr/>
         </p:nvSpPr>
-        <p:spPr>
+        <p:spPr bwMode="ltGray">
           <a:xfrm rot="5400000">
             <a:off x="8116207" y="1869395"/>
             <a:ext cx="5106988" cy="1368198"/>
@@ -4155,7 +4201,7 @@
           <a:lstStyle/>
           <a:p>
             <a:r>
-              <a:rPr lang="es-ES" smtClean="0"/>
+              <a:rPr lang="es-ES"/>
               <a:t>Haga clic para modificar el estilo de título del patrón</a:t>
             </a:r>
             <a:endParaRPr lang="en-US" dirty="0"/>
@@ -4184,35 +4230,35 @@
           <a:p>
             <a:pPr lvl="0"/>
             <a:r>
-              <a:rPr lang="es-ES" smtClean="0"/>
-              <a:t>Haga clic para modificar el estilo de texto del patrón</a:t>
+              <a:rPr lang="es-ES"/>
+              <a:t>Haga clic para modificar los estilos de texto del patrón</a:t>
             </a:r>
           </a:p>
           <a:p>
             <a:pPr lvl="1"/>
             <a:r>
-              <a:rPr lang="es-ES" smtClean="0"/>
+              <a:rPr lang="es-ES"/>
               <a:t>Segundo nivel</a:t>
             </a:r>
           </a:p>
           <a:p>
             <a:pPr lvl="2"/>
             <a:r>
-              <a:rPr lang="es-ES" smtClean="0"/>
+              <a:rPr lang="es-ES"/>
               <a:t>Tercer nivel</a:t>
             </a:r>
           </a:p>
           <a:p>
             <a:pPr lvl="3"/>
             <a:r>
-              <a:rPr lang="es-ES" smtClean="0"/>
+              <a:rPr lang="es-ES"/>
               <a:t>Cuarto nivel</a:t>
             </a:r>
           </a:p>
           <a:p>
             <a:pPr lvl="4"/>
             <a:r>
-              <a:rPr lang="es-ES" smtClean="0"/>
+              <a:rPr lang="es-ES"/>
               <a:t>Quinto nivel</a:t>
             </a:r>
             <a:endParaRPr lang="en-US" dirty="0"/>
@@ -4240,8 +4286,8 @@
           <a:lstStyle/>
           <a:p>
             <a:fld id="{6178E61D-D431-422C-9764-11DAFE33AB63}" type="datetimeFigureOut">
-              <a:rPr lang="en-US" dirty="0"/>
-              <a:t>10/24/2018</a:t>
+              <a:rPr lang="en-US" smtClean="0"/>
+              <a:t>4/24/2020</a:t>
             </a:fld>
             <a:endParaRPr lang="en-US" dirty="0"/>
           </a:p>
@@ -4296,7 +4342,7 @@
           </a:lstStyle>
           <a:p>
             <a:fld id="{6D22F896-40B5-4ADD-8801-0D06FADFA095}" type="slidenum">
-              <a:rPr lang="en-US" dirty="0"/>
+              <a:rPr lang="en-US" smtClean="0"/>
               <a:pPr/>
               <a:t>‹Nº›</a:t>
             </a:fld>
@@ -4305,6 +4351,11 @@
         </p:txBody>
       </p:sp>
     </p:spTree>
+    <p:extLst>
+      <p:ext uri="{BB962C8B-B14F-4D97-AF65-F5344CB8AC3E}">
+        <p14:creationId xmlns:p14="http://schemas.microsoft.com/office/powerpoint/2010/main" val="204109691"/>
+      </p:ext>
+    </p:extLst>
   </p:cSld>
   <p:clrMapOvr>
     <a:masterClrMapping/>
@@ -4395,7 +4446,7 @@
           <p:cNvSpPr/>
           <p:nvPr/>
         </p:nvSpPr>
-        <p:spPr>
+        <p:spPr bwMode="ltGray">
           <a:xfrm>
             <a:off x="0" y="609600"/>
             <a:ext cx="10437812" cy="1368198"/>
@@ -4484,7 +4535,7 @@
           <a:lstStyle/>
           <a:p>
             <a:r>
-              <a:rPr lang="es-ES" smtClean="0"/>
+              <a:rPr lang="es-ES"/>
               <a:t>Haga clic para modificar el estilo de título del patrón</a:t>
             </a:r>
             <a:endParaRPr lang="en-US" dirty="0"/>
@@ -4508,35 +4559,35 @@
           <a:p>
             <a:pPr lvl="0"/>
             <a:r>
-              <a:rPr lang="es-ES" smtClean="0"/>
-              <a:t>Haga clic para modificar el estilo de texto del patrón</a:t>
+              <a:rPr lang="es-ES"/>
+              <a:t>Haga clic para modificar los estilos de texto del patrón</a:t>
             </a:r>
           </a:p>
           <a:p>
             <a:pPr lvl="1"/>
             <a:r>
-              <a:rPr lang="es-ES" smtClean="0"/>
+              <a:rPr lang="es-ES"/>
               <a:t>Segundo nivel</a:t>
             </a:r>
           </a:p>
           <a:p>
             <a:pPr lvl="2"/>
             <a:r>
-              <a:rPr lang="es-ES" smtClean="0"/>
+              <a:rPr lang="es-ES"/>
               <a:t>Tercer nivel</a:t>
             </a:r>
           </a:p>
           <a:p>
             <a:pPr lvl="3"/>
             <a:r>
-              <a:rPr lang="es-ES" smtClean="0"/>
+              <a:rPr lang="es-ES"/>
               <a:t>Cuarto nivel</a:t>
             </a:r>
           </a:p>
           <a:p>
             <a:pPr lvl="4"/>
             <a:r>
-              <a:rPr lang="es-ES" smtClean="0"/>
+              <a:rPr lang="es-ES"/>
               <a:t>Quinto nivel</a:t>
             </a:r>
             <a:endParaRPr lang="en-US" dirty="0"/>
@@ -4559,8 +4610,8 @@
           <a:lstStyle/>
           <a:p>
             <a:fld id="{12DE42F4-6EEF-4EF7-8ED4-2208F0F89A08}" type="datetimeFigureOut">
-              <a:rPr lang="en-US" dirty="0"/>
-              <a:t>10/24/2018</a:t>
+              <a:rPr lang="en-US" smtClean="0"/>
+              <a:t>4/24/2020</a:t>
             </a:fld>
             <a:endParaRPr lang="en-US" dirty="0"/>
           </a:p>
@@ -4601,7 +4652,7 @@
           <a:lstStyle/>
           <a:p>
             <a:fld id="{6D22F896-40B5-4ADD-8801-0D06FADFA095}" type="slidenum">
-              <a:rPr lang="en-US" dirty="0"/>
+              <a:rPr lang="en-US" smtClean="0"/>
               <a:t>‹Nº›</a:t>
             </a:fld>
             <a:endParaRPr lang="en-US" dirty="0"/>
@@ -4609,6 +4660,11 @@
         </p:txBody>
       </p:sp>
     </p:spTree>
+    <p:extLst>
+      <p:ext uri="{BB962C8B-B14F-4D97-AF65-F5344CB8AC3E}">
+        <p14:creationId xmlns:p14="http://schemas.microsoft.com/office/powerpoint/2010/main" val="3507741644"/>
+      </p:ext>
+    </p:extLst>
   </p:cSld>
   <p:clrMapOvr>
     <a:masterClrMapping/>
@@ -4699,7 +4755,7 @@
           <p:cNvSpPr/>
           <p:nvPr/>
         </p:nvSpPr>
-        <p:spPr>
+        <p:spPr bwMode="ltGray">
           <a:xfrm>
             <a:off x="-2" y="2726267"/>
             <a:ext cx="10437812" cy="1368198"/>
@@ -4799,7 +4855,7 @@
           </a:lstStyle>
           <a:p>
             <a:r>
-              <a:rPr lang="es-ES" smtClean="0"/>
+              <a:rPr lang="es-ES"/>
               <a:t>Haga clic para modificar el estilo de título del patrón</a:t>
             </a:r>
             <a:endParaRPr lang="en-US" dirty="0"/>
@@ -4921,8 +4977,8 @@
           <a:p>
             <a:pPr lvl="0"/>
             <a:r>
-              <a:rPr lang="es-ES" smtClean="0"/>
-              <a:t>Haga clic para modificar el estilo de texto del patrón</a:t>
+              <a:rPr lang="es-ES"/>
+              <a:t>Haga clic para modificar los estilos de texto del patrón</a:t>
             </a:r>
           </a:p>
         </p:txBody>
@@ -4943,8 +4999,8 @@
           <a:lstStyle/>
           <a:p>
             <a:fld id="{30578ACC-22D6-47C1-A373-4FD133E34F3C}" type="datetimeFigureOut">
-              <a:rPr lang="en-US" dirty="0"/>
-              <a:t>10/24/2018</a:t>
+              <a:rPr lang="en-US" smtClean="0"/>
+              <a:t>4/24/2020</a:t>
             </a:fld>
             <a:endParaRPr lang="en-US" dirty="0"/>
           </a:p>
@@ -4990,7 +5046,7 @@
           <a:lstStyle/>
           <a:p>
             <a:fld id="{6D22F896-40B5-4ADD-8801-0D06FADFA095}" type="slidenum">
-              <a:rPr lang="en-US" dirty="0"/>
+              <a:rPr lang="en-US" smtClean="0"/>
               <a:t>‹Nº›</a:t>
             </a:fld>
             <a:endParaRPr lang="en-US" dirty="0"/>
@@ -4998,6 +5054,11 @@
         </p:txBody>
       </p:sp>
     </p:spTree>
+    <p:extLst>
+      <p:ext uri="{BB962C8B-B14F-4D97-AF65-F5344CB8AC3E}">
+        <p14:creationId xmlns:p14="http://schemas.microsoft.com/office/powerpoint/2010/main" val="3859603798"/>
+      </p:ext>
+    </p:extLst>
   </p:cSld>
   <p:clrMapOvr>
     <a:masterClrMapping/>
@@ -5088,7 +5149,7 @@
           <p:cNvSpPr/>
           <p:nvPr/>
         </p:nvSpPr>
-        <p:spPr>
+        <p:spPr bwMode="ltGray">
           <a:xfrm>
             <a:off x="0" y="609600"/>
             <a:ext cx="10437812" cy="1368198"/>
@@ -5177,7 +5238,7 @@
           <a:lstStyle/>
           <a:p>
             <a:r>
-              <a:rPr lang="es-ES" smtClean="0"/>
+              <a:rPr lang="es-ES"/>
               <a:t>Haga clic para modificar el estilo de título del patrón</a:t>
             </a:r>
             <a:endParaRPr lang="en-US" dirty="0"/>
@@ -5206,35 +5267,35 @@
           <a:p>
             <a:pPr lvl="0"/>
             <a:r>
-              <a:rPr lang="es-ES" smtClean="0"/>
-              <a:t>Haga clic para modificar el estilo de texto del patrón</a:t>
+              <a:rPr lang="es-ES"/>
+              <a:t>Haga clic para modificar los estilos de texto del patrón</a:t>
             </a:r>
           </a:p>
           <a:p>
             <a:pPr lvl="1"/>
             <a:r>
-              <a:rPr lang="es-ES" smtClean="0"/>
+              <a:rPr lang="es-ES"/>
               <a:t>Segundo nivel</a:t>
             </a:r>
           </a:p>
           <a:p>
             <a:pPr lvl="2"/>
             <a:r>
-              <a:rPr lang="es-ES" smtClean="0"/>
+              <a:rPr lang="es-ES"/>
               <a:t>Tercer nivel</a:t>
             </a:r>
           </a:p>
           <a:p>
             <a:pPr lvl="3"/>
             <a:r>
-              <a:rPr lang="es-ES" smtClean="0"/>
+              <a:rPr lang="es-ES"/>
               <a:t>Cuarto nivel</a:t>
             </a:r>
           </a:p>
           <a:p>
             <a:pPr lvl="4"/>
             <a:r>
-              <a:rPr lang="es-ES" smtClean="0"/>
+              <a:rPr lang="es-ES"/>
               <a:t>Quinto nivel</a:t>
             </a:r>
             <a:endParaRPr lang="en-US" dirty="0"/>
@@ -5263,35 +5324,35 @@
           <a:p>
             <a:pPr lvl="0"/>
             <a:r>
-              <a:rPr lang="es-ES" smtClean="0"/>
-              <a:t>Haga clic para modificar el estilo de texto del patrón</a:t>
+              <a:rPr lang="es-ES"/>
+              <a:t>Haga clic para modificar los estilos de texto del patrón</a:t>
             </a:r>
           </a:p>
           <a:p>
             <a:pPr lvl="1"/>
             <a:r>
-              <a:rPr lang="es-ES" smtClean="0"/>
+              <a:rPr lang="es-ES"/>
               <a:t>Segundo nivel</a:t>
             </a:r>
           </a:p>
           <a:p>
             <a:pPr lvl="2"/>
             <a:r>
-              <a:rPr lang="es-ES" smtClean="0"/>
+              <a:rPr lang="es-ES"/>
               <a:t>Tercer nivel</a:t>
             </a:r>
           </a:p>
           <a:p>
             <a:pPr lvl="3"/>
             <a:r>
-              <a:rPr lang="es-ES" smtClean="0"/>
+              <a:rPr lang="es-ES"/>
               <a:t>Cuarto nivel</a:t>
             </a:r>
           </a:p>
           <a:p>
             <a:pPr lvl="4"/>
             <a:r>
-              <a:rPr lang="es-ES" smtClean="0"/>
+              <a:rPr lang="es-ES"/>
               <a:t>Quinto nivel</a:t>
             </a:r>
             <a:endParaRPr lang="en-US" dirty="0"/>
@@ -5314,8 +5375,8 @@
           <a:lstStyle/>
           <a:p>
             <a:fld id="{4E5A6C69-6797-4E8A-BF37-F2C3751466E9}" type="datetimeFigureOut">
-              <a:rPr lang="en-US" dirty="0"/>
-              <a:t>10/24/2018</a:t>
+              <a:rPr lang="en-US" smtClean="0"/>
+              <a:t>4/24/2020</a:t>
             </a:fld>
             <a:endParaRPr lang="en-US" dirty="0"/>
           </a:p>
@@ -5356,7 +5417,7 @@
           <a:lstStyle/>
           <a:p>
             <a:fld id="{6D22F896-40B5-4ADD-8801-0D06FADFA095}" type="slidenum">
-              <a:rPr lang="en-US" dirty="0"/>
+              <a:rPr lang="en-US" smtClean="0"/>
               <a:t>‹Nº›</a:t>
             </a:fld>
             <a:endParaRPr lang="en-US" dirty="0"/>
@@ -5364,6 +5425,11 @@
         </p:txBody>
       </p:sp>
     </p:spTree>
+    <p:extLst>
+      <p:ext uri="{BB962C8B-B14F-4D97-AF65-F5344CB8AC3E}">
+        <p14:creationId xmlns:p14="http://schemas.microsoft.com/office/powerpoint/2010/main" val="958544700"/>
+      </p:ext>
+    </p:extLst>
   </p:cSld>
   <p:clrMapOvr>
     <a:masterClrMapping/>
@@ -5454,7 +5520,7 @@
           <p:cNvSpPr/>
           <p:nvPr/>
         </p:nvSpPr>
-        <p:spPr>
+        <p:spPr bwMode="ltGray">
           <a:xfrm>
             <a:off x="0" y="609600"/>
             <a:ext cx="10437812" cy="1368198"/>
@@ -5548,7 +5614,7 @@
           <a:lstStyle/>
           <a:p>
             <a:r>
-              <a:rPr lang="es-ES" smtClean="0"/>
+              <a:rPr lang="es-ES"/>
               <a:t>Haga clic para modificar el estilo de título del patrón</a:t>
             </a:r>
             <a:endParaRPr lang="en-US" dirty="0"/>
@@ -5614,8 +5680,8 @@
           <a:p>
             <a:pPr lvl="0"/>
             <a:r>
-              <a:rPr lang="es-ES" smtClean="0"/>
-              <a:t>Haga clic para modificar el estilo de texto del patrón</a:t>
+              <a:rPr lang="es-ES"/>
+              <a:t>Haga clic para modificar los estilos de texto del patrón</a:t>
             </a:r>
           </a:p>
         </p:txBody>
@@ -5642,35 +5708,35 @@
           <a:p>
             <a:pPr lvl="0"/>
             <a:r>
-              <a:rPr lang="es-ES" smtClean="0"/>
-              <a:t>Haga clic para modificar el estilo de texto del patrón</a:t>
+              <a:rPr lang="es-ES"/>
+              <a:t>Haga clic para modificar los estilos de texto del patrón</a:t>
             </a:r>
           </a:p>
           <a:p>
             <a:pPr lvl="1"/>
             <a:r>
-              <a:rPr lang="es-ES" smtClean="0"/>
+              <a:rPr lang="es-ES"/>
               <a:t>Segundo nivel</a:t>
             </a:r>
           </a:p>
           <a:p>
             <a:pPr lvl="2"/>
             <a:r>
-              <a:rPr lang="es-ES" smtClean="0"/>
+              <a:rPr lang="es-ES"/>
               <a:t>Tercer nivel</a:t>
             </a:r>
           </a:p>
           <a:p>
             <a:pPr lvl="3"/>
             <a:r>
-              <a:rPr lang="es-ES" smtClean="0"/>
+              <a:rPr lang="es-ES"/>
               <a:t>Cuarto nivel</a:t>
             </a:r>
           </a:p>
           <a:p>
             <a:pPr lvl="4"/>
             <a:r>
-              <a:rPr lang="es-ES" smtClean="0"/>
+              <a:rPr lang="es-ES"/>
               <a:t>Quinto nivel</a:t>
             </a:r>
             <a:endParaRPr lang="en-US" dirty="0"/>
@@ -5736,8 +5802,8 @@
           <a:p>
             <a:pPr lvl="0"/>
             <a:r>
-              <a:rPr lang="es-ES" smtClean="0"/>
-              <a:t>Haga clic para modificar el estilo de texto del patrón</a:t>
+              <a:rPr lang="es-ES"/>
+              <a:t>Haga clic para modificar los estilos de texto del patrón</a:t>
             </a:r>
           </a:p>
         </p:txBody>
@@ -5764,35 +5830,35 @@
           <a:p>
             <a:pPr lvl="0"/>
             <a:r>
-              <a:rPr lang="es-ES" smtClean="0"/>
-              <a:t>Haga clic para modificar el estilo de texto del patrón</a:t>
+              <a:rPr lang="es-ES"/>
+              <a:t>Haga clic para modificar los estilos de texto del patrón</a:t>
             </a:r>
           </a:p>
           <a:p>
             <a:pPr lvl="1"/>
             <a:r>
-              <a:rPr lang="es-ES" smtClean="0"/>
+              <a:rPr lang="es-ES"/>
               <a:t>Segundo nivel</a:t>
             </a:r>
           </a:p>
           <a:p>
             <a:pPr lvl="2"/>
             <a:r>
-              <a:rPr lang="es-ES" smtClean="0"/>
+              <a:rPr lang="es-ES"/>
               <a:t>Tercer nivel</a:t>
             </a:r>
           </a:p>
           <a:p>
             <a:pPr lvl="3"/>
             <a:r>
-              <a:rPr lang="es-ES" smtClean="0"/>
+              <a:rPr lang="es-ES"/>
               <a:t>Cuarto nivel</a:t>
             </a:r>
           </a:p>
           <a:p>
             <a:pPr lvl="4"/>
             <a:r>
-              <a:rPr lang="es-ES" smtClean="0"/>
+              <a:rPr lang="es-ES"/>
               <a:t>Quinto nivel</a:t>
             </a:r>
             <a:endParaRPr lang="en-US" dirty="0"/>
@@ -5815,8 +5881,8 @@
           <a:lstStyle/>
           <a:p>
             <a:fld id="{D82014A1-A632-4878-A0D3-F52BA7563730}" type="datetimeFigureOut">
-              <a:rPr lang="en-US" dirty="0"/>
-              <a:t>10/24/2018</a:t>
+              <a:rPr lang="en-US" smtClean="0"/>
+              <a:t>4/24/2020</a:t>
             </a:fld>
             <a:endParaRPr lang="en-US" dirty="0"/>
           </a:p>
@@ -5857,7 +5923,7 @@
           <a:lstStyle/>
           <a:p>
             <a:fld id="{6D22F896-40B5-4ADD-8801-0D06FADFA095}" type="slidenum">
-              <a:rPr lang="en-US" dirty="0"/>
+              <a:rPr lang="en-US" smtClean="0"/>
               <a:t>‹Nº›</a:t>
             </a:fld>
             <a:endParaRPr lang="en-US" dirty="0"/>
@@ -5865,6 +5931,11 @@
         </p:txBody>
       </p:sp>
     </p:spTree>
+    <p:extLst>
+      <p:ext uri="{BB962C8B-B14F-4D97-AF65-F5344CB8AC3E}">
+        <p14:creationId xmlns:p14="http://schemas.microsoft.com/office/powerpoint/2010/main" val="74036570"/>
+      </p:ext>
+    </p:extLst>
   </p:cSld>
   <p:clrMapOvr>
     <a:masterClrMapping/>
@@ -5955,7 +6026,7 @@
           <p:cNvSpPr/>
           <p:nvPr/>
         </p:nvSpPr>
-        <p:spPr>
+        <p:spPr bwMode="ltGray">
           <a:xfrm>
             <a:off x="0" y="609600"/>
             <a:ext cx="10437812" cy="1368198"/>
@@ -6044,7 +6115,7 @@
           <a:lstStyle/>
           <a:p>
             <a:r>
-              <a:rPr lang="es-ES" smtClean="0"/>
+              <a:rPr lang="es-ES"/>
               <a:t>Haga clic para modificar el estilo de título del patrón</a:t>
             </a:r>
             <a:endParaRPr lang="en-US" dirty="0"/>
@@ -6067,8 +6138,8 @@
           <a:lstStyle/>
           <a:p>
             <a:fld id="{CE99F462-093F-4566-844B-4C71F2739DA5}" type="datetimeFigureOut">
-              <a:rPr lang="en-US" dirty="0"/>
-              <a:t>10/24/2018</a:t>
+              <a:rPr lang="en-US" smtClean="0"/>
+              <a:t>4/24/2020</a:t>
             </a:fld>
             <a:endParaRPr lang="en-US" dirty="0"/>
           </a:p>
@@ -6109,7 +6180,7 @@
           <a:lstStyle/>
           <a:p>
             <a:fld id="{6D22F896-40B5-4ADD-8801-0D06FADFA095}" type="slidenum">
-              <a:rPr lang="en-US" dirty="0"/>
+              <a:rPr lang="en-US" smtClean="0"/>
               <a:t>‹Nº›</a:t>
             </a:fld>
             <a:endParaRPr lang="en-US" dirty="0"/>
@@ -6117,6 +6188,11 @@
         </p:txBody>
       </p:sp>
     </p:spTree>
+    <p:extLst>
+      <p:ext uri="{BB962C8B-B14F-4D97-AF65-F5344CB8AC3E}">
+        <p14:creationId xmlns:p14="http://schemas.microsoft.com/office/powerpoint/2010/main" val="4235618889"/>
+      </p:ext>
+    </p:extLst>
   </p:cSld>
   <p:clrMapOvr>
     <a:masterClrMapping/>
@@ -6225,8 +6301,8 @@
           <a:lstStyle/>
           <a:p>
             <a:fld id="{3D24A7AC-904D-4781-85BA-7D10C17ED021}" type="datetimeFigureOut">
-              <a:rPr lang="en-US" dirty="0"/>
-              <a:t>10/24/2018</a:t>
+              <a:rPr lang="en-US" smtClean="0"/>
+              <a:t>4/24/2020</a:t>
             </a:fld>
             <a:endParaRPr lang="en-US" dirty="0"/>
           </a:p>
@@ -6267,7 +6343,7 @@
           <a:lstStyle/>
           <a:p>
             <a:fld id="{6D22F896-40B5-4ADD-8801-0D06FADFA095}" type="slidenum">
-              <a:rPr lang="en-US" dirty="0"/>
+              <a:rPr lang="en-US" smtClean="0"/>
               <a:t>‹Nº›</a:t>
             </a:fld>
             <a:endParaRPr lang="en-US" dirty="0"/>
@@ -6275,6 +6351,11 @@
         </p:txBody>
       </p:sp>
     </p:spTree>
+    <p:extLst>
+      <p:ext uri="{BB962C8B-B14F-4D97-AF65-F5344CB8AC3E}">
+        <p14:creationId xmlns:p14="http://schemas.microsoft.com/office/powerpoint/2010/main" val="3869768314"/>
+      </p:ext>
+    </p:extLst>
   </p:cSld>
   <p:clrMapOvr>
     <a:masterClrMapping/>
@@ -6365,7 +6446,7 @@
           <p:cNvSpPr/>
           <p:nvPr/>
         </p:nvSpPr>
-        <p:spPr>
+        <p:spPr bwMode="ltGray">
           <a:xfrm>
             <a:off x="0" y="609600"/>
             <a:ext cx="10437812" cy="1368198"/>
@@ -6465,7 +6546,7 @@
           </a:lstStyle>
           <a:p>
             <a:r>
-              <a:rPr lang="es-ES" smtClean="0"/>
+              <a:rPr lang="es-ES"/>
               <a:t>Haga clic para modificar el estilo de título del patrón</a:t>
             </a:r>
             <a:endParaRPr lang="en-US" dirty="0"/>
@@ -6494,35 +6575,35 @@
           <a:p>
             <a:pPr lvl="0"/>
             <a:r>
-              <a:rPr lang="es-ES" smtClean="0"/>
-              <a:t>Haga clic para modificar el estilo de texto del patrón</a:t>
+              <a:rPr lang="es-ES"/>
+              <a:t>Haga clic para modificar los estilos de texto del patrón</a:t>
             </a:r>
           </a:p>
           <a:p>
             <a:pPr lvl="1"/>
             <a:r>
-              <a:rPr lang="es-ES" smtClean="0"/>
+              <a:rPr lang="es-ES"/>
               <a:t>Segundo nivel</a:t>
             </a:r>
           </a:p>
           <a:p>
             <a:pPr lvl="2"/>
             <a:r>
-              <a:rPr lang="es-ES" smtClean="0"/>
+              <a:rPr lang="es-ES"/>
               <a:t>Tercer nivel</a:t>
             </a:r>
           </a:p>
           <a:p>
             <a:pPr lvl="3"/>
             <a:r>
-              <a:rPr lang="es-ES" smtClean="0"/>
+              <a:rPr lang="es-ES"/>
               <a:t>Cuarto nivel</a:t>
             </a:r>
           </a:p>
           <a:p>
             <a:pPr lvl="4"/>
             <a:r>
-              <a:rPr lang="es-ES" smtClean="0"/>
+              <a:rPr lang="es-ES"/>
               <a:t>Quinto nivel</a:t>
             </a:r>
             <a:endParaRPr lang="en-US" dirty="0"/>
@@ -6588,8 +6669,8 @@
           <a:p>
             <a:pPr lvl="0"/>
             <a:r>
-              <a:rPr lang="es-ES" smtClean="0"/>
-              <a:t>Haga clic para modificar el estilo de texto del patrón</a:t>
+              <a:rPr lang="es-ES"/>
+              <a:t>Haga clic para modificar los estilos de texto del patrón</a:t>
             </a:r>
           </a:p>
         </p:txBody>
@@ -6610,8 +6691,8 @@
           <a:lstStyle/>
           <a:p>
             <a:fld id="{E331444B-B92B-4E27-8C94-BB93EAF5CB18}" type="datetimeFigureOut">
-              <a:rPr lang="en-US" dirty="0"/>
-              <a:t>10/24/2018</a:t>
+              <a:rPr lang="en-US" smtClean="0"/>
+              <a:t>4/24/2020</a:t>
             </a:fld>
             <a:endParaRPr lang="en-US" dirty="0"/>
           </a:p>
@@ -6652,7 +6733,7 @@
           <a:lstStyle/>
           <a:p>
             <a:fld id="{6D22F896-40B5-4ADD-8801-0D06FADFA095}" type="slidenum">
-              <a:rPr lang="en-US" dirty="0"/>
+              <a:rPr lang="en-US" smtClean="0"/>
               <a:t>‹Nº›</a:t>
             </a:fld>
             <a:endParaRPr lang="en-US" dirty="0"/>
@@ -6660,6 +6741,11 @@
         </p:txBody>
       </p:sp>
     </p:spTree>
+    <p:extLst>
+      <p:ext uri="{BB962C8B-B14F-4D97-AF65-F5344CB8AC3E}">
+        <p14:creationId xmlns:p14="http://schemas.microsoft.com/office/powerpoint/2010/main" val="3219162356"/>
+      </p:ext>
+    </p:extLst>
   </p:cSld>
   <p:clrMapOvr>
     <a:masterClrMapping/>
@@ -6750,7 +6836,7 @@
           <p:cNvSpPr/>
           <p:nvPr/>
         </p:nvSpPr>
-        <p:spPr>
+        <p:spPr bwMode="ltGray">
           <a:xfrm>
             <a:off x="0" y="609600"/>
             <a:ext cx="10437812" cy="1368198"/>
@@ -6850,7 +6936,7 @@
           </a:lstStyle>
           <a:p>
             <a:r>
-              <a:rPr lang="es-ES" smtClean="0"/>
+              <a:rPr lang="es-ES"/>
               <a:t>Haga clic para modificar el estilo de título del patrón</a:t>
             </a:r>
             <a:endParaRPr lang="en-US" dirty="0"/>
@@ -6926,7 +7012,7 @@
           </a:lstStyle>
           <a:p>
             <a:r>
-              <a:rPr lang="es-ES" smtClean="0"/>
+              <a:rPr lang="es-ES"/>
               <a:t>Haga clic en el icono para agregar una imagen</a:t>
             </a:r>
             <a:endParaRPr lang="en-US" dirty="0"/>
@@ -6992,8 +7078,8 @@
           <a:p>
             <a:pPr lvl="0"/>
             <a:r>
-              <a:rPr lang="es-ES" smtClean="0"/>
-              <a:t>Haga clic para modificar el estilo de texto del patrón</a:t>
+              <a:rPr lang="es-ES"/>
+              <a:t>Haga clic para modificar los estilos de texto del patrón</a:t>
             </a:r>
           </a:p>
         </p:txBody>
@@ -7014,8 +7100,8 @@
           <a:lstStyle/>
           <a:p>
             <a:fld id="{363EFA5E-FA76-400D-B3DC-F0BA90E6D107}" type="datetimeFigureOut">
-              <a:rPr lang="en-US" dirty="0"/>
-              <a:t>10/24/2018</a:t>
+              <a:rPr lang="en-US" smtClean="0"/>
+              <a:t>4/24/2020</a:t>
             </a:fld>
             <a:endParaRPr lang="en-US" dirty="0"/>
           </a:p>
@@ -7056,7 +7142,7 @@
           <a:lstStyle/>
           <a:p>
             <a:fld id="{6D22F896-40B5-4ADD-8801-0D06FADFA095}" type="slidenum">
-              <a:rPr lang="en-US" dirty="0"/>
+              <a:rPr lang="en-US" smtClean="0"/>
               <a:t>‹Nº›</a:t>
             </a:fld>
             <a:endParaRPr lang="en-US" dirty="0"/>
@@ -7064,6 +7150,11 @@
         </p:txBody>
       </p:sp>
     </p:spTree>
+    <p:extLst>
+      <p:ext uri="{BB962C8B-B14F-4D97-AF65-F5344CB8AC3E}">
+        <p14:creationId xmlns:p14="http://schemas.microsoft.com/office/powerpoint/2010/main" val="2331878263"/>
+      </p:ext>
+    </p:extLst>
   </p:cSld>
   <p:clrMapOvr>
     <a:masterClrMapping/>
@@ -7150,7 +7241,7 @@
           <a:lstStyle/>
           <a:p>
             <a:r>
-              <a:rPr lang="es-ES" smtClean="0"/>
+              <a:rPr lang="es-ES"/>
               <a:t>Haga clic para modificar el estilo de título del patrón</a:t>
             </a:r>
             <a:endParaRPr lang="en-US" dirty="0"/>
@@ -7184,35 +7275,35 @@
           <a:p>
             <a:pPr lvl="0"/>
             <a:r>
-              <a:rPr lang="es-ES" smtClean="0"/>
-              <a:t>Haga clic para modificar el estilo de texto del patrón</a:t>
+              <a:rPr lang="es-ES"/>
+              <a:t>Haga clic para modificar los estilos de texto del patrón</a:t>
             </a:r>
           </a:p>
           <a:p>
             <a:pPr lvl="1"/>
             <a:r>
-              <a:rPr lang="es-ES" smtClean="0"/>
+              <a:rPr lang="es-ES"/>
               <a:t>Segundo nivel</a:t>
             </a:r>
           </a:p>
           <a:p>
             <a:pPr lvl="2"/>
             <a:r>
-              <a:rPr lang="es-ES" smtClean="0"/>
+              <a:rPr lang="es-ES"/>
               <a:t>Tercer nivel</a:t>
             </a:r>
           </a:p>
           <a:p>
             <a:pPr lvl="3"/>
             <a:r>
-              <a:rPr lang="es-ES" smtClean="0"/>
+              <a:rPr lang="es-ES"/>
               <a:t>Cuarto nivel</a:t>
             </a:r>
           </a:p>
           <a:p>
             <a:pPr lvl="4"/>
             <a:r>
-              <a:rPr lang="es-ES" smtClean="0"/>
+              <a:rPr lang="es-ES"/>
               <a:t>Quinto nivel</a:t>
             </a:r>
             <a:endParaRPr lang="en-US" dirty="0"/>
@@ -7253,8 +7344,8 @@
           </a:lstStyle>
           <a:p>
             <a:fld id="{9D6E9DEC-419B-4CC5-A080-3B06BD5A8291}" type="datetimeFigureOut">
-              <a:rPr lang="en-US" dirty="0"/>
-              <a:t>10/24/2018</a:t>
+              <a:rPr lang="en-US" smtClean="0"/>
+              <a:t>4/24/2020</a:t>
             </a:fld>
             <a:endParaRPr lang="en-US" dirty="0"/>
           </a:p>
@@ -7331,7 +7422,7 @@
           </a:lstStyle>
           <a:p>
             <a:fld id="{6D22F896-40B5-4ADD-8801-0D06FADFA095}" type="slidenum">
-              <a:rPr lang="en-US" dirty="0"/>
+              <a:rPr lang="en-US" smtClean="0"/>
               <a:pPr/>
               <a:t>‹Nº›</a:t>
             </a:fld>
@@ -7340,26 +7431,31 @@
         </p:txBody>
       </p:sp>
     </p:spTree>
+    <p:extLst>
+      <p:ext uri="{BB962C8B-B14F-4D97-AF65-F5344CB8AC3E}">
+        <p14:creationId xmlns:p14="http://schemas.microsoft.com/office/powerpoint/2010/main" val="1762185278"/>
+      </p:ext>
+    </p:extLst>
   </p:cSld>
   <p:clrMap bg1="dk1" tx1="lt1" bg2="dk2" tx2="lt2" accent1="accent1" accent2="accent2" accent3="accent3" accent4="accent4" accent5="accent5" accent6="accent6" hlink="hlink" folHlink="folHlink"/>
   <p:sldLayoutIdLst>
-    <p:sldLayoutId id="2147483649" r:id="rId1"/>
-    <p:sldLayoutId id="2147483650" r:id="rId2"/>
-    <p:sldLayoutId id="2147483651" r:id="rId3"/>
-    <p:sldLayoutId id="2147483652" r:id="rId4"/>
-    <p:sldLayoutId id="2147483653" r:id="rId5"/>
-    <p:sldLayoutId id="2147483654" r:id="rId6"/>
-    <p:sldLayoutId id="2147483655" r:id="rId7"/>
-    <p:sldLayoutId id="2147483656" r:id="rId8"/>
-    <p:sldLayoutId id="2147483657" r:id="rId9"/>
-    <p:sldLayoutId id="2147483660" r:id="rId10"/>
-    <p:sldLayoutId id="2147483661" r:id="rId11"/>
-    <p:sldLayoutId id="2147483666" r:id="rId12"/>
-    <p:sldLayoutId id="2147483663" r:id="rId13"/>
-    <p:sldLayoutId id="2147483667" r:id="rId14"/>
-    <p:sldLayoutId id="2147483668" r:id="rId15"/>
-    <p:sldLayoutId id="2147483658" r:id="rId16"/>
-    <p:sldLayoutId id="2147483659" r:id="rId17"/>
+    <p:sldLayoutId id="2147483670" r:id="rId1"/>
+    <p:sldLayoutId id="2147483671" r:id="rId2"/>
+    <p:sldLayoutId id="2147483672" r:id="rId3"/>
+    <p:sldLayoutId id="2147483673" r:id="rId4"/>
+    <p:sldLayoutId id="2147483674" r:id="rId5"/>
+    <p:sldLayoutId id="2147483675" r:id="rId6"/>
+    <p:sldLayoutId id="2147483676" r:id="rId7"/>
+    <p:sldLayoutId id="2147483677" r:id="rId8"/>
+    <p:sldLayoutId id="2147483678" r:id="rId9"/>
+    <p:sldLayoutId id="2147483679" r:id="rId10"/>
+    <p:sldLayoutId id="2147483680" r:id="rId11"/>
+    <p:sldLayoutId id="2147483681" r:id="rId12"/>
+    <p:sldLayoutId id="2147483682" r:id="rId13"/>
+    <p:sldLayoutId id="2147483683" r:id="rId14"/>
+    <p:sldLayoutId id="2147483684" r:id="rId15"/>
+    <p:sldLayoutId id="2147483685" r:id="rId16"/>
+    <p:sldLayoutId id="2147483686" r:id="rId17"/>
   </p:sldLayoutIdLst>
   <p:hf sldNum="0" hdr="0" ftr="0" dt="0"/>
   <p:txStyles>
@@ -7678,10 +7774,9 @@
           <a:lstStyle/>
           <a:p>
             <a:r>
-              <a:rPr lang="es-AR" dirty="0" smtClean="0"/>
+              <a:rPr lang="es-AR" dirty="0"/>
               <a:t>Base de Datos SQL</a:t>
             </a:r>
-            <a:endParaRPr lang="es-AR" dirty="0"/>
           </a:p>
         </p:txBody>
       </p:sp>
@@ -7756,11 +7851,7 @@
             </a:pPr>
             <a:r>
               <a:rPr lang="es-AR" dirty="0"/>
-              <a:t>Edición </a:t>
-            </a:r>
-            <a:r>
-              <a:rPr lang="es-AR" dirty="0" smtClean="0"/>
-              <a:t>2018</a:t>
+              <a:t>Edición 2018</a:t>
             </a:r>
             <a:endParaRPr lang="es-AR" dirty="0">
               <a:solidFill>
@@ -7820,7 +7911,7 @@
               <a:buNone/>
             </a:pPr>
             <a:r>
-              <a:rPr lang="es-AR" dirty="0" smtClean="0">
+              <a:rPr lang="es-AR" dirty="0">
                 <a:solidFill>
                   <a:prstClr val="white"/>
                 </a:solidFill>
@@ -7828,12 +7919,6 @@
               </a:rPr>
               <a:t>21</a:t>
             </a:r>
-            <a:endParaRPr lang="es-AR" dirty="0">
-              <a:solidFill>
-                <a:prstClr val="white"/>
-              </a:solidFill>
-              <a:latin typeface="Trebuchet MS" panose="020B0603020202020204"/>
-            </a:endParaRPr>
           </a:p>
         </p:txBody>
       </p:sp>
@@ -7883,10 +7968,9 @@
           <a:lstStyle/>
           <a:p>
             <a:r>
-              <a:rPr lang="es-AR" dirty="0" smtClean="0"/>
+              <a:rPr lang="es-AR" dirty="0"/>
               <a:t>Conexión a SQL Server</a:t>
             </a:r>
-            <a:endParaRPr lang="es-AR" dirty="0"/>
           </a:p>
         </p:txBody>
       </p:sp>
@@ -8108,31 +8192,8 @@
                 </a:effectLst>
                 <a:latin typeface="Franklin Gothic Medium" panose="020B0603020102020204" pitchFamily="34" charset="0"/>
               </a:rPr>
-              <a:t> de Visual Studio</a:t>
-            </a:r>
-            <a:r>
-              <a:rPr lang="es-AR" dirty="0" smtClean="0">
-                <a:effectLst>
-                  <a:outerShdw blurRad="38100" dist="38100" dir="2700000" algn="tl">
-                    <a:srgbClr val="000000">
-                      <a:alpha val="43137"/>
-                    </a:srgbClr>
-                  </a:outerShdw>
-                </a:effectLst>
-                <a:latin typeface="Franklin Gothic Medium" panose="020B0603020102020204" pitchFamily="34" charset="0"/>
-              </a:rPr>
-              <a:t>.</a:t>
-            </a:r>
-            <a:endParaRPr lang="es-AR" dirty="0">
-              <a:effectLst>
-                <a:outerShdw blurRad="38100" dist="38100" dir="2700000" algn="tl">
-                  <a:srgbClr val="000000">
-                    <a:alpha val="43137"/>
-                  </a:srgbClr>
-                </a:outerShdw>
-              </a:effectLst>
-              <a:latin typeface="Franklin Gothic Medium" panose="020B0603020102020204" pitchFamily="34" charset="0"/>
-            </a:endParaRPr>
+              <a:t> de Visual Studio.</a:t>
+            </a:r>
           </a:p>
         </p:txBody>
       </p:sp>
@@ -8245,10 +8306,15 @@
                 </a:highlight>
                 <a:latin typeface="Consolas" panose="020B0609020204030204" pitchFamily="49" charset="0"/>
               </a:rPr>
-              <a:t>=[Instancia Del Servidor</a:t>
-            </a:r>
-            <a:r>
-              <a:rPr lang="es-AR" dirty="0" smtClean="0">
+              <a:t>=[Instancia Del Servidor];</a:t>
+            </a:r>
+          </a:p>
+          <a:p>
+            <a:pPr>
+              <a:defRPr/>
+            </a:pPr>
+            <a:r>
+              <a:rPr lang="es-AR" dirty="0">
                 <a:solidFill>
                   <a:srgbClr val="A31515"/>
                 </a:solidFill>
@@ -8257,15 +8323,10 @@
                 </a:highlight>
                 <a:latin typeface="Consolas" panose="020B0609020204030204" pitchFamily="49" charset="0"/>
               </a:rPr>
-              <a:t>];</a:t>
-            </a:r>
-          </a:p>
-          <a:p>
-            <a:pPr>
-              <a:defRPr/>
-            </a:pPr>
-            <a:r>
-              <a:rPr lang="es-AR" dirty="0">
+              <a:t>	</a:t>
+            </a:r>
+            <a:r>
+              <a:rPr lang="es-AR" dirty="0" err="1">
                 <a:solidFill>
                   <a:srgbClr val="A31515"/>
                 </a:solidFill>
@@ -8274,22 +8335,10 @@
                 </a:highlight>
                 <a:latin typeface="Consolas" panose="020B0609020204030204" pitchFamily="49" charset="0"/>
               </a:rPr>
-              <a:t>	</a:t>
-            </a:r>
-            <a:r>
-              <a:rPr lang="es-AR" dirty="0" err="1" smtClean="0">
-                <a:solidFill>
-                  <a:srgbClr val="A31515"/>
-                </a:solidFill>
-                <a:highlight>
-                  <a:srgbClr val="FFFFFF"/>
-                </a:highlight>
-                <a:latin typeface="Consolas" panose="020B0609020204030204" pitchFamily="49" charset="0"/>
-              </a:rPr>
               <a:t>Initial</a:t>
             </a:r>
             <a:r>
-              <a:rPr lang="es-AR" dirty="0" smtClean="0">
+              <a:rPr lang="es-AR" dirty="0">
                 <a:solidFill>
                   <a:srgbClr val="A31515"/>
                 </a:solidFill>
@@ -8410,10 +8459,9 @@
           <a:lstStyle/>
           <a:p>
             <a:r>
-              <a:rPr lang="es-AR" dirty="0" smtClean="0"/>
+              <a:rPr lang="es-AR" dirty="0"/>
               <a:t>Ejemplo de Conexión</a:t>
             </a:r>
-            <a:endParaRPr lang="es-AR" dirty="0"/>
           </a:p>
         </p:txBody>
       </p:sp>
@@ -8612,7 +8660,7 @@
               <a:defRPr/>
             </a:pPr>
             <a:r>
-              <a:rPr lang="es-AR" sz="2800" dirty="0" err="1" smtClean="0">
+              <a:rPr lang="es-AR" sz="2800" dirty="0" err="1">
                 <a:solidFill>
                   <a:srgbClr val="0000FF"/>
                 </a:solidFill>
@@ -8624,7 +8672,7 @@
               <a:t>using</a:t>
             </a:r>
             <a:r>
-              <a:rPr lang="es-AR" sz="2800" dirty="0" smtClean="0">
+              <a:rPr lang="es-AR" sz="2800" dirty="0">
                 <a:solidFill>
                   <a:srgbClr val="000000"/>
                 </a:solidFill>
@@ -8636,7 +8684,7 @@
               <a:t> </a:t>
             </a:r>
             <a:r>
-              <a:rPr lang="es-AR" sz="2800" dirty="0" err="1" smtClean="0">
+              <a:rPr lang="es-AR" sz="2800" dirty="0" err="1">
                 <a:solidFill>
                   <a:srgbClr val="000000"/>
                 </a:solidFill>
@@ -8648,7 +8696,7 @@
               <a:t>System.Data.SqlClient</a:t>
             </a:r>
             <a:r>
-              <a:rPr lang="es-AR" sz="2800" dirty="0" smtClean="0">
+              <a:rPr lang="es-AR" sz="2800" dirty="0">
                 <a:solidFill>
                   <a:srgbClr val="000000"/>
                 </a:solidFill>
@@ -8667,7 +8715,7 @@
               <a:defRPr/>
             </a:pPr>
             <a:r>
-              <a:rPr lang="es-AR" sz="2800" dirty="0" smtClean="0">
+              <a:rPr lang="es-AR" sz="2800" dirty="0">
                 <a:solidFill>
                   <a:srgbClr val="008000"/>
                 </a:solidFill>
@@ -8678,7 +8726,7 @@
               </a:rPr>
               <a:t>// ...</a:t>
             </a:r>
-            <a:endParaRPr lang="es-AR" sz="2800" dirty="0" smtClean="0">
+            <a:endParaRPr lang="es-AR" sz="2800" dirty="0">
               <a:solidFill>
                 <a:srgbClr val="000000"/>
               </a:solidFill>
@@ -8695,7 +8743,7 @@
               <a:defRPr/>
             </a:pPr>
             <a:r>
-              <a:rPr lang="es-AR" sz="2800" dirty="0" err="1" smtClean="0">
+              <a:rPr lang="es-AR" sz="2800" dirty="0" err="1">
                 <a:solidFill>
                   <a:srgbClr val="2B91AF"/>
                 </a:solidFill>
@@ -8707,7 +8755,7 @@
               <a:t>SqlConnection</a:t>
             </a:r>
             <a:r>
-              <a:rPr lang="es-AR" sz="2800" dirty="0" smtClean="0">
+              <a:rPr lang="es-AR" sz="2800" dirty="0">
                 <a:solidFill>
                   <a:srgbClr val="000000"/>
                 </a:solidFill>
@@ -8719,7 +8767,7 @@
               <a:t> </a:t>
             </a:r>
             <a:r>
-              <a:rPr lang="es-AR" sz="2800" dirty="0" err="1" smtClean="0">
+              <a:rPr lang="es-AR" sz="2800" dirty="0" err="1">
                 <a:solidFill>
                   <a:srgbClr val="000000"/>
                 </a:solidFill>
@@ -8731,7 +8779,7 @@
               <a:t>conexion</a:t>
             </a:r>
             <a:r>
-              <a:rPr lang="es-AR" sz="2800" dirty="0" smtClean="0">
+              <a:rPr lang="es-AR" sz="2800" dirty="0">
                 <a:solidFill>
                   <a:srgbClr val="000000"/>
                 </a:solidFill>
@@ -8750,7 +8798,7 @@
               <a:defRPr/>
             </a:pPr>
             <a:r>
-              <a:rPr lang="es-AR" sz="2800" dirty="0" err="1" smtClean="0">
+              <a:rPr lang="es-AR" sz="2800" dirty="0" err="1">
                 <a:solidFill>
                   <a:srgbClr val="000000"/>
                 </a:solidFill>
@@ -8762,7 +8810,7 @@
               <a:t>conexion</a:t>
             </a:r>
             <a:r>
-              <a:rPr lang="es-AR" sz="2800" dirty="0" smtClean="0">
+              <a:rPr lang="es-AR" sz="2800" dirty="0">
                 <a:solidFill>
                   <a:srgbClr val="000000"/>
                 </a:solidFill>
@@ -8774,7 +8822,7 @@
               <a:t> = </a:t>
             </a:r>
             <a:r>
-              <a:rPr lang="es-AR" sz="2800" dirty="0" smtClean="0">
+              <a:rPr lang="es-AR" sz="2800" dirty="0">
                 <a:solidFill>
                   <a:srgbClr val="0000FF"/>
                 </a:solidFill>
@@ -8786,7 +8834,7 @@
               <a:t>new</a:t>
             </a:r>
             <a:r>
-              <a:rPr lang="es-AR" sz="2800" dirty="0" smtClean="0">
+              <a:rPr lang="es-AR" sz="2800" dirty="0">
                 <a:solidFill>
                   <a:srgbClr val="000000"/>
                 </a:solidFill>
@@ -8798,7 +8846,7 @@
               <a:t> </a:t>
             </a:r>
             <a:r>
-              <a:rPr lang="es-AR" sz="2800" dirty="0" err="1" smtClean="0">
+              <a:rPr lang="es-AR" sz="2800" dirty="0" err="1">
                 <a:solidFill>
                   <a:srgbClr val="2B91AF"/>
                 </a:solidFill>
@@ -8810,7 +8858,7 @@
               <a:t>SqlConnection</a:t>
             </a:r>
             <a:r>
-              <a:rPr lang="es-AR" sz="2800" dirty="0" smtClean="0">
+              <a:rPr lang="es-AR" sz="2800" dirty="0">
                 <a:solidFill>
                   <a:srgbClr val="000000"/>
                 </a:solidFill>
@@ -8822,7 +8870,7 @@
               <a:t>(</a:t>
             </a:r>
             <a:r>
-              <a:rPr lang="es-AR" sz="2800" dirty="0" err="1" smtClean="0">
+              <a:rPr lang="es-AR" sz="2800" dirty="0" err="1">
                 <a:solidFill>
                   <a:srgbClr val="000000"/>
                 </a:solidFill>
@@ -8834,7 +8882,7 @@
               <a:t>connectionStr</a:t>
             </a:r>
             <a:r>
-              <a:rPr lang="es-AR" sz="2800" dirty="0" smtClean="0">
+              <a:rPr lang="es-AR" sz="2800" dirty="0">
                 <a:solidFill>
                   <a:srgbClr val="000000"/>
                 </a:solidFill>
@@ -8902,7 +8950,7 @@
           <a:lstStyle/>
           <a:p>
             <a:r>
-              <a:rPr lang="es-AR" dirty="0" err="1" smtClean="0"/>
+              <a:rPr lang="es-AR" dirty="0" err="1"/>
               <a:t>Command</a:t>
             </a:r>
             <a:endParaRPr lang="es-AR" dirty="0"/>
@@ -9066,11 +9114,11 @@
           <a:lstStyle/>
           <a:p>
             <a:r>
-              <a:rPr lang="es-AR" dirty="0" smtClean="0"/>
+              <a:rPr lang="es-AR" dirty="0"/>
               <a:t>Ejemplo de </a:t>
             </a:r>
             <a:r>
-              <a:rPr lang="es-AR" dirty="0" err="1" smtClean="0"/>
+              <a:rPr lang="es-AR" dirty="0" err="1"/>
               <a:t>Command</a:t>
             </a:r>
             <a:endParaRPr lang="es-AR" dirty="0"/>
@@ -9272,7 +9320,7 @@
               <a:defRPr/>
             </a:pPr>
             <a:r>
-              <a:rPr lang="es-AR" dirty="0" err="1" smtClean="0">
+              <a:rPr lang="es-AR" dirty="0" err="1">
                 <a:solidFill>
                   <a:srgbClr val="2B91AF"/>
                 </a:solidFill>
@@ -9284,7 +9332,7 @@
               <a:t>SqlCommand</a:t>
             </a:r>
             <a:r>
-              <a:rPr lang="es-AR" dirty="0" smtClean="0">
+              <a:rPr lang="es-AR" dirty="0">
                 <a:solidFill>
                   <a:srgbClr val="000000"/>
                 </a:solidFill>
@@ -9302,7 +9350,7 @@
               <a:buNone/>
               <a:defRPr/>
             </a:pPr>
-            <a:endParaRPr lang="es-AR" dirty="0" smtClean="0">
+            <a:endParaRPr lang="es-AR" dirty="0">
               <a:solidFill>
                 <a:srgbClr val="000000"/>
               </a:solidFill>
@@ -9319,7 +9367,7 @@
               <a:defRPr/>
             </a:pPr>
             <a:r>
-              <a:rPr lang="es-AR" dirty="0" smtClean="0">
+              <a:rPr lang="es-AR" dirty="0">
                 <a:solidFill>
                   <a:srgbClr val="000000"/>
                 </a:solidFill>
@@ -9331,7 +9379,7 @@
               <a:t>comando = </a:t>
             </a:r>
             <a:r>
-              <a:rPr lang="es-AR" dirty="0" smtClean="0">
+              <a:rPr lang="es-AR" dirty="0">
                 <a:solidFill>
                   <a:srgbClr val="0000FF"/>
                 </a:solidFill>
@@ -9343,7 +9391,7 @@
               <a:t>new</a:t>
             </a:r>
             <a:r>
-              <a:rPr lang="es-AR" dirty="0" smtClean="0">
+              <a:rPr lang="es-AR" dirty="0">
                 <a:solidFill>
                   <a:srgbClr val="000000"/>
                 </a:solidFill>
@@ -9355,7 +9403,7 @@
               <a:t> </a:t>
             </a:r>
             <a:r>
-              <a:rPr lang="es-AR" dirty="0" err="1" smtClean="0">
+              <a:rPr lang="es-AR" dirty="0" err="1">
                 <a:solidFill>
                   <a:srgbClr val="2B91AF"/>
                 </a:solidFill>
@@ -9367,7 +9415,7 @@
               <a:t>SqlCommand</a:t>
             </a:r>
             <a:r>
-              <a:rPr lang="es-AR" dirty="0" smtClean="0">
+              <a:rPr lang="es-AR" dirty="0">
                 <a:solidFill>
                   <a:srgbClr val="000000"/>
                 </a:solidFill>
@@ -9386,7 +9434,7 @@
               <a:defRPr/>
             </a:pPr>
             <a:r>
-              <a:rPr lang="es-AR" dirty="0" err="1" smtClean="0">
+              <a:rPr lang="es-AR" dirty="0" err="1">
                 <a:solidFill>
                   <a:srgbClr val="000000"/>
                 </a:solidFill>
@@ -9398,7 +9446,7 @@
               <a:t>comando.CommandType</a:t>
             </a:r>
             <a:r>
-              <a:rPr lang="es-AR" dirty="0" smtClean="0">
+              <a:rPr lang="es-AR" dirty="0">
                 <a:solidFill>
                   <a:srgbClr val="000000"/>
                 </a:solidFill>
@@ -9410,7 +9458,7 @@
               <a:t> = </a:t>
             </a:r>
             <a:r>
-              <a:rPr lang="es-AR" dirty="0" err="1" smtClean="0">
+              <a:rPr lang="es-AR" dirty="0" err="1">
                 <a:solidFill>
                   <a:srgbClr val="000000"/>
                 </a:solidFill>
@@ -9422,7 +9470,7 @@
               <a:t>System.Data.</a:t>
             </a:r>
             <a:r>
-              <a:rPr lang="es-AR" dirty="0" err="1" smtClean="0">
+              <a:rPr lang="es-AR" dirty="0" err="1">
                 <a:solidFill>
                   <a:srgbClr val="2B91AF"/>
                 </a:solidFill>
@@ -9434,7 +9482,7 @@
               <a:t>CommandType</a:t>
             </a:r>
             <a:r>
-              <a:rPr lang="es-AR" dirty="0" err="1" smtClean="0">
+              <a:rPr lang="es-AR" dirty="0" err="1">
                 <a:solidFill>
                   <a:srgbClr val="000000"/>
                 </a:solidFill>
@@ -9446,7 +9494,7 @@
               <a:t>.Text</a:t>
             </a:r>
             <a:r>
-              <a:rPr lang="es-AR" dirty="0" smtClean="0">
+              <a:rPr lang="es-AR" dirty="0">
                 <a:solidFill>
                   <a:srgbClr val="000000"/>
                 </a:solidFill>
@@ -9464,7 +9512,7 @@
               <a:buNone/>
               <a:defRPr/>
             </a:pPr>
-            <a:endParaRPr lang="es-AR" dirty="0" smtClean="0">
+            <a:endParaRPr lang="es-AR" dirty="0">
               <a:solidFill>
                 <a:srgbClr val="000000"/>
               </a:solidFill>
@@ -9481,7 +9529,7 @@
               <a:defRPr/>
             </a:pPr>
             <a:r>
-              <a:rPr lang="es-AR" dirty="0" err="1" smtClean="0">
+              <a:rPr lang="es-AR" dirty="0" err="1">
                 <a:solidFill>
                   <a:srgbClr val="000000"/>
                 </a:solidFill>
@@ -9493,7 +9541,7 @@
               <a:t>comando.Connection</a:t>
             </a:r>
             <a:r>
-              <a:rPr lang="es-AR" dirty="0" smtClean="0">
+              <a:rPr lang="es-AR" dirty="0">
                 <a:solidFill>
                   <a:srgbClr val="000000"/>
                 </a:solidFill>
@@ -9505,7 +9553,7 @@
               <a:t> = </a:t>
             </a:r>
             <a:r>
-              <a:rPr lang="es-AR" dirty="0" err="1" smtClean="0">
+              <a:rPr lang="es-AR" dirty="0" err="1">
                 <a:solidFill>
                   <a:srgbClr val="000000"/>
                 </a:solidFill>
@@ -9517,7 +9565,7 @@
               <a:t>conexion</a:t>
             </a:r>
             <a:r>
-              <a:rPr lang="es-AR" dirty="0" smtClean="0">
+              <a:rPr lang="es-AR" dirty="0">
                 <a:solidFill>
                   <a:srgbClr val="000000"/>
                 </a:solidFill>
@@ -9577,11 +9625,11 @@
           <a:lstStyle/>
           <a:p>
             <a:r>
-              <a:rPr lang="es-AR" dirty="0" smtClean="0"/>
+              <a:rPr lang="es-AR" dirty="0"/>
               <a:t>Ejemplo de consulta </a:t>
             </a:r>
             <a:r>
-              <a:rPr lang="es-AR" dirty="0" err="1" smtClean="0"/>
+              <a:rPr lang="es-AR" dirty="0" err="1"/>
               <a:t>Select</a:t>
             </a:r>
             <a:endParaRPr lang="es-AR" dirty="0"/>
@@ -9783,7 +9831,7 @@
               <a:defRPr/>
             </a:pPr>
             <a:r>
-              <a:rPr lang="es-AR" dirty="0" err="1" smtClean="0">
+              <a:rPr lang="es-AR" dirty="0" err="1">
                 <a:solidFill>
                   <a:srgbClr val="000000"/>
                 </a:solidFill>
@@ -9795,7 +9843,7 @@
               <a:t>comando.CommandText</a:t>
             </a:r>
             <a:r>
-              <a:rPr lang="es-AR" dirty="0" smtClean="0">
+              <a:rPr lang="es-AR" dirty="0">
                 <a:solidFill>
                   <a:srgbClr val="000000"/>
                 </a:solidFill>
@@ -9807,7 +9855,7 @@
               <a:t> = </a:t>
             </a:r>
             <a:r>
-              <a:rPr lang="es-AR" dirty="0" smtClean="0">
+              <a:rPr lang="es-AR" dirty="0">
                 <a:solidFill>
                   <a:srgbClr val="A31515"/>
                 </a:solidFill>
@@ -9819,7 +9867,7 @@
               <a:t>"SELECT nombre FROM Personas"</a:t>
             </a:r>
             <a:r>
-              <a:rPr lang="es-AR" dirty="0" smtClean="0">
+              <a:rPr lang="es-AR" dirty="0">
                 <a:solidFill>
                   <a:srgbClr val="000000"/>
                 </a:solidFill>
@@ -9838,7 +9886,7 @@
               <a:defRPr/>
             </a:pPr>
             <a:r>
-              <a:rPr lang="es-AR" dirty="0" err="1" smtClean="0">
+              <a:rPr lang="es-AR" dirty="0" err="1">
                 <a:solidFill>
                   <a:srgbClr val="000000"/>
                 </a:solidFill>
@@ -9850,7 +9898,7 @@
               <a:t>conexion.Open</a:t>
             </a:r>
             <a:r>
-              <a:rPr lang="es-AR" dirty="0" smtClean="0">
+              <a:rPr lang="es-AR" dirty="0">
                 <a:solidFill>
                   <a:srgbClr val="000000"/>
                 </a:solidFill>
@@ -9868,7 +9916,7 @@
               <a:buNone/>
               <a:defRPr/>
             </a:pPr>
-            <a:endParaRPr lang="es-AR" dirty="0" smtClean="0">
+            <a:endParaRPr lang="es-AR" dirty="0">
               <a:solidFill>
                 <a:srgbClr val="000000"/>
               </a:solidFill>
@@ -9885,7 +9933,7 @@
               <a:defRPr/>
             </a:pPr>
             <a:r>
-              <a:rPr lang="es-AR" dirty="0" err="1" smtClean="0">
+              <a:rPr lang="es-AR" dirty="0" err="1">
                 <a:solidFill>
                   <a:srgbClr val="2B91AF"/>
                 </a:solidFill>
@@ -9897,7 +9945,7 @@
               <a:t>SqlDataReader</a:t>
             </a:r>
             <a:r>
-              <a:rPr lang="es-AR" dirty="0" smtClean="0">
+              <a:rPr lang="es-AR" dirty="0">
                 <a:solidFill>
                   <a:srgbClr val="000000"/>
                 </a:solidFill>
@@ -9909,7 +9957,7 @@
               <a:t> </a:t>
             </a:r>
             <a:r>
-              <a:rPr lang="es-AR" dirty="0" err="1" smtClean="0">
+              <a:rPr lang="es-AR" dirty="0" err="1">
                 <a:solidFill>
                   <a:srgbClr val="000000"/>
                 </a:solidFill>
@@ -9921,7 +9969,7 @@
               <a:t>oDr</a:t>
             </a:r>
             <a:r>
-              <a:rPr lang="es-AR" dirty="0" smtClean="0">
+              <a:rPr lang="es-AR" dirty="0">
                 <a:solidFill>
                   <a:srgbClr val="000000"/>
                 </a:solidFill>
@@ -9933,7 +9981,7 @@
               <a:t> = </a:t>
             </a:r>
             <a:r>
-              <a:rPr lang="es-AR" dirty="0" err="1" smtClean="0">
+              <a:rPr lang="es-AR" dirty="0" err="1">
                 <a:solidFill>
                   <a:srgbClr val="000000"/>
                 </a:solidFill>
@@ -9945,7 +9993,7 @@
               <a:t>comando.ExecuteReader</a:t>
             </a:r>
             <a:r>
-              <a:rPr lang="es-AR" dirty="0" smtClean="0">
+              <a:rPr lang="es-AR" dirty="0">
                 <a:solidFill>
                   <a:srgbClr val="000000"/>
                 </a:solidFill>
@@ -9963,7 +10011,7 @@
               <a:buNone/>
               <a:defRPr/>
             </a:pPr>
-            <a:endParaRPr lang="es-AR" dirty="0" smtClean="0">
+            <a:endParaRPr lang="es-AR" dirty="0">
               <a:solidFill>
                 <a:srgbClr val="000000"/>
               </a:solidFill>
@@ -9980,7 +10028,7 @@
               <a:defRPr/>
             </a:pPr>
             <a:r>
-              <a:rPr lang="es-AR" dirty="0" err="1" smtClean="0">
+              <a:rPr lang="es-AR" dirty="0" err="1">
                 <a:solidFill>
                   <a:srgbClr val="000000"/>
                 </a:solidFill>
@@ -9992,7 +10040,7 @@
               <a:t>while</a:t>
             </a:r>
             <a:r>
-              <a:rPr lang="es-AR" dirty="0" smtClean="0">
+              <a:rPr lang="es-AR" dirty="0">
                 <a:solidFill>
                   <a:srgbClr val="000000"/>
                 </a:solidFill>
@@ -10004,7 +10052,7 @@
               <a:t> (</a:t>
             </a:r>
             <a:r>
-              <a:rPr lang="es-AR" dirty="0" err="1" smtClean="0">
+              <a:rPr lang="es-AR" dirty="0" err="1">
                 <a:solidFill>
                   <a:srgbClr val="000000"/>
                 </a:solidFill>
@@ -10016,7 +10064,7 @@
               <a:t>oDr.Read</a:t>
             </a:r>
             <a:r>
-              <a:rPr lang="es-AR" dirty="0" smtClean="0">
+              <a:rPr lang="es-AR" dirty="0">
                 <a:solidFill>
                   <a:srgbClr val="000000"/>
                 </a:solidFill>
@@ -10035,7 +10083,7 @@
               <a:defRPr/>
             </a:pPr>
             <a:r>
-              <a:rPr lang="es-AR" dirty="0" smtClean="0">
+              <a:rPr lang="es-AR" dirty="0">
                 <a:solidFill>
                   <a:srgbClr val="000000"/>
                 </a:solidFill>
@@ -10054,7 +10102,7 @@
               <a:defRPr/>
             </a:pPr>
             <a:r>
-              <a:rPr lang="es-AR" dirty="0" smtClean="0">
+              <a:rPr lang="es-AR" dirty="0">
                 <a:solidFill>
                   <a:srgbClr val="0000FF"/>
                 </a:solidFill>
@@ -10066,7 +10114,7 @@
               <a:t>    </a:t>
             </a:r>
             <a:r>
-              <a:rPr lang="es-AR" dirty="0" err="1" smtClean="0">
+              <a:rPr lang="es-AR" dirty="0" err="1">
                 <a:solidFill>
                   <a:srgbClr val="0000FF"/>
                 </a:solidFill>
@@ -10078,7 +10126,7 @@
               <a:t>string</a:t>
             </a:r>
             <a:r>
-              <a:rPr lang="es-AR" dirty="0" smtClean="0">
+              <a:rPr lang="es-AR" dirty="0">
                 <a:solidFill>
                   <a:srgbClr val="000000"/>
                 </a:solidFill>
@@ -10090,7 +10138,7 @@
               <a:t> </a:t>
             </a:r>
             <a:r>
-              <a:rPr lang="es-AR" dirty="0" err="1" smtClean="0">
+              <a:rPr lang="es-AR" dirty="0" err="1">
                 <a:solidFill>
                   <a:srgbClr val="000000"/>
                 </a:solidFill>
@@ -10102,7 +10150,7 @@
               <a:t>aux</a:t>
             </a:r>
             <a:r>
-              <a:rPr lang="es-AR" dirty="0" smtClean="0">
+              <a:rPr lang="es-AR" dirty="0">
                 <a:solidFill>
                   <a:srgbClr val="000000"/>
                 </a:solidFill>
@@ -10114,7 +10162,7 @@
               <a:t> = </a:t>
             </a:r>
             <a:r>
-              <a:rPr lang="es-AR" dirty="0" err="1" smtClean="0">
+              <a:rPr lang="es-AR" dirty="0" err="1">
                 <a:solidFill>
                   <a:srgbClr val="000000"/>
                 </a:solidFill>
@@ -10126,7 +10174,7 @@
               <a:t>oDr</a:t>
             </a:r>
             <a:r>
-              <a:rPr lang="es-AR" dirty="0" smtClean="0">
+              <a:rPr lang="es-AR" dirty="0">
                 <a:solidFill>
                   <a:srgbClr val="000000"/>
                 </a:solidFill>
@@ -10138,7 +10186,7 @@
               <a:t>[</a:t>
             </a:r>
             <a:r>
-              <a:rPr lang="es-AR" dirty="0" smtClean="0">
+              <a:rPr lang="es-AR" dirty="0">
                 <a:solidFill>
                   <a:srgbClr val="A31515"/>
                 </a:solidFill>
@@ -10150,7 +10198,7 @@
               <a:t>"nombre"</a:t>
             </a:r>
             <a:r>
-              <a:rPr lang="es-AR" dirty="0" smtClean="0">
+              <a:rPr lang="es-AR" dirty="0">
                 <a:solidFill>
                   <a:srgbClr val="000000"/>
                 </a:solidFill>
@@ -10162,7 +10210,7 @@
               <a:t>].</a:t>
             </a:r>
             <a:r>
-              <a:rPr lang="es-AR" dirty="0" err="1" smtClean="0">
+              <a:rPr lang="es-AR" dirty="0" err="1">
                 <a:solidFill>
                   <a:srgbClr val="000000"/>
                 </a:solidFill>
@@ -10174,7 +10222,7 @@
               <a:t>ToString</a:t>
             </a:r>
             <a:r>
-              <a:rPr lang="es-AR" dirty="0" smtClean="0">
+              <a:rPr lang="es-AR" dirty="0">
                 <a:solidFill>
                   <a:srgbClr val="000000"/>
                 </a:solidFill>
@@ -10193,7 +10241,7 @@
               <a:defRPr/>
             </a:pPr>
             <a:r>
-              <a:rPr lang="es-AR" dirty="0" smtClean="0">
+              <a:rPr lang="es-AR" dirty="0">
                 <a:solidFill>
                   <a:srgbClr val="000000"/>
                 </a:solidFill>
@@ -10204,7 +10252,7 @@
               </a:rPr>
               <a:t>}</a:t>
             </a:r>
-            <a:endParaRPr lang="es-AR" dirty="0" smtClean="0"/>
+            <a:endParaRPr lang="es-AR" dirty="0"/>
           </a:p>
         </p:txBody>
       </p:sp>
@@ -10254,27 +10302,27 @@
           <a:lstStyle/>
           <a:p>
             <a:r>
-              <a:rPr lang="es-AR" dirty="0" smtClean="0"/>
+              <a:rPr lang="es-AR" dirty="0"/>
               <a:t>Ejemplo </a:t>
             </a:r>
             <a:r>
-              <a:rPr lang="es-AR" dirty="0" err="1" smtClean="0"/>
+              <a:rPr lang="es-AR" dirty="0" err="1"/>
               <a:t>Insert</a:t>
             </a:r>
             <a:r>
-              <a:rPr lang="es-AR" dirty="0" smtClean="0"/>
+              <a:rPr lang="es-AR" dirty="0"/>
               <a:t>, </a:t>
             </a:r>
             <a:r>
-              <a:rPr lang="es-AR" dirty="0" err="1" smtClean="0"/>
+              <a:rPr lang="es-AR" dirty="0" err="1"/>
               <a:t>Update</a:t>
             </a:r>
             <a:r>
-              <a:rPr lang="es-AR" dirty="0" smtClean="0"/>
+              <a:rPr lang="es-AR" dirty="0"/>
               <a:t> y </a:t>
             </a:r>
             <a:r>
-              <a:rPr lang="es-AR" dirty="0" err="1" smtClean="0"/>
+              <a:rPr lang="es-AR" dirty="0" err="1"/>
               <a:t>Delete</a:t>
             </a:r>
             <a:endParaRPr lang="es-AR" dirty="0"/>
@@ -10476,7 +10524,7 @@
               <a:defRPr/>
             </a:pPr>
             <a:r>
-              <a:rPr lang="es-AR" sz="2200" dirty="0" err="1" smtClean="0">
+              <a:rPr lang="es-AR" sz="2200" dirty="0" err="1">
                 <a:solidFill>
                   <a:srgbClr val="2B91AF"/>
                 </a:solidFill>
@@ -10488,7 +10536,7 @@
               <a:t>String</a:t>
             </a:r>
             <a:r>
-              <a:rPr lang="es-AR" sz="2200" dirty="0" smtClean="0">
+              <a:rPr lang="es-AR" sz="2200" dirty="0">
                 <a:solidFill>
                   <a:srgbClr val="000000"/>
                 </a:solidFill>
@@ -10507,7 +10555,7 @@
               <a:defRPr/>
             </a:pPr>
             <a:r>
-              <a:rPr lang="es-AR" sz="2200" dirty="0" smtClean="0">
+              <a:rPr lang="es-AR" sz="2200" dirty="0">
                 <a:solidFill>
                   <a:srgbClr val="000000"/>
                 </a:solidFill>
@@ -10519,7 +10567,7 @@
               <a:t>consulta = </a:t>
             </a:r>
             <a:r>
-              <a:rPr lang="es-AR" sz="2200" dirty="0" smtClean="0">
+              <a:rPr lang="es-AR" sz="2200" dirty="0">
                 <a:solidFill>
                   <a:srgbClr val="A31515"/>
                 </a:solidFill>
@@ -10531,7 +10579,7 @@
               <a:t>"UPDATE Personas SET nombre = '</a:t>
             </a:r>
             <a:r>
-              <a:rPr lang="es-AR" sz="2200" dirty="0" err="1" smtClean="0">
+              <a:rPr lang="es-AR" sz="2200" dirty="0" err="1">
                 <a:solidFill>
                   <a:srgbClr val="A31515"/>
                 </a:solidFill>
@@ -10543,7 +10591,7 @@
               <a:t>Fer</a:t>
             </a:r>
             <a:r>
-              <a:rPr lang="es-AR" sz="2200" dirty="0" smtClean="0">
+              <a:rPr lang="es-AR" sz="2200" dirty="0">
                 <a:solidFill>
                   <a:srgbClr val="A31515"/>
                 </a:solidFill>
@@ -10555,7 +10603,7 @@
               <a:t>' WHERE id = 1"</a:t>
             </a:r>
             <a:r>
-              <a:rPr lang="es-AR" sz="2200" dirty="0" smtClean="0">
+              <a:rPr lang="es-AR" sz="2200" dirty="0">
                 <a:solidFill>
                   <a:srgbClr val="000000"/>
                 </a:solidFill>
@@ -10574,7 +10622,7 @@
               <a:defRPr/>
             </a:pPr>
             <a:r>
-              <a:rPr lang="es-AR" sz="2200" dirty="0" smtClean="0">
+              <a:rPr lang="es-AR" sz="2200" dirty="0">
                 <a:solidFill>
                   <a:srgbClr val="008000"/>
                 </a:solidFill>
@@ -10586,7 +10634,7 @@
               <a:t>//consulta = </a:t>
             </a:r>
             <a:r>
-              <a:rPr lang="es-AR" sz="2200" dirty="0" smtClean="0">
+              <a:rPr lang="es-AR" sz="2200" dirty="0">
                 <a:solidFill>
                   <a:srgbClr val="339933"/>
                 </a:solidFill>
@@ -10598,7 +10646,7 @@
               <a:t>"</a:t>
             </a:r>
             <a:r>
-              <a:rPr lang="es-AR" sz="2200" dirty="0" smtClean="0">
+              <a:rPr lang="es-AR" sz="2200" dirty="0">
                 <a:solidFill>
                   <a:srgbClr val="008000"/>
                 </a:solidFill>
@@ -10610,7 +10658,7 @@
               <a:t>INSERT INTO Personas (nombre)  VALUES('Pedro')</a:t>
             </a:r>
             <a:r>
-              <a:rPr lang="es-AR" sz="2200" dirty="0" smtClean="0">
+              <a:rPr lang="es-AR" sz="2200" dirty="0">
                 <a:solidFill>
                   <a:srgbClr val="339933"/>
                 </a:solidFill>
@@ -10622,7 +10670,7 @@
               <a:t>"</a:t>
             </a:r>
             <a:r>
-              <a:rPr lang="es-AR" sz="2200" dirty="0" smtClean="0">
+              <a:rPr lang="es-AR" sz="2200" dirty="0">
                 <a:solidFill>
                   <a:srgbClr val="008000"/>
                 </a:solidFill>
@@ -10633,7 +10681,7 @@
               </a:rPr>
               <a:t>;</a:t>
             </a:r>
-            <a:endParaRPr lang="es-AR" sz="2200" dirty="0" smtClean="0">
+            <a:endParaRPr lang="es-AR" sz="2200" dirty="0">
               <a:solidFill>
                 <a:srgbClr val="000000"/>
               </a:solidFill>
@@ -10650,7 +10698,7 @@
               <a:defRPr/>
             </a:pPr>
             <a:r>
-              <a:rPr lang="es-AR" sz="2200" dirty="0" smtClean="0">
+              <a:rPr lang="es-AR" sz="2200" dirty="0">
                 <a:solidFill>
                   <a:srgbClr val="008000"/>
                 </a:solidFill>
@@ -10662,7 +10710,7 @@
               <a:t>//consulta = </a:t>
             </a:r>
             <a:r>
-              <a:rPr lang="es-AR" sz="2200" dirty="0" smtClean="0">
+              <a:rPr lang="es-AR" sz="2200" dirty="0">
                 <a:solidFill>
                   <a:srgbClr val="339933"/>
                 </a:solidFill>
@@ -10674,7 +10722,7 @@
               <a:t>"</a:t>
             </a:r>
             <a:r>
-              <a:rPr lang="es-AR" sz="2200" dirty="0" smtClean="0">
+              <a:rPr lang="es-AR" sz="2200" dirty="0">
                 <a:solidFill>
                   <a:srgbClr val="008000"/>
                 </a:solidFill>
@@ -10686,7 +10734,7 @@
               <a:t>DELETE FROM Personas WHERE id = 1</a:t>
             </a:r>
             <a:r>
-              <a:rPr lang="es-AR" sz="2200" dirty="0" smtClean="0">
+              <a:rPr lang="es-AR" sz="2200" dirty="0">
                 <a:solidFill>
                   <a:srgbClr val="339933"/>
                 </a:solidFill>
@@ -10698,7 +10746,7 @@
               <a:t>"</a:t>
             </a:r>
             <a:r>
-              <a:rPr lang="es-AR" sz="2200" dirty="0" smtClean="0">
+              <a:rPr lang="es-AR" sz="2200" dirty="0">
                 <a:solidFill>
                   <a:srgbClr val="008000"/>
                 </a:solidFill>
@@ -10709,7 +10757,7 @@
               </a:rPr>
               <a:t>;</a:t>
             </a:r>
-            <a:endParaRPr lang="es-AR" sz="2200" dirty="0" smtClean="0">
+            <a:endParaRPr lang="es-AR" sz="2200" dirty="0">
               <a:solidFill>
                 <a:srgbClr val="000000"/>
               </a:solidFill>
@@ -10725,7 +10773,7 @@
               <a:buNone/>
               <a:defRPr/>
             </a:pPr>
-            <a:endParaRPr lang="es-AR" sz="2200" dirty="0" smtClean="0">
+            <a:endParaRPr lang="es-AR" sz="2200" dirty="0">
               <a:solidFill>
                 <a:srgbClr val="000000"/>
               </a:solidFill>
@@ -10742,7 +10790,7 @@
               <a:defRPr/>
             </a:pPr>
             <a:r>
-              <a:rPr lang="es-AR" sz="2200" dirty="0" err="1" smtClean="0">
+              <a:rPr lang="es-AR" sz="2200" dirty="0" err="1">
                 <a:solidFill>
                   <a:srgbClr val="000000"/>
                 </a:solidFill>
@@ -10754,7 +10802,7 @@
               <a:t>comando.CommandText</a:t>
             </a:r>
             <a:r>
-              <a:rPr lang="es-AR" sz="2200" dirty="0" smtClean="0">
+              <a:rPr lang="es-AR" sz="2200" dirty="0">
                 <a:solidFill>
                   <a:srgbClr val="000000"/>
                 </a:solidFill>
@@ -10773,7 +10821,7 @@
               <a:defRPr/>
             </a:pPr>
             <a:r>
-              <a:rPr lang="es-AR" sz="2200" dirty="0" err="1" smtClean="0">
+              <a:rPr lang="es-AR" sz="2200" dirty="0" err="1">
                 <a:solidFill>
                   <a:srgbClr val="000000"/>
                 </a:solidFill>
@@ -10785,7 +10833,7 @@
               <a:t>conexion.Open</a:t>
             </a:r>
             <a:r>
-              <a:rPr lang="es-AR" sz="2200" dirty="0" smtClean="0">
+              <a:rPr lang="es-AR" sz="2200" dirty="0">
                 <a:solidFill>
                   <a:srgbClr val="000000"/>
                 </a:solidFill>
@@ -10804,7 +10852,7 @@
               <a:defRPr/>
             </a:pPr>
             <a:r>
-              <a:rPr lang="es-AR" sz="2200" dirty="0" err="1" smtClean="0">
+              <a:rPr lang="es-AR" sz="2200" dirty="0" err="1">
                 <a:solidFill>
                   <a:srgbClr val="000000"/>
                 </a:solidFill>
@@ -10816,7 +10864,7 @@
               <a:t>comando.ExecuteNonQuery</a:t>
             </a:r>
             <a:r>
-              <a:rPr lang="es-AR" sz="2200" dirty="0" smtClean="0">
+              <a:rPr lang="es-AR" sz="2200" dirty="0">
                 <a:solidFill>
                   <a:srgbClr val="000000"/>
                 </a:solidFill>
@@ -10827,7 +10875,7 @@
               </a:rPr>
               <a:t>();</a:t>
             </a:r>
-            <a:endParaRPr lang="es-AR" sz="2200" dirty="0" smtClean="0"/>
+            <a:endParaRPr lang="es-AR" sz="2200" dirty="0"/>
           </a:p>
         </p:txBody>
       </p:sp>
@@ -10844,10 +10892,70 @@
 </p:sld>
 </file>
 
+<file path=ppt/slides/slide8.xml><?xml version="1.0" encoding="utf-8"?>
+<p:sld xmlns:a="http://schemas.openxmlformats.org/drawingml/2006/main" xmlns:r="http://schemas.openxmlformats.org/officeDocument/2006/relationships" xmlns:p="http://schemas.openxmlformats.org/presentationml/2006/main">
+  <p:cSld>
+    <p:spTree>
+      <p:nvGrpSpPr>
+        <p:cNvPr id="1" name=""/>
+        <p:cNvGrpSpPr/>
+        <p:nvPr/>
+      </p:nvGrpSpPr>
+      <p:grpSpPr>
+        <a:xfrm>
+          <a:off x="0" y="0"/>
+          <a:ext cx="0" cy="0"/>
+          <a:chOff x="0" y="0"/>
+          <a:chExt cx="0" cy="0"/>
+        </a:xfrm>
+      </p:grpSpPr>
+      <p:pic>
+        <p:nvPicPr>
+          <p:cNvPr id="7" name="Imagen 6">
+            <a:extLst>
+              <a:ext uri="{FF2B5EF4-FFF2-40B4-BE49-F238E27FC236}">
+                <a16:creationId xmlns:a16="http://schemas.microsoft.com/office/drawing/2014/main" id="{5F70CEFA-071E-436D-9A14-EC122AC78D48}"/>
+              </a:ext>
+            </a:extLst>
+          </p:cNvPr>
+          <p:cNvPicPr>
+            <a:picLocks noChangeAspect="1"/>
+          </p:cNvPicPr>
+          <p:nvPr/>
+        </p:nvPicPr>
+        <p:blipFill>
+          <a:blip r:embed="rId2"/>
+          <a:stretch>
+            <a:fillRect/>
+          </a:stretch>
+        </p:blipFill>
+        <p:spPr>
+          <a:xfrm>
+            <a:off x="549436" y="0"/>
+            <a:ext cx="8923663" cy="6858000"/>
+          </a:xfrm>
+          <a:prstGeom prst="rect">
+            <a:avLst/>
+          </a:prstGeom>
+        </p:spPr>
+      </p:pic>
+    </p:spTree>
+    <p:extLst>
+      <p:ext uri="{BB962C8B-B14F-4D97-AF65-F5344CB8AC3E}">
+        <p14:creationId xmlns:p14="http://schemas.microsoft.com/office/powerpoint/2010/main" val="3422463561"/>
+      </p:ext>
+    </p:extLst>
+  </p:cSld>
+  <p:clrMapOvr>
+    <a:masterClrMapping/>
+  </p:clrMapOvr>
+</p:sld>
+</file>
+
 <file path=ppt/theme/theme1.xml><?xml version="1.0" encoding="utf-8"?>
 <a:theme xmlns:a="http://schemas.openxmlformats.org/drawingml/2006/main" name="Berlín">
   <a:themeElements>
-    <a:clrScheme name="Berlin">
+    <a:clrScheme name="Berlín">
       <a:dk1>
         <a:sysClr val="windowText" lastClr="000000"/>
       </a:dk1>
@@ -10885,7 +10993,7 @@
         <a:srgbClr val="FCC77E"/>
       </a:folHlink>
     </a:clrScheme>
-    <a:fontScheme name="Berlin">
+    <a:fontScheme name="Berlín">
       <a:majorFont>
         <a:latin typeface="Trebuchet MS" panose="020B0603020202020204"/>
         <a:ea typeface=""/>
@@ -10957,7 +11065,7 @@
         <a:font script="Geor" typeface="Sylfaen"/>
       </a:minorFont>
     </a:fontScheme>
-    <a:fmtScheme name="Berlin">
+    <a:fmtScheme name="Berlín">
       <a:fillStyleLst>
         <a:solidFill>
           <a:schemeClr val="phClr"/>

--- a/PPTs/ProgramacionII_Clase_21-2018.pptx
+++ b/PPTs/ProgramacionII_Clase_21-2018.pptx
@@ -6,13 +6,15 @@
   </p:sldMasterIdLst>
   <p:sldIdLst>
     <p:sldId id="256" r:id="rId2"/>
-    <p:sldId id="257" r:id="rId3"/>
-    <p:sldId id="258" r:id="rId4"/>
-    <p:sldId id="259" r:id="rId5"/>
-    <p:sldId id="260" r:id="rId6"/>
-    <p:sldId id="261" r:id="rId7"/>
-    <p:sldId id="262" r:id="rId8"/>
-    <p:sldId id="263" r:id="rId9"/>
+    <p:sldId id="264" r:id="rId3"/>
+    <p:sldId id="257" r:id="rId4"/>
+    <p:sldId id="258" r:id="rId5"/>
+    <p:sldId id="259" r:id="rId6"/>
+    <p:sldId id="260" r:id="rId7"/>
+    <p:sldId id="261" r:id="rId8"/>
+    <p:sldId id="265" r:id="rId9"/>
+    <p:sldId id="262" r:id="rId10"/>
+    <p:sldId id="263" r:id="rId11"/>
   </p:sldIdLst>
   <p:sldSz cx="12192000" cy="6858000"/>
   <p:notesSz cx="6858000" cy="9144000"/>
@@ -393,7 +395,7 @@
           <a:p>
             <a:fld id="{78ABE3C1-DBE1-495D-B57B-2849774B866A}" type="datetimeFigureOut">
               <a:rPr lang="en-US" smtClean="0"/>
-              <a:t>4/24/2020</a:t>
+              <a:t>10/21/2021</a:t>
             </a:fld>
             <a:endParaRPr lang="en-US" dirty="0"/>
           </a:p>
@@ -807,7 +809,7 @@
           <a:p>
             <a:fld id="{446C117F-5CCF-4837-BE5F-2B92066CAFAF}" type="datetimeFigureOut">
               <a:rPr lang="en-US" smtClean="0"/>
-              <a:t>4/24/2020</a:t>
+              <a:t>10/21/2021</a:t>
             </a:fld>
             <a:endParaRPr lang="en-US" dirty="0"/>
           </a:p>
@@ -1143,7 +1145,7 @@
           <a:p>
             <a:fld id="{84EB90BD-B6CE-46B7-997F-7313B992CCDC}" type="datetimeFigureOut">
               <a:rPr lang="en-US" smtClean="0"/>
-              <a:t>4/24/2020</a:t>
+              <a:t>10/21/2021</a:t>
             </a:fld>
             <a:endParaRPr lang="en-US" dirty="0"/>
           </a:p>
@@ -1548,7 +1550,7 @@
           <a:p>
             <a:fld id="{CDB9D11F-B188-461D-B23F-39381795C052}" type="datetimeFigureOut">
               <a:rPr lang="en-US" smtClean="0"/>
-              <a:t>4/24/2020</a:t>
+              <a:t>10/21/2021</a:t>
             </a:fld>
             <a:endParaRPr lang="en-US" dirty="0"/>
           </a:p>
@@ -2116,7 +2118,7 @@
           <a:p>
             <a:fld id="{52E6D8D9-55A2-4063-B0F3-121F44549695}" type="datetimeFigureOut">
               <a:rPr lang="en-US" smtClean="0"/>
-              <a:t>4/24/2020</a:t>
+              <a:t>10/21/2021</a:t>
             </a:fld>
             <a:endParaRPr lang="en-US" dirty="0"/>
           </a:p>
@@ -2797,7 +2799,7 @@
           <a:p>
             <a:fld id="{D4B24536-994D-4021-A283-9F449C0DB509}" type="datetimeFigureOut">
               <a:rPr lang="en-US" smtClean="0"/>
-              <a:t>4/24/2020</a:t>
+              <a:t>10/21/2021</a:t>
             </a:fld>
             <a:endParaRPr lang="en-US" dirty="0"/>
           </a:p>
@@ -3710,7 +3712,7 @@
           <a:p>
             <a:fld id="{3CBBBB78-C96F-47B7-AB17-D852CA960AC9}" type="datetimeFigureOut">
               <a:rPr lang="en-US" smtClean="0"/>
-              <a:t>4/24/2020</a:t>
+              <a:t>10/21/2021</a:t>
             </a:fld>
             <a:endParaRPr lang="en-US" dirty="0"/>
           </a:p>
@@ -4023,7 +4025,7 @@
           <a:p>
             <a:fld id="{1FA3F48C-C7C6-4055-9F49-3777875E72AE}" type="datetimeFigureOut">
               <a:rPr lang="en-US" smtClean="0"/>
-              <a:t>4/24/2020</a:t>
+              <a:t>10/21/2021</a:t>
             </a:fld>
             <a:endParaRPr lang="en-US" dirty="0"/>
           </a:p>
@@ -4287,7 +4289,7 @@
           <a:p>
             <a:fld id="{6178E61D-D431-422C-9764-11DAFE33AB63}" type="datetimeFigureOut">
               <a:rPr lang="en-US" smtClean="0"/>
-              <a:t>4/24/2020</a:t>
+              <a:t>10/21/2021</a:t>
             </a:fld>
             <a:endParaRPr lang="en-US" dirty="0"/>
           </a:p>
@@ -4611,7 +4613,7 @@
           <a:p>
             <a:fld id="{12DE42F4-6EEF-4EF7-8ED4-2208F0F89A08}" type="datetimeFigureOut">
               <a:rPr lang="en-US" smtClean="0"/>
-              <a:t>4/24/2020</a:t>
+              <a:t>10/21/2021</a:t>
             </a:fld>
             <a:endParaRPr lang="en-US" dirty="0"/>
           </a:p>
@@ -5000,7 +5002,7 @@
           <a:p>
             <a:fld id="{30578ACC-22D6-47C1-A373-4FD133E34F3C}" type="datetimeFigureOut">
               <a:rPr lang="en-US" smtClean="0"/>
-              <a:t>4/24/2020</a:t>
+              <a:t>10/21/2021</a:t>
             </a:fld>
             <a:endParaRPr lang="en-US" dirty="0"/>
           </a:p>
@@ -5376,7 +5378,7 @@
           <a:p>
             <a:fld id="{4E5A6C69-6797-4E8A-BF37-F2C3751466E9}" type="datetimeFigureOut">
               <a:rPr lang="en-US" smtClean="0"/>
-              <a:t>4/24/2020</a:t>
+              <a:t>10/21/2021</a:t>
             </a:fld>
             <a:endParaRPr lang="en-US" dirty="0"/>
           </a:p>
@@ -5882,7 +5884,7 @@
           <a:p>
             <a:fld id="{D82014A1-A632-4878-A0D3-F52BA7563730}" type="datetimeFigureOut">
               <a:rPr lang="en-US" smtClean="0"/>
-              <a:t>4/24/2020</a:t>
+              <a:t>10/21/2021</a:t>
             </a:fld>
             <a:endParaRPr lang="en-US" dirty="0"/>
           </a:p>
@@ -6139,7 +6141,7 @@
           <a:p>
             <a:fld id="{CE99F462-093F-4566-844B-4C71F2739DA5}" type="datetimeFigureOut">
               <a:rPr lang="en-US" smtClean="0"/>
-              <a:t>4/24/2020</a:t>
+              <a:t>10/21/2021</a:t>
             </a:fld>
             <a:endParaRPr lang="en-US" dirty="0"/>
           </a:p>
@@ -6302,7 +6304,7 @@
           <a:p>
             <a:fld id="{3D24A7AC-904D-4781-85BA-7D10C17ED021}" type="datetimeFigureOut">
               <a:rPr lang="en-US" smtClean="0"/>
-              <a:t>4/24/2020</a:t>
+              <a:t>10/21/2021</a:t>
             </a:fld>
             <a:endParaRPr lang="en-US" dirty="0"/>
           </a:p>
@@ -6692,7 +6694,7 @@
           <a:p>
             <a:fld id="{E331444B-B92B-4E27-8C94-BB93EAF5CB18}" type="datetimeFigureOut">
               <a:rPr lang="en-US" smtClean="0"/>
-              <a:t>4/24/2020</a:t>
+              <a:t>10/21/2021</a:t>
             </a:fld>
             <a:endParaRPr lang="en-US" dirty="0"/>
           </a:p>
@@ -7101,7 +7103,7 @@
           <a:p>
             <a:fld id="{363EFA5E-FA76-400D-B3DC-F0BA90E6D107}" type="datetimeFigureOut">
               <a:rPr lang="en-US" smtClean="0"/>
-              <a:t>4/24/2020</a:t>
+              <a:t>10/21/2021</a:t>
             </a:fld>
             <a:endParaRPr lang="en-US" dirty="0"/>
           </a:p>
@@ -7345,7 +7347,7 @@
           <a:p>
             <a:fld id="{9D6E9DEC-419B-4CC5-A080-3B06BD5A8291}" type="datetimeFigureOut">
               <a:rPr lang="en-US" smtClean="0"/>
-              <a:t>4/24/2020</a:t>
+              <a:t>10/21/2021</a:t>
             </a:fld>
             <a:endParaRPr lang="en-US" dirty="0"/>
           </a:p>
@@ -7935,2964 +7937,7 @@
 </p:sld>
 </file>
 
-<file path=ppt/slides/slide2.xml><?xml version="1.0" encoding="utf-8"?>
-<p:sld xmlns:a="http://schemas.openxmlformats.org/drawingml/2006/main" xmlns:r="http://schemas.openxmlformats.org/officeDocument/2006/relationships" xmlns:p="http://schemas.openxmlformats.org/presentationml/2006/main">
-  <p:cSld>
-    <p:spTree>
-      <p:nvGrpSpPr>
-        <p:cNvPr id="1" name=""/>
-        <p:cNvGrpSpPr/>
-        <p:nvPr/>
-      </p:nvGrpSpPr>
-      <p:grpSpPr>
-        <a:xfrm>
-          <a:off x="0" y="0"/>
-          <a:ext cx="0" cy="0"/>
-          <a:chOff x="0" y="0"/>
-          <a:chExt cx="0" cy="0"/>
-        </a:xfrm>
-      </p:grpSpPr>
-      <p:sp>
-        <p:nvSpPr>
-          <p:cNvPr id="2" name="Título 1"/>
-          <p:cNvSpPr>
-            <a:spLocks noGrp="1"/>
-          </p:cNvSpPr>
-          <p:nvPr>
-            <p:ph type="title"/>
-          </p:nvPr>
-        </p:nvSpPr>
-        <p:spPr/>
-        <p:txBody>
-          <a:bodyPr/>
-          <a:lstStyle/>
-          <a:p>
-            <a:r>
-              <a:rPr lang="es-AR" dirty="0"/>
-              <a:t>Conexión a SQL Server</a:t>
-            </a:r>
-          </a:p>
-        </p:txBody>
-      </p:sp>
-      <p:sp>
-        <p:nvSpPr>
-          <p:cNvPr id="3" name="Marcador de contenido 2"/>
-          <p:cNvSpPr>
-            <a:spLocks noGrp="1"/>
-          </p:cNvSpPr>
-          <p:nvPr>
-            <p:ph idx="1"/>
-          </p:nvPr>
-        </p:nvSpPr>
-        <p:spPr/>
-        <p:txBody>
-          <a:bodyPr>
-            <a:normAutofit fontScale="92500"/>
-          </a:bodyPr>
-          <a:lstStyle/>
-          <a:p>
-            <a:pPr>
-              <a:defRPr/>
-            </a:pPr>
-            <a:r>
-              <a:rPr lang="es-AR" dirty="0">
-                <a:effectLst>
-                  <a:outerShdw blurRad="38100" dist="38100" dir="2700000" algn="tl">
-                    <a:srgbClr val="000000">
-                      <a:alpha val="43137"/>
-                    </a:srgbClr>
-                  </a:outerShdw>
-                </a:effectLst>
-                <a:latin typeface="Franklin Gothic Medium" panose="020B0603020102020204" pitchFamily="34" charset="0"/>
-              </a:rPr>
-              <a:t>La cadena de conexión (</a:t>
-            </a:r>
-            <a:r>
-              <a:rPr lang="es-AR" dirty="0" err="1">
-                <a:effectLst>
-                  <a:outerShdw blurRad="38100" dist="38100" dir="2700000" algn="tl">
-                    <a:srgbClr val="000000">
-                      <a:alpha val="43137"/>
-                    </a:srgbClr>
-                  </a:outerShdw>
-                </a:effectLst>
-                <a:latin typeface="Franklin Gothic Medium" panose="020B0603020102020204" pitchFamily="34" charset="0"/>
-              </a:rPr>
-              <a:t>Connection</a:t>
-            </a:r>
-            <a:r>
-              <a:rPr lang="es-AR" dirty="0">
-                <a:effectLst>
-                  <a:outerShdw blurRad="38100" dist="38100" dir="2700000" algn="tl">
-                    <a:srgbClr val="000000">
-                      <a:alpha val="43137"/>
-                    </a:srgbClr>
-                  </a:outerShdw>
-                </a:effectLst>
-                <a:latin typeface="Franklin Gothic Medium" panose="020B0603020102020204" pitchFamily="34" charset="0"/>
-              </a:rPr>
-              <a:t> </a:t>
-            </a:r>
-            <a:r>
-              <a:rPr lang="es-AR" dirty="0" err="1">
-                <a:effectLst>
-                  <a:outerShdw blurRad="38100" dist="38100" dir="2700000" algn="tl">
-                    <a:srgbClr val="000000">
-                      <a:alpha val="43137"/>
-                    </a:srgbClr>
-                  </a:outerShdw>
-                </a:effectLst>
-                <a:latin typeface="Franklin Gothic Medium" panose="020B0603020102020204" pitchFamily="34" charset="0"/>
-              </a:rPr>
-              <a:t>String</a:t>
-            </a:r>
-            <a:r>
-              <a:rPr lang="es-AR" dirty="0">
-                <a:effectLst>
-                  <a:outerShdw blurRad="38100" dist="38100" dir="2700000" algn="tl">
-                    <a:srgbClr val="000000">
-                      <a:alpha val="43137"/>
-                    </a:srgbClr>
-                  </a:outerShdw>
-                </a:effectLst>
-                <a:latin typeface="Franklin Gothic Medium" panose="020B0603020102020204" pitchFamily="34" charset="0"/>
-              </a:rPr>
-              <a:t>) es donde se especificarán los datos (usuario, servidor, etc.) de una conexión a una fuente de datos.</a:t>
-            </a:r>
-          </a:p>
-          <a:p>
-            <a:pPr>
-              <a:defRPr/>
-            </a:pPr>
-            <a:r>
-              <a:rPr lang="es-AR" dirty="0">
-                <a:effectLst>
-                  <a:outerShdw blurRad="38100" dist="38100" dir="2700000" algn="tl">
-                    <a:srgbClr val="000000">
-                      <a:alpha val="43137"/>
-                    </a:srgbClr>
-                  </a:outerShdw>
-                </a:effectLst>
-                <a:latin typeface="Franklin Gothic Medium" panose="020B0603020102020204" pitchFamily="34" charset="0"/>
-              </a:rPr>
-              <a:t>Para SQL Server, a fin de ejemplo, utilizaremos cadenas similares a esta:</a:t>
-            </a:r>
-          </a:p>
-          <a:p>
-            <a:pPr>
-              <a:defRPr/>
-            </a:pPr>
-            <a:endParaRPr lang="es-AR" dirty="0">
-              <a:effectLst>
-                <a:outerShdw blurRad="38100" dist="38100" dir="2700000" algn="tl">
-                  <a:srgbClr val="000000">
-                    <a:alpha val="43137"/>
-                  </a:srgbClr>
-                </a:outerShdw>
-              </a:effectLst>
-              <a:latin typeface="Franklin Gothic Medium" panose="020B0603020102020204" pitchFamily="34" charset="0"/>
-            </a:endParaRPr>
-          </a:p>
-          <a:p>
-            <a:pPr>
-              <a:defRPr/>
-            </a:pPr>
-            <a:endParaRPr lang="es-AR" dirty="0">
-              <a:effectLst>
-                <a:outerShdw blurRad="38100" dist="38100" dir="2700000" algn="tl">
-                  <a:srgbClr val="000000">
-                    <a:alpha val="43137"/>
-                  </a:srgbClr>
-                </a:outerShdw>
-              </a:effectLst>
-              <a:latin typeface="Franklin Gothic Medium" panose="020B0603020102020204" pitchFamily="34" charset="0"/>
-            </a:endParaRPr>
-          </a:p>
-          <a:p>
-            <a:pPr marL="0" indent="0">
-              <a:buFont typeface="Wingdings" pitchFamily="2" charset="2"/>
-              <a:buNone/>
-              <a:defRPr/>
-            </a:pPr>
-            <a:endParaRPr lang="es-AR" dirty="0">
-              <a:effectLst>
-                <a:outerShdw blurRad="38100" dist="38100" dir="2700000" algn="tl">
-                  <a:srgbClr val="000000">
-                    <a:alpha val="43137"/>
-                  </a:srgbClr>
-                </a:outerShdw>
-              </a:effectLst>
-              <a:latin typeface="Franklin Gothic Medium" panose="020B0603020102020204" pitchFamily="34" charset="0"/>
-            </a:endParaRPr>
-          </a:p>
-          <a:p>
-            <a:pPr>
-              <a:defRPr/>
-            </a:pPr>
-            <a:r>
-              <a:rPr lang="es-AR" dirty="0">
-                <a:effectLst>
-                  <a:outerShdw blurRad="38100" dist="38100" dir="2700000" algn="tl">
-                    <a:srgbClr val="000000">
-                      <a:alpha val="43137"/>
-                    </a:srgbClr>
-                  </a:outerShdw>
-                </a:effectLst>
-                <a:latin typeface="Franklin Gothic Medium" panose="020B0603020102020204" pitchFamily="34" charset="0"/>
-              </a:rPr>
-              <a:t>Para generar una cadena diferente puede seguir el </a:t>
-            </a:r>
-            <a:r>
-              <a:rPr lang="es-AR" dirty="0" err="1">
-                <a:effectLst>
-                  <a:outerShdw blurRad="38100" dist="38100" dir="2700000" algn="tl">
-                    <a:srgbClr val="000000">
-                      <a:alpha val="43137"/>
-                    </a:srgbClr>
-                  </a:outerShdw>
-                </a:effectLst>
-                <a:latin typeface="Franklin Gothic Medium" panose="020B0603020102020204" pitchFamily="34" charset="0"/>
-              </a:rPr>
-              <a:t>Wizard</a:t>
-            </a:r>
-            <a:r>
-              <a:rPr lang="es-AR" dirty="0">
-                <a:effectLst>
-                  <a:outerShdw blurRad="38100" dist="38100" dir="2700000" algn="tl">
-                    <a:srgbClr val="000000">
-                      <a:alpha val="43137"/>
-                    </a:srgbClr>
-                  </a:outerShdw>
-                </a:effectLst>
-                <a:latin typeface="Franklin Gothic Medium" panose="020B0603020102020204" pitchFamily="34" charset="0"/>
-              </a:rPr>
-              <a:t> de la pestaña Data </a:t>
-            </a:r>
-            <a:r>
-              <a:rPr lang="es-AR" dirty="0" err="1">
-                <a:effectLst>
-                  <a:outerShdw blurRad="38100" dist="38100" dir="2700000" algn="tl">
-                    <a:srgbClr val="000000">
-                      <a:alpha val="43137"/>
-                    </a:srgbClr>
-                  </a:outerShdw>
-                </a:effectLst>
-                <a:latin typeface="Franklin Gothic Medium" panose="020B0603020102020204" pitchFamily="34" charset="0"/>
-              </a:rPr>
-              <a:t>Source</a:t>
-            </a:r>
-            <a:r>
-              <a:rPr lang="es-AR" dirty="0">
-                <a:effectLst>
-                  <a:outerShdw blurRad="38100" dist="38100" dir="2700000" algn="tl">
-                    <a:srgbClr val="000000">
-                      <a:alpha val="43137"/>
-                    </a:srgbClr>
-                  </a:outerShdw>
-                </a:effectLst>
-                <a:latin typeface="Franklin Gothic Medium" panose="020B0603020102020204" pitchFamily="34" charset="0"/>
-              </a:rPr>
-              <a:t> de Visual Studio.</a:t>
-            </a:r>
-          </a:p>
-        </p:txBody>
-      </p:sp>
-      <p:sp>
-        <p:nvSpPr>
-          <p:cNvPr id="4" name="CuadroTexto 3"/>
-          <p:cNvSpPr txBox="1"/>
-          <p:nvPr/>
-        </p:nvSpPr>
-        <p:spPr>
-          <a:xfrm>
-            <a:off x="680321" y="3674866"/>
-            <a:ext cx="9613861" cy="646331"/>
-          </a:xfrm>
-          <a:prstGeom prst="rect">
-            <a:avLst/>
-          </a:prstGeom>
-          <a:solidFill>
-            <a:schemeClr val="tx1"/>
-          </a:solidFill>
-        </p:spPr>
-        <p:txBody>
-          <a:bodyPr wrap="square">
-            <a:spAutoFit/>
-          </a:bodyPr>
-          <a:lstStyle/>
-          <a:p>
-            <a:pPr>
-              <a:defRPr/>
-            </a:pPr>
-            <a:r>
-              <a:rPr lang="es-AR" dirty="0" err="1">
-                <a:solidFill>
-                  <a:srgbClr val="2B91AF"/>
-                </a:solidFill>
-                <a:highlight>
-                  <a:srgbClr val="FFFFFF"/>
-                </a:highlight>
-                <a:latin typeface="Consolas" panose="020B0609020204030204" pitchFamily="49" charset="0"/>
-              </a:rPr>
-              <a:t>String</a:t>
-            </a:r>
-            <a:r>
-              <a:rPr lang="es-AR" dirty="0">
-                <a:solidFill>
-                  <a:srgbClr val="000000"/>
-                </a:solidFill>
-                <a:highlight>
-                  <a:srgbClr val="FFFFFF"/>
-                </a:highlight>
-                <a:latin typeface="Consolas" panose="020B0609020204030204" pitchFamily="49" charset="0"/>
-              </a:rPr>
-              <a:t> </a:t>
-            </a:r>
-            <a:r>
-              <a:rPr lang="es-AR" dirty="0" err="1">
-                <a:solidFill>
-                  <a:srgbClr val="000000"/>
-                </a:solidFill>
-                <a:highlight>
-                  <a:srgbClr val="FFFFFF"/>
-                </a:highlight>
-                <a:latin typeface="Consolas" panose="020B0609020204030204" pitchFamily="49" charset="0"/>
-              </a:rPr>
-              <a:t>connectionStr</a:t>
-            </a:r>
-            <a:r>
-              <a:rPr lang="es-AR" dirty="0">
-                <a:solidFill>
-                  <a:srgbClr val="000000"/>
-                </a:solidFill>
-                <a:highlight>
-                  <a:srgbClr val="FFFFFF"/>
-                </a:highlight>
-                <a:latin typeface="Consolas" panose="020B0609020204030204" pitchFamily="49" charset="0"/>
-              </a:rPr>
-              <a:t> = </a:t>
-            </a:r>
-            <a:r>
-              <a:rPr lang="es-AR" dirty="0">
-                <a:solidFill>
-                  <a:srgbClr val="A31515"/>
-                </a:solidFill>
-                <a:highlight>
-                  <a:srgbClr val="FFFFFF"/>
-                </a:highlight>
-                <a:latin typeface="Consolas" panose="020B0609020204030204" pitchFamily="49" charset="0"/>
-              </a:rPr>
-              <a:t>"Data </a:t>
-            </a:r>
-            <a:r>
-              <a:rPr lang="es-AR" dirty="0" err="1">
-                <a:solidFill>
-                  <a:srgbClr val="A31515"/>
-                </a:solidFill>
-                <a:highlight>
-                  <a:srgbClr val="FFFFFF"/>
-                </a:highlight>
-                <a:latin typeface="Consolas" panose="020B0609020204030204" pitchFamily="49" charset="0"/>
-              </a:rPr>
-              <a:t>Source</a:t>
-            </a:r>
-            <a:r>
-              <a:rPr lang="es-AR" dirty="0">
-                <a:solidFill>
-                  <a:srgbClr val="A31515"/>
-                </a:solidFill>
-                <a:highlight>
-                  <a:srgbClr val="FFFFFF"/>
-                </a:highlight>
-                <a:latin typeface="Consolas" panose="020B0609020204030204" pitchFamily="49" charset="0"/>
-              </a:rPr>
-              <a:t>=[Instancia Del Servidor];</a:t>
-            </a:r>
-          </a:p>
-          <a:p>
-            <a:pPr>
-              <a:defRPr/>
-            </a:pPr>
-            <a:r>
-              <a:rPr lang="es-AR" dirty="0">
-                <a:solidFill>
-                  <a:srgbClr val="A31515"/>
-                </a:solidFill>
-                <a:highlight>
-                  <a:srgbClr val="FFFFFF"/>
-                </a:highlight>
-                <a:latin typeface="Consolas" panose="020B0609020204030204" pitchFamily="49" charset="0"/>
-              </a:rPr>
-              <a:t>	</a:t>
-            </a:r>
-            <a:r>
-              <a:rPr lang="es-AR" dirty="0" err="1">
-                <a:solidFill>
-                  <a:srgbClr val="A31515"/>
-                </a:solidFill>
-                <a:highlight>
-                  <a:srgbClr val="FFFFFF"/>
-                </a:highlight>
-                <a:latin typeface="Consolas" panose="020B0609020204030204" pitchFamily="49" charset="0"/>
-              </a:rPr>
-              <a:t>Initial</a:t>
-            </a:r>
-            <a:r>
-              <a:rPr lang="es-AR" dirty="0">
-                <a:solidFill>
-                  <a:srgbClr val="A31515"/>
-                </a:solidFill>
-                <a:highlight>
-                  <a:srgbClr val="FFFFFF"/>
-                </a:highlight>
-                <a:latin typeface="Consolas" panose="020B0609020204030204" pitchFamily="49" charset="0"/>
-              </a:rPr>
-              <a:t> </a:t>
-            </a:r>
-            <a:r>
-              <a:rPr lang="es-AR" dirty="0" err="1">
-                <a:solidFill>
-                  <a:srgbClr val="A31515"/>
-                </a:solidFill>
-                <a:highlight>
-                  <a:srgbClr val="FFFFFF"/>
-                </a:highlight>
-                <a:latin typeface="Consolas" panose="020B0609020204030204" pitchFamily="49" charset="0"/>
-              </a:rPr>
-              <a:t>Catalog</a:t>
-            </a:r>
-            <a:r>
-              <a:rPr lang="es-AR" dirty="0">
-                <a:solidFill>
-                  <a:srgbClr val="A31515"/>
-                </a:solidFill>
-                <a:highlight>
-                  <a:srgbClr val="FFFFFF"/>
-                </a:highlight>
-                <a:latin typeface="Consolas" panose="020B0609020204030204" pitchFamily="49" charset="0"/>
-              </a:rPr>
-              <a:t>=[Nombre de la Base de Datos];</a:t>
-            </a:r>
-            <a:r>
-              <a:rPr lang="es-AR" dirty="0" err="1">
-                <a:solidFill>
-                  <a:srgbClr val="A31515"/>
-                </a:solidFill>
-                <a:highlight>
-                  <a:srgbClr val="FFFFFF"/>
-                </a:highlight>
-                <a:latin typeface="Consolas" panose="020B0609020204030204" pitchFamily="49" charset="0"/>
-              </a:rPr>
-              <a:t>Integrated</a:t>
-            </a:r>
-            <a:r>
-              <a:rPr lang="es-AR" dirty="0">
-                <a:solidFill>
-                  <a:srgbClr val="A31515"/>
-                </a:solidFill>
-                <a:highlight>
-                  <a:srgbClr val="FFFFFF"/>
-                </a:highlight>
-                <a:latin typeface="Consolas" panose="020B0609020204030204" pitchFamily="49" charset="0"/>
-              </a:rPr>
-              <a:t> Security=True"</a:t>
-            </a:r>
-            <a:r>
-              <a:rPr lang="es-AR" dirty="0">
-                <a:solidFill>
-                  <a:srgbClr val="000000"/>
-                </a:solidFill>
-                <a:highlight>
-                  <a:srgbClr val="FFFFFF"/>
-                </a:highlight>
-                <a:latin typeface="Consolas" panose="020B0609020204030204" pitchFamily="49" charset="0"/>
-              </a:rPr>
-              <a:t>;</a:t>
-            </a:r>
-            <a:endParaRPr lang="es-AR" dirty="0"/>
-          </a:p>
-        </p:txBody>
-      </p:sp>
-    </p:spTree>
-    <p:extLst>
-      <p:ext uri="{BB962C8B-B14F-4D97-AF65-F5344CB8AC3E}">
-        <p14:creationId xmlns:p14="http://schemas.microsoft.com/office/powerpoint/2010/main" val="1885056238"/>
-      </p:ext>
-    </p:extLst>
-  </p:cSld>
-  <p:clrMapOvr>
-    <a:masterClrMapping/>
-  </p:clrMapOvr>
-</p:sld>
-</file>
-
-<file path=ppt/slides/slide3.xml><?xml version="1.0" encoding="utf-8"?>
-<p:sld xmlns:a="http://schemas.openxmlformats.org/drawingml/2006/main" xmlns:r="http://schemas.openxmlformats.org/officeDocument/2006/relationships" xmlns:p="http://schemas.openxmlformats.org/presentationml/2006/main">
-  <p:cSld>
-    <p:spTree>
-      <p:nvGrpSpPr>
-        <p:cNvPr id="1" name=""/>
-        <p:cNvGrpSpPr/>
-        <p:nvPr/>
-      </p:nvGrpSpPr>
-      <p:grpSpPr>
-        <a:xfrm>
-          <a:off x="0" y="0"/>
-          <a:ext cx="0" cy="0"/>
-          <a:chOff x="0" y="0"/>
-          <a:chExt cx="0" cy="0"/>
-        </a:xfrm>
-      </p:grpSpPr>
-      <p:sp>
-        <p:nvSpPr>
-          <p:cNvPr id="2" name="Título 1"/>
-          <p:cNvSpPr>
-            <a:spLocks noGrp="1"/>
-          </p:cNvSpPr>
-          <p:nvPr>
-            <p:ph type="title"/>
-          </p:nvPr>
-        </p:nvSpPr>
-        <p:spPr/>
-        <p:txBody>
-          <a:bodyPr/>
-          <a:lstStyle/>
-          <a:p>
-            <a:r>
-              <a:rPr lang="es-AR" dirty="0"/>
-              <a:t>Ejemplo de Conexión</a:t>
-            </a:r>
-          </a:p>
-        </p:txBody>
-      </p:sp>
-      <p:sp>
-        <p:nvSpPr>
-          <p:cNvPr id="4" name="Rectangle 3"/>
-          <p:cNvSpPr txBox="1">
-            <a:spLocks noChangeArrowheads="1"/>
-          </p:cNvSpPr>
-          <p:nvPr/>
-        </p:nvSpPr>
-        <p:spPr>
-          <a:xfrm>
-            <a:off x="680321" y="2677734"/>
-            <a:ext cx="9613861" cy="2319270"/>
-          </a:xfrm>
-          <a:prstGeom prst="rect">
-            <a:avLst/>
-          </a:prstGeom>
-          <a:solidFill>
-            <a:schemeClr val="tx1"/>
-          </a:solidFill>
-        </p:spPr>
-        <p:txBody>
-          <a:bodyPr vert="horz" lIns="91440" tIns="45720" rIns="91440" bIns="45720" rtlCol="0">
-            <a:normAutofit/>
-          </a:bodyPr>
-          <a:lstStyle>
-            <a:lvl1pPr marL="228600" indent="-228600" algn="l" defTabSz="914400" rtl="0" eaLnBrk="1" latinLnBrk="0" hangingPunct="1">
-              <a:lnSpc>
-                <a:spcPct val="90000"/>
-              </a:lnSpc>
-              <a:spcBef>
-                <a:spcPts val="1000"/>
-              </a:spcBef>
-              <a:buFont typeface="Arial" panose="020B0604020202020204" pitchFamily="34" charset="0"/>
-              <a:buChar char="•"/>
-              <a:defRPr sz="2400" kern="1200">
-                <a:solidFill>
-                  <a:schemeClr val="tx1"/>
-                </a:solidFill>
-                <a:latin typeface="+mn-lt"/>
-                <a:ea typeface="+mn-ea"/>
-                <a:cs typeface="+mn-cs"/>
-              </a:defRPr>
-            </a:lvl1pPr>
-            <a:lvl2pPr marL="685800" indent="-228600" algn="l" defTabSz="914400" rtl="0" eaLnBrk="1" latinLnBrk="0" hangingPunct="1">
-              <a:lnSpc>
-                <a:spcPct val="90000"/>
-              </a:lnSpc>
-              <a:spcBef>
-                <a:spcPts val="500"/>
-              </a:spcBef>
-              <a:buFont typeface="Arial" panose="020B0604020202020204" pitchFamily="34" charset="0"/>
-              <a:buChar char="•"/>
-              <a:defRPr sz="2000" kern="1200">
-                <a:solidFill>
-                  <a:schemeClr val="tx1"/>
-                </a:solidFill>
-                <a:latin typeface="+mn-lt"/>
-                <a:ea typeface="+mn-ea"/>
-                <a:cs typeface="+mn-cs"/>
-              </a:defRPr>
-            </a:lvl2pPr>
-            <a:lvl3pPr marL="1143000" indent="-228600" algn="l" defTabSz="914400" rtl="0" eaLnBrk="1" latinLnBrk="0" hangingPunct="1">
-              <a:lnSpc>
-                <a:spcPct val="90000"/>
-              </a:lnSpc>
-              <a:spcBef>
-                <a:spcPts val="500"/>
-              </a:spcBef>
-              <a:buFont typeface="Arial" panose="020B0604020202020204" pitchFamily="34" charset="0"/>
-              <a:buChar char="•"/>
-              <a:defRPr sz="1800" kern="1200">
-                <a:solidFill>
-                  <a:schemeClr val="tx1"/>
-                </a:solidFill>
-                <a:latin typeface="+mn-lt"/>
-                <a:ea typeface="+mn-ea"/>
-                <a:cs typeface="+mn-cs"/>
-              </a:defRPr>
-            </a:lvl3pPr>
-            <a:lvl4pPr marL="1600200" indent="-228600" algn="l" defTabSz="914400" rtl="0" eaLnBrk="1" latinLnBrk="0" hangingPunct="1">
-              <a:lnSpc>
-                <a:spcPct val="90000"/>
-              </a:lnSpc>
-              <a:spcBef>
-                <a:spcPts val="500"/>
-              </a:spcBef>
-              <a:buFont typeface="Arial" panose="020B0604020202020204" pitchFamily="34" charset="0"/>
-              <a:buChar char="•"/>
-              <a:defRPr sz="1600" kern="1200">
-                <a:solidFill>
-                  <a:schemeClr val="tx1"/>
-                </a:solidFill>
-                <a:latin typeface="+mn-lt"/>
-                <a:ea typeface="+mn-ea"/>
-                <a:cs typeface="+mn-cs"/>
-              </a:defRPr>
-            </a:lvl4pPr>
-            <a:lvl5pPr marL="2057400" indent="-228600" algn="l" defTabSz="914400" rtl="0" eaLnBrk="1" latinLnBrk="0" hangingPunct="1">
-              <a:lnSpc>
-                <a:spcPct val="90000"/>
-              </a:lnSpc>
-              <a:spcBef>
-                <a:spcPts val="500"/>
-              </a:spcBef>
-              <a:buFont typeface="Arial" panose="020B0604020202020204" pitchFamily="34" charset="0"/>
-              <a:buChar char="•"/>
-              <a:defRPr sz="1600" kern="1200">
-                <a:solidFill>
-                  <a:schemeClr val="tx1"/>
-                </a:solidFill>
-                <a:latin typeface="+mn-lt"/>
-                <a:ea typeface="+mn-ea"/>
-                <a:cs typeface="+mn-cs"/>
-              </a:defRPr>
-            </a:lvl5pPr>
-            <a:lvl6pPr marL="2514600" indent="-228600" algn="l" defTabSz="914400" rtl="0" eaLnBrk="1" latinLnBrk="0" hangingPunct="1">
-              <a:lnSpc>
-                <a:spcPct val="90000"/>
-              </a:lnSpc>
-              <a:spcBef>
-                <a:spcPts val="500"/>
-              </a:spcBef>
-              <a:buFont typeface="Arial" panose="020B0604020202020204" pitchFamily="34" charset="0"/>
-              <a:buChar char="•"/>
-              <a:defRPr sz="1400" kern="1200">
-                <a:solidFill>
-                  <a:schemeClr val="tx1"/>
-                </a:solidFill>
-                <a:latin typeface="+mn-lt"/>
-                <a:ea typeface="+mn-ea"/>
-                <a:cs typeface="+mn-cs"/>
-              </a:defRPr>
-            </a:lvl6pPr>
-            <a:lvl7pPr marL="2971800" indent="-228600" algn="l" defTabSz="914400" rtl="0" eaLnBrk="1" latinLnBrk="0" hangingPunct="1">
-              <a:lnSpc>
-                <a:spcPct val="90000"/>
-              </a:lnSpc>
-              <a:spcBef>
-                <a:spcPts val="500"/>
-              </a:spcBef>
-              <a:buFont typeface="Arial" panose="020B0604020202020204" pitchFamily="34" charset="0"/>
-              <a:buChar char="•"/>
-              <a:defRPr sz="1400" kern="1200">
-                <a:solidFill>
-                  <a:schemeClr val="tx1"/>
-                </a:solidFill>
-                <a:latin typeface="+mn-lt"/>
-                <a:ea typeface="+mn-ea"/>
-                <a:cs typeface="+mn-cs"/>
-              </a:defRPr>
-            </a:lvl7pPr>
-            <a:lvl8pPr marL="3429000" indent="-228600" algn="l" defTabSz="914400" rtl="0" eaLnBrk="1" latinLnBrk="0" hangingPunct="1">
-              <a:lnSpc>
-                <a:spcPct val="90000"/>
-              </a:lnSpc>
-              <a:spcBef>
-                <a:spcPts val="500"/>
-              </a:spcBef>
-              <a:buFont typeface="Arial" panose="020B0604020202020204" pitchFamily="34" charset="0"/>
-              <a:buChar char="•"/>
-              <a:defRPr sz="1400" kern="1200">
-                <a:solidFill>
-                  <a:schemeClr val="tx1"/>
-                </a:solidFill>
-                <a:latin typeface="+mn-lt"/>
-                <a:ea typeface="+mn-ea"/>
-                <a:cs typeface="+mn-cs"/>
-              </a:defRPr>
-            </a:lvl8pPr>
-            <a:lvl9pPr marL="3886200" indent="-228600" algn="l" defTabSz="914400" rtl="0" eaLnBrk="1" latinLnBrk="0" hangingPunct="1">
-              <a:lnSpc>
-                <a:spcPct val="90000"/>
-              </a:lnSpc>
-              <a:spcBef>
-                <a:spcPts val="500"/>
-              </a:spcBef>
-              <a:buFont typeface="Arial" panose="020B0604020202020204" pitchFamily="34" charset="0"/>
-              <a:buChar char="•"/>
-              <a:defRPr sz="1400" kern="1200">
-                <a:solidFill>
-                  <a:schemeClr val="tx1"/>
-                </a:solidFill>
-                <a:latin typeface="+mn-lt"/>
-                <a:ea typeface="+mn-ea"/>
-                <a:cs typeface="+mn-cs"/>
-              </a:defRPr>
-            </a:lvl9pPr>
-          </a:lstStyle>
-          <a:p>
-            <a:pPr marL="0" indent="0">
-              <a:buFont typeface="Wingdings" pitchFamily="2" charset="2"/>
-              <a:buNone/>
-              <a:defRPr/>
-            </a:pPr>
-            <a:r>
-              <a:rPr lang="es-AR" sz="2800" dirty="0" err="1">
-                <a:solidFill>
-                  <a:srgbClr val="0000FF"/>
-                </a:solidFill>
-                <a:highlight>
-                  <a:srgbClr val="FFFFFF"/>
-                </a:highlight>
-                <a:latin typeface="Consolas" panose="020B0609020204030204" pitchFamily="49" charset="0"/>
-              </a:rPr>
-              <a:t>using</a:t>
-            </a:r>
-            <a:r>
-              <a:rPr lang="es-AR" sz="2800" dirty="0">
-                <a:solidFill>
-                  <a:srgbClr val="000000"/>
-                </a:solidFill>
-                <a:highlight>
-                  <a:srgbClr val="FFFFFF"/>
-                </a:highlight>
-                <a:latin typeface="Consolas" panose="020B0609020204030204" pitchFamily="49" charset="0"/>
-              </a:rPr>
-              <a:t> </a:t>
-            </a:r>
-            <a:r>
-              <a:rPr lang="es-AR" sz="2800" dirty="0" err="1">
-                <a:solidFill>
-                  <a:srgbClr val="000000"/>
-                </a:solidFill>
-                <a:highlight>
-                  <a:srgbClr val="FFFFFF"/>
-                </a:highlight>
-                <a:latin typeface="Consolas" panose="020B0609020204030204" pitchFamily="49" charset="0"/>
-              </a:rPr>
-              <a:t>System.Data.SqlClient</a:t>
-            </a:r>
-            <a:r>
-              <a:rPr lang="es-AR" sz="2800" dirty="0">
-                <a:solidFill>
-                  <a:srgbClr val="000000"/>
-                </a:solidFill>
-                <a:highlight>
-                  <a:srgbClr val="FFFFFF"/>
-                </a:highlight>
-                <a:latin typeface="Consolas" panose="020B0609020204030204" pitchFamily="49" charset="0"/>
-              </a:rPr>
-              <a:t>;</a:t>
-            </a:r>
-          </a:p>
-          <a:p>
-            <a:pPr marL="0" indent="0">
-              <a:buFont typeface="Wingdings" pitchFamily="2" charset="2"/>
-              <a:buNone/>
-              <a:defRPr/>
-            </a:pPr>
-            <a:r>
-              <a:rPr lang="es-AR" sz="2800" dirty="0">
-                <a:solidFill>
-                  <a:srgbClr val="008000"/>
-                </a:solidFill>
-                <a:highlight>
-                  <a:srgbClr val="FFFFFF"/>
-                </a:highlight>
-                <a:latin typeface="Consolas" panose="020B0609020204030204" pitchFamily="49" charset="0"/>
-              </a:rPr>
-              <a:t>// ...</a:t>
-            </a:r>
-            <a:endParaRPr lang="es-AR" sz="2800" dirty="0">
-              <a:solidFill>
-                <a:srgbClr val="000000"/>
-              </a:solidFill>
-              <a:highlight>
-                <a:srgbClr val="FFFFFF"/>
-              </a:highlight>
-              <a:latin typeface="Consolas" panose="020B0609020204030204" pitchFamily="49" charset="0"/>
-            </a:endParaRPr>
-          </a:p>
-          <a:p>
-            <a:pPr marL="0" indent="0">
-              <a:buFont typeface="Wingdings" pitchFamily="2" charset="2"/>
-              <a:buNone/>
-              <a:defRPr/>
-            </a:pPr>
-            <a:r>
-              <a:rPr lang="es-AR" sz="2800" dirty="0" err="1">
-                <a:solidFill>
-                  <a:srgbClr val="2B91AF"/>
-                </a:solidFill>
-                <a:highlight>
-                  <a:srgbClr val="FFFFFF"/>
-                </a:highlight>
-                <a:latin typeface="Consolas" panose="020B0609020204030204" pitchFamily="49" charset="0"/>
-              </a:rPr>
-              <a:t>SqlConnection</a:t>
-            </a:r>
-            <a:r>
-              <a:rPr lang="es-AR" sz="2800" dirty="0">
-                <a:solidFill>
-                  <a:srgbClr val="000000"/>
-                </a:solidFill>
-                <a:highlight>
-                  <a:srgbClr val="FFFFFF"/>
-                </a:highlight>
-                <a:latin typeface="Consolas" panose="020B0609020204030204" pitchFamily="49" charset="0"/>
-              </a:rPr>
-              <a:t> </a:t>
-            </a:r>
-            <a:r>
-              <a:rPr lang="es-AR" sz="2800" dirty="0" err="1">
-                <a:solidFill>
-                  <a:srgbClr val="000000"/>
-                </a:solidFill>
-                <a:highlight>
-                  <a:srgbClr val="FFFFFF"/>
-                </a:highlight>
-                <a:latin typeface="Consolas" panose="020B0609020204030204" pitchFamily="49" charset="0"/>
-              </a:rPr>
-              <a:t>conexion</a:t>
-            </a:r>
-            <a:r>
-              <a:rPr lang="es-AR" sz="2800" dirty="0">
-                <a:solidFill>
-                  <a:srgbClr val="000000"/>
-                </a:solidFill>
-                <a:highlight>
-                  <a:srgbClr val="FFFFFF"/>
-                </a:highlight>
-                <a:latin typeface="Consolas" panose="020B0609020204030204" pitchFamily="49" charset="0"/>
-              </a:rPr>
-              <a:t>;</a:t>
-            </a:r>
-          </a:p>
-          <a:p>
-            <a:pPr marL="0" indent="0">
-              <a:buFont typeface="Wingdings" pitchFamily="2" charset="2"/>
-              <a:buNone/>
-              <a:defRPr/>
-            </a:pPr>
-            <a:r>
-              <a:rPr lang="es-AR" sz="2800" dirty="0" err="1">
-                <a:solidFill>
-                  <a:srgbClr val="000000"/>
-                </a:solidFill>
-                <a:highlight>
-                  <a:srgbClr val="FFFFFF"/>
-                </a:highlight>
-                <a:latin typeface="Consolas" panose="020B0609020204030204" pitchFamily="49" charset="0"/>
-              </a:rPr>
-              <a:t>conexion</a:t>
-            </a:r>
-            <a:r>
-              <a:rPr lang="es-AR" sz="2800" dirty="0">
-                <a:solidFill>
-                  <a:srgbClr val="000000"/>
-                </a:solidFill>
-                <a:highlight>
-                  <a:srgbClr val="FFFFFF"/>
-                </a:highlight>
-                <a:latin typeface="Consolas" panose="020B0609020204030204" pitchFamily="49" charset="0"/>
-              </a:rPr>
-              <a:t> = </a:t>
-            </a:r>
-            <a:r>
-              <a:rPr lang="es-AR" sz="2800" dirty="0">
-                <a:solidFill>
-                  <a:srgbClr val="0000FF"/>
-                </a:solidFill>
-                <a:highlight>
-                  <a:srgbClr val="FFFFFF"/>
-                </a:highlight>
-                <a:latin typeface="Consolas" panose="020B0609020204030204" pitchFamily="49" charset="0"/>
-              </a:rPr>
-              <a:t>new</a:t>
-            </a:r>
-            <a:r>
-              <a:rPr lang="es-AR" sz="2800" dirty="0">
-                <a:solidFill>
-                  <a:srgbClr val="000000"/>
-                </a:solidFill>
-                <a:highlight>
-                  <a:srgbClr val="FFFFFF"/>
-                </a:highlight>
-                <a:latin typeface="Consolas" panose="020B0609020204030204" pitchFamily="49" charset="0"/>
-              </a:rPr>
-              <a:t> </a:t>
-            </a:r>
-            <a:r>
-              <a:rPr lang="es-AR" sz="2800" dirty="0" err="1">
-                <a:solidFill>
-                  <a:srgbClr val="2B91AF"/>
-                </a:solidFill>
-                <a:highlight>
-                  <a:srgbClr val="FFFFFF"/>
-                </a:highlight>
-                <a:latin typeface="Consolas" panose="020B0609020204030204" pitchFamily="49" charset="0"/>
-              </a:rPr>
-              <a:t>SqlConnection</a:t>
-            </a:r>
-            <a:r>
-              <a:rPr lang="es-AR" sz="2800" dirty="0">
-                <a:solidFill>
-                  <a:srgbClr val="000000"/>
-                </a:solidFill>
-                <a:highlight>
-                  <a:srgbClr val="FFFFFF"/>
-                </a:highlight>
-                <a:latin typeface="Consolas" panose="020B0609020204030204" pitchFamily="49" charset="0"/>
-              </a:rPr>
-              <a:t>(</a:t>
-            </a:r>
-            <a:r>
-              <a:rPr lang="es-AR" sz="2800" dirty="0" err="1">
-                <a:solidFill>
-                  <a:srgbClr val="000000"/>
-                </a:solidFill>
-                <a:highlight>
-                  <a:srgbClr val="FFFFFF"/>
-                </a:highlight>
-                <a:latin typeface="Consolas" panose="020B0609020204030204" pitchFamily="49" charset="0"/>
-              </a:rPr>
-              <a:t>connectionStr</a:t>
-            </a:r>
-            <a:r>
-              <a:rPr lang="es-AR" sz="2800" dirty="0">
-                <a:solidFill>
-                  <a:srgbClr val="000000"/>
-                </a:solidFill>
-                <a:highlight>
-                  <a:srgbClr val="FFFFFF"/>
-                </a:highlight>
-                <a:latin typeface="Consolas" panose="020B0609020204030204" pitchFamily="49" charset="0"/>
-              </a:rPr>
-              <a:t>);</a:t>
-            </a:r>
-          </a:p>
-          <a:p>
-            <a:pPr marL="0" indent="0">
-              <a:buFont typeface="Wingdings" pitchFamily="2" charset="2"/>
-              <a:buNone/>
-              <a:defRPr/>
-            </a:pPr>
-            <a:endParaRPr lang="es-AR" sz="2800" dirty="0"/>
-          </a:p>
-        </p:txBody>
-      </p:sp>
-    </p:spTree>
-    <p:extLst>
-      <p:ext uri="{BB962C8B-B14F-4D97-AF65-F5344CB8AC3E}">
-        <p14:creationId xmlns:p14="http://schemas.microsoft.com/office/powerpoint/2010/main" val="2977310529"/>
-      </p:ext>
-    </p:extLst>
-  </p:cSld>
-  <p:clrMapOvr>
-    <a:masterClrMapping/>
-  </p:clrMapOvr>
-</p:sld>
-</file>
-
-<file path=ppt/slides/slide4.xml><?xml version="1.0" encoding="utf-8"?>
-<p:sld xmlns:a="http://schemas.openxmlformats.org/drawingml/2006/main" xmlns:r="http://schemas.openxmlformats.org/officeDocument/2006/relationships" xmlns:p="http://schemas.openxmlformats.org/presentationml/2006/main">
-  <p:cSld>
-    <p:spTree>
-      <p:nvGrpSpPr>
-        <p:cNvPr id="1" name=""/>
-        <p:cNvGrpSpPr/>
-        <p:nvPr/>
-      </p:nvGrpSpPr>
-      <p:grpSpPr>
-        <a:xfrm>
-          <a:off x="0" y="0"/>
-          <a:ext cx="0" cy="0"/>
-          <a:chOff x="0" y="0"/>
-          <a:chExt cx="0" cy="0"/>
-        </a:xfrm>
-      </p:grpSpPr>
-      <p:sp>
-        <p:nvSpPr>
-          <p:cNvPr id="2" name="Título 1"/>
-          <p:cNvSpPr>
-            <a:spLocks noGrp="1"/>
-          </p:cNvSpPr>
-          <p:nvPr>
-            <p:ph type="title"/>
-          </p:nvPr>
-        </p:nvSpPr>
-        <p:spPr/>
-        <p:txBody>
-          <a:bodyPr/>
-          <a:lstStyle/>
-          <a:p>
-            <a:r>
-              <a:rPr lang="es-AR" dirty="0" err="1"/>
-              <a:t>Command</a:t>
-            </a:r>
-            <a:endParaRPr lang="es-AR" dirty="0"/>
-          </a:p>
-        </p:txBody>
-      </p:sp>
-      <p:sp>
-        <p:nvSpPr>
-          <p:cNvPr id="3" name="Marcador de contenido 2"/>
-          <p:cNvSpPr>
-            <a:spLocks noGrp="1"/>
-          </p:cNvSpPr>
-          <p:nvPr>
-            <p:ph idx="1"/>
-          </p:nvPr>
-        </p:nvSpPr>
-        <p:spPr/>
-        <p:txBody>
-          <a:bodyPr/>
-          <a:lstStyle/>
-          <a:p>
-            <a:r>
-              <a:rPr lang="es-AR" dirty="0">
-                <a:effectLst>
-                  <a:outerShdw blurRad="38100" dist="38100" dir="2700000" algn="tl">
-                    <a:srgbClr val="000000">
-                      <a:alpha val="43137"/>
-                    </a:srgbClr>
-                  </a:outerShdw>
-                </a:effectLst>
-                <a:latin typeface="Franklin Gothic Medium" panose="020B0603020102020204" pitchFamily="34" charset="0"/>
-              </a:rPr>
-              <a:t>Representa un procedimiento almacenado o una instrucción de </a:t>
-            </a:r>
-            <a:r>
-              <a:rPr lang="es-AR" dirty="0" err="1">
-                <a:effectLst>
-                  <a:outerShdw blurRad="38100" dist="38100" dir="2700000" algn="tl">
-                    <a:srgbClr val="000000">
-                      <a:alpha val="43137"/>
-                    </a:srgbClr>
-                  </a:outerShdw>
-                </a:effectLst>
-                <a:latin typeface="Franklin Gothic Medium" panose="020B0603020102020204" pitchFamily="34" charset="0"/>
-              </a:rPr>
-              <a:t>Transact</a:t>
-            </a:r>
-            <a:r>
-              <a:rPr lang="es-AR" dirty="0">
-                <a:effectLst>
-                  <a:outerShdw blurRad="38100" dist="38100" dir="2700000" algn="tl">
-                    <a:srgbClr val="000000">
-                      <a:alpha val="43137"/>
-                    </a:srgbClr>
-                  </a:outerShdw>
-                </a:effectLst>
-                <a:latin typeface="Franklin Gothic Medium" panose="020B0603020102020204" pitchFamily="34" charset="0"/>
-              </a:rPr>
-              <a:t>-SQL que se ejecuta en una base de datos de SQL Server.</a:t>
-            </a:r>
-          </a:p>
-          <a:p>
-            <a:endParaRPr lang="es-AR" dirty="0">
-              <a:effectLst>
-                <a:outerShdw blurRad="38100" dist="38100" dir="2700000" algn="tl">
-                  <a:srgbClr val="000000">
-                    <a:alpha val="43137"/>
-                  </a:srgbClr>
-                </a:outerShdw>
-              </a:effectLst>
-              <a:latin typeface="Franklin Gothic Medium" panose="020B0603020102020204" pitchFamily="34" charset="0"/>
-            </a:endParaRPr>
-          </a:p>
-          <a:p>
-            <a:r>
-              <a:rPr lang="es-AR" dirty="0">
-                <a:effectLst>
-                  <a:outerShdw blurRad="38100" dist="38100" dir="2700000" algn="tl">
-                    <a:srgbClr val="000000">
-                      <a:alpha val="43137"/>
-                    </a:srgbClr>
-                  </a:outerShdw>
-                </a:effectLst>
-                <a:latin typeface="Franklin Gothic Medium" panose="020B0603020102020204" pitchFamily="34" charset="0"/>
-              </a:rPr>
-              <a:t>Un comando puede ser de diferentes tipos (Procedimiento Almacenado, etc.), por ahora solo utilizaremos del tipo texto.</a:t>
-            </a:r>
-          </a:p>
-          <a:p>
-            <a:endParaRPr lang="es-AR" dirty="0">
-              <a:effectLst>
-                <a:outerShdw blurRad="38100" dist="38100" dir="2700000" algn="tl">
-                  <a:srgbClr val="000000">
-                    <a:alpha val="43137"/>
-                  </a:srgbClr>
-                </a:outerShdw>
-              </a:effectLst>
-              <a:latin typeface="Franklin Gothic Medium" panose="020B0603020102020204" pitchFamily="34" charset="0"/>
-            </a:endParaRPr>
-          </a:p>
-          <a:p>
-            <a:r>
-              <a:rPr lang="es-AR" dirty="0">
-                <a:effectLst>
-                  <a:outerShdw blurRad="38100" dist="38100" dir="2700000" algn="tl">
-                    <a:srgbClr val="000000">
-                      <a:alpha val="43137"/>
-                    </a:srgbClr>
-                  </a:outerShdw>
-                </a:effectLst>
-                <a:latin typeface="Franklin Gothic Medium" panose="020B0603020102020204" pitchFamily="34" charset="0"/>
-              </a:rPr>
-              <a:t>El comando deberá estar asociado a una conexión, en la cual ejecutará sus acciones.</a:t>
-            </a:r>
-          </a:p>
-        </p:txBody>
-      </p:sp>
-    </p:spTree>
-    <p:extLst>
-      <p:ext uri="{BB962C8B-B14F-4D97-AF65-F5344CB8AC3E}">
-        <p14:creationId xmlns:p14="http://schemas.microsoft.com/office/powerpoint/2010/main" val="773480437"/>
-      </p:ext>
-    </p:extLst>
-  </p:cSld>
-  <p:clrMapOvr>
-    <a:masterClrMapping/>
-  </p:clrMapOvr>
-</p:sld>
-</file>
-
-<file path=ppt/slides/slide5.xml><?xml version="1.0" encoding="utf-8"?>
-<p:sld xmlns:a="http://schemas.openxmlformats.org/drawingml/2006/main" xmlns:r="http://schemas.openxmlformats.org/officeDocument/2006/relationships" xmlns:p="http://schemas.openxmlformats.org/presentationml/2006/main">
-  <p:cSld>
-    <p:spTree>
-      <p:nvGrpSpPr>
-        <p:cNvPr id="1" name=""/>
-        <p:cNvGrpSpPr/>
-        <p:nvPr/>
-      </p:nvGrpSpPr>
-      <p:grpSpPr>
-        <a:xfrm>
-          <a:off x="0" y="0"/>
-          <a:ext cx="0" cy="0"/>
-          <a:chOff x="0" y="0"/>
-          <a:chExt cx="0" cy="0"/>
-        </a:xfrm>
-      </p:grpSpPr>
-      <p:sp>
-        <p:nvSpPr>
-          <p:cNvPr id="2" name="Título 1"/>
-          <p:cNvSpPr>
-            <a:spLocks noGrp="1"/>
-          </p:cNvSpPr>
-          <p:nvPr>
-            <p:ph type="title"/>
-          </p:nvPr>
-        </p:nvSpPr>
-        <p:spPr/>
-        <p:txBody>
-          <a:bodyPr/>
-          <a:lstStyle/>
-          <a:p>
-            <a:r>
-              <a:rPr lang="es-AR" dirty="0"/>
-              <a:t>Ejemplo de </a:t>
-            </a:r>
-            <a:r>
-              <a:rPr lang="es-AR" dirty="0" err="1"/>
-              <a:t>Command</a:t>
-            </a:r>
-            <a:endParaRPr lang="es-AR" dirty="0"/>
-          </a:p>
-        </p:txBody>
-      </p:sp>
-      <p:sp>
-        <p:nvSpPr>
-          <p:cNvPr id="5" name="Rectangle 3"/>
-          <p:cNvSpPr txBox="1">
-            <a:spLocks noChangeArrowheads="1"/>
-          </p:cNvSpPr>
-          <p:nvPr/>
-        </p:nvSpPr>
-        <p:spPr>
-          <a:xfrm>
-            <a:off x="680321" y="2489916"/>
-            <a:ext cx="9613861" cy="2957848"/>
-          </a:xfrm>
-          <a:prstGeom prst="rect">
-            <a:avLst/>
-          </a:prstGeom>
-          <a:solidFill>
-            <a:schemeClr val="tx1"/>
-          </a:solidFill>
-        </p:spPr>
-        <p:txBody>
-          <a:bodyPr vert="horz" lIns="91440" tIns="45720" rIns="91440" bIns="45720" rtlCol="0">
-            <a:normAutofit/>
-          </a:bodyPr>
-          <a:lstStyle>
-            <a:lvl1pPr marL="228600" indent="-228600" algn="l" defTabSz="914400" rtl="0" eaLnBrk="1" latinLnBrk="0" hangingPunct="1">
-              <a:lnSpc>
-                <a:spcPct val="90000"/>
-              </a:lnSpc>
-              <a:spcBef>
-                <a:spcPts val="1000"/>
-              </a:spcBef>
-              <a:buFont typeface="Arial" panose="020B0604020202020204" pitchFamily="34" charset="0"/>
-              <a:buChar char="•"/>
-              <a:defRPr sz="2400" kern="1200">
-                <a:solidFill>
-                  <a:schemeClr val="tx1"/>
-                </a:solidFill>
-                <a:latin typeface="+mn-lt"/>
-                <a:ea typeface="+mn-ea"/>
-                <a:cs typeface="+mn-cs"/>
-              </a:defRPr>
-            </a:lvl1pPr>
-            <a:lvl2pPr marL="685800" indent="-228600" algn="l" defTabSz="914400" rtl="0" eaLnBrk="1" latinLnBrk="0" hangingPunct="1">
-              <a:lnSpc>
-                <a:spcPct val="90000"/>
-              </a:lnSpc>
-              <a:spcBef>
-                <a:spcPts val="500"/>
-              </a:spcBef>
-              <a:buFont typeface="Arial" panose="020B0604020202020204" pitchFamily="34" charset="0"/>
-              <a:buChar char="•"/>
-              <a:defRPr sz="2000" kern="1200">
-                <a:solidFill>
-                  <a:schemeClr val="tx1"/>
-                </a:solidFill>
-                <a:latin typeface="+mn-lt"/>
-                <a:ea typeface="+mn-ea"/>
-                <a:cs typeface="+mn-cs"/>
-              </a:defRPr>
-            </a:lvl2pPr>
-            <a:lvl3pPr marL="1143000" indent="-228600" algn="l" defTabSz="914400" rtl="0" eaLnBrk="1" latinLnBrk="0" hangingPunct="1">
-              <a:lnSpc>
-                <a:spcPct val="90000"/>
-              </a:lnSpc>
-              <a:spcBef>
-                <a:spcPts val="500"/>
-              </a:spcBef>
-              <a:buFont typeface="Arial" panose="020B0604020202020204" pitchFamily="34" charset="0"/>
-              <a:buChar char="•"/>
-              <a:defRPr sz="1800" kern="1200">
-                <a:solidFill>
-                  <a:schemeClr val="tx1"/>
-                </a:solidFill>
-                <a:latin typeface="+mn-lt"/>
-                <a:ea typeface="+mn-ea"/>
-                <a:cs typeface="+mn-cs"/>
-              </a:defRPr>
-            </a:lvl3pPr>
-            <a:lvl4pPr marL="1600200" indent="-228600" algn="l" defTabSz="914400" rtl="0" eaLnBrk="1" latinLnBrk="0" hangingPunct="1">
-              <a:lnSpc>
-                <a:spcPct val="90000"/>
-              </a:lnSpc>
-              <a:spcBef>
-                <a:spcPts val="500"/>
-              </a:spcBef>
-              <a:buFont typeface="Arial" panose="020B0604020202020204" pitchFamily="34" charset="0"/>
-              <a:buChar char="•"/>
-              <a:defRPr sz="1600" kern="1200">
-                <a:solidFill>
-                  <a:schemeClr val="tx1"/>
-                </a:solidFill>
-                <a:latin typeface="+mn-lt"/>
-                <a:ea typeface="+mn-ea"/>
-                <a:cs typeface="+mn-cs"/>
-              </a:defRPr>
-            </a:lvl4pPr>
-            <a:lvl5pPr marL="2057400" indent="-228600" algn="l" defTabSz="914400" rtl="0" eaLnBrk="1" latinLnBrk="0" hangingPunct="1">
-              <a:lnSpc>
-                <a:spcPct val="90000"/>
-              </a:lnSpc>
-              <a:spcBef>
-                <a:spcPts val="500"/>
-              </a:spcBef>
-              <a:buFont typeface="Arial" panose="020B0604020202020204" pitchFamily="34" charset="0"/>
-              <a:buChar char="•"/>
-              <a:defRPr sz="1600" kern="1200">
-                <a:solidFill>
-                  <a:schemeClr val="tx1"/>
-                </a:solidFill>
-                <a:latin typeface="+mn-lt"/>
-                <a:ea typeface="+mn-ea"/>
-                <a:cs typeface="+mn-cs"/>
-              </a:defRPr>
-            </a:lvl5pPr>
-            <a:lvl6pPr marL="2514600" indent="-228600" algn="l" defTabSz="914400" rtl="0" eaLnBrk="1" latinLnBrk="0" hangingPunct="1">
-              <a:lnSpc>
-                <a:spcPct val="90000"/>
-              </a:lnSpc>
-              <a:spcBef>
-                <a:spcPts val="500"/>
-              </a:spcBef>
-              <a:buFont typeface="Arial" panose="020B0604020202020204" pitchFamily="34" charset="0"/>
-              <a:buChar char="•"/>
-              <a:defRPr sz="1400" kern="1200">
-                <a:solidFill>
-                  <a:schemeClr val="tx1"/>
-                </a:solidFill>
-                <a:latin typeface="+mn-lt"/>
-                <a:ea typeface="+mn-ea"/>
-                <a:cs typeface="+mn-cs"/>
-              </a:defRPr>
-            </a:lvl6pPr>
-            <a:lvl7pPr marL="2971800" indent="-228600" algn="l" defTabSz="914400" rtl="0" eaLnBrk="1" latinLnBrk="0" hangingPunct="1">
-              <a:lnSpc>
-                <a:spcPct val="90000"/>
-              </a:lnSpc>
-              <a:spcBef>
-                <a:spcPts val="500"/>
-              </a:spcBef>
-              <a:buFont typeface="Arial" panose="020B0604020202020204" pitchFamily="34" charset="0"/>
-              <a:buChar char="•"/>
-              <a:defRPr sz="1400" kern="1200">
-                <a:solidFill>
-                  <a:schemeClr val="tx1"/>
-                </a:solidFill>
-                <a:latin typeface="+mn-lt"/>
-                <a:ea typeface="+mn-ea"/>
-                <a:cs typeface="+mn-cs"/>
-              </a:defRPr>
-            </a:lvl7pPr>
-            <a:lvl8pPr marL="3429000" indent="-228600" algn="l" defTabSz="914400" rtl="0" eaLnBrk="1" latinLnBrk="0" hangingPunct="1">
-              <a:lnSpc>
-                <a:spcPct val="90000"/>
-              </a:lnSpc>
-              <a:spcBef>
-                <a:spcPts val="500"/>
-              </a:spcBef>
-              <a:buFont typeface="Arial" panose="020B0604020202020204" pitchFamily="34" charset="0"/>
-              <a:buChar char="•"/>
-              <a:defRPr sz="1400" kern="1200">
-                <a:solidFill>
-                  <a:schemeClr val="tx1"/>
-                </a:solidFill>
-                <a:latin typeface="+mn-lt"/>
-                <a:ea typeface="+mn-ea"/>
-                <a:cs typeface="+mn-cs"/>
-              </a:defRPr>
-            </a:lvl8pPr>
-            <a:lvl9pPr marL="3886200" indent="-228600" algn="l" defTabSz="914400" rtl="0" eaLnBrk="1" latinLnBrk="0" hangingPunct="1">
-              <a:lnSpc>
-                <a:spcPct val="90000"/>
-              </a:lnSpc>
-              <a:spcBef>
-                <a:spcPts val="500"/>
-              </a:spcBef>
-              <a:buFont typeface="Arial" panose="020B0604020202020204" pitchFamily="34" charset="0"/>
-              <a:buChar char="•"/>
-              <a:defRPr sz="1400" kern="1200">
-                <a:solidFill>
-                  <a:schemeClr val="tx1"/>
-                </a:solidFill>
-                <a:latin typeface="+mn-lt"/>
-                <a:ea typeface="+mn-ea"/>
-                <a:cs typeface="+mn-cs"/>
-              </a:defRPr>
-            </a:lvl9pPr>
-          </a:lstStyle>
-          <a:p>
-            <a:pPr marL="0" indent="0">
-              <a:buFont typeface="Wingdings" pitchFamily="2" charset="2"/>
-              <a:buNone/>
-              <a:defRPr/>
-            </a:pPr>
-            <a:r>
-              <a:rPr lang="es-AR" dirty="0" err="1">
-                <a:solidFill>
-                  <a:srgbClr val="2B91AF"/>
-                </a:solidFill>
-                <a:highlight>
-                  <a:srgbClr val="FFFFFF"/>
-                </a:highlight>
-                <a:latin typeface="Consolas" panose="020B0609020204030204" pitchFamily="49" charset="0"/>
-              </a:rPr>
-              <a:t>SqlCommand</a:t>
-            </a:r>
-            <a:r>
-              <a:rPr lang="es-AR" dirty="0">
-                <a:solidFill>
-                  <a:srgbClr val="000000"/>
-                </a:solidFill>
-                <a:highlight>
-                  <a:srgbClr val="FFFFFF"/>
-                </a:highlight>
-                <a:latin typeface="Consolas" panose="020B0609020204030204" pitchFamily="49" charset="0"/>
-              </a:rPr>
-              <a:t> comando;</a:t>
-            </a:r>
-          </a:p>
-          <a:p>
-            <a:pPr marL="0" indent="0">
-              <a:buFont typeface="Wingdings" pitchFamily="2" charset="2"/>
-              <a:buNone/>
-              <a:defRPr/>
-            </a:pPr>
-            <a:endParaRPr lang="es-AR" dirty="0">
-              <a:solidFill>
-                <a:srgbClr val="000000"/>
-              </a:solidFill>
-              <a:highlight>
-                <a:srgbClr val="FFFFFF"/>
-              </a:highlight>
-              <a:latin typeface="Consolas" panose="020B0609020204030204" pitchFamily="49" charset="0"/>
-            </a:endParaRPr>
-          </a:p>
-          <a:p>
-            <a:pPr marL="0" indent="0">
-              <a:buFont typeface="Wingdings" pitchFamily="2" charset="2"/>
-              <a:buNone/>
-              <a:defRPr/>
-            </a:pPr>
-            <a:r>
-              <a:rPr lang="es-AR" dirty="0">
-                <a:solidFill>
-                  <a:srgbClr val="000000"/>
-                </a:solidFill>
-                <a:highlight>
-                  <a:srgbClr val="FFFFFF"/>
-                </a:highlight>
-                <a:latin typeface="Consolas" panose="020B0609020204030204" pitchFamily="49" charset="0"/>
-              </a:rPr>
-              <a:t>comando = </a:t>
-            </a:r>
-            <a:r>
-              <a:rPr lang="es-AR" dirty="0">
-                <a:solidFill>
-                  <a:srgbClr val="0000FF"/>
-                </a:solidFill>
-                <a:highlight>
-                  <a:srgbClr val="FFFFFF"/>
-                </a:highlight>
-                <a:latin typeface="Consolas" panose="020B0609020204030204" pitchFamily="49" charset="0"/>
-              </a:rPr>
-              <a:t>new</a:t>
-            </a:r>
-            <a:r>
-              <a:rPr lang="es-AR" dirty="0">
-                <a:solidFill>
-                  <a:srgbClr val="000000"/>
-                </a:solidFill>
-                <a:highlight>
-                  <a:srgbClr val="FFFFFF"/>
-                </a:highlight>
-                <a:latin typeface="Consolas" panose="020B0609020204030204" pitchFamily="49" charset="0"/>
-              </a:rPr>
-              <a:t> </a:t>
-            </a:r>
-            <a:r>
-              <a:rPr lang="es-AR" dirty="0" err="1">
-                <a:solidFill>
-                  <a:srgbClr val="2B91AF"/>
-                </a:solidFill>
-                <a:highlight>
-                  <a:srgbClr val="FFFFFF"/>
-                </a:highlight>
-                <a:latin typeface="Consolas" panose="020B0609020204030204" pitchFamily="49" charset="0"/>
-              </a:rPr>
-              <a:t>SqlCommand</a:t>
-            </a:r>
-            <a:r>
-              <a:rPr lang="es-AR" dirty="0">
-                <a:solidFill>
-                  <a:srgbClr val="000000"/>
-                </a:solidFill>
-                <a:highlight>
-                  <a:srgbClr val="FFFFFF"/>
-                </a:highlight>
-                <a:latin typeface="Consolas" panose="020B0609020204030204" pitchFamily="49" charset="0"/>
-              </a:rPr>
-              <a:t>();</a:t>
-            </a:r>
-          </a:p>
-          <a:p>
-            <a:pPr marL="0" indent="0">
-              <a:buFont typeface="Wingdings" pitchFamily="2" charset="2"/>
-              <a:buNone/>
-              <a:defRPr/>
-            </a:pPr>
-            <a:r>
-              <a:rPr lang="es-AR" dirty="0" err="1">
-                <a:solidFill>
-                  <a:srgbClr val="000000"/>
-                </a:solidFill>
-                <a:highlight>
-                  <a:srgbClr val="FFFFFF"/>
-                </a:highlight>
-                <a:latin typeface="Consolas" panose="020B0609020204030204" pitchFamily="49" charset="0"/>
-              </a:rPr>
-              <a:t>comando.CommandType</a:t>
-            </a:r>
-            <a:r>
-              <a:rPr lang="es-AR" dirty="0">
-                <a:solidFill>
-                  <a:srgbClr val="000000"/>
-                </a:solidFill>
-                <a:highlight>
-                  <a:srgbClr val="FFFFFF"/>
-                </a:highlight>
-                <a:latin typeface="Consolas" panose="020B0609020204030204" pitchFamily="49" charset="0"/>
-              </a:rPr>
-              <a:t> = </a:t>
-            </a:r>
-            <a:r>
-              <a:rPr lang="es-AR" dirty="0" err="1">
-                <a:solidFill>
-                  <a:srgbClr val="000000"/>
-                </a:solidFill>
-                <a:highlight>
-                  <a:srgbClr val="FFFFFF"/>
-                </a:highlight>
-                <a:latin typeface="Consolas" panose="020B0609020204030204" pitchFamily="49" charset="0"/>
-              </a:rPr>
-              <a:t>System.Data.</a:t>
-            </a:r>
-            <a:r>
-              <a:rPr lang="es-AR" dirty="0" err="1">
-                <a:solidFill>
-                  <a:srgbClr val="2B91AF"/>
-                </a:solidFill>
-                <a:highlight>
-                  <a:srgbClr val="FFFFFF"/>
-                </a:highlight>
-                <a:latin typeface="Consolas" panose="020B0609020204030204" pitchFamily="49" charset="0"/>
-              </a:rPr>
-              <a:t>CommandType</a:t>
-            </a:r>
-            <a:r>
-              <a:rPr lang="es-AR" dirty="0" err="1">
-                <a:solidFill>
-                  <a:srgbClr val="000000"/>
-                </a:solidFill>
-                <a:highlight>
-                  <a:srgbClr val="FFFFFF"/>
-                </a:highlight>
-                <a:latin typeface="Consolas" panose="020B0609020204030204" pitchFamily="49" charset="0"/>
-              </a:rPr>
-              <a:t>.Text</a:t>
-            </a:r>
-            <a:r>
-              <a:rPr lang="es-AR" dirty="0">
-                <a:solidFill>
-                  <a:srgbClr val="000000"/>
-                </a:solidFill>
-                <a:highlight>
-                  <a:srgbClr val="FFFFFF"/>
-                </a:highlight>
-                <a:latin typeface="Consolas" panose="020B0609020204030204" pitchFamily="49" charset="0"/>
-              </a:rPr>
-              <a:t>;</a:t>
-            </a:r>
-          </a:p>
-          <a:p>
-            <a:pPr marL="0" indent="0">
-              <a:buFont typeface="Wingdings" pitchFamily="2" charset="2"/>
-              <a:buNone/>
-              <a:defRPr/>
-            </a:pPr>
-            <a:endParaRPr lang="es-AR" dirty="0">
-              <a:solidFill>
-                <a:srgbClr val="000000"/>
-              </a:solidFill>
-              <a:highlight>
-                <a:srgbClr val="FFFFFF"/>
-              </a:highlight>
-              <a:latin typeface="Consolas" panose="020B0609020204030204" pitchFamily="49" charset="0"/>
-            </a:endParaRPr>
-          </a:p>
-          <a:p>
-            <a:pPr marL="0" indent="0">
-              <a:buFont typeface="Wingdings" pitchFamily="2" charset="2"/>
-              <a:buNone/>
-              <a:defRPr/>
-            </a:pPr>
-            <a:r>
-              <a:rPr lang="es-AR" dirty="0" err="1">
-                <a:solidFill>
-                  <a:srgbClr val="000000"/>
-                </a:solidFill>
-                <a:highlight>
-                  <a:srgbClr val="FFFFFF"/>
-                </a:highlight>
-                <a:latin typeface="Consolas" panose="020B0609020204030204" pitchFamily="49" charset="0"/>
-              </a:rPr>
-              <a:t>comando.Connection</a:t>
-            </a:r>
-            <a:r>
-              <a:rPr lang="es-AR" dirty="0">
-                <a:solidFill>
-                  <a:srgbClr val="000000"/>
-                </a:solidFill>
-                <a:highlight>
-                  <a:srgbClr val="FFFFFF"/>
-                </a:highlight>
-                <a:latin typeface="Consolas" panose="020B0609020204030204" pitchFamily="49" charset="0"/>
-              </a:rPr>
-              <a:t> = </a:t>
-            </a:r>
-            <a:r>
-              <a:rPr lang="es-AR" dirty="0" err="1">
-                <a:solidFill>
-                  <a:srgbClr val="000000"/>
-                </a:solidFill>
-                <a:highlight>
-                  <a:srgbClr val="FFFFFF"/>
-                </a:highlight>
-                <a:latin typeface="Consolas" panose="020B0609020204030204" pitchFamily="49" charset="0"/>
-              </a:rPr>
-              <a:t>conexion</a:t>
-            </a:r>
-            <a:r>
-              <a:rPr lang="es-AR" dirty="0">
-                <a:solidFill>
-                  <a:srgbClr val="000000"/>
-                </a:solidFill>
-                <a:highlight>
-                  <a:srgbClr val="FFFFFF"/>
-                </a:highlight>
-                <a:latin typeface="Consolas" panose="020B0609020204030204" pitchFamily="49" charset="0"/>
-              </a:rPr>
-              <a:t>;</a:t>
-            </a:r>
-          </a:p>
-        </p:txBody>
-      </p:sp>
-    </p:spTree>
-    <p:extLst>
-      <p:ext uri="{BB962C8B-B14F-4D97-AF65-F5344CB8AC3E}">
-        <p14:creationId xmlns:p14="http://schemas.microsoft.com/office/powerpoint/2010/main" val="582472809"/>
-      </p:ext>
-    </p:extLst>
-  </p:cSld>
-  <p:clrMapOvr>
-    <a:masterClrMapping/>
-  </p:clrMapOvr>
-</p:sld>
-</file>
-
-<file path=ppt/slides/slide6.xml><?xml version="1.0" encoding="utf-8"?>
-<p:sld xmlns:a="http://schemas.openxmlformats.org/drawingml/2006/main" xmlns:r="http://schemas.openxmlformats.org/officeDocument/2006/relationships" xmlns:p="http://schemas.openxmlformats.org/presentationml/2006/main">
-  <p:cSld>
-    <p:spTree>
-      <p:nvGrpSpPr>
-        <p:cNvPr id="1" name=""/>
-        <p:cNvGrpSpPr/>
-        <p:nvPr/>
-      </p:nvGrpSpPr>
-      <p:grpSpPr>
-        <a:xfrm>
-          <a:off x="0" y="0"/>
-          <a:ext cx="0" cy="0"/>
-          <a:chOff x="0" y="0"/>
-          <a:chExt cx="0" cy="0"/>
-        </a:xfrm>
-      </p:grpSpPr>
-      <p:sp>
-        <p:nvSpPr>
-          <p:cNvPr id="2" name="Título 1"/>
-          <p:cNvSpPr>
-            <a:spLocks noGrp="1"/>
-          </p:cNvSpPr>
-          <p:nvPr>
-            <p:ph type="title"/>
-          </p:nvPr>
-        </p:nvSpPr>
-        <p:spPr/>
-        <p:txBody>
-          <a:bodyPr/>
-          <a:lstStyle/>
-          <a:p>
-            <a:r>
-              <a:rPr lang="es-AR" dirty="0"/>
-              <a:t>Ejemplo de consulta </a:t>
-            </a:r>
-            <a:r>
-              <a:rPr lang="es-AR" dirty="0" err="1"/>
-              <a:t>Select</a:t>
-            </a:r>
-            <a:endParaRPr lang="es-AR" dirty="0"/>
-          </a:p>
-        </p:txBody>
-      </p:sp>
-      <p:sp>
-        <p:nvSpPr>
-          <p:cNvPr id="4" name="Rectangle 3"/>
-          <p:cNvSpPr txBox="1">
-            <a:spLocks noChangeArrowheads="1"/>
-          </p:cNvSpPr>
-          <p:nvPr/>
-        </p:nvSpPr>
-        <p:spPr>
-          <a:xfrm>
-            <a:off x="680322" y="2305318"/>
-            <a:ext cx="9613860" cy="4275786"/>
-          </a:xfrm>
-          <a:prstGeom prst="rect">
-            <a:avLst/>
-          </a:prstGeom>
-          <a:solidFill>
-            <a:schemeClr val="tx1"/>
-          </a:solidFill>
-        </p:spPr>
-        <p:txBody>
-          <a:bodyPr vert="horz" lIns="91440" tIns="45720" rIns="91440" bIns="45720" rtlCol="0">
-            <a:normAutofit/>
-          </a:bodyPr>
-          <a:lstStyle>
-            <a:lvl1pPr marL="228600" indent="-228600" algn="l" defTabSz="914400" rtl="0" eaLnBrk="1" latinLnBrk="0" hangingPunct="1">
-              <a:lnSpc>
-                <a:spcPct val="90000"/>
-              </a:lnSpc>
-              <a:spcBef>
-                <a:spcPts val="1000"/>
-              </a:spcBef>
-              <a:buFont typeface="Arial" panose="020B0604020202020204" pitchFamily="34" charset="0"/>
-              <a:buChar char="•"/>
-              <a:defRPr sz="2400" kern="1200">
-                <a:solidFill>
-                  <a:schemeClr val="tx1"/>
-                </a:solidFill>
-                <a:latin typeface="+mn-lt"/>
-                <a:ea typeface="+mn-ea"/>
-                <a:cs typeface="+mn-cs"/>
-              </a:defRPr>
-            </a:lvl1pPr>
-            <a:lvl2pPr marL="685800" indent="-228600" algn="l" defTabSz="914400" rtl="0" eaLnBrk="1" latinLnBrk="0" hangingPunct="1">
-              <a:lnSpc>
-                <a:spcPct val="90000"/>
-              </a:lnSpc>
-              <a:spcBef>
-                <a:spcPts val="500"/>
-              </a:spcBef>
-              <a:buFont typeface="Arial" panose="020B0604020202020204" pitchFamily="34" charset="0"/>
-              <a:buChar char="•"/>
-              <a:defRPr sz="2000" kern="1200">
-                <a:solidFill>
-                  <a:schemeClr val="tx1"/>
-                </a:solidFill>
-                <a:latin typeface="+mn-lt"/>
-                <a:ea typeface="+mn-ea"/>
-                <a:cs typeface="+mn-cs"/>
-              </a:defRPr>
-            </a:lvl2pPr>
-            <a:lvl3pPr marL="1143000" indent="-228600" algn="l" defTabSz="914400" rtl="0" eaLnBrk="1" latinLnBrk="0" hangingPunct="1">
-              <a:lnSpc>
-                <a:spcPct val="90000"/>
-              </a:lnSpc>
-              <a:spcBef>
-                <a:spcPts val="500"/>
-              </a:spcBef>
-              <a:buFont typeface="Arial" panose="020B0604020202020204" pitchFamily="34" charset="0"/>
-              <a:buChar char="•"/>
-              <a:defRPr sz="1800" kern="1200">
-                <a:solidFill>
-                  <a:schemeClr val="tx1"/>
-                </a:solidFill>
-                <a:latin typeface="+mn-lt"/>
-                <a:ea typeface="+mn-ea"/>
-                <a:cs typeface="+mn-cs"/>
-              </a:defRPr>
-            </a:lvl3pPr>
-            <a:lvl4pPr marL="1600200" indent="-228600" algn="l" defTabSz="914400" rtl="0" eaLnBrk="1" latinLnBrk="0" hangingPunct="1">
-              <a:lnSpc>
-                <a:spcPct val="90000"/>
-              </a:lnSpc>
-              <a:spcBef>
-                <a:spcPts val="500"/>
-              </a:spcBef>
-              <a:buFont typeface="Arial" panose="020B0604020202020204" pitchFamily="34" charset="0"/>
-              <a:buChar char="•"/>
-              <a:defRPr sz="1600" kern="1200">
-                <a:solidFill>
-                  <a:schemeClr val="tx1"/>
-                </a:solidFill>
-                <a:latin typeface="+mn-lt"/>
-                <a:ea typeface="+mn-ea"/>
-                <a:cs typeface="+mn-cs"/>
-              </a:defRPr>
-            </a:lvl4pPr>
-            <a:lvl5pPr marL="2057400" indent="-228600" algn="l" defTabSz="914400" rtl="0" eaLnBrk="1" latinLnBrk="0" hangingPunct="1">
-              <a:lnSpc>
-                <a:spcPct val="90000"/>
-              </a:lnSpc>
-              <a:spcBef>
-                <a:spcPts val="500"/>
-              </a:spcBef>
-              <a:buFont typeface="Arial" panose="020B0604020202020204" pitchFamily="34" charset="0"/>
-              <a:buChar char="•"/>
-              <a:defRPr sz="1600" kern="1200">
-                <a:solidFill>
-                  <a:schemeClr val="tx1"/>
-                </a:solidFill>
-                <a:latin typeface="+mn-lt"/>
-                <a:ea typeface="+mn-ea"/>
-                <a:cs typeface="+mn-cs"/>
-              </a:defRPr>
-            </a:lvl5pPr>
-            <a:lvl6pPr marL="2514600" indent="-228600" algn="l" defTabSz="914400" rtl="0" eaLnBrk="1" latinLnBrk="0" hangingPunct="1">
-              <a:lnSpc>
-                <a:spcPct val="90000"/>
-              </a:lnSpc>
-              <a:spcBef>
-                <a:spcPts val="500"/>
-              </a:spcBef>
-              <a:buFont typeface="Arial" panose="020B0604020202020204" pitchFamily="34" charset="0"/>
-              <a:buChar char="•"/>
-              <a:defRPr sz="1400" kern="1200">
-                <a:solidFill>
-                  <a:schemeClr val="tx1"/>
-                </a:solidFill>
-                <a:latin typeface="+mn-lt"/>
-                <a:ea typeface="+mn-ea"/>
-                <a:cs typeface="+mn-cs"/>
-              </a:defRPr>
-            </a:lvl6pPr>
-            <a:lvl7pPr marL="2971800" indent="-228600" algn="l" defTabSz="914400" rtl="0" eaLnBrk="1" latinLnBrk="0" hangingPunct="1">
-              <a:lnSpc>
-                <a:spcPct val="90000"/>
-              </a:lnSpc>
-              <a:spcBef>
-                <a:spcPts val="500"/>
-              </a:spcBef>
-              <a:buFont typeface="Arial" panose="020B0604020202020204" pitchFamily="34" charset="0"/>
-              <a:buChar char="•"/>
-              <a:defRPr sz="1400" kern="1200">
-                <a:solidFill>
-                  <a:schemeClr val="tx1"/>
-                </a:solidFill>
-                <a:latin typeface="+mn-lt"/>
-                <a:ea typeface="+mn-ea"/>
-                <a:cs typeface="+mn-cs"/>
-              </a:defRPr>
-            </a:lvl7pPr>
-            <a:lvl8pPr marL="3429000" indent="-228600" algn="l" defTabSz="914400" rtl="0" eaLnBrk="1" latinLnBrk="0" hangingPunct="1">
-              <a:lnSpc>
-                <a:spcPct val="90000"/>
-              </a:lnSpc>
-              <a:spcBef>
-                <a:spcPts val="500"/>
-              </a:spcBef>
-              <a:buFont typeface="Arial" panose="020B0604020202020204" pitchFamily="34" charset="0"/>
-              <a:buChar char="•"/>
-              <a:defRPr sz="1400" kern="1200">
-                <a:solidFill>
-                  <a:schemeClr val="tx1"/>
-                </a:solidFill>
-                <a:latin typeface="+mn-lt"/>
-                <a:ea typeface="+mn-ea"/>
-                <a:cs typeface="+mn-cs"/>
-              </a:defRPr>
-            </a:lvl8pPr>
-            <a:lvl9pPr marL="3886200" indent="-228600" algn="l" defTabSz="914400" rtl="0" eaLnBrk="1" latinLnBrk="0" hangingPunct="1">
-              <a:lnSpc>
-                <a:spcPct val="90000"/>
-              </a:lnSpc>
-              <a:spcBef>
-                <a:spcPts val="500"/>
-              </a:spcBef>
-              <a:buFont typeface="Arial" panose="020B0604020202020204" pitchFamily="34" charset="0"/>
-              <a:buChar char="•"/>
-              <a:defRPr sz="1400" kern="1200">
-                <a:solidFill>
-                  <a:schemeClr val="tx1"/>
-                </a:solidFill>
-                <a:latin typeface="+mn-lt"/>
-                <a:ea typeface="+mn-ea"/>
-                <a:cs typeface="+mn-cs"/>
-              </a:defRPr>
-            </a:lvl9pPr>
-          </a:lstStyle>
-          <a:p>
-            <a:pPr marL="0" indent="0">
-              <a:buFont typeface="Wingdings" pitchFamily="2" charset="2"/>
-              <a:buNone/>
-              <a:defRPr/>
-            </a:pPr>
-            <a:r>
-              <a:rPr lang="es-AR" dirty="0" err="1">
-                <a:solidFill>
-                  <a:srgbClr val="000000"/>
-                </a:solidFill>
-                <a:highlight>
-                  <a:srgbClr val="FFFFFF"/>
-                </a:highlight>
-                <a:latin typeface="Consolas" panose="020B0609020204030204" pitchFamily="49" charset="0"/>
-              </a:rPr>
-              <a:t>comando.CommandText</a:t>
-            </a:r>
-            <a:r>
-              <a:rPr lang="es-AR" dirty="0">
-                <a:solidFill>
-                  <a:srgbClr val="000000"/>
-                </a:solidFill>
-                <a:highlight>
-                  <a:srgbClr val="FFFFFF"/>
-                </a:highlight>
-                <a:latin typeface="Consolas" panose="020B0609020204030204" pitchFamily="49" charset="0"/>
-              </a:rPr>
-              <a:t> = </a:t>
-            </a:r>
-            <a:r>
-              <a:rPr lang="es-AR" dirty="0">
-                <a:solidFill>
-                  <a:srgbClr val="A31515"/>
-                </a:solidFill>
-                <a:highlight>
-                  <a:srgbClr val="FFFFFF"/>
-                </a:highlight>
-                <a:latin typeface="Consolas" panose="020B0609020204030204" pitchFamily="49" charset="0"/>
-              </a:rPr>
-              <a:t>"SELECT nombre FROM Personas"</a:t>
-            </a:r>
-            <a:r>
-              <a:rPr lang="es-AR" dirty="0">
-                <a:solidFill>
-                  <a:srgbClr val="000000"/>
-                </a:solidFill>
-                <a:highlight>
-                  <a:srgbClr val="FFFFFF"/>
-                </a:highlight>
-                <a:latin typeface="Consolas" panose="020B0609020204030204" pitchFamily="49" charset="0"/>
-              </a:rPr>
-              <a:t>;</a:t>
-            </a:r>
-          </a:p>
-          <a:p>
-            <a:pPr marL="0" indent="0">
-              <a:buFont typeface="Wingdings" pitchFamily="2" charset="2"/>
-              <a:buNone/>
-              <a:defRPr/>
-            </a:pPr>
-            <a:r>
-              <a:rPr lang="es-AR" dirty="0" err="1">
-                <a:solidFill>
-                  <a:srgbClr val="000000"/>
-                </a:solidFill>
-                <a:highlight>
-                  <a:srgbClr val="FFFFFF"/>
-                </a:highlight>
-                <a:latin typeface="Consolas" panose="020B0609020204030204" pitchFamily="49" charset="0"/>
-              </a:rPr>
-              <a:t>conexion.Open</a:t>
-            </a:r>
-            <a:r>
-              <a:rPr lang="es-AR" dirty="0">
-                <a:solidFill>
-                  <a:srgbClr val="000000"/>
-                </a:solidFill>
-                <a:highlight>
-                  <a:srgbClr val="FFFFFF"/>
-                </a:highlight>
-                <a:latin typeface="Consolas" panose="020B0609020204030204" pitchFamily="49" charset="0"/>
-              </a:rPr>
-              <a:t>();</a:t>
-            </a:r>
-          </a:p>
-          <a:p>
-            <a:pPr marL="0" indent="0">
-              <a:buFont typeface="Wingdings" pitchFamily="2" charset="2"/>
-              <a:buNone/>
-              <a:defRPr/>
-            </a:pPr>
-            <a:endParaRPr lang="es-AR" dirty="0">
-              <a:solidFill>
-                <a:srgbClr val="000000"/>
-              </a:solidFill>
-              <a:highlight>
-                <a:srgbClr val="FFFFFF"/>
-              </a:highlight>
-              <a:latin typeface="Consolas" panose="020B0609020204030204" pitchFamily="49" charset="0"/>
-            </a:endParaRPr>
-          </a:p>
-          <a:p>
-            <a:pPr marL="0" indent="0">
-              <a:buFont typeface="Wingdings" pitchFamily="2" charset="2"/>
-              <a:buNone/>
-              <a:defRPr/>
-            </a:pPr>
-            <a:r>
-              <a:rPr lang="es-AR" dirty="0" err="1">
-                <a:solidFill>
-                  <a:srgbClr val="2B91AF"/>
-                </a:solidFill>
-                <a:highlight>
-                  <a:srgbClr val="FFFFFF"/>
-                </a:highlight>
-                <a:latin typeface="Consolas" panose="020B0609020204030204" pitchFamily="49" charset="0"/>
-              </a:rPr>
-              <a:t>SqlDataReader</a:t>
-            </a:r>
-            <a:r>
-              <a:rPr lang="es-AR" dirty="0">
-                <a:solidFill>
-                  <a:srgbClr val="000000"/>
-                </a:solidFill>
-                <a:highlight>
-                  <a:srgbClr val="FFFFFF"/>
-                </a:highlight>
-                <a:latin typeface="Consolas" panose="020B0609020204030204" pitchFamily="49" charset="0"/>
-              </a:rPr>
-              <a:t> </a:t>
-            </a:r>
-            <a:r>
-              <a:rPr lang="es-AR" dirty="0" err="1">
-                <a:solidFill>
-                  <a:srgbClr val="000000"/>
-                </a:solidFill>
-                <a:highlight>
-                  <a:srgbClr val="FFFFFF"/>
-                </a:highlight>
-                <a:latin typeface="Consolas" panose="020B0609020204030204" pitchFamily="49" charset="0"/>
-              </a:rPr>
-              <a:t>oDr</a:t>
-            </a:r>
-            <a:r>
-              <a:rPr lang="es-AR" dirty="0">
-                <a:solidFill>
-                  <a:srgbClr val="000000"/>
-                </a:solidFill>
-                <a:highlight>
-                  <a:srgbClr val="FFFFFF"/>
-                </a:highlight>
-                <a:latin typeface="Consolas" panose="020B0609020204030204" pitchFamily="49" charset="0"/>
-              </a:rPr>
-              <a:t> = </a:t>
-            </a:r>
-            <a:r>
-              <a:rPr lang="es-AR" dirty="0" err="1">
-                <a:solidFill>
-                  <a:srgbClr val="000000"/>
-                </a:solidFill>
-                <a:highlight>
-                  <a:srgbClr val="FFFFFF"/>
-                </a:highlight>
-                <a:latin typeface="Consolas" panose="020B0609020204030204" pitchFamily="49" charset="0"/>
-              </a:rPr>
-              <a:t>comando.ExecuteReader</a:t>
-            </a:r>
-            <a:r>
-              <a:rPr lang="es-AR" dirty="0">
-                <a:solidFill>
-                  <a:srgbClr val="000000"/>
-                </a:solidFill>
-                <a:highlight>
-                  <a:srgbClr val="FFFFFF"/>
-                </a:highlight>
-                <a:latin typeface="Consolas" panose="020B0609020204030204" pitchFamily="49" charset="0"/>
-              </a:rPr>
-              <a:t>();</a:t>
-            </a:r>
-          </a:p>
-          <a:p>
-            <a:pPr marL="0" indent="0">
-              <a:buFont typeface="Wingdings" pitchFamily="2" charset="2"/>
-              <a:buNone/>
-              <a:defRPr/>
-            </a:pPr>
-            <a:endParaRPr lang="es-AR" dirty="0">
-              <a:solidFill>
-                <a:srgbClr val="000000"/>
-              </a:solidFill>
-              <a:highlight>
-                <a:srgbClr val="FFFFFF"/>
-              </a:highlight>
-              <a:latin typeface="Consolas" panose="020B0609020204030204" pitchFamily="49" charset="0"/>
-            </a:endParaRPr>
-          </a:p>
-          <a:p>
-            <a:pPr marL="0" indent="0">
-              <a:buFont typeface="Wingdings" pitchFamily="2" charset="2"/>
-              <a:buNone/>
-              <a:defRPr/>
-            </a:pPr>
-            <a:r>
-              <a:rPr lang="es-AR" dirty="0" err="1">
-                <a:solidFill>
-                  <a:srgbClr val="000000"/>
-                </a:solidFill>
-                <a:highlight>
-                  <a:srgbClr val="FFFFFF"/>
-                </a:highlight>
-                <a:latin typeface="Consolas" panose="020B0609020204030204" pitchFamily="49" charset="0"/>
-              </a:rPr>
-              <a:t>while</a:t>
-            </a:r>
-            <a:r>
-              <a:rPr lang="es-AR" dirty="0">
-                <a:solidFill>
-                  <a:srgbClr val="000000"/>
-                </a:solidFill>
-                <a:highlight>
-                  <a:srgbClr val="FFFFFF"/>
-                </a:highlight>
-                <a:latin typeface="Consolas" panose="020B0609020204030204" pitchFamily="49" charset="0"/>
-              </a:rPr>
-              <a:t> (</a:t>
-            </a:r>
-            <a:r>
-              <a:rPr lang="es-AR" dirty="0" err="1">
-                <a:solidFill>
-                  <a:srgbClr val="000000"/>
-                </a:solidFill>
-                <a:highlight>
-                  <a:srgbClr val="FFFFFF"/>
-                </a:highlight>
-                <a:latin typeface="Consolas" panose="020B0609020204030204" pitchFamily="49" charset="0"/>
-              </a:rPr>
-              <a:t>oDr.Read</a:t>
-            </a:r>
-            <a:r>
-              <a:rPr lang="es-AR" dirty="0">
-                <a:solidFill>
-                  <a:srgbClr val="000000"/>
-                </a:solidFill>
-                <a:highlight>
-                  <a:srgbClr val="FFFFFF"/>
-                </a:highlight>
-                <a:latin typeface="Consolas" panose="020B0609020204030204" pitchFamily="49" charset="0"/>
-              </a:rPr>
-              <a:t>())</a:t>
-            </a:r>
-          </a:p>
-          <a:p>
-            <a:pPr marL="0" indent="0">
-              <a:buFont typeface="Wingdings" pitchFamily="2" charset="2"/>
-              <a:buNone/>
-              <a:defRPr/>
-            </a:pPr>
-            <a:r>
-              <a:rPr lang="es-AR" dirty="0">
-                <a:solidFill>
-                  <a:srgbClr val="000000"/>
-                </a:solidFill>
-                <a:highlight>
-                  <a:srgbClr val="FFFFFF"/>
-                </a:highlight>
-                <a:latin typeface="Consolas" panose="020B0609020204030204" pitchFamily="49" charset="0"/>
-              </a:rPr>
-              <a:t>{</a:t>
-            </a:r>
-          </a:p>
-          <a:p>
-            <a:pPr marL="0" indent="0">
-              <a:buFont typeface="Wingdings" pitchFamily="2" charset="2"/>
-              <a:buNone/>
-              <a:defRPr/>
-            </a:pPr>
-            <a:r>
-              <a:rPr lang="es-AR" dirty="0">
-                <a:solidFill>
-                  <a:srgbClr val="0000FF"/>
-                </a:solidFill>
-                <a:highlight>
-                  <a:srgbClr val="FFFFFF"/>
-                </a:highlight>
-                <a:latin typeface="Consolas" panose="020B0609020204030204" pitchFamily="49" charset="0"/>
-              </a:rPr>
-              <a:t>    </a:t>
-            </a:r>
-            <a:r>
-              <a:rPr lang="es-AR" dirty="0" err="1">
-                <a:solidFill>
-                  <a:srgbClr val="0000FF"/>
-                </a:solidFill>
-                <a:highlight>
-                  <a:srgbClr val="FFFFFF"/>
-                </a:highlight>
-                <a:latin typeface="Consolas" panose="020B0609020204030204" pitchFamily="49" charset="0"/>
-              </a:rPr>
-              <a:t>string</a:t>
-            </a:r>
-            <a:r>
-              <a:rPr lang="es-AR" dirty="0">
-                <a:solidFill>
-                  <a:srgbClr val="000000"/>
-                </a:solidFill>
-                <a:highlight>
-                  <a:srgbClr val="FFFFFF"/>
-                </a:highlight>
-                <a:latin typeface="Consolas" panose="020B0609020204030204" pitchFamily="49" charset="0"/>
-              </a:rPr>
-              <a:t> </a:t>
-            </a:r>
-            <a:r>
-              <a:rPr lang="es-AR" dirty="0" err="1">
-                <a:solidFill>
-                  <a:srgbClr val="000000"/>
-                </a:solidFill>
-                <a:highlight>
-                  <a:srgbClr val="FFFFFF"/>
-                </a:highlight>
-                <a:latin typeface="Consolas" panose="020B0609020204030204" pitchFamily="49" charset="0"/>
-              </a:rPr>
-              <a:t>aux</a:t>
-            </a:r>
-            <a:r>
-              <a:rPr lang="es-AR" dirty="0">
-                <a:solidFill>
-                  <a:srgbClr val="000000"/>
-                </a:solidFill>
-                <a:highlight>
-                  <a:srgbClr val="FFFFFF"/>
-                </a:highlight>
-                <a:latin typeface="Consolas" panose="020B0609020204030204" pitchFamily="49" charset="0"/>
-              </a:rPr>
-              <a:t> = </a:t>
-            </a:r>
-            <a:r>
-              <a:rPr lang="es-AR" dirty="0" err="1">
-                <a:solidFill>
-                  <a:srgbClr val="000000"/>
-                </a:solidFill>
-                <a:highlight>
-                  <a:srgbClr val="FFFFFF"/>
-                </a:highlight>
-                <a:latin typeface="Consolas" panose="020B0609020204030204" pitchFamily="49" charset="0"/>
-              </a:rPr>
-              <a:t>oDr</a:t>
-            </a:r>
-            <a:r>
-              <a:rPr lang="es-AR" dirty="0">
-                <a:solidFill>
-                  <a:srgbClr val="000000"/>
-                </a:solidFill>
-                <a:highlight>
-                  <a:srgbClr val="FFFFFF"/>
-                </a:highlight>
-                <a:latin typeface="Consolas" panose="020B0609020204030204" pitchFamily="49" charset="0"/>
-              </a:rPr>
-              <a:t>[</a:t>
-            </a:r>
-            <a:r>
-              <a:rPr lang="es-AR" dirty="0">
-                <a:solidFill>
-                  <a:srgbClr val="A31515"/>
-                </a:solidFill>
-                <a:highlight>
-                  <a:srgbClr val="FFFFFF"/>
-                </a:highlight>
-                <a:latin typeface="Consolas" panose="020B0609020204030204" pitchFamily="49" charset="0"/>
-              </a:rPr>
-              <a:t>"nombre"</a:t>
-            </a:r>
-            <a:r>
-              <a:rPr lang="es-AR" dirty="0">
-                <a:solidFill>
-                  <a:srgbClr val="000000"/>
-                </a:solidFill>
-                <a:highlight>
-                  <a:srgbClr val="FFFFFF"/>
-                </a:highlight>
-                <a:latin typeface="Consolas" panose="020B0609020204030204" pitchFamily="49" charset="0"/>
-              </a:rPr>
-              <a:t>].</a:t>
-            </a:r>
-            <a:r>
-              <a:rPr lang="es-AR" dirty="0" err="1">
-                <a:solidFill>
-                  <a:srgbClr val="000000"/>
-                </a:solidFill>
-                <a:highlight>
-                  <a:srgbClr val="FFFFFF"/>
-                </a:highlight>
-                <a:latin typeface="Consolas" panose="020B0609020204030204" pitchFamily="49" charset="0"/>
-              </a:rPr>
-              <a:t>ToString</a:t>
-            </a:r>
-            <a:r>
-              <a:rPr lang="es-AR" dirty="0">
-                <a:solidFill>
-                  <a:srgbClr val="000000"/>
-                </a:solidFill>
-                <a:highlight>
-                  <a:srgbClr val="FFFFFF"/>
-                </a:highlight>
-                <a:latin typeface="Consolas" panose="020B0609020204030204" pitchFamily="49" charset="0"/>
-              </a:rPr>
-              <a:t>();</a:t>
-            </a:r>
-          </a:p>
-          <a:p>
-            <a:pPr marL="0" indent="0">
-              <a:buFont typeface="Wingdings" pitchFamily="2" charset="2"/>
-              <a:buNone/>
-              <a:defRPr/>
-            </a:pPr>
-            <a:r>
-              <a:rPr lang="es-AR" dirty="0">
-                <a:solidFill>
-                  <a:srgbClr val="000000"/>
-                </a:solidFill>
-                <a:highlight>
-                  <a:srgbClr val="FFFFFF"/>
-                </a:highlight>
-                <a:latin typeface="Consolas" panose="020B0609020204030204" pitchFamily="49" charset="0"/>
-              </a:rPr>
-              <a:t>}</a:t>
-            </a:r>
-            <a:endParaRPr lang="es-AR" dirty="0"/>
-          </a:p>
-        </p:txBody>
-      </p:sp>
-    </p:spTree>
-    <p:extLst>
-      <p:ext uri="{BB962C8B-B14F-4D97-AF65-F5344CB8AC3E}">
-        <p14:creationId xmlns:p14="http://schemas.microsoft.com/office/powerpoint/2010/main" val="2661193090"/>
-      </p:ext>
-    </p:extLst>
-  </p:cSld>
-  <p:clrMapOvr>
-    <a:masterClrMapping/>
-  </p:clrMapOvr>
-</p:sld>
-</file>
-
-<file path=ppt/slides/slide7.xml><?xml version="1.0" encoding="utf-8"?>
-<p:sld xmlns:a="http://schemas.openxmlformats.org/drawingml/2006/main" xmlns:r="http://schemas.openxmlformats.org/officeDocument/2006/relationships" xmlns:p="http://schemas.openxmlformats.org/presentationml/2006/main">
-  <p:cSld>
-    <p:spTree>
-      <p:nvGrpSpPr>
-        <p:cNvPr id="1" name=""/>
-        <p:cNvGrpSpPr/>
-        <p:nvPr/>
-      </p:nvGrpSpPr>
-      <p:grpSpPr>
-        <a:xfrm>
-          <a:off x="0" y="0"/>
-          <a:ext cx="0" cy="0"/>
-          <a:chOff x="0" y="0"/>
-          <a:chExt cx="0" cy="0"/>
-        </a:xfrm>
-      </p:grpSpPr>
-      <p:sp>
-        <p:nvSpPr>
-          <p:cNvPr id="2" name="Título 1"/>
-          <p:cNvSpPr>
-            <a:spLocks noGrp="1"/>
-          </p:cNvSpPr>
-          <p:nvPr>
-            <p:ph type="title"/>
-          </p:nvPr>
-        </p:nvSpPr>
-        <p:spPr/>
-        <p:txBody>
-          <a:bodyPr/>
-          <a:lstStyle/>
-          <a:p>
-            <a:r>
-              <a:rPr lang="es-AR" dirty="0"/>
-              <a:t>Ejemplo </a:t>
-            </a:r>
-            <a:r>
-              <a:rPr lang="es-AR" dirty="0" err="1"/>
-              <a:t>Insert</a:t>
-            </a:r>
-            <a:r>
-              <a:rPr lang="es-AR" dirty="0"/>
-              <a:t>, </a:t>
-            </a:r>
-            <a:r>
-              <a:rPr lang="es-AR" dirty="0" err="1"/>
-              <a:t>Update</a:t>
-            </a:r>
-            <a:r>
-              <a:rPr lang="es-AR" dirty="0"/>
-              <a:t> y </a:t>
-            </a:r>
-            <a:r>
-              <a:rPr lang="es-AR" dirty="0" err="1"/>
-              <a:t>Delete</a:t>
-            </a:r>
-            <a:endParaRPr lang="es-AR" dirty="0"/>
-          </a:p>
-        </p:txBody>
-      </p:sp>
-      <p:sp>
-        <p:nvSpPr>
-          <p:cNvPr id="5" name="Rectangle 3"/>
-          <p:cNvSpPr txBox="1">
-            <a:spLocks noChangeArrowheads="1"/>
-          </p:cNvSpPr>
-          <p:nvPr/>
-        </p:nvSpPr>
-        <p:spPr>
-          <a:xfrm>
-            <a:off x="680320" y="2339663"/>
-            <a:ext cx="9613861" cy="3855076"/>
-          </a:xfrm>
-          <a:prstGeom prst="rect">
-            <a:avLst/>
-          </a:prstGeom>
-          <a:solidFill>
-            <a:schemeClr val="tx1"/>
-          </a:solidFill>
-        </p:spPr>
-        <p:txBody>
-          <a:bodyPr vert="horz" lIns="91440" tIns="45720" rIns="91440" bIns="45720" rtlCol="0">
-            <a:normAutofit/>
-          </a:bodyPr>
-          <a:lstStyle>
-            <a:lvl1pPr marL="228600" indent="-228600" algn="l" defTabSz="914400" rtl="0" eaLnBrk="1" latinLnBrk="0" hangingPunct="1">
-              <a:lnSpc>
-                <a:spcPct val="90000"/>
-              </a:lnSpc>
-              <a:spcBef>
-                <a:spcPts val="1000"/>
-              </a:spcBef>
-              <a:buFont typeface="Arial" panose="020B0604020202020204" pitchFamily="34" charset="0"/>
-              <a:buChar char="•"/>
-              <a:defRPr sz="2400" kern="1200">
-                <a:solidFill>
-                  <a:schemeClr val="tx1"/>
-                </a:solidFill>
-                <a:latin typeface="+mn-lt"/>
-                <a:ea typeface="+mn-ea"/>
-                <a:cs typeface="+mn-cs"/>
-              </a:defRPr>
-            </a:lvl1pPr>
-            <a:lvl2pPr marL="685800" indent="-228600" algn="l" defTabSz="914400" rtl="0" eaLnBrk="1" latinLnBrk="0" hangingPunct="1">
-              <a:lnSpc>
-                <a:spcPct val="90000"/>
-              </a:lnSpc>
-              <a:spcBef>
-                <a:spcPts val="500"/>
-              </a:spcBef>
-              <a:buFont typeface="Arial" panose="020B0604020202020204" pitchFamily="34" charset="0"/>
-              <a:buChar char="•"/>
-              <a:defRPr sz="2000" kern="1200">
-                <a:solidFill>
-                  <a:schemeClr val="tx1"/>
-                </a:solidFill>
-                <a:latin typeface="+mn-lt"/>
-                <a:ea typeface="+mn-ea"/>
-                <a:cs typeface="+mn-cs"/>
-              </a:defRPr>
-            </a:lvl2pPr>
-            <a:lvl3pPr marL="1143000" indent="-228600" algn="l" defTabSz="914400" rtl="0" eaLnBrk="1" latinLnBrk="0" hangingPunct="1">
-              <a:lnSpc>
-                <a:spcPct val="90000"/>
-              </a:lnSpc>
-              <a:spcBef>
-                <a:spcPts val="500"/>
-              </a:spcBef>
-              <a:buFont typeface="Arial" panose="020B0604020202020204" pitchFamily="34" charset="0"/>
-              <a:buChar char="•"/>
-              <a:defRPr sz="1800" kern="1200">
-                <a:solidFill>
-                  <a:schemeClr val="tx1"/>
-                </a:solidFill>
-                <a:latin typeface="+mn-lt"/>
-                <a:ea typeface="+mn-ea"/>
-                <a:cs typeface="+mn-cs"/>
-              </a:defRPr>
-            </a:lvl3pPr>
-            <a:lvl4pPr marL="1600200" indent="-228600" algn="l" defTabSz="914400" rtl="0" eaLnBrk="1" latinLnBrk="0" hangingPunct="1">
-              <a:lnSpc>
-                <a:spcPct val="90000"/>
-              </a:lnSpc>
-              <a:spcBef>
-                <a:spcPts val="500"/>
-              </a:spcBef>
-              <a:buFont typeface="Arial" panose="020B0604020202020204" pitchFamily="34" charset="0"/>
-              <a:buChar char="•"/>
-              <a:defRPr sz="1600" kern="1200">
-                <a:solidFill>
-                  <a:schemeClr val="tx1"/>
-                </a:solidFill>
-                <a:latin typeface="+mn-lt"/>
-                <a:ea typeface="+mn-ea"/>
-                <a:cs typeface="+mn-cs"/>
-              </a:defRPr>
-            </a:lvl4pPr>
-            <a:lvl5pPr marL="2057400" indent="-228600" algn="l" defTabSz="914400" rtl="0" eaLnBrk="1" latinLnBrk="0" hangingPunct="1">
-              <a:lnSpc>
-                <a:spcPct val="90000"/>
-              </a:lnSpc>
-              <a:spcBef>
-                <a:spcPts val="500"/>
-              </a:spcBef>
-              <a:buFont typeface="Arial" panose="020B0604020202020204" pitchFamily="34" charset="0"/>
-              <a:buChar char="•"/>
-              <a:defRPr sz="1600" kern="1200">
-                <a:solidFill>
-                  <a:schemeClr val="tx1"/>
-                </a:solidFill>
-                <a:latin typeface="+mn-lt"/>
-                <a:ea typeface="+mn-ea"/>
-                <a:cs typeface="+mn-cs"/>
-              </a:defRPr>
-            </a:lvl5pPr>
-            <a:lvl6pPr marL="2514600" indent="-228600" algn="l" defTabSz="914400" rtl="0" eaLnBrk="1" latinLnBrk="0" hangingPunct="1">
-              <a:lnSpc>
-                <a:spcPct val="90000"/>
-              </a:lnSpc>
-              <a:spcBef>
-                <a:spcPts val="500"/>
-              </a:spcBef>
-              <a:buFont typeface="Arial" panose="020B0604020202020204" pitchFamily="34" charset="0"/>
-              <a:buChar char="•"/>
-              <a:defRPr sz="1400" kern="1200">
-                <a:solidFill>
-                  <a:schemeClr val="tx1"/>
-                </a:solidFill>
-                <a:latin typeface="+mn-lt"/>
-                <a:ea typeface="+mn-ea"/>
-                <a:cs typeface="+mn-cs"/>
-              </a:defRPr>
-            </a:lvl6pPr>
-            <a:lvl7pPr marL="2971800" indent="-228600" algn="l" defTabSz="914400" rtl="0" eaLnBrk="1" latinLnBrk="0" hangingPunct="1">
-              <a:lnSpc>
-                <a:spcPct val="90000"/>
-              </a:lnSpc>
-              <a:spcBef>
-                <a:spcPts val="500"/>
-              </a:spcBef>
-              <a:buFont typeface="Arial" panose="020B0604020202020204" pitchFamily="34" charset="0"/>
-              <a:buChar char="•"/>
-              <a:defRPr sz="1400" kern="1200">
-                <a:solidFill>
-                  <a:schemeClr val="tx1"/>
-                </a:solidFill>
-                <a:latin typeface="+mn-lt"/>
-                <a:ea typeface="+mn-ea"/>
-                <a:cs typeface="+mn-cs"/>
-              </a:defRPr>
-            </a:lvl7pPr>
-            <a:lvl8pPr marL="3429000" indent="-228600" algn="l" defTabSz="914400" rtl="0" eaLnBrk="1" latinLnBrk="0" hangingPunct="1">
-              <a:lnSpc>
-                <a:spcPct val="90000"/>
-              </a:lnSpc>
-              <a:spcBef>
-                <a:spcPts val="500"/>
-              </a:spcBef>
-              <a:buFont typeface="Arial" panose="020B0604020202020204" pitchFamily="34" charset="0"/>
-              <a:buChar char="•"/>
-              <a:defRPr sz="1400" kern="1200">
-                <a:solidFill>
-                  <a:schemeClr val="tx1"/>
-                </a:solidFill>
-                <a:latin typeface="+mn-lt"/>
-                <a:ea typeface="+mn-ea"/>
-                <a:cs typeface="+mn-cs"/>
-              </a:defRPr>
-            </a:lvl8pPr>
-            <a:lvl9pPr marL="3886200" indent="-228600" algn="l" defTabSz="914400" rtl="0" eaLnBrk="1" latinLnBrk="0" hangingPunct="1">
-              <a:lnSpc>
-                <a:spcPct val="90000"/>
-              </a:lnSpc>
-              <a:spcBef>
-                <a:spcPts val="500"/>
-              </a:spcBef>
-              <a:buFont typeface="Arial" panose="020B0604020202020204" pitchFamily="34" charset="0"/>
-              <a:buChar char="•"/>
-              <a:defRPr sz="1400" kern="1200">
-                <a:solidFill>
-                  <a:schemeClr val="tx1"/>
-                </a:solidFill>
-                <a:latin typeface="+mn-lt"/>
-                <a:ea typeface="+mn-ea"/>
-                <a:cs typeface="+mn-cs"/>
-              </a:defRPr>
-            </a:lvl9pPr>
-          </a:lstStyle>
-          <a:p>
-            <a:pPr marL="0" indent="0">
-              <a:buFont typeface="Wingdings" pitchFamily="2" charset="2"/>
-              <a:buNone/>
-              <a:defRPr/>
-            </a:pPr>
-            <a:r>
-              <a:rPr lang="es-AR" sz="2200" dirty="0" err="1">
-                <a:solidFill>
-                  <a:srgbClr val="2B91AF"/>
-                </a:solidFill>
-                <a:highlight>
-                  <a:srgbClr val="FFFFFF"/>
-                </a:highlight>
-                <a:latin typeface="Consolas" panose="020B0609020204030204" pitchFamily="49" charset="0"/>
-              </a:rPr>
-              <a:t>String</a:t>
-            </a:r>
-            <a:r>
-              <a:rPr lang="es-AR" sz="2200" dirty="0">
-                <a:solidFill>
-                  <a:srgbClr val="000000"/>
-                </a:solidFill>
-                <a:highlight>
-                  <a:srgbClr val="FFFFFF"/>
-                </a:highlight>
-                <a:latin typeface="Consolas" panose="020B0609020204030204" pitchFamily="49" charset="0"/>
-              </a:rPr>
-              <a:t> consulta;</a:t>
-            </a:r>
-          </a:p>
-          <a:p>
-            <a:pPr marL="0" indent="0">
-              <a:buFont typeface="Wingdings" pitchFamily="2" charset="2"/>
-              <a:buNone/>
-              <a:defRPr/>
-            </a:pPr>
-            <a:r>
-              <a:rPr lang="es-AR" sz="2200" dirty="0">
-                <a:solidFill>
-                  <a:srgbClr val="000000"/>
-                </a:solidFill>
-                <a:highlight>
-                  <a:srgbClr val="FFFFFF"/>
-                </a:highlight>
-                <a:latin typeface="Consolas" panose="020B0609020204030204" pitchFamily="49" charset="0"/>
-              </a:rPr>
-              <a:t>consulta = </a:t>
-            </a:r>
-            <a:r>
-              <a:rPr lang="es-AR" sz="2200" dirty="0">
-                <a:solidFill>
-                  <a:srgbClr val="A31515"/>
-                </a:solidFill>
-                <a:highlight>
-                  <a:srgbClr val="FFFFFF"/>
-                </a:highlight>
-                <a:latin typeface="Consolas" panose="020B0609020204030204" pitchFamily="49" charset="0"/>
-              </a:rPr>
-              <a:t>"UPDATE Personas SET nombre = '</a:t>
-            </a:r>
-            <a:r>
-              <a:rPr lang="es-AR" sz="2200" dirty="0" err="1">
-                <a:solidFill>
-                  <a:srgbClr val="A31515"/>
-                </a:solidFill>
-                <a:highlight>
-                  <a:srgbClr val="FFFFFF"/>
-                </a:highlight>
-                <a:latin typeface="Consolas" panose="020B0609020204030204" pitchFamily="49" charset="0"/>
-              </a:rPr>
-              <a:t>Fer</a:t>
-            </a:r>
-            <a:r>
-              <a:rPr lang="es-AR" sz="2200" dirty="0">
-                <a:solidFill>
-                  <a:srgbClr val="A31515"/>
-                </a:solidFill>
-                <a:highlight>
-                  <a:srgbClr val="FFFFFF"/>
-                </a:highlight>
-                <a:latin typeface="Consolas" panose="020B0609020204030204" pitchFamily="49" charset="0"/>
-              </a:rPr>
-              <a:t>' WHERE id = 1"</a:t>
-            </a:r>
-            <a:r>
-              <a:rPr lang="es-AR" sz="2200" dirty="0">
-                <a:solidFill>
-                  <a:srgbClr val="000000"/>
-                </a:solidFill>
-                <a:highlight>
-                  <a:srgbClr val="FFFFFF"/>
-                </a:highlight>
-                <a:latin typeface="Consolas" panose="020B0609020204030204" pitchFamily="49" charset="0"/>
-              </a:rPr>
-              <a:t>;</a:t>
-            </a:r>
-          </a:p>
-          <a:p>
-            <a:pPr marL="0" indent="0">
-              <a:buFont typeface="Wingdings" pitchFamily="2" charset="2"/>
-              <a:buNone/>
-              <a:defRPr/>
-            </a:pPr>
-            <a:r>
-              <a:rPr lang="es-AR" sz="2200" dirty="0">
-                <a:solidFill>
-                  <a:srgbClr val="008000"/>
-                </a:solidFill>
-                <a:highlight>
-                  <a:srgbClr val="FFFFFF"/>
-                </a:highlight>
-                <a:latin typeface="Consolas" panose="020B0609020204030204" pitchFamily="49" charset="0"/>
-              </a:rPr>
-              <a:t>//consulta = </a:t>
-            </a:r>
-            <a:r>
-              <a:rPr lang="es-AR" sz="2200" dirty="0">
-                <a:solidFill>
-                  <a:srgbClr val="339933"/>
-                </a:solidFill>
-                <a:highlight>
-                  <a:srgbClr val="FFFFFF"/>
-                </a:highlight>
-                <a:latin typeface="Consolas" panose="020B0609020204030204" pitchFamily="49" charset="0"/>
-              </a:rPr>
-              <a:t>"</a:t>
-            </a:r>
-            <a:r>
-              <a:rPr lang="es-AR" sz="2200" dirty="0">
-                <a:solidFill>
-                  <a:srgbClr val="008000"/>
-                </a:solidFill>
-                <a:highlight>
-                  <a:srgbClr val="FFFFFF"/>
-                </a:highlight>
-                <a:latin typeface="Consolas" panose="020B0609020204030204" pitchFamily="49" charset="0"/>
-              </a:rPr>
-              <a:t>INSERT INTO Personas (nombre)  VALUES('Pedro')</a:t>
-            </a:r>
-            <a:r>
-              <a:rPr lang="es-AR" sz="2200" dirty="0">
-                <a:solidFill>
-                  <a:srgbClr val="339933"/>
-                </a:solidFill>
-                <a:highlight>
-                  <a:srgbClr val="FFFFFF"/>
-                </a:highlight>
-                <a:latin typeface="Consolas" panose="020B0609020204030204" pitchFamily="49" charset="0"/>
-              </a:rPr>
-              <a:t>"</a:t>
-            </a:r>
-            <a:r>
-              <a:rPr lang="es-AR" sz="2200" dirty="0">
-                <a:solidFill>
-                  <a:srgbClr val="008000"/>
-                </a:solidFill>
-                <a:highlight>
-                  <a:srgbClr val="FFFFFF"/>
-                </a:highlight>
-                <a:latin typeface="Consolas" panose="020B0609020204030204" pitchFamily="49" charset="0"/>
-              </a:rPr>
-              <a:t>;</a:t>
-            </a:r>
-            <a:endParaRPr lang="es-AR" sz="2200" dirty="0">
-              <a:solidFill>
-                <a:srgbClr val="000000"/>
-              </a:solidFill>
-              <a:highlight>
-                <a:srgbClr val="FFFFFF"/>
-              </a:highlight>
-              <a:latin typeface="Consolas" panose="020B0609020204030204" pitchFamily="49" charset="0"/>
-            </a:endParaRPr>
-          </a:p>
-          <a:p>
-            <a:pPr marL="0" indent="0">
-              <a:buFont typeface="Wingdings" pitchFamily="2" charset="2"/>
-              <a:buNone/>
-              <a:defRPr/>
-            </a:pPr>
-            <a:r>
-              <a:rPr lang="es-AR" sz="2200" dirty="0">
-                <a:solidFill>
-                  <a:srgbClr val="008000"/>
-                </a:solidFill>
-                <a:highlight>
-                  <a:srgbClr val="FFFFFF"/>
-                </a:highlight>
-                <a:latin typeface="Consolas" panose="020B0609020204030204" pitchFamily="49" charset="0"/>
-              </a:rPr>
-              <a:t>//consulta = </a:t>
-            </a:r>
-            <a:r>
-              <a:rPr lang="es-AR" sz="2200" dirty="0">
-                <a:solidFill>
-                  <a:srgbClr val="339933"/>
-                </a:solidFill>
-                <a:highlight>
-                  <a:srgbClr val="FFFFFF"/>
-                </a:highlight>
-                <a:latin typeface="Consolas" panose="020B0609020204030204" pitchFamily="49" charset="0"/>
-              </a:rPr>
-              <a:t>"</a:t>
-            </a:r>
-            <a:r>
-              <a:rPr lang="es-AR" sz="2200" dirty="0">
-                <a:solidFill>
-                  <a:srgbClr val="008000"/>
-                </a:solidFill>
-                <a:highlight>
-                  <a:srgbClr val="FFFFFF"/>
-                </a:highlight>
-                <a:latin typeface="Consolas" panose="020B0609020204030204" pitchFamily="49" charset="0"/>
-              </a:rPr>
-              <a:t>DELETE FROM Personas WHERE id = 1</a:t>
-            </a:r>
-            <a:r>
-              <a:rPr lang="es-AR" sz="2200" dirty="0">
-                <a:solidFill>
-                  <a:srgbClr val="339933"/>
-                </a:solidFill>
-                <a:highlight>
-                  <a:srgbClr val="FFFFFF"/>
-                </a:highlight>
-                <a:latin typeface="Consolas" panose="020B0609020204030204" pitchFamily="49" charset="0"/>
-              </a:rPr>
-              <a:t>"</a:t>
-            </a:r>
-            <a:r>
-              <a:rPr lang="es-AR" sz="2200" dirty="0">
-                <a:solidFill>
-                  <a:srgbClr val="008000"/>
-                </a:solidFill>
-                <a:highlight>
-                  <a:srgbClr val="FFFFFF"/>
-                </a:highlight>
-                <a:latin typeface="Consolas" panose="020B0609020204030204" pitchFamily="49" charset="0"/>
-              </a:rPr>
-              <a:t>;</a:t>
-            </a:r>
-            <a:endParaRPr lang="es-AR" sz="2200" dirty="0">
-              <a:solidFill>
-                <a:srgbClr val="000000"/>
-              </a:solidFill>
-              <a:highlight>
-                <a:srgbClr val="FFFFFF"/>
-              </a:highlight>
-              <a:latin typeface="Consolas" panose="020B0609020204030204" pitchFamily="49" charset="0"/>
-            </a:endParaRPr>
-          </a:p>
-          <a:p>
-            <a:pPr marL="0" indent="0">
-              <a:buFont typeface="Wingdings" pitchFamily="2" charset="2"/>
-              <a:buNone/>
-              <a:defRPr/>
-            </a:pPr>
-            <a:endParaRPr lang="es-AR" sz="2200" dirty="0">
-              <a:solidFill>
-                <a:srgbClr val="000000"/>
-              </a:solidFill>
-              <a:highlight>
-                <a:srgbClr val="FFFFFF"/>
-              </a:highlight>
-              <a:latin typeface="Consolas" panose="020B0609020204030204" pitchFamily="49" charset="0"/>
-            </a:endParaRPr>
-          </a:p>
-          <a:p>
-            <a:pPr marL="0" indent="0">
-              <a:buFont typeface="Wingdings" pitchFamily="2" charset="2"/>
-              <a:buNone/>
-              <a:defRPr/>
-            </a:pPr>
-            <a:r>
-              <a:rPr lang="es-AR" sz="2200" dirty="0" err="1">
-                <a:solidFill>
-                  <a:srgbClr val="000000"/>
-                </a:solidFill>
-                <a:highlight>
-                  <a:srgbClr val="FFFFFF"/>
-                </a:highlight>
-                <a:latin typeface="Consolas" panose="020B0609020204030204" pitchFamily="49" charset="0"/>
-              </a:rPr>
-              <a:t>comando.CommandText</a:t>
-            </a:r>
-            <a:r>
-              <a:rPr lang="es-AR" sz="2200" dirty="0">
-                <a:solidFill>
-                  <a:srgbClr val="000000"/>
-                </a:solidFill>
-                <a:highlight>
-                  <a:srgbClr val="FFFFFF"/>
-                </a:highlight>
-                <a:latin typeface="Consolas" panose="020B0609020204030204" pitchFamily="49" charset="0"/>
-              </a:rPr>
-              <a:t> = consulta;</a:t>
-            </a:r>
-          </a:p>
-          <a:p>
-            <a:pPr marL="0" indent="0">
-              <a:buFont typeface="Wingdings" pitchFamily="2" charset="2"/>
-              <a:buNone/>
-              <a:defRPr/>
-            </a:pPr>
-            <a:r>
-              <a:rPr lang="es-AR" sz="2200" dirty="0" err="1">
-                <a:solidFill>
-                  <a:srgbClr val="000000"/>
-                </a:solidFill>
-                <a:highlight>
-                  <a:srgbClr val="FFFFFF"/>
-                </a:highlight>
-                <a:latin typeface="Consolas" panose="020B0609020204030204" pitchFamily="49" charset="0"/>
-              </a:rPr>
-              <a:t>conexion.Open</a:t>
-            </a:r>
-            <a:r>
-              <a:rPr lang="es-AR" sz="2200" dirty="0">
-                <a:solidFill>
-                  <a:srgbClr val="000000"/>
-                </a:solidFill>
-                <a:highlight>
-                  <a:srgbClr val="FFFFFF"/>
-                </a:highlight>
-                <a:latin typeface="Consolas" panose="020B0609020204030204" pitchFamily="49" charset="0"/>
-              </a:rPr>
-              <a:t>();</a:t>
-            </a:r>
-          </a:p>
-          <a:p>
-            <a:pPr marL="0" indent="0">
-              <a:buFont typeface="Wingdings" pitchFamily="2" charset="2"/>
-              <a:buNone/>
-              <a:defRPr/>
-            </a:pPr>
-            <a:r>
-              <a:rPr lang="es-AR" sz="2200" dirty="0" err="1">
-                <a:solidFill>
-                  <a:srgbClr val="000000"/>
-                </a:solidFill>
-                <a:highlight>
-                  <a:srgbClr val="FFFFFF"/>
-                </a:highlight>
-                <a:latin typeface="Consolas" panose="020B0609020204030204" pitchFamily="49" charset="0"/>
-              </a:rPr>
-              <a:t>comando.ExecuteNonQuery</a:t>
-            </a:r>
-            <a:r>
-              <a:rPr lang="es-AR" sz="2200" dirty="0">
-                <a:solidFill>
-                  <a:srgbClr val="000000"/>
-                </a:solidFill>
-                <a:highlight>
-                  <a:srgbClr val="FFFFFF"/>
-                </a:highlight>
-                <a:latin typeface="Consolas" panose="020B0609020204030204" pitchFamily="49" charset="0"/>
-              </a:rPr>
-              <a:t>();</a:t>
-            </a:r>
-            <a:endParaRPr lang="es-AR" sz="2200" dirty="0"/>
-          </a:p>
-        </p:txBody>
-      </p:sp>
-    </p:spTree>
-    <p:extLst>
-      <p:ext uri="{BB962C8B-B14F-4D97-AF65-F5344CB8AC3E}">
-        <p14:creationId xmlns:p14="http://schemas.microsoft.com/office/powerpoint/2010/main" val="3992885876"/>
-      </p:ext>
-    </p:extLst>
-  </p:cSld>
-  <p:clrMapOvr>
-    <a:masterClrMapping/>
-  </p:clrMapOvr>
-</p:sld>
-</file>
-
-<file path=ppt/slides/slide8.xml><?xml version="1.0" encoding="utf-8"?>
+<file path=ppt/slides/slide10.xml><?xml version="1.0" encoding="utf-8"?>
 <p:sld xmlns:a="http://schemas.openxmlformats.org/drawingml/2006/main" xmlns:r="http://schemas.openxmlformats.org/officeDocument/2006/relationships" xmlns:p="http://schemas.openxmlformats.org/presentationml/2006/main">
   <p:cSld>
     <p:spTree>
@@ -10931,18 +7976,4028 @@
         </p:blipFill>
         <p:spPr>
           <a:xfrm>
-            <a:off x="549436" y="0"/>
-            <a:ext cx="8923663" cy="6858000"/>
+            <a:off x="3204594" y="2187422"/>
+            <a:ext cx="5924556" cy="4553131"/>
           </a:xfrm>
           <a:prstGeom prst="rect">
             <a:avLst/>
           </a:prstGeom>
         </p:spPr>
       </p:pic>
+      <p:sp>
+        <p:nvSpPr>
+          <p:cNvPr id="3" name="Título 1">
+            <a:extLst>
+              <a:ext uri="{FF2B5EF4-FFF2-40B4-BE49-F238E27FC236}">
+                <a16:creationId xmlns:a16="http://schemas.microsoft.com/office/drawing/2014/main" id="{FA4EFF2A-150E-42A1-8230-091A61D3052B}"/>
+              </a:ext>
+            </a:extLst>
+          </p:cNvPr>
+          <p:cNvSpPr>
+            <a:spLocks noGrp="1"/>
+          </p:cNvSpPr>
+          <p:nvPr>
+            <p:ph type="title"/>
+          </p:nvPr>
+        </p:nvSpPr>
+        <p:spPr>
+          <a:xfrm>
+            <a:off x="680321" y="753228"/>
+            <a:ext cx="9613861" cy="1080938"/>
+          </a:xfrm>
+        </p:spPr>
+        <p:txBody>
+          <a:bodyPr/>
+          <a:lstStyle/>
+          <a:p>
+            <a:r>
+              <a:rPr lang="es-AR" dirty="0"/>
+              <a:t>Siempre recordar la clausula WHERE</a:t>
+            </a:r>
+          </a:p>
+        </p:txBody>
+      </p:sp>
     </p:spTree>
     <p:extLst>
       <p:ext uri="{BB962C8B-B14F-4D97-AF65-F5344CB8AC3E}">
         <p14:creationId xmlns:p14="http://schemas.microsoft.com/office/powerpoint/2010/main" val="3422463561"/>
+      </p:ext>
+    </p:extLst>
+  </p:cSld>
+  <p:clrMapOvr>
+    <a:masterClrMapping/>
+  </p:clrMapOvr>
+</p:sld>
+</file>
+
+<file path=ppt/slides/slide2.xml><?xml version="1.0" encoding="utf-8"?>
+<p:sld xmlns:a="http://schemas.openxmlformats.org/drawingml/2006/main" xmlns:r="http://schemas.openxmlformats.org/officeDocument/2006/relationships" xmlns:p="http://schemas.openxmlformats.org/presentationml/2006/main">
+  <p:cSld>
+    <p:spTree>
+      <p:nvGrpSpPr>
+        <p:cNvPr id="1" name=""/>
+        <p:cNvGrpSpPr/>
+        <p:nvPr/>
+      </p:nvGrpSpPr>
+      <p:grpSpPr>
+        <a:xfrm>
+          <a:off x="0" y="0"/>
+          <a:ext cx="0" cy="0"/>
+          <a:chOff x="0" y="0"/>
+          <a:chExt cx="0" cy="0"/>
+        </a:xfrm>
+      </p:grpSpPr>
+      <p:sp>
+        <p:nvSpPr>
+          <p:cNvPr id="2" name="Título 1"/>
+          <p:cNvSpPr>
+            <a:spLocks noGrp="1"/>
+          </p:cNvSpPr>
+          <p:nvPr>
+            <p:ph type="title"/>
+          </p:nvPr>
+        </p:nvSpPr>
+        <p:spPr/>
+        <p:txBody>
+          <a:bodyPr/>
+          <a:lstStyle/>
+          <a:p>
+            <a:r>
+              <a:rPr lang="es-AR" dirty="0"/>
+              <a:t>Paquete </a:t>
+            </a:r>
+            <a:r>
+              <a:rPr lang="es-AR" dirty="0" err="1"/>
+              <a:t>Nuget</a:t>
+            </a:r>
+            <a:endParaRPr lang="es-AR" dirty="0"/>
+          </a:p>
+        </p:txBody>
+      </p:sp>
+      <p:sp>
+        <p:nvSpPr>
+          <p:cNvPr id="3" name="Marcador de contenido 2"/>
+          <p:cNvSpPr>
+            <a:spLocks noGrp="1"/>
+          </p:cNvSpPr>
+          <p:nvPr>
+            <p:ph idx="1"/>
+          </p:nvPr>
+        </p:nvSpPr>
+        <p:spPr/>
+        <p:txBody>
+          <a:bodyPr>
+            <a:normAutofit/>
+          </a:bodyPr>
+          <a:lstStyle/>
+          <a:p>
+            <a:pPr>
+              <a:defRPr/>
+            </a:pPr>
+            <a:r>
+              <a:rPr lang="es-AR" dirty="0">
+                <a:effectLst>
+                  <a:outerShdw blurRad="38100" dist="38100" dir="2700000" algn="tl">
+                    <a:srgbClr val="000000">
+                      <a:alpha val="43137"/>
+                    </a:srgbClr>
+                  </a:outerShdw>
+                </a:effectLst>
+                <a:latin typeface="Franklin Gothic Medium" panose="020B0603020102020204" pitchFamily="34" charset="0"/>
+              </a:rPr>
+              <a:t>Instalar el paquete </a:t>
+            </a:r>
+            <a:r>
+              <a:rPr lang="es-AR" dirty="0" err="1">
+                <a:effectLst>
+                  <a:outerShdw blurRad="38100" dist="38100" dir="2700000" algn="tl">
+                    <a:srgbClr val="000000">
+                      <a:alpha val="43137"/>
+                    </a:srgbClr>
+                  </a:outerShdw>
+                </a:effectLst>
+                <a:latin typeface="Franklin Gothic Medium" panose="020B0603020102020204" pitchFamily="34" charset="0"/>
+              </a:rPr>
+              <a:t>System.Data.SqlClient</a:t>
+            </a:r>
+            <a:endParaRPr lang="es-AR" dirty="0">
+              <a:effectLst>
+                <a:outerShdw blurRad="38100" dist="38100" dir="2700000" algn="tl">
+                  <a:srgbClr val="000000">
+                    <a:alpha val="43137"/>
+                  </a:srgbClr>
+                </a:outerShdw>
+              </a:effectLst>
+              <a:latin typeface="Franklin Gothic Medium" panose="020B0603020102020204" pitchFamily="34" charset="0"/>
+            </a:endParaRPr>
+          </a:p>
+          <a:p>
+            <a:pPr lvl="1">
+              <a:defRPr/>
+            </a:pPr>
+            <a:r>
+              <a:rPr lang="es-AR" dirty="0">
+                <a:effectLst>
+                  <a:outerShdw blurRad="38100" dist="38100" dir="2700000" algn="tl">
+                    <a:srgbClr val="000000">
+                      <a:alpha val="43137"/>
+                    </a:srgbClr>
+                  </a:outerShdw>
+                </a:effectLst>
+                <a:latin typeface="Franklin Gothic Medium" panose="020B0603020102020204" pitchFamily="34" charset="0"/>
+              </a:rPr>
+              <a:t>Botón derecho sobre el proyecto</a:t>
+            </a:r>
+          </a:p>
+          <a:p>
+            <a:pPr lvl="1">
+              <a:defRPr/>
+            </a:pPr>
+            <a:r>
+              <a:rPr lang="es-AR" dirty="0">
+                <a:effectLst>
+                  <a:outerShdw blurRad="38100" dist="38100" dir="2700000" algn="tl">
+                    <a:srgbClr val="000000">
+                      <a:alpha val="43137"/>
+                    </a:srgbClr>
+                  </a:outerShdw>
+                </a:effectLst>
+                <a:latin typeface="Franklin Gothic Medium" panose="020B0603020102020204" pitchFamily="34" charset="0"/>
+              </a:rPr>
+              <a:t>Seleccionar Administrar Paquete </a:t>
+            </a:r>
+            <a:r>
+              <a:rPr lang="es-AR" dirty="0" err="1">
+                <a:effectLst>
+                  <a:outerShdw blurRad="38100" dist="38100" dir="2700000" algn="tl">
+                    <a:srgbClr val="000000">
+                      <a:alpha val="43137"/>
+                    </a:srgbClr>
+                  </a:outerShdw>
+                </a:effectLst>
+                <a:latin typeface="Franklin Gothic Medium" panose="020B0603020102020204" pitchFamily="34" charset="0"/>
+              </a:rPr>
+              <a:t>NuGet</a:t>
+            </a:r>
+            <a:endParaRPr lang="es-AR" dirty="0">
+              <a:effectLst>
+                <a:outerShdw blurRad="38100" dist="38100" dir="2700000" algn="tl">
+                  <a:srgbClr val="000000">
+                    <a:alpha val="43137"/>
+                  </a:srgbClr>
+                </a:outerShdw>
+              </a:effectLst>
+              <a:latin typeface="Franklin Gothic Medium" panose="020B0603020102020204" pitchFamily="34" charset="0"/>
+            </a:endParaRPr>
+          </a:p>
+          <a:p>
+            <a:pPr lvl="1">
+              <a:defRPr/>
+            </a:pPr>
+            <a:r>
+              <a:rPr lang="es-AR" dirty="0">
+                <a:effectLst>
+                  <a:outerShdw blurRad="38100" dist="38100" dir="2700000" algn="tl">
+                    <a:srgbClr val="000000">
+                      <a:alpha val="43137"/>
+                    </a:srgbClr>
+                  </a:outerShdw>
+                </a:effectLst>
+                <a:latin typeface="Franklin Gothic Medium" panose="020B0603020102020204" pitchFamily="34" charset="0"/>
+              </a:rPr>
+              <a:t>Examinar</a:t>
+            </a:r>
+          </a:p>
+          <a:p>
+            <a:pPr lvl="1">
+              <a:defRPr/>
+            </a:pPr>
+            <a:r>
+              <a:rPr lang="es-AR" dirty="0">
+                <a:effectLst>
+                  <a:outerShdw blurRad="38100" dist="38100" dir="2700000" algn="tl">
+                    <a:srgbClr val="000000">
+                      <a:alpha val="43137"/>
+                    </a:srgbClr>
+                  </a:outerShdw>
+                </a:effectLst>
+                <a:latin typeface="Franklin Gothic Medium" panose="020B0603020102020204" pitchFamily="34" charset="0"/>
+              </a:rPr>
+              <a:t>Buscar </a:t>
+            </a:r>
+            <a:r>
+              <a:rPr lang="es-AR" dirty="0" err="1">
+                <a:effectLst>
+                  <a:outerShdw blurRad="38100" dist="38100" dir="2700000" algn="tl">
+                    <a:srgbClr val="000000">
+                      <a:alpha val="43137"/>
+                    </a:srgbClr>
+                  </a:outerShdw>
+                </a:effectLst>
+                <a:latin typeface="Franklin Gothic Medium" panose="020B0603020102020204" pitchFamily="34" charset="0"/>
+              </a:rPr>
+              <a:t>System.Data.SqlClient</a:t>
+            </a:r>
+            <a:endParaRPr lang="es-AR" dirty="0">
+              <a:effectLst>
+                <a:outerShdw blurRad="38100" dist="38100" dir="2700000" algn="tl">
+                  <a:srgbClr val="000000">
+                    <a:alpha val="43137"/>
+                  </a:srgbClr>
+                </a:outerShdw>
+              </a:effectLst>
+              <a:latin typeface="Franklin Gothic Medium" panose="020B0603020102020204" pitchFamily="34" charset="0"/>
+            </a:endParaRPr>
+          </a:p>
+          <a:p>
+            <a:pPr lvl="1">
+              <a:defRPr/>
+            </a:pPr>
+            <a:r>
+              <a:rPr lang="es-AR" dirty="0">
+                <a:effectLst>
+                  <a:outerShdw blurRad="38100" dist="38100" dir="2700000" algn="tl">
+                    <a:srgbClr val="000000">
+                      <a:alpha val="43137"/>
+                    </a:srgbClr>
+                  </a:outerShdw>
+                </a:effectLst>
+                <a:latin typeface="Franklin Gothic Medium" panose="020B0603020102020204" pitchFamily="34" charset="0"/>
+              </a:rPr>
+              <a:t>Instalar</a:t>
+            </a:r>
+          </a:p>
+          <a:p>
+            <a:pPr>
+              <a:defRPr/>
+            </a:pPr>
+            <a:r>
+              <a:rPr lang="es-AR" dirty="0">
+                <a:effectLst>
+                  <a:outerShdw blurRad="38100" dist="38100" dir="2700000" algn="tl">
+                    <a:srgbClr val="000000">
+                      <a:alpha val="43137"/>
+                    </a:srgbClr>
+                  </a:outerShdw>
+                </a:effectLst>
+                <a:latin typeface="Franklin Gothic Medium" panose="020B0603020102020204" pitchFamily="34" charset="0"/>
+              </a:rPr>
+              <a:t>Agregar al código fuente </a:t>
+            </a:r>
+            <a:r>
+              <a:rPr lang="es-AR" dirty="0" err="1">
+                <a:effectLst>
+                  <a:outerShdw blurRad="38100" dist="38100" dir="2700000" algn="tl">
+                    <a:srgbClr val="000000">
+                      <a:alpha val="43137"/>
+                    </a:srgbClr>
+                  </a:outerShdw>
+                </a:effectLst>
+                <a:latin typeface="Franklin Gothic Medium" panose="020B0603020102020204" pitchFamily="34" charset="0"/>
+              </a:rPr>
+              <a:t>using</a:t>
+            </a:r>
+            <a:r>
+              <a:rPr lang="es-AR" dirty="0">
+                <a:effectLst>
+                  <a:outerShdw blurRad="38100" dist="38100" dir="2700000" algn="tl">
+                    <a:srgbClr val="000000">
+                      <a:alpha val="43137"/>
+                    </a:srgbClr>
+                  </a:outerShdw>
+                </a:effectLst>
+                <a:latin typeface="Franklin Gothic Medium" panose="020B0603020102020204" pitchFamily="34" charset="0"/>
+              </a:rPr>
+              <a:t> </a:t>
+            </a:r>
+            <a:r>
+              <a:rPr lang="es-AR" dirty="0" err="1">
+                <a:effectLst>
+                  <a:outerShdw blurRad="38100" dist="38100" dir="2700000" algn="tl">
+                    <a:srgbClr val="000000">
+                      <a:alpha val="43137"/>
+                    </a:srgbClr>
+                  </a:outerShdw>
+                </a:effectLst>
+                <a:latin typeface="Franklin Gothic Medium" panose="020B0603020102020204" pitchFamily="34" charset="0"/>
+              </a:rPr>
+              <a:t>System.Data.SqlClient</a:t>
+            </a:r>
+            <a:endParaRPr lang="es-AR" dirty="0">
+              <a:effectLst>
+                <a:outerShdw blurRad="38100" dist="38100" dir="2700000" algn="tl">
+                  <a:srgbClr val="000000">
+                    <a:alpha val="43137"/>
+                  </a:srgbClr>
+                </a:outerShdw>
+              </a:effectLst>
+              <a:latin typeface="Franklin Gothic Medium" panose="020B0603020102020204" pitchFamily="34" charset="0"/>
+            </a:endParaRPr>
+          </a:p>
+        </p:txBody>
+      </p:sp>
+    </p:spTree>
+    <p:extLst>
+      <p:ext uri="{BB962C8B-B14F-4D97-AF65-F5344CB8AC3E}">
+        <p14:creationId xmlns:p14="http://schemas.microsoft.com/office/powerpoint/2010/main" val="3133038062"/>
+      </p:ext>
+    </p:extLst>
+  </p:cSld>
+  <p:clrMapOvr>
+    <a:masterClrMapping/>
+  </p:clrMapOvr>
+</p:sld>
+</file>
+
+<file path=ppt/slides/slide3.xml><?xml version="1.0" encoding="utf-8"?>
+<p:sld xmlns:a="http://schemas.openxmlformats.org/drawingml/2006/main" xmlns:r="http://schemas.openxmlformats.org/officeDocument/2006/relationships" xmlns:p="http://schemas.openxmlformats.org/presentationml/2006/main">
+  <p:cSld>
+    <p:spTree>
+      <p:nvGrpSpPr>
+        <p:cNvPr id="1" name=""/>
+        <p:cNvGrpSpPr/>
+        <p:nvPr/>
+      </p:nvGrpSpPr>
+      <p:grpSpPr>
+        <a:xfrm>
+          <a:off x="0" y="0"/>
+          <a:ext cx="0" cy="0"/>
+          <a:chOff x="0" y="0"/>
+          <a:chExt cx="0" cy="0"/>
+        </a:xfrm>
+      </p:grpSpPr>
+      <p:sp>
+        <p:nvSpPr>
+          <p:cNvPr id="2" name="Título 1"/>
+          <p:cNvSpPr>
+            <a:spLocks noGrp="1"/>
+          </p:cNvSpPr>
+          <p:nvPr>
+            <p:ph type="title"/>
+          </p:nvPr>
+        </p:nvSpPr>
+        <p:spPr/>
+        <p:txBody>
+          <a:bodyPr/>
+          <a:lstStyle/>
+          <a:p>
+            <a:r>
+              <a:rPr lang="es-AR" dirty="0"/>
+              <a:t>Conexión a SQL Server</a:t>
+            </a:r>
+          </a:p>
+        </p:txBody>
+      </p:sp>
+      <p:sp>
+        <p:nvSpPr>
+          <p:cNvPr id="3" name="Marcador de contenido 2"/>
+          <p:cNvSpPr>
+            <a:spLocks noGrp="1"/>
+          </p:cNvSpPr>
+          <p:nvPr>
+            <p:ph idx="1"/>
+          </p:nvPr>
+        </p:nvSpPr>
+        <p:spPr/>
+        <p:txBody>
+          <a:bodyPr>
+            <a:normAutofit fontScale="92500"/>
+          </a:bodyPr>
+          <a:lstStyle/>
+          <a:p>
+            <a:pPr>
+              <a:defRPr/>
+            </a:pPr>
+            <a:r>
+              <a:rPr lang="es-AR" dirty="0">
+                <a:effectLst>
+                  <a:outerShdw blurRad="38100" dist="38100" dir="2700000" algn="tl">
+                    <a:srgbClr val="000000">
+                      <a:alpha val="43137"/>
+                    </a:srgbClr>
+                  </a:outerShdw>
+                </a:effectLst>
+                <a:latin typeface="Franklin Gothic Medium" panose="020B0603020102020204" pitchFamily="34" charset="0"/>
+              </a:rPr>
+              <a:t>La cadena de conexión (</a:t>
+            </a:r>
+            <a:r>
+              <a:rPr lang="es-AR" dirty="0" err="1">
+                <a:effectLst>
+                  <a:outerShdw blurRad="38100" dist="38100" dir="2700000" algn="tl">
+                    <a:srgbClr val="000000">
+                      <a:alpha val="43137"/>
+                    </a:srgbClr>
+                  </a:outerShdw>
+                </a:effectLst>
+                <a:latin typeface="Franklin Gothic Medium" panose="020B0603020102020204" pitchFamily="34" charset="0"/>
+              </a:rPr>
+              <a:t>Connection</a:t>
+            </a:r>
+            <a:r>
+              <a:rPr lang="es-AR" dirty="0">
+                <a:effectLst>
+                  <a:outerShdw blurRad="38100" dist="38100" dir="2700000" algn="tl">
+                    <a:srgbClr val="000000">
+                      <a:alpha val="43137"/>
+                    </a:srgbClr>
+                  </a:outerShdw>
+                </a:effectLst>
+                <a:latin typeface="Franklin Gothic Medium" panose="020B0603020102020204" pitchFamily="34" charset="0"/>
+              </a:rPr>
+              <a:t> </a:t>
+            </a:r>
+            <a:r>
+              <a:rPr lang="es-AR" dirty="0" err="1">
+                <a:effectLst>
+                  <a:outerShdw blurRad="38100" dist="38100" dir="2700000" algn="tl">
+                    <a:srgbClr val="000000">
+                      <a:alpha val="43137"/>
+                    </a:srgbClr>
+                  </a:outerShdw>
+                </a:effectLst>
+                <a:latin typeface="Franklin Gothic Medium" panose="020B0603020102020204" pitchFamily="34" charset="0"/>
+              </a:rPr>
+              <a:t>String</a:t>
+            </a:r>
+            <a:r>
+              <a:rPr lang="es-AR" dirty="0">
+                <a:effectLst>
+                  <a:outerShdw blurRad="38100" dist="38100" dir="2700000" algn="tl">
+                    <a:srgbClr val="000000">
+                      <a:alpha val="43137"/>
+                    </a:srgbClr>
+                  </a:outerShdw>
+                </a:effectLst>
+                <a:latin typeface="Franklin Gothic Medium" panose="020B0603020102020204" pitchFamily="34" charset="0"/>
+              </a:rPr>
+              <a:t>) es donde se especificarán los datos (usuario, servidor, etc.) de una conexión a una fuente de datos.</a:t>
+            </a:r>
+          </a:p>
+          <a:p>
+            <a:pPr>
+              <a:defRPr/>
+            </a:pPr>
+            <a:r>
+              <a:rPr lang="es-AR" dirty="0">
+                <a:effectLst>
+                  <a:outerShdw blurRad="38100" dist="38100" dir="2700000" algn="tl">
+                    <a:srgbClr val="000000">
+                      <a:alpha val="43137"/>
+                    </a:srgbClr>
+                  </a:outerShdw>
+                </a:effectLst>
+                <a:latin typeface="Franklin Gothic Medium" panose="020B0603020102020204" pitchFamily="34" charset="0"/>
+              </a:rPr>
+              <a:t>Para SQL Server, a fin de ejemplo, utilizaremos cadenas similares a esta:</a:t>
+            </a:r>
+          </a:p>
+          <a:p>
+            <a:pPr>
+              <a:defRPr/>
+            </a:pPr>
+            <a:endParaRPr lang="es-AR" dirty="0">
+              <a:effectLst>
+                <a:outerShdw blurRad="38100" dist="38100" dir="2700000" algn="tl">
+                  <a:srgbClr val="000000">
+                    <a:alpha val="43137"/>
+                  </a:srgbClr>
+                </a:outerShdw>
+              </a:effectLst>
+              <a:latin typeface="Franklin Gothic Medium" panose="020B0603020102020204" pitchFamily="34" charset="0"/>
+            </a:endParaRPr>
+          </a:p>
+          <a:p>
+            <a:pPr>
+              <a:defRPr/>
+            </a:pPr>
+            <a:endParaRPr lang="es-AR" dirty="0">
+              <a:effectLst>
+                <a:outerShdw blurRad="38100" dist="38100" dir="2700000" algn="tl">
+                  <a:srgbClr val="000000">
+                    <a:alpha val="43137"/>
+                  </a:srgbClr>
+                </a:outerShdw>
+              </a:effectLst>
+              <a:latin typeface="Franklin Gothic Medium" panose="020B0603020102020204" pitchFamily="34" charset="0"/>
+            </a:endParaRPr>
+          </a:p>
+          <a:p>
+            <a:pPr marL="0" indent="0">
+              <a:buFont typeface="Wingdings" pitchFamily="2" charset="2"/>
+              <a:buNone/>
+              <a:defRPr/>
+            </a:pPr>
+            <a:endParaRPr lang="es-AR" dirty="0">
+              <a:effectLst>
+                <a:outerShdw blurRad="38100" dist="38100" dir="2700000" algn="tl">
+                  <a:srgbClr val="000000">
+                    <a:alpha val="43137"/>
+                  </a:srgbClr>
+                </a:outerShdw>
+              </a:effectLst>
+              <a:latin typeface="Franklin Gothic Medium" panose="020B0603020102020204" pitchFamily="34" charset="0"/>
+            </a:endParaRPr>
+          </a:p>
+          <a:p>
+            <a:pPr>
+              <a:defRPr/>
+            </a:pPr>
+            <a:r>
+              <a:rPr lang="es-AR" dirty="0">
+                <a:effectLst>
+                  <a:outerShdw blurRad="38100" dist="38100" dir="2700000" algn="tl">
+                    <a:srgbClr val="000000">
+                      <a:alpha val="43137"/>
+                    </a:srgbClr>
+                  </a:outerShdw>
+                </a:effectLst>
+                <a:latin typeface="Franklin Gothic Medium" panose="020B0603020102020204" pitchFamily="34" charset="0"/>
+              </a:rPr>
+              <a:t>Para generar una cadena diferente puede seguir el </a:t>
+            </a:r>
+            <a:r>
+              <a:rPr lang="es-AR" dirty="0" err="1">
+                <a:effectLst>
+                  <a:outerShdw blurRad="38100" dist="38100" dir="2700000" algn="tl">
+                    <a:srgbClr val="000000">
+                      <a:alpha val="43137"/>
+                    </a:srgbClr>
+                  </a:outerShdw>
+                </a:effectLst>
+                <a:latin typeface="Franklin Gothic Medium" panose="020B0603020102020204" pitchFamily="34" charset="0"/>
+              </a:rPr>
+              <a:t>Wizard</a:t>
+            </a:r>
+            <a:r>
+              <a:rPr lang="es-AR" dirty="0">
+                <a:effectLst>
+                  <a:outerShdw blurRad="38100" dist="38100" dir="2700000" algn="tl">
+                    <a:srgbClr val="000000">
+                      <a:alpha val="43137"/>
+                    </a:srgbClr>
+                  </a:outerShdw>
+                </a:effectLst>
+                <a:latin typeface="Franklin Gothic Medium" panose="020B0603020102020204" pitchFamily="34" charset="0"/>
+              </a:rPr>
+              <a:t> de la pestaña Data </a:t>
+            </a:r>
+            <a:r>
+              <a:rPr lang="es-AR" dirty="0" err="1">
+                <a:effectLst>
+                  <a:outerShdw blurRad="38100" dist="38100" dir="2700000" algn="tl">
+                    <a:srgbClr val="000000">
+                      <a:alpha val="43137"/>
+                    </a:srgbClr>
+                  </a:outerShdw>
+                </a:effectLst>
+                <a:latin typeface="Franklin Gothic Medium" panose="020B0603020102020204" pitchFamily="34" charset="0"/>
+              </a:rPr>
+              <a:t>Source</a:t>
+            </a:r>
+            <a:r>
+              <a:rPr lang="es-AR" dirty="0">
+                <a:effectLst>
+                  <a:outerShdw blurRad="38100" dist="38100" dir="2700000" algn="tl">
+                    <a:srgbClr val="000000">
+                      <a:alpha val="43137"/>
+                    </a:srgbClr>
+                  </a:outerShdw>
+                </a:effectLst>
+                <a:latin typeface="Franklin Gothic Medium" panose="020B0603020102020204" pitchFamily="34" charset="0"/>
+              </a:rPr>
+              <a:t> de Visual Studio.</a:t>
+            </a:r>
+          </a:p>
+        </p:txBody>
+      </p:sp>
+      <p:sp>
+        <p:nvSpPr>
+          <p:cNvPr id="4" name="CuadroTexto 3"/>
+          <p:cNvSpPr txBox="1"/>
+          <p:nvPr/>
+        </p:nvSpPr>
+        <p:spPr>
+          <a:xfrm>
+            <a:off x="680321" y="3674866"/>
+            <a:ext cx="9613861" cy="923330"/>
+          </a:xfrm>
+          <a:prstGeom prst="rect">
+            <a:avLst/>
+          </a:prstGeom>
+          <a:solidFill>
+            <a:schemeClr val="tx1"/>
+          </a:solidFill>
+        </p:spPr>
+        <p:txBody>
+          <a:bodyPr wrap="square">
+            <a:spAutoFit/>
+          </a:bodyPr>
+          <a:lstStyle/>
+          <a:p>
+            <a:pPr>
+              <a:defRPr/>
+            </a:pPr>
+            <a:r>
+              <a:rPr lang="es-AR" dirty="0">
+                <a:solidFill>
+                  <a:srgbClr val="2B91AF"/>
+                </a:solidFill>
+                <a:highlight>
+                  <a:srgbClr val="FFFFFF"/>
+                </a:highlight>
+                <a:latin typeface="Consolas" panose="020B0609020204030204" pitchFamily="49" charset="0"/>
+              </a:rPr>
+              <a:t>String</a:t>
+            </a:r>
+            <a:r>
+              <a:rPr lang="es-AR" dirty="0">
+                <a:solidFill>
+                  <a:srgbClr val="000000"/>
+                </a:solidFill>
+                <a:highlight>
+                  <a:srgbClr val="FFFFFF"/>
+                </a:highlight>
+                <a:latin typeface="Consolas" panose="020B0609020204030204" pitchFamily="49" charset="0"/>
+              </a:rPr>
+              <a:t> </a:t>
+            </a:r>
+            <a:r>
+              <a:rPr lang="es-AR" dirty="0" err="1">
+                <a:solidFill>
+                  <a:srgbClr val="000000"/>
+                </a:solidFill>
+                <a:highlight>
+                  <a:srgbClr val="FFFFFF"/>
+                </a:highlight>
+                <a:latin typeface="Consolas" panose="020B0609020204030204" pitchFamily="49" charset="0"/>
+              </a:rPr>
+              <a:t>connectionStr</a:t>
+            </a:r>
+            <a:r>
+              <a:rPr lang="es-AR" dirty="0">
+                <a:solidFill>
+                  <a:srgbClr val="000000"/>
+                </a:solidFill>
+                <a:highlight>
+                  <a:srgbClr val="FFFFFF"/>
+                </a:highlight>
+                <a:latin typeface="Consolas" panose="020B0609020204030204" pitchFamily="49" charset="0"/>
+              </a:rPr>
+              <a:t> = </a:t>
+            </a:r>
+            <a:r>
+              <a:rPr lang="es-AR" dirty="0">
+                <a:solidFill>
+                  <a:srgbClr val="A31515"/>
+                </a:solidFill>
+                <a:highlight>
+                  <a:srgbClr val="FFFFFF"/>
+                </a:highlight>
+                <a:latin typeface="Consolas" panose="020B0609020204030204" pitchFamily="49" charset="0"/>
+              </a:rPr>
+              <a:t>"Data </a:t>
+            </a:r>
+            <a:r>
+              <a:rPr lang="es-AR" dirty="0" err="1">
+                <a:solidFill>
+                  <a:srgbClr val="A31515"/>
+                </a:solidFill>
+                <a:highlight>
+                  <a:srgbClr val="FFFFFF"/>
+                </a:highlight>
+                <a:latin typeface="Consolas" panose="020B0609020204030204" pitchFamily="49" charset="0"/>
+              </a:rPr>
+              <a:t>Source</a:t>
+            </a:r>
+            <a:r>
+              <a:rPr lang="es-AR" dirty="0">
+                <a:solidFill>
+                  <a:srgbClr val="A31515"/>
+                </a:solidFill>
+                <a:highlight>
+                  <a:srgbClr val="FFFFFF"/>
+                </a:highlight>
+                <a:latin typeface="Consolas" panose="020B0609020204030204" pitchFamily="49" charset="0"/>
+              </a:rPr>
+              <a:t>=[Instancia Del Servidor];</a:t>
+            </a:r>
+          </a:p>
+          <a:p>
+            <a:pPr>
+              <a:defRPr/>
+            </a:pPr>
+            <a:r>
+              <a:rPr lang="es-AR" dirty="0">
+                <a:solidFill>
+                  <a:srgbClr val="A31515"/>
+                </a:solidFill>
+                <a:highlight>
+                  <a:srgbClr val="FFFFFF"/>
+                </a:highlight>
+                <a:latin typeface="Consolas" panose="020B0609020204030204" pitchFamily="49" charset="0"/>
+              </a:rPr>
+              <a:t>						  </a:t>
+            </a:r>
+            <a:r>
+              <a:rPr lang="es-AR" dirty="0" err="1">
+                <a:solidFill>
+                  <a:srgbClr val="A31515"/>
+                </a:solidFill>
+                <a:highlight>
+                  <a:srgbClr val="FFFFFF"/>
+                </a:highlight>
+                <a:latin typeface="Consolas" panose="020B0609020204030204" pitchFamily="49" charset="0"/>
+              </a:rPr>
+              <a:t>Initial</a:t>
+            </a:r>
+            <a:r>
+              <a:rPr lang="es-AR" dirty="0">
+                <a:solidFill>
+                  <a:srgbClr val="A31515"/>
+                </a:solidFill>
+                <a:highlight>
+                  <a:srgbClr val="FFFFFF"/>
+                </a:highlight>
+                <a:latin typeface="Consolas" panose="020B0609020204030204" pitchFamily="49" charset="0"/>
+              </a:rPr>
+              <a:t> </a:t>
+            </a:r>
+            <a:r>
+              <a:rPr lang="es-AR" dirty="0" err="1">
+                <a:solidFill>
+                  <a:srgbClr val="A31515"/>
+                </a:solidFill>
+                <a:highlight>
+                  <a:srgbClr val="FFFFFF"/>
+                </a:highlight>
+                <a:latin typeface="Consolas" panose="020B0609020204030204" pitchFamily="49" charset="0"/>
+              </a:rPr>
+              <a:t>Catalog</a:t>
+            </a:r>
+            <a:r>
+              <a:rPr lang="es-AR" dirty="0">
+                <a:solidFill>
+                  <a:srgbClr val="A31515"/>
+                </a:solidFill>
+                <a:highlight>
+                  <a:srgbClr val="FFFFFF"/>
+                </a:highlight>
+                <a:latin typeface="Consolas" panose="020B0609020204030204" pitchFamily="49" charset="0"/>
+              </a:rPr>
+              <a:t>=[Nombre de la B.D.];</a:t>
+            </a:r>
+          </a:p>
+          <a:p>
+            <a:pPr>
+              <a:defRPr/>
+            </a:pPr>
+            <a:r>
+              <a:rPr lang="es-AR" dirty="0">
+                <a:solidFill>
+                  <a:srgbClr val="A31515"/>
+                </a:solidFill>
+                <a:highlight>
+                  <a:srgbClr val="FFFFFF"/>
+                </a:highlight>
+                <a:latin typeface="Consolas" panose="020B0609020204030204" pitchFamily="49" charset="0"/>
+              </a:rPr>
+              <a:t>						  </a:t>
+            </a:r>
+            <a:r>
+              <a:rPr lang="es-AR" dirty="0" err="1">
+                <a:solidFill>
+                  <a:srgbClr val="A31515"/>
+                </a:solidFill>
+                <a:highlight>
+                  <a:srgbClr val="FFFFFF"/>
+                </a:highlight>
+                <a:latin typeface="Consolas" panose="020B0609020204030204" pitchFamily="49" charset="0"/>
+              </a:rPr>
+              <a:t>Integrated</a:t>
+            </a:r>
+            <a:r>
+              <a:rPr lang="es-AR" dirty="0">
+                <a:solidFill>
+                  <a:srgbClr val="A31515"/>
+                </a:solidFill>
+                <a:highlight>
+                  <a:srgbClr val="FFFFFF"/>
+                </a:highlight>
+                <a:latin typeface="Consolas" panose="020B0609020204030204" pitchFamily="49" charset="0"/>
+              </a:rPr>
+              <a:t> Security=True"</a:t>
+            </a:r>
+            <a:r>
+              <a:rPr lang="es-AR" dirty="0">
+                <a:solidFill>
+                  <a:srgbClr val="000000"/>
+                </a:solidFill>
+                <a:highlight>
+                  <a:srgbClr val="FFFFFF"/>
+                </a:highlight>
+                <a:latin typeface="Consolas" panose="020B0609020204030204" pitchFamily="49" charset="0"/>
+              </a:rPr>
+              <a:t>;</a:t>
+            </a:r>
+            <a:endParaRPr lang="es-AR" dirty="0"/>
+          </a:p>
+        </p:txBody>
+      </p:sp>
+    </p:spTree>
+    <p:extLst>
+      <p:ext uri="{BB962C8B-B14F-4D97-AF65-F5344CB8AC3E}">
+        <p14:creationId xmlns:p14="http://schemas.microsoft.com/office/powerpoint/2010/main" val="1885056238"/>
+      </p:ext>
+    </p:extLst>
+  </p:cSld>
+  <p:clrMapOvr>
+    <a:masterClrMapping/>
+  </p:clrMapOvr>
+</p:sld>
+</file>
+
+<file path=ppt/slides/slide4.xml><?xml version="1.0" encoding="utf-8"?>
+<p:sld xmlns:a="http://schemas.openxmlformats.org/drawingml/2006/main" xmlns:r="http://schemas.openxmlformats.org/officeDocument/2006/relationships" xmlns:p="http://schemas.openxmlformats.org/presentationml/2006/main">
+  <p:cSld>
+    <p:spTree>
+      <p:nvGrpSpPr>
+        <p:cNvPr id="1" name=""/>
+        <p:cNvGrpSpPr/>
+        <p:nvPr/>
+      </p:nvGrpSpPr>
+      <p:grpSpPr>
+        <a:xfrm>
+          <a:off x="0" y="0"/>
+          <a:ext cx="0" cy="0"/>
+          <a:chOff x="0" y="0"/>
+          <a:chExt cx="0" cy="0"/>
+        </a:xfrm>
+      </p:grpSpPr>
+      <p:sp>
+        <p:nvSpPr>
+          <p:cNvPr id="2" name="Título 1"/>
+          <p:cNvSpPr>
+            <a:spLocks noGrp="1"/>
+          </p:cNvSpPr>
+          <p:nvPr>
+            <p:ph type="title"/>
+          </p:nvPr>
+        </p:nvSpPr>
+        <p:spPr/>
+        <p:txBody>
+          <a:bodyPr/>
+          <a:lstStyle/>
+          <a:p>
+            <a:r>
+              <a:rPr lang="es-AR" dirty="0"/>
+              <a:t>Ejemplo de Conexión</a:t>
+            </a:r>
+          </a:p>
+        </p:txBody>
+      </p:sp>
+      <p:sp>
+        <p:nvSpPr>
+          <p:cNvPr id="4" name="Rectangle 3"/>
+          <p:cNvSpPr txBox="1">
+            <a:spLocks noChangeArrowheads="1"/>
+          </p:cNvSpPr>
+          <p:nvPr/>
+        </p:nvSpPr>
+        <p:spPr>
+          <a:xfrm>
+            <a:off x="680321" y="2677734"/>
+            <a:ext cx="9613861" cy="2319270"/>
+          </a:xfrm>
+          <a:prstGeom prst="rect">
+            <a:avLst/>
+          </a:prstGeom>
+          <a:solidFill>
+            <a:schemeClr val="tx1"/>
+          </a:solidFill>
+        </p:spPr>
+        <p:txBody>
+          <a:bodyPr vert="horz" lIns="91440" tIns="45720" rIns="91440" bIns="45720" rtlCol="0">
+            <a:normAutofit/>
+          </a:bodyPr>
+          <a:lstStyle>
+            <a:lvl1pPr marL="228600" indent="-228600" algn="l" defTabSz="914400" rtl="0" eaLnBrk="1" latinLnBrk="0" hangingPunct="1">
+              <a:lnSpc>
+                <a:spcPct val="90000"/>
+              </a:lnSpc>
+              <a:spcBef>
+                <a:spcPts val="1000"/>
+              </a:spcBef>
+              <a:buFont typeface="Arial" panose="020B0604020202020204" pitchFamily="34" charset="0"/>
+              <a:buChar char="•"/>
+              <a:defRPr sz="2400" kern="1200">
+                <a:solidFill>
+                  <a:schemeClr val="tx1"/>
+                </a:solidFill>
+                <a:latin typeface="+mn-lt"/>
+                <a:ea typeface="+mn-ea"/>
+                <a:cs typeface="+mn-cs"/>
+              </a:defRPr>
+            </a:lvl1pPr>
+            <a:lvl2pPr marL="685800" indent="-228600" algn="l" defTabSz="914400" rtl="0" eaLnBrk="1" latinLnBrk="0" hangingPunct="1">
+              <a:lnSpc>
+                <a:spcPct val="90000"/>
+              </a:lnSpc>
+              <a:spcBef>
+                <a:spcPts val="500"/>
+              </a:spcBef>
+              <a:buFont typeface="Arial" panose="020B0604020202020204" pitchFamily="34" charset="0"/>
+              <a:buChar char="•"/>
+              <a:defRPr sz="2000" kern="1200">
+                <a:solidFill>
+                  <a:schemeClr val="tx1"/>
+                </a:solidFill>
+                <a:latin typeface="+mn-lt"/>
+                <a:ea typeface="+mn-ea"/>
+                <a:cs typeface="+mn-cs"/>
+              </a:defRPr>
+            </a:lvl2pPr>
+            <a:lvl3pPr marL="1143000" indent="-228600" algn="l" defTabSz="914400" rtl="0" eaLnBrk="1" latinLnBrk="0" hangingPunct="1">
+              <a:lnSpc>
+                <a:spcPct val="90000"/>
+              </a:lnSpc>
+              <a:spcBef>
+                <a:spcPts val="500"/>
+              </a:spcBef>
+              <a:buFont typeface="Arial" panose="020B0604020202020204" pitchFamily="34" charset="0"/>
+              <a:buChar char="•"/>
+              <a:defRPr sz="1800" kern="1200">
+                <a:solidFill>
+                  <a:schemeClr val="tx1"/>
+                </a:solidFill>
+                <a:latin typeface="+mn-lt"/>
+                <a:ea typeface="+mn-ea"/>
+                <a:cs typeface="+mn-cs"/>
+              </a:defRPr>
+            </a:lvl3pPr>
+            <a:lvl4pPr marL="1600200" indent="-228600" algn="l" defTabSz="914400" rtl="0" eaLnBrk="1" latinLnBrk="0" hangingPunct="1">
+              <a:lnSpc>
+                <a:spcPct val="90000"/>
+              </a:lnSpc>
+              <a:spcBef>
+                <a:spcPts val="500"/>
+              </a:spcBef>
+              <a:buFont typeface="Arial" panose="020B0604020202020204" pitchFamily="34" charset="0"/>
+              <a:buChar char="•"/>
+              <a:defRPr sz="1600" kern="1200">
+                <a:solidFill>
+                  <a:schemeClr val="tx1"/>
+                </a:solidFill>
+                <a:latin typeface="+mn-lt"/>
+                <a:ea typeface="+mn-ea"/>
+                <a:cs typeface="+mn-cs"/>
+              </a:defRPr>
+            </a:lvl4pPr>
+            <a:lvl5pPr marL="2057400" indent="-228600" algn="l" defTabSz="914400" rtl="0" eaLnBrk="1" latinLnBrk="0" hangingPunct="1">
+              <a:lnSpc>
+                <a:spcPct val="90000"/>
+              </a:lnSpc>
+              <a:spcBef>
+                <a:spcPts val="500"/>
+              </a:spcBef>
+              <a:buFont typeface="Arial" panose="020B0604020202020204" pitchFamily="34" charset="0"/>
+              <a:buChar char="•"/>
+              <a:defRPr sz="1600" kern="1200">
+                <a:solidFill>
+                  <a:schemeClr val="tx1"/>
+                </a:solidFill>
+                <a:latin typeface="+mn-lt"/>
+                <a:ea typeface="+mn-ea"/>
+                <a:cs typeface="+mn-cs"/>
+              </a:defRPr>
+            </a:lvl5pPr>
+            <a:lvl6pPr marL="2514600" indent="-228600" algn="l" defTabSz="914400" rtl="0" eaLnBrk="1" latinLnBrk="0" hangingPunct="1">
+              <a:lnSpc>
+                <a:spcPct val="90000"/>
+              </a:lnSpc>
+              <a:spcBef>
+                <a:spcPts val="500"/>
+              </a:spcBef>
+              <a:buFont typeface="Arial" panose="020B0604020202020204" pitchFamily="34" charset="0"/>
+              <a:buChar char="•"/>
+              <a:defRPr sz="1400" kern="1200">
+                <a:solidFill>
+                  <a:schemeClr val="tx1"/>
+                </a:solidFill>
+                <a:latin typeface="+mn-lt"/>
+                <a:ea typeface="+mn-ea"/>
+                <a:cs typeface="+mn-cs"/>
+              </a:defRPr>
+            </a:lvl6pPr>
+            <a:lvl7pPr marL="2971800" indent="-228600" algn="l" defTabSz="914400" rtl="0" eaLnBrk="1" latinLnBrk="0" hangingPunct="1">
+              <a:lnSpc>
+                <a:spcPct val="90000"/>
+              </a:lnSpc>
+              <a:spcBef>
+                <a:spcPts val="500"/>
+              </a:spcBef>
+              <a:buFont typeface="Arial" panose="020B0604020202020204" pitchFamily="34" charset="0"/>
+              <a:buChar char="•"/>
+              <a:defRPr sz="1400" kern="1200">
+                <a:solidFill>
+                  <a:schemeClr val="tx1"/>
+                </a:solidFill>
+                <a:latin typeface="+mn-lt"/>
+                <a:ea typeface="+mn-ea"/>
+                <a:cs typeface="+mn-cs"/>
+              </a:defRPr>
+            </a:lvl7pPr>
+            <a:lvl8pPr marL="3429000" indent="-228600" algn="l" defTabSz="914400" rtl="0" eaLnBrk="1" latinLnBrk="0" hangingPunct="1">
+              <a:lnSpc>
+                <a:spcPct val="90000"/>
+              </a:lnSpc>
+              <a:spcBef>
+                <a:spcPts val="500"/>
+              </a:spcBef>
+              <a:buFont typeface="Arial" panose="020B0604020202020204" pitchFamily="34" charset="0"/>
+              <a:buChar char="•"/>
+              <a:defRPr sz="1400" kern="1200">
+                <a:solidFill>
+                  <a:schemeClr val="tx1"/>
+                </a:solidFill>
+                <a:latin typeface="+mn-lt"/>
+                <a:ea typeface="+mn-ea"/>
+                <a:cs typeface="+mn-cs"/>
+              </a:defRPr>
+            </a:lvl8pPr>
+            <a:lvl9pPr marL="3886200" indent="-228600" algn="l" defTabSz="914400" rtl="0" eaLnBrk="1" latinLnBrk="0" hangingPunct="1">
+              <a:lnSpc>
+                <a:spcPct val="90000"/>
+              </a:lnSpc>
+              <a:spcBef>
+                <a:spcPts val="500"/>
+              </a:spcBef>
+              <a:buFont typeface="Arial" panose="020B0604020202020204" pitchFamily="34" charset="0"/>
+              <a:buChar char="•"/>
+              <a:defRPr sz="1400" kern="1200">
+                <a:solidFill>
+                  <a:schemeClr val="tx1"/>
+                </a:solidFill>
+                <a:latin typeface="+mn-lt"/>
+                <a:ea typeface="+mn-ea"/>
+                <a:cs typeface="+mn-cs"/>
+              </a:defRPr>
+            </a:lvl9pPr>
+          </a:lstStyle>
+          <a:p>
+            <a:pPr marL="0" indent="0">
+              <a:buFont typeface="Wingdings" pitchFamily="2" charset="2"/>
+              <a:buNone/>
+              <a:defRPr/>
+            </a:pPr>
+            <a:r>
+              <a:rPr lang="es-AR" sz="2800" dirty="0" err="1">
+                <a:solidFill>
+                  <a:srgbClr val="0000FF"/>
+                </a:solidFill>
+                <a:highlight>
+                  <a:srgbClr val="FFFFFF"/>
+                </a:highlight>
+                <a:latin typeface="Consolas" panose="020B0609020204030204" pitchFamily="49" charset="0"/>
+              </a:rPr>
+              <a:t>using</a:t>
+            </a:r>
+            <a:r>
+              <a:rPr lang="es-AR" sz="2800" dirty="0">
+                <a:solidFill>
+                  <a:srgbClr val="000000"/>
+                </a:solidFill>
+                <a:highlight>
+                  <a:srgbClr val="FFFFFF"/>
+                </a:highlight>
+                <a:latin typeface="Consolas" panose="020B0609020204030204" pitchFamily="49" charset="0"/>
+              </a:rPr>
+              <a:t> </a:t>
+            </a:r>
+            <a:r>
+              <a:rPr lang="es-AR" sz="2800" dirty="0" err="1">
+                <a:solidFill>
+                  <a:srgbClr val="000000"/>
+                </a:solidFill>
+                <a:highlight>
+                  <a:srgbClr val="FFFFFF"/>
+                </a:highlight>
+                <a:latin typeface="Consolas" panose="020B0609020204030204" pitchFamily="49" charset="0"/>
+              </a:rPr>
+              <a:t>System.Data.SqlClient</a:t>
+            </a:r>
+            <a:r>
+              <a:rPr lang="es-AR" sz="2800" dirty="0">
+                <a:solidFill>
+                  <a:srgbClr val="000000"/>
+                </a:solidFill>
+                <a:highlight>
+                  <a:srgbClr val="FFFFFF"/>
+                </a:highlight>
+                <a:latin typeface="Consolas" panose="020B0609020204030204" pitchFamily="49" charset="0"/>
+              </a:rPr>
+              <a:t>;</a:t>
+            </a:r>
+          </a:p>
+          <a:p>
+            <a:pPr marL="0" indent="0">
+              <a:buFont typeface="Wingdings" pitchFamily="2" charset="2"/>
+              <a:buNone/>
+              <a:defRPr/>
+            </a:pPr>
+            <a:r>
+              <a:rPr lang="es-AR" sz="2800" dirty="0">
+                <a:solidFill>
+                  <a:srgbClr val="008000"/>
+                </a:solidFill>
+                <a:highlight>
+                  <a:srgbClr val="FFFFFF"/>
+                </a:highlight>
+                <a:latin typeface="Consolas" panose="020B0609020204030204" pitchFamily="49" charset="0"/>
+              </a:rPr>
+              <a:t>// ...</a:t>
+            </a:r>
+            <a:endParaRPr lang="es-AR" sz="2800" dirty="0">
+              <a:solidFill>
+                <a:srgbClr val="000000"/>
+              </a:solidFill>
+              <a:highlight>
+                <a:srgbClr val="FFFFFF"/>
+              </a:highlight>
+              <a:latin typeface="Consolas" panose="020B0609020204030204" pitchFamily="49" charset="0"/>
+            </a:endParaRPr>
+          </a:p>
+          <a:p>
+            <a:pPr marL="0" indent="0">
+              <a:buFont typeface="Wingdings" pitchFamily="2" charset="2"/>
+              <a:buNone/>
+              <a:defRPr/>
+            </a:pPr>
+            <a:r>
+              <a:rPr lang="es-AR" sz="2800" dirty="0" err="1">
+                <a:solidFill>
+                  <a:srgbClr val="2B91AF"/>
+                </a:solidFill>
+                <a:highlight>
+                  <a:srgbClr val="FFFFFF"/>
+                </a:highlight>
+                <a:latin typeface="Consolas" panose="020B0609020204030204" pitchFamily="49" charset="0"/>
+              </a:rPr>
+              <a:t>SqlConnection</a:t>
+            </a:r>
+            <a:r>
+              <a:rPr lang="es-AR" sz="2800" dirty="0">
+                <a:solidFill>
+                  <a:srgbClr val="000000"/>
+                </a:solidFill>
+                <a:highlight>
+                  <a:srgbClr val="FFFFFF"/>
+                </a:highlight>
+                <a:latin typeface="Consolas" panose="020B0609020204030204" pitchFamily="49" charset="0"/>
+              </a:rPr>
+              <a:t> </a:t>
+            </a:r>
+            <a:r>
+              <a:rPr lang="es-AR" sz="2800" dirty="0" err="1">
+                <a:solidFill>
+                  <a:srgbClr val="000000"/>
+                </a:solidFill>
+                <a:highlight>
+                  <a:srgbClr val="FFFFFF"/>
+                </a:highlight>
+                <a:latin typeface="Consolas" panose="020B0609020204030204" pitchFamily="49" charset="0"/>
+              </a:rPr>
+              <a:t>conexion</a:t>
+            </a:r>
+            <a:r>
+              <a:rPr lang="es-AR" sz="2800" dirty="0">
+                <a:solidFill>
+                  <a:srgbClr val="000000"/>
+                </a:solidFill>
+                <a:highlight>
+                  <a:srgbClr val="FFFFFF"/>
+                </a:highlight>
+                <a:latin typeface="Consolas" panose="020B0609020204030204" pitchFamily="49" charset="0"/>
+              </a:rPr>
+              <a:t>;</a:t>
+            </a:r>
+          </a:p>
+          <a:p>
+            <a:pPr marL="0" indent="0">
+              <a:buFont typeface="Wingdings" pitchFamily="2" charset="2"/>
+              <a:buNone/>
+              <a:defRPr/>
+            </a:pPr>
+            <a:r>
+              <a:rPr lang="es-AR" sz="2800" dirty="0" err="1">
+                <a:solidFill>
+                  <a:srgbClr val="000000"/>
+                </a:solidFill>
+                <a:highlight>
+                  <a:srgbClr val="FFFFFF"/>
+                </a:highlight>
+                <a:latin typeface="Consolas" panose="020B0609020204030204" pitchFamily="49" charset="0"/>
+              </a:rPr>
+              <a:t>conexion</a:t>
+            </a:r>
+            <a:r>
+              <a:rPr lang="es-AR" sz="2800" dirty="0">
+                <a:solidFill>
+                  <a:srgbClr val="000000"/>
+                </a:solidFill>
+                <a:highlight>
+                  <a:srgbClr val="FFFFFF"/>
+                </a:highlight>
+                <a:latin typeface="Consolas" panose="020B0609020204030204" pitchFamily="49" charset="0"/>
+              </a:rPr>
+              <a:t> = </a:t>
+            </a:r>
+            <a:r>
+              <a:rPr lang="es-AR" sz="2800" dirty="0">
+                <a:solidFill>
+                  <a:srgbClr val="0000FF"/>
+                </a:solidFill>
+                <a:highlight>
+                  <a:srgbClr val="FFFFFF"/>
+                </a:highlight>
+                <a:latin typeface="Consolas" panose="020B0609020204030204" pitchFamily="49" charset="0"/>
+              </a:rPr>
+              <a:t>new</a:t>
+            </a:r>
+            <a:r>
+              <a:rPr lang="es-AR" sz="2800" dirty="0">
+                <a:solidFill>
+                  <a:srgbClr val="000000"/>
+                </a:solidFill>
+                <a:highlight>
+                  <a:srgbClr val="FFFFFF"/>
+                </a:highlight>
+                <a:latin typeface="Consolas" panose="020B0609020204030204" pitchFamily="49" charset="0"/>
+              </a:rPr>
+              <a:t> </a:t>
+            </a:r>
+            <a:r>
+              <a:rPr lang="es-AR" sz="2800" dirty="0" err="1">
+                <a:solidFill>
+                  <a:srgbClr val="2B91AF"/>
+                </a:solidFill>
+                <a:highlight>
+                  <a:srgbClr val="FFFFFF"/>
+                </a:highlight>
+                <a:latin typeface="Consolas" panose="020B0609020204030204" pitchFamily="49" charset="0"/>
+              </a:rPr>
+              <a:t>SqlConnection</a:t>
+            </a:r>
+            <a:r>
+              <a:rPr lang="es-AR" sz="2800" dirty="0">
+                <a:solidFill>
+                  <a:srgbClr val="000000"/>
+                </a:solidFill>
+                <a:highlight>
+                  <a:srgbClr val="FFFFFF"/>
+                </a:highlight>
+                <a:latin typeface="Consolas" panose="020B0609020204030204" pitchFamily="49" charset="0"/>
+              </a:rPr>
+              <a:t>(</a:t>
+            </a:r>
+            <a:r>
+              <a:rPr lang="es-AR" sz="2800" dirty="0" err="1">
+                <a:solidFill>
+                  <a:srgbClr val="000000"/>
+                </a:solidFill>
+                <a:highlight>
+                  <a:srgbClr val="FFFFFF"/>
+                </a:highlight>
+                <a:latin typeface="Consolas" panose="020B0609020204030204" pitchFamily="49" charset="0"/>
+              </a:rPr>
+              <a:t>connectionStr</a:t>
+            </a:r>
+            <a:r>
+              <a:rPr lang="es-AR" sz="2800" dirty="0">
+                <a:solidFill>
+                  <a:srgbClr val="000000"/>
+                </a:solidFill>
+                <a:highlight>
+                  <a:srgbClr val="FFFFFF"/>
+                </a:highlight>
+                <a:latin typeface="Consolas" panose="020B0609020204030204" pitchFamily="49" charset="0"/>
+              </a:rPr>
+              <a:t>);</a:t>
+            </a:r>
+          </a:p>
+          <a:p>
+            <a:pPr marL="0" indent="0">
+              <a:buFont typeface="Wingdings" pitchFamily="2" charset="2"/>
+              <a:buNone/>
+              <a:defRPr/>
+            </a:pPr>
+            <a:endParaRPr lang="es-AR" sz="2800" dirty="0"/>
+          </a:p>
+        </p:txBody>
+      </p:sp>
+    </p:spTree>
+    <p:extLst>
+      <p:ext uri="{BB962C8B-B14F-4D97-AF65-F5344CB8AC3E}">
+        <p14:creationId xmlns:p14="http://schemas.microsoft.com/office/powerpoint/2010/main" val="2977310529"/>
+      </p:ext>
+    </p:extLst>
+  </p:cSld>
+  <p:clrMapOvr>
+    <a:masterClrMapping/>
+  </p:clrMapOvr>
+</p:sld>
+</file>
+
+<file path=ppt/slides/slide5.xml><?xml version="1.0" encoding="utf-8"?>
+<p:sld xmlns:a="http://schemas.openxmlformats.org/drawingml/2006/main" xmlns:r="http://schemas.openxmlformats.org/officeDocument/2006/relationships" xmlns:p="http://schemas.openxmlformats.org/presentationml/2006/main">
+  <p:cSld>
+    <p:spTree>
+      <p:nvGrpSpPr>
+        <p:cNvPr id="1" name=""/>
+        <p:cNvGrpSpPr/>
+        <p:nvPr/>
+      </p:nvGrpSpPr>
+      <p:grpSpPr>
+        <a:xfrm>
+          <a:off x="0" y="0"/>
+          <a:ext cx="0" cy="0"/>
+          <a:chOff x="0" y="0"/>
+          <a:chExt cx="0" cy="0"/>
+        </a:xfrm>
+      </p:grpSpPr>
+      <p:sp>
+        <p:nvSpPr>
+          <p:cNvPr id="2" name="Título 1"/>
+          <p:cNvSpPr>
+            <a:spLocks noGrp="1"/>
+          </p:cNvSpPr>
+          <p:nvPr>
+            <p:ph type="title"/>
+          </p:nvPr>
+        </p:nvSpPr>
+        <p:spPr/>
+        <p:txBody>
+          <a:bodyPr/>
+          <a:lstStyle/>
+          <a:p>
+            <a:r>
+              <a:rPr lang="es-AR" dirty="0" err="1"/>
+              <a:t>Command</a:t>
+            </a:r>
+            <a:endParaRPr lang="es-AR" dirty="0"/>
+          </a:p>
+        </p:txBody>
+      </p:sp>
+      <p:sp>
+        <p:nvSpPr>
+          <p:cNvPr id="3" name="Marcador de contenido 2"/>
+          <p:cNvSpPr>
+            <a:spLocks noGrp="1"/>
+          </p:cNvSpPr>
+          <p:nvPr>
+            <p:ph idx="1"/>
+          </p:nvPr>
+        </p:nvSpPr>
+        <p:spPr/>
+        <p:txBody>
+          <a:bodyPr/>
+          <a:lstStyle/>
+          <a:p>
+            <a:r>
+              <a:rPr lang="es-AR" dirty="0">
+                <a:effectLst>
+                  <a:outerShdw blurRad="38100" dist="38100" dir="2700000" algn="tl">
+                    <a:srgbClr val="000000">
+                      <a:alpha val="43137"/>
+                    </a:srgbClr>
+                  </a:outerShdw>
+                </a:effectLst>
+                <a:latin typeface="Franklin Gothic Medium" panose="020B0603020102020204" pitchFamily="34" charset="0"/>
+              </a:rPr>
+              <a:t>Representa un procedimiento almacenado o una instrucción de </a:t>
+            </a:r>
+            <a:r>
+              <a:rPr lang="es-AR" dirty="0" err="1">
+                <a:effectLst>
+                  <a:outerShdw blurRad="38100" dist="38100" dir="2700000" algn="tl">
+                    <a:srgbClr val="000000">
+                      <a:alpha val="43137"/>
+                    </a:srgbClr>
+                  </a:outerShdw>
+                </a:effectLst>
+                <a:latin typeface="Franklin Gothic Medium" panose="020B0603020102020204" pitchFamily="34" charset="0"/>
+              </a:rPr>
+              <a:t>Transact</a:t>
+            </a:r>
+            <a:r>
+              <a:rPr lang="es-AR" dirty="0">
+                <a:effectLst>
+                  <a:outerShdw blurRad="38100" dist="38100" dir="2700000" algn="tl">
+                    <a:srgbClr val="000000">
+                      <a:alpha val="43137"/>
+                    </a:srgbClr>
+                  </a:outerShdw>
+                </a:effectLst>
+                <a:latin typeface="Franklin Gothic Medium" panose="020B0603020102020204" pitchFamily="34" charset="0"/>
+              </a:rPr>
+              <a:t>-SQL que se ejecuta en una base de datos de SQL Server.</a:t>
+            </a:r>
+          </a:p>
+          <a:p>
+            <a:endParaRPr lang="es-AR" dirty="0">
+              <a:effectLst>
+                <a:outerShdw blurRad="38100" dist="38100" dir="2700000" algn="tl">
+                  <a:srgbClr val="000000">
+                    <a:alpha val="43137"/>
+                  </a:srgbClr>
+                </a:outerShdw>
+              </a:effectLst>
+              <a:latin typeface="Franklin Gothic Medium" panose="020B0603020102020204" pitchFamily="34" charset="0"/>
+            </a:endParaRPr>
+          </a:p>
+          <a:p>
+            <a:r>
+              <a:rPr lang="es-AR" dirty="0">
+                <a:effectLst>
+                  <a:outerShdw blurRad="38100" dist="38100" dir="2700000" algn="tl">
+                    <a:srgbClr val="000000">
+                      <a:alpha val="43137"/>
+                    </a:srgbClr>
+                  </a:outerShdw>
+                </a:effectLst>
+                <a:latin typeface="Franklin Gothic Medium" panose="020B0603020102020204" pitchFamily="34" charset="0"/>
+              </a:rPr>
+              <a:t>Un comando puede ser de diferentes tipos (Procedimiento Almacenado, etc.), por ahora solo utilizaremos del tipo texto.</a:t>
+            </a:r>
+          </a:p>
+          <a:p>
+            <a:endParaRPr lang="es-AR" dirty="0">
+              <a:effectLst>
+                <a:outerShdw blurRad="38100" dist="38100" dir="2700000" algn="tl">
+                  <a:srgbClr val="000000">
+                    <a:alpha val="43137"/>
+                  </a:srgbClr>
+                </a:outerShdw>
+              </a:effectLst>
+              <a:latin typeface="Franklin Gothic Medium" panose="020B0603020102020204" pitchFamily="34" charset="0"/>
+            </a:endParaRPr>
+          </a:p>
+          <a:p>
+            <a:r>
+              <a:rPr lang="es-AR" dirty="0">
+                <a:effectLst>
+                  <a:outerShdw blurRad="38100" dist="38100" dir="2700000" algn="tl">
+                    <a:srgbClr val="000000">
+                      <a:alpha val="43137"/>
+                    </a:srgbClr>
+                  </a:outerShdw>
+                </a:effectLst>
+                <a:latin typeface="Franklin Gothic Medium" panose="020B0603020102020204" pitchFamily="34" charset="0"/>
+              </a:rPr>
+              <a:t>El comando deberá estar asociado a una conexión, en la cual ejecutará sus acciones.</a:t>
+            </a:r>
+          </a:p>
+        </p:txBody>
+      </p:sp>
+    </p:spTree>
+    <p:extLst>
+      <p:ext uri="{BB962C8B-B14F-4D97-AF65-F5344CB8AC3E}">
+        <p14:creationId xmlns:p14="http://schemas.microsoft.com/office/powerpoint/2010/main" val="773480437"/>
+      </p:ext>
+    </p:extLst>
+  </p:cSld>
+  <p:clrMapOvr>
+    <a:masterClrMapping/>
+  </p:clrMapOvr>
+</p:sld>
+</file>
+
+<file path=ppt/slides/slide6.xml><?xml version="1.0" encoding="utf-8"?>
+<p:sld xmlns:a="http://schemas.openxmlformats.org/drawingml/2006/main" xmlns:r="http://schemas.openxmlformats.org/officeDocument/2006/relationships" xmlns:p="http://schemas.openxmlformats.org/presentationml/2006/main">
+  <p:cSld>
+    <p:spTree>
+      <p:nvGrpSpPr>
+        <p:cNvPr id="1" name=""/>
+        <p:cNvGrpSpPr/>
+        <p:nvPr/>
+      </p:nvGrpSpPr>
+      <p:grpSpPr>
+        <a:xfrm>
+          <a:off x="0" y="0"/>
+          <a:ext cx="0" cy="0"/>
+          <a:chOff x="0" y="0"/>
+          <a:chExt cx="0" cy="0"/>
+        </a:xfrm>
+      </p:grpSpPr>
+      <p:sp>
+        <p:nvSpPr>
+          <p:cNvPr id="2" name="Título 1"/>
+          <p:cNvSpPr>
+            <a:spLocks noGrp="1"/>
+          </p:cNvSpPr>
+          <p:nvPr>
+            <p:ph type="title"/>
+          </p:nvPr>
+        </p:nvSpPr>
+        <p:spPr/>
+        <p:txBody>
+          <a:bodyPr/>
+          <a:lstStyle/>
+          <a:p>
+            <a:r>
+              <a:rPr lang="es-AR" dirty="0"/>
+              <a:t>Ejemplo de </a:t>
+            </a:r>
+            <a:r>
+              <a:rPr lang="es-AR" dirty="0" err="1"/>
+              <a:t>Command</a:t>
+            </a:r>
+            <a:endParaRPr lang="es-AR" dirty="0"/>
+          </a:p>
+        </p:txBody>
+      </p:sp>
+      <p:sp>
+        <p:nvSpPr>
+          <p:cNvPr id="5" name="Rectangle 3"/>
+          <p:cNvSpPr txBox="1">
+            <a:spLocks noChangeArrowheads="1"/>
+          </p:cNvSpPr>
+          <p:nvPr/>
+        </p:nvSpPr>
+        <p:spPr>
+          <a:xfrm>
+            <a:off x="680321" y="2489916"/>
+            <a:ext cx="9613861" cy="2957848"/>
+          </a:xfrm>
+          <a:prstGeom prst="rect">
+            <a:avLst/>
+          </a:prstGeom>
+          <a:solidFill>
+            <a:schemeClr val="tx1"/>
+          </a:solidFill>
+        </p:spPr>
+        <p:txBody>
+          <a:bodyPr vert="horz" lIns="91440" tIns="45720" rIns="91440" bIns="45720" rtlCol="0">
+            <a:normAutofit fontScale="92500" lnSpcReduction="10000"/>
+          </a:bodyPr>
+          <a:lstStyle>
+            <a:lvl1pPr marL="228600" indent="-228600" algn="l" defTabSz="914400" rtl="0" eaLnBrk="1" latinLnBrk="0" hangingPunct="1">
+              <a:lnSpc>
+                <a:spcPct val="90000"/>
+              </a:lnSpc>
+              <a:spcBef>
+                <a:spcPts val="1000"/>
+              </a:spcBef>
+              <a:buFont typeface="Arial" panose="020B0604020202020204" pitchFamily="34" charset="0"/>
+              <a:buChar char="•"/>
+              <a:defRPr sz="2400" kern="1200">
+                <a:solidFill>
+                  <a:schemeClr val="tx1"/>
+                </a:solidFill>
+                <a:latin typeface="+mn-lt"/>
+                <a:ea typeface="+mn-ea"/>
+                <a:cs typeface="+mn-cs"/>
+              </a:defRPr>
+            </a:lvl1pPr>
+            <a:lvl2pPr marL="685800" indent="-228600" algn="l" defTabSz="914400" rtl="0" eaLnBrk="1" latinLnBrk="0" hangingPunct="1">
+              <a:lnSpc>
+                <a:spcPct val="90000"/>
+              </a:lnSpc>
+              <a:spcBef>
+                <a:spcPts val="500"/>
+              </a:spcBef>
+              <a:buFont typeface="Arial" panose="020B0604020202020204" pitchFamily="34" charset="0"/>
+              <a:buChar char="•"/>
+              <a:defRPr sz="2000" kern="1200">
+                <a:solidFill>
+                  <a:schemeClr val="tx1"/>
+                </a:solidFill>
+                <a:latin typeface="+mn-lt"/>
+                <a:ea typeface="+mn-ea"/>
+                <a:cs typeface="+mn-cs"/>
+              </a:defRPr>
+            </a:lvl2pPr>
+            <a:lvl3pPr marL="1143000" indent="-228600" algn="l" defTabSz="914400" rtl="0" eaLnBrk="1" latinLnBrk="0" hangingPunct="1">
+              <a:lnSpc>
+                <a:spcPct val="90000"/>
+              </a:lnSpc>
+              <a:spcBef>
+                <a:spcPts val="500"/>
+              </a:spcBef>
+              <a:buFont typeface="Arial" panose="020B0604020202020204" pitchFamily="34" charset="0"/>
+              <a:buChar char="•"/>
+              <a:defRPr sz="1800" kern="1200">
+                <a:solidFill>
+                  <a:schemeClr val="tx1"/>
+                </a:solidFill>
+                <a:latin typeface="+mn-lt"/>
+                <a:ea typeface="+mn-ea"/>
+                <a:cs typeface="+mn-cs"/>
+              </a:defRPr>
+            </a:lvl3pPr>
+            <a:lvl4pPr marL="1600200" indent="-228600" algn="l" defTabSz="914400" rtl="0" eaLnBrk="1" latinLnBrk="0" hangingPunct="1">
+              <a:lnSpc>
+                <a:spcPct val="90000"/>
+              </a:lnSpc>
+              <a:spcBef>
+                <a:spcPts val="500"/>
+              </a:spcBef>
+              <a:buFont typeface="Arial" panose="020B0604020202020204" pitchFamily="34" charset="0"/>
+              <a:buChar char="•"/>
+              <a:defRPr sz="1600" kern="1200">
+                <a:solidFill>
+                  <a:schemeClr val="tx1"/>
+                </a:solidFill>
+                <a:latin typeface="+mn-lt"/>
+                <a:ea typeface="+mn-ea"/>
+                <a:cs typeface="+mn-cs"/>
+              </a:defRPr>
+            </a:lvl4pPr>
+            <a:lvl5pPr marL="2057400" indent="-228600" algn="l" defTabSz="914400" rtl="0" eaLnBrk="1" latinLnBrk="0" hangingPunct="1">
+              <a:lnSpc>
+                <a:spcPct val="90000"/>
+              </a:lnSpc>
+              <a:spcBef>
+                <a:spcPts val="500"/>
+              </a:spcBef>
+              <a:buFont typeface="Arial" panose="020B0604020202020204" pitchFamily="34" charset="0"/>
+              <a:buChar char="•"/>
+              <a:defRPr sz="1600" kern="1200">
+                <a:solidFill>
+                  <a:schemeClr val="tx1"/>
+                </a:solidFill>
+                <a:latin typeface="+mn-lt"/>
+                <a:ea typeface="+mn-ea"/>
+                <a:cs typeface="+mn-cs"/>
+              </a:defRPr>
+            </a:lvl5pPr>
+            <a:lvl6pPr marL="2514600" indent="-228600" algn="l" defTabSz="914400" rtl="0" eaLnBrk="1" latinLnBrk="0" hangingPunct="1">
+              <a:lnSpc>
+                <a:spcPct val="90000"/>
+              </a:lnSpc>
+              <a:spcBef>
+                <a:spcPts val="500"/>
+              </a:spcBef>
+              <a:buFont typeface="Arial" panose="020B0604020202020204" pitchFamily="34" charset="0"/>
+              <a:buChar char="•"/>
+              <a:defRPr sz="1400" kern="1200">
+                <a:solidFill>
+                  <a:schemeClr val="tx1"/>
+                </a:solidFill>
+                <a:latin typeface="+mn-lt"/>
+                <a:ea typeface="+mn-ea"/>
+                <a:cs typeface="+mn-cs"/>
+              </a:defRPr>
+            </a:lvl6pPr>
+            <a:lvl7pPr marL="2971800" indent="-228600" algn="l" defTabSz="914400" rtl="0" eaLnBrk="1" latinLnBrk="0" hangingPunct="1">
+              <a:lnSpc>
+                <a:spcPct val="90000"/>
+              </a:lnSpc>
+              <a:spcBef>
+                <a:spcPts val="500"/>
+              </a:spcBef>
+              <a:buFont typeface="Arial" panose="020B0604020202020204" pitchFamily="34" charset="0"/>
+              <a:buChar char="•"/>
+              <a:defRPr sz="1400" kern="1200">
+                <a:solidFill>
+                  <a:schemeClr val="tx1"/>
+                </a:solidFill>
+                <a:latin typeface="+mn-lt"/>
+                <a:ea typeface="+mn-ea"/>
+                <a:cs typeface="+mn-cs"/>
+              </a:defRPr>
+            </a:lvl7pPr>
+            <a:lvl8pPr marL="3429000" indent="-228600" algn="l" defTabSz="914400" rtl="0" eaLnBrk="1" latinLnBrk="0" hangingPunct="1">
+              <a:lnSpc>
+                <a:spcPct val="90000"/>
+              </a:lnSpc>
+              <a:spcBef>
+                <a:spcPts val="500"/>
+              </a:spcBef>
+              <a:buFont typeface="Arial" panose="020B0604020202020204" pitchFamily="34" charset="0"/>
+              <a:buChar char="•"/>
+              <a:defRPr sz="1400" kern="1200">
+                <a:solidFill>
+                  <a:schemeClr val="tx1"/>
+                </a:solidFill>
+                <a:latin typeface="+mn-lt"/>
+                <a:ea typeface="+mn-ea"/>
+                <a:cs typeface="+mn-cs"/>
+              </a:defRPr>
+            </a:lvl8pPr>
+            <a:lvl9pPr marL="3886200" indent="-228600" algn="l" defTabSz="914400" rtl="0" eaLnBrk="1" latinLnBrk="0" hangingPunct="1">
+              <a:lnSpc>
+                <a:spcPct val="90000"/>
+              </a:lnSpc>
+              <a:spcBef>
+                <a:spcPts val="500"/>
+              </a:spcBef>
+              <a:buFont typeface="Arial" panose="020B0604020202020204" pitchFamily="34" charset="0"/>
+              <a:buChar char="•"/>
+              <a:defRPr sz="1400" kern="1200">
+                <a:solidFill>
+                  <a:schemeClr val="tx1"/>
+                </a:solidFill>
+                <a:latin typeface="+mn-lt"/>
+                <a:ea typeface="+mn-ea"/>
+                <a:cs typeface="+mn-cs"/>
+              </a:defRPr>
+            </a:lvl9pPr>
+          </a:lstStyle>
+          <a:p>
+            <a:pPr marL="0" indent="0">
+              <a:buFont typeface="Wingdings" pitchFamily="2" charset="2"/>
+              <a:buNone/>
+              <a:defRPr/>
+            </a:pPr>
+            <a:r>
+              <a:rPr lang="es-AR" dirty="0" err="1">
+                <a:solidFill>
+                  <a:srgbClr val="2B91AF"/>
+                </a:solidFill>
+                <a:highlight>
+                  <a:srgbClr val="FFFFFF"/>
+                </a:highlight>
+                <a:latin typeface="Consolas" panose="020B0609020204030204" pitchFamily="49" charset="0"/>
+              </a:rPr>
+              <a:t>SqlCommand</a:t>
+            </a:r>
+            <a:r>
+              <a:rPr lang="es-AR" dirty="0">
+                <a:solidFill>
+                  <a:srgbClr val="000000"/>
+                </a:solidFill>
+                <a:highlight>
+                  <a:srgbClr val="FFFFFF"/>
+                </a:highlight>
+                <a:latin typeface="Consolas" panose="020B0609020204030204" pitchFamily="49" charset="0"/>
+              </a:rPr>
+              <a:t> comando;</a:t>
+            </a:r>
+          </a:p>
+          <a:p>
+            <a:pPr marL="0" indent="0">
+              <a:buFont typeface="Wingdings" pitchFamily="2" charset="2"/>
+              <a:buNone/>
+              <a:defRPr/>
+            </a:pPr>
+            <a:endParaRPr lang="es-AR" dirty="0">
+              <a:solidFill>
+                <a:srgbClr val="000000"/>
+              </a:solidFill>
+              <a:highlight>
+                <a:srgbClr val="FFFFFF"/>
+              </a:highlight>
+              <a:latin typeface="Consolas" panose="020B0609020204030204" pitchFamily="49" charset="0"/>
+            </a:endParaRPr>
+          </a:p>
+          <a:p>
+            <a:pPr marL="0" indent="0">
+              <a:buFont typeface="Wingdings" pitchFamily="2" charset="2"/>
+              <a:buNone/>
+              <a:defRPr/>
+            </a:pPr>
+            <a:r>
+              <a:rPr lang="es-AR" dirty="0">
+                <a:solidFill>
+                  <a:srgbClr val="000000"/>
+                </a:solidFill>
+                <a:highlight>
+                  <a:srgbClr val="FFFFFF"/>
+                </a:highlight>
+                <a:latin typeface="Consolas" panose="020B0609020204030204" pitchFamily="49" charset="0"/>
+              </a:rPr>
+              <a:t>comando = </a:t>
+            </a:r>
+            <a:r>
+              <a:rPr lang="es-AR" dirty="0">
+                <a:solidFill>
+                  <a:srgbClr val="0000FF"/>
+                </a:solidFill>
+                <a:highlight>
+                  <a:srgbClr val="FFFFFF"/>
+                </a:highlight>
+                <a:latin typeface="Consolas" panose="020B0609020204030204" pitchFamily="49" charset="0"/>
+              </a:rPr>
+              <a:t>new</a:t>
+            </a:r>
+            <a:r>
+              <a:rPr lang="es-AR" dirty="0">
+                <a:solidFill>
+                  <a:srgbClr val="000000"/>
+                </a:solidFill>
+                <a:highlight>
+                  <a:srgbClr val="FFFFFF"/>
+                </a:highlight>
+                <a:latin typeface="Consolas" panose="020B0609020204030204" pitchFamily="49" charset="0"/>
+              </a:rPr>
+              <a:t> </a:t>
+            </a:r>
+            <a:r>
+              <a:rPr lang="es-AR" dirty="0" err="1">
+                <a:solidFill>
+                  <a:srgbClr val="2B91AF"/>
+                </a:solidFill>
+                <a:highlight>
+                  <a:srgbClr val="FFFFFF"/>
+                </a:highlight>
+                <a:latin typeface="Consolas" panose="020B0609020204030204" pitchFamily="49" charset="0"/>
+              </a:rPr>
+              <a:t>SqlCommand</a:t>
+            </a:r>
+            <a:r>
+              <a:rPr lang="es-AR" dirty="0">
+                <a:solidFill>
+                  <a:srgbClr val="000000"/>
+                </a:solidFill>
+                <a:highlight>
+                  <a:srgbClr val="FFFFFF"/>
+                </a:highlight>
+                <a:latin typeface="Consolas" panose="020B0609020204030204" pitchFamily="49" charset="0"/>
+              </a:rPr>
+              <a:t>();</a:t>
+            </a:r>
+          </a:p>
+          <a:p>
+            <a:pPr marL="0" indent="0">
+              <a:buNone/>
+              <a:defRPr/>
+            </a:pPr>
+            <a:r>
+              <a:rPr lang="es-AR" sz="2400" dirty="0">
+                <a:solidFill>
+                  <a:srgbClr val="008000"/>
+                </a:solidFill>
+                <a:highlight>
+                  <a:srgbClr val="FFFFFF"/>
+                </a:highlight>
+                <a:latin typeface="Consolas" panose="020B0609020204030204" pitchFamily="49" charset="0"/>
+              </a:rPr>
+              <a:t>// Por defecto es tipo </a:t>
+            </a:r>
+            <a:r>
+              <a:rPr lang="es-AR" sz="2400" dirty="0" err="1">
+                <a:solidFill>
+                  <a:srgbClr val="008000"/>
+                </a:solidFill>
+                <a:highlight>
+                  <a:srgbClr val="FFFFFF"/>
+                </a:highlight>
+                <a:latin typeface="Consolas" panose="020B0609020204030204" pitchFamily="49" charset="0"/>
+              </a:rPr>
+              <a:t>text</a:t>
+            </a:r>
+            <a:r>
+              <a:rPr lang="es-AR" sz="2400" dirty="0">
+                <a:solidFill>
+                  <a:srgbClr val="008000"/>
+                </a:solidFill>
+                <a:highlight>
+                  <a:srgbClr val="FFFFFF"/>
+                </a:highlight>
+                <a:latin typeface="Consolas" panose="020B0609020204030204" pitchFamily="49" charset="0"/>
+              </a:rPr>
+              <a:t>:</a:t>
+            </a:r>
+            <a:endParaRPr lang="es-AR" dirty="0">
+              <a:solidFill>
+                <a:srgbClr val="000000"/>
+              </a:solidFill>
+              <a:highlight>
+                <a:srgbClr val="FFFFFF"/>
+              </a:highlight>
+              <a:latin typeface="Consolas" panose="020B0609020204030204" pitchFamily="49" charset="0"/>
+            </a:endParaRPr>
+          </a:p>
+          <a:p>
+            <a:pPr marL="0" indent="0">
+              <a:buFont typeface="Wingdings" pitchFamily="2" charset="2"/>
+              <a:buNone/>
+              <a:defRPr/>
+            </a:pPr>
+            <a:r>
+              <a:rPr lang="es-AR" dirty="0" err="1">
+                <a:solidFill>
+                  <a:srgbClr val="000000"/>
+                </a:solidFill>
+                <a:highlight>
+                  <a:srgbClr val="FFFFFF"/>
+                </a:highlight>
+                <a:latin typeface="Consolas" panose="020B0609020204030204" pitchFamily="49" charset="0"/>
+              </a:rPr>
+              <a:t>comando.CommandType</a:t>
+            </a:r>
+            <a:r>
+              <a:rPr lang="es-AR" dirty="0">
+                <a:solidFill>
+                  <a:srgbClr val="000000"/>
+                </a:solidFill>
+                <a:highlight>
+                  <a:srgbClr val="FFFFFF"/>
+                </a:highlight>
+                <a:latin typeface="Consolas" panose="020B0609020204030204" pitchFamily="49" charset="0"/>
+              </a:rPr>
+              <a:t> = </a:t>
+            </a:r>
+            <a:r>
+              <a:rPr lang="es-AR" dirty="0" err="1">
+                <a:solidFill>
+                  <a:srgbClr val="000000"/>
+                </a:solidFill>
+                <a:highlight>
+                  <a:srgbClr val="FFFFFF"/>
+                </a:highlight>
+                <a:latin typeface="Consolas" panose="020B0609020204030204" pitchFamily="49" charset="0"/>
+              </a:rPr>
+              <a:t>System.Data.</a:t>
+            </a:r>
+            <a:r>
+              <a:rPr lang="es-AR" dirty="0" err="1">
+                <a:solidFill>
+                  <a:srgbClr val="2B91AF"/>
+                </a:solidFill>
+                <a:highlight>
+                  <a:srgbClr val="FFFFFF"/>
+                </a:highlight>
+                <a:latin typeface="Consolas" panose="020B0609020204030204" pitchFamily="49" charset="0"/>
+              </a:rPr>
+              <a:t>CommandType</a:t>
+            </a:r>
+            <a:r>
+              <a:rPr lang="es-AR" dirty="0" err="1">
+                <a:solidFill>
+                  <a:srgbClr val="000000"/>
+                </a:solidFill>
+                <a:highlight>
+                  <a:srgbClr val="FFFFFF"/>
+                </a:highlight>
+                <a:latin typeface="Consolas" panose="020B0609020204030204" pitchFamily="49" charset="0"/>
+              </a:rPr>
+              <a:t>.Text</a:t>
+            </a:r>
+            <a:r>
+              <a:rPr lang="es-AR" dirty="0">
+                <a:solidFill>
+                  <a:srgbClr val="000000"/>
+                </a:solidFill>
+                <a:highlight>
+                  <a:srgbClr val="FFFFFF"/>
+                </a:highlight>
+                <a:latin typeface="Consolas" panose="020B0609020204030204" pitchFamily="49" charset="0"/>
+              </a:rPr>
+              <a:t>;</a:t>
+            </a:r>
+          </a:p>
+          <a:p>
+            <a:pPr marL="0" indent="0">
+              <a:buNone/>
+              <a:defRPr/>
+            </a:pPr>
+            <a:r>
+              <a:rPr lang="es-AR" sz="2400" dirty="0">
+                <a:solidFill>
+                  <a:srgbClr val="008000"/>
+                </a:solidFill>
+                <a:highlight>
+                  <a:srgbClr val="FFFFFF"/>
+                </a:highlight>
+                <a:latin typeface="Consolas" panose="020B0609020204030204" pitchFamily="49" charset="0"/>
+              </a:rPr>
+              <a:t>// Asocio comando y conexión</a:t>
+            </a:r>
+            <a:endParaRPr lang="es-AR" dirty="0">
+              <a:solidFill>
+                <a:srgbClr val="000000"/>
+              </a:solidFill>
+              <a:highlight>
+                <a:srgbClr val="FFFFFF"/>
+              </a:highlight>
+              <a:latin typeface="Consolas" panose="020B0609020204030204" pitchFamily="49" charset="0"/>
+            </a:endParaRPr>
+          </a:p>
+          <a:p>
+            <a:pPr marL="0" indent="0">
+              <a:buFont typeface="Wingdings" pitchFamily="2" charset="2"/>
+              <a:buNone/>
+              <a:defRPr/>
+            </a:pPr>
+            <a:r>
+              <a:rPr lang="es-AR" dirty="0" err="1">
+                <a:solidFill>
+                  <a:srgbClr val="000000"/>
+                </a:solidFill>
+                <a:highlight>
+                  <a:srgbClr val="FFFFFF"/>
+                </a:highlight>
+                <a:latin typeface="Consolas" panose="020B0609020204030204" pitchFamily="49" charset="0"/>
+              </a:rPr>
+              <a:t>comando.Connection</a:t>
+            </a:r>
+            <a:r>
+              <a:rPr lang="es-AR" dirty="0">
+                <a:solidFill>
+                  <a:srgbClr val="000000"/>
+                </a:solidFill>
+                <a:highlight>
+                  <a:srgbClr val="FFFFFF"/>
+                </a:highlight>
+                <a:latin typeface="Consolas" panose="020B0609020204030204" pitchFamily="49" charset="0"/>
+              </a:rPr>
+              <a:t> = </a:t>
+            </a:r>
+            <a:r>
+              <a:rPr lang="es-AR" dirty="0" err="1">
+                <a:solidFill>
+                  <a:srgbClr val="000000"/>
+                </a:solidFill>
+                <a:highlight>
+                  <a:srgbClr val="FFFFFF"/>
+                </a:highlight>
+                <a:latin typeface="Consolas" panose="020B0609020204030204" pitchFamily="49" charset="0"/>
+              </a:rPr>
+              <a:t>conexion</a:t>
+            </a:r>
+            <a:r>
+              <a:rPr lang="es-AR" dirty="0">
+                <a:solidFill>
+                  <a:srgbClr val="000000"/>
+                </a:solidFill>
+                <a:highlight>
+                  <a:srgbClr val="FFFFFF"/>
+                </a:highlight>
+                <a:latin typeface="Consolas" panose="020B0609020204030204" pitchFamily="49" charset="0"/>
+              </a:rPr>
+              <a:t>;</a:t>
+            </a:r>
+          </a:p>
+        </p:txBody>
+      </p:sp>
+    </p:spTree>
+    <p:extLst>
+      <p:ext uri="{BB962C8B-B14F-4D97-AF65-F5344CB8AC3E}">
+        <p14:creationId xmlns:p14="http://schemas.microsoft.com/office/powerpoint/2010/main" val="582472809"/>
+      </p:ext>
+    </p:extLst>
+  </p:cSld>
+  <p:clrMapOvr>
+    <a:masterClrMapping/>
+  </p:clrMapOvr>
+</p:sld>
+</file>
+
+<file path=ppt/slides/slide7.xml><?xml version="1.0" encoding="utf-8"?>
+<p:sld xmlns:a="http://schemas.openxmlformats.org/drawingml/2006/main" xmlns:r="http://schemas.openxmlformats.org/officeDocument/2006/relationships" xmlns:p="http://schemas.openxmlformats.org/presentationml/2006/main">
+  <p:cSld>
+    <p:spTree>
+      <p:nvGrpSpPr>
+        <p:cNvPr id="1" name=""/>
+        <p:cNvGrpSpPr/>
+        <p:nvPr/>
+      </p:nvGrpSpPr>
+      <p:grpSpPr>
+        <a:xfrm>
+          <a:off x="0" y="0"/>
+          <a:ext cx="0" cy="0"/>
+          <a:chOff x="0" y="0"/>
+          <a:chExt cx="0" cy="0"/>
+        </a:xfrm>
+      </p:grpSpPr>
+      <p:sp>
+        <p:nvSpPr>
+          <p:cNvPr id="2" name="Título 1"/>
+          <p:cNvSpPr>
+            <a:spLocks noGrp="1"/>
+          </p:cNvSpPr>
+          <p:nvPr>
+            <p:ph type="title"/>
+          </p:nvPr>
+        </p:nvSpPr>
+        <p:spPr/>
+        <p:txBody>
+          <a:bodyPr/>
+          <a:lstStyle/>
+          <a:p>
+            <a:r>
+              <a:rPr lang="es-AR" dirty="0"/>
+              <a:t>Ejemplo de consulta </a:t>
+            </a:r>
+            <a:r>
+              <a:rPr lang="es-AR" dirty="0" err="1"/>
+              <a:t>Select</a:t>
+            </a:r>
+            <a:endParaRPr lang="es-AR" dirty="0"/>
+          </a:p>
+        </p:txBody>
+      </p:sp>
+      <p:sp>
+        <p:nvSpPr>
+          <p:cNvPr id="4" name="Rectangle 3"/>
+          <p:cNvSpPr txBox="1">
+            <a:spLocks noChangeArrowheads="1"/>
+          </p:cNvSpPr>
+          <p:nvPr/>
+        </p:nvSpPr>
+        <p:spPr>
+          <a:xfrm>
+            <a:off x="680322" y="2172749"/>
+            <a:ext cx="9613860" cy="4408355"/>
+          </a:xfrm>
+          <a:prstGeom prst="rect">
+            <a:avLst/>
+          </a:prstGeom>
+          <a:solidFill>
+            <a:schemeClr val="tx1"/>
+          </a:solidFill>
+        </p:spPr>
+        <p:txBody>
+          <a:bodyPr vert="horz" lIns="91440" tIns="45720" rIns="91440" bIns="45720" rtlCol="0">
+            <a:normAutofit fontScale="92500" lnSpcReduction="10000"/>
+          </a:bodyPr>
+          <a:lstStyle>
+            <a:lvl1pPr marL="228600" indent="-228600" algn="l" defTabSz="914400" rtl="0" eaLnBrk="1" latinLnBrk="0" hangingPunct="1">
+              <a:lnSpc>
+                <a:spcPct val="90000"/>
+              </a:lnSpc>
+              <a:spcBef>
+                <a:spcPts val="1000"/>
+              </a:spcBef>
+              <a:buFont typeface="Arial" panose="020B0604020202020204" pitchFamily="34" charset="0"/>
+              <a:buChar char="•"/>
+              <a:defRPr sz="2400" kern="1200">
+                <a:solidFill>
+                  <a:schemeClr val="tx1"/>
+                </a:solidFill>
+                <a:latin typeface="+mn-lt"/>
+                <a:ea typeface="+mn-ea"/>
+                <a:cs typeface="+mn-cs"/>
+              </a:defRPr>
+            </a:lvl1pPr>
+            <a:lvl2pPr marL="685800" indent="-228600" algn="l" defTabSz="914400" rtl="0" eaLnBrk="1" latinLnBrk="0" hangingPunct="1">
+              <a:lnSpc>
+                <a:spcPct val="90000"/>
+              </a:lnSpc>
+              <a:spcBef>
+                <a:spcPts val="500"/>
+              </a:spcBef>
+              <a:buFont typeface="Arial" panose="020B0604020202020204" pitchFamily="34" charset="0"/>
+              <a:buChar char="•"/>
+              <a:defRPr sz="2000" kern="1200">
+                <a:solidFill>
+                  <a:schemeClr val="tx1"/>
+                </a:solidFill>
+                <a:latin typeface="+mn-lt"/>
+                <a:ea typeface="+mn-ea"/>
+                <a:cs typeface="+mn-cs"/>
+              </a:defRPr>
+            </a:lvl2pPr>
+            <a:lvl3pPr marL="1143000" indent="-228600" algn="l" defTabSz="914400" rtl="0" eaLnBrk="1" latinLnBrk="0" hangingPunct="1">
+              <a:lnSpc>
+                <a:spcPct val="90000"/>
+              </a:lnSpc>
+              <a:spcBef>
+                <a:spcPts val="500"/>
+              </a:spcBef>
+              <a:buFont typeface="Arial" panose="020B0604020202020204" pitchFamily="34" charset="0"/>
+              <a:buChar char="•"/>
+              <a:defRPr sz="1800" kern="1200">
+                <a:solidFill>
+                  <a:schemeClr val="tx1"/>
+                </a:solidFill>
+                <a:latin typeface="+mn-lt"/>
+                <a:ea typeface="+mn-ea"/>
+                <a:cs typeface="+mn-cs"/>
+              </a:defRPr>
+            </a:lvl3pPr>
+            <a:lvl4pPr marL="1600200" indent="-228600" algn="l" defTabSz="914400" rtl="0" eaLnBrk="1" latinLnBrk="0" hangingPunct="1">
+              <a:lnSpc>
+                <a:spcPct val="90000"/>
+              </a:lnSpc>
+              <a:spcBef>
+                <a:spcPts val="500"/>
+              </a:spcBef>
+              <a:buFont typeface="Arial" panose="020B0604020202020204" pitchFamily="34" charset="0"/>
+              <a:buChar char="•"/>
+              <a:defRPr sz="1600" kern="1200">
+                <a:solidFill>
+                  <a:schemeClr val="tx1"/>
+                </a:solidFill>
+                <a:latin typeface="+mn-lt"/>
+                <a:ea typeface="+mn-ea"/>
+                <a:cs typeface="+mn-cs"/>
+              </a:defRPr>
+            </a:lvl4pPr>
+            <a:lvl5pPr marL="2057400" indent="-228600" algn="l" defTabSz="914400" rtl="0" eaLnBrk="1" latinLnBrk="0" hangingPunct="1">
+              <a:lnSpc>
+                <a:spcPct val="90000"/>
+              </a:lnSpc>
+              <a:spcBef>
+                <a:spcPts val="500"/>
+              </a:spcBef>
+              <a:buFont typeface="Arial" panose="020B0604020202020204" pitchFamily="34" charset="0"/>
+              <a:buChar char="•"/>
+              <a:defRPr sz="1600" kern="1200">
+                <a:solidFill>
+                  <a:schemeClr val="tx1"/>
+                </a:solidFill>
+                <a:latin typeface="+mn-lt"/>
+                <a:ea typeface="+mn-ea"/>
+                <a:cs typeface="+mn-cs"/>
+              </a:defRPr>
+            </a:lvl5pPr>
+            <a:lvl6pPr marL="2514600" indent="-228600" algn="l" defTabSz="914400" rtl="0" eaLnBrk="1" latinLnBrk="0" hangingPunct="1">
+              <a:lnSpc>
+                <a:spcPct val="90000"/>
+              </a:lnSpc>
+              <a:spcBef>
+                <a:spcPts val="500"/>
+              </a:spcBef>
+              <a:buFont typeface="Arial" panose="020B0604020202020204" pitchFamily="34" charset="0"/>
+              <a:buChar char="•"/>
+              <a:defRPr sz="1400" kern="1200">
+                <a:solidFill>
+                  <a:schemeClr val="tx1"/>
+                </a:solidFill>
+                <a:latin typeface="+mn-lt"/>
+                <a:ea typeface="+mn-ea"/>
+                <a:cs typeface="+mn-cs"/>
+              </a:defRPr>
+            </a:lvl6pPr>
+            <a:lvl7pPr marL="2971800" indent="-228600" algn="l" defTabSz="914400" rtl="0" eaLnBrk="1" latinLnBrk="0" hangingPunct="1">
+              <a:lnSpc>
+                <a:spcPct val="90000"/>
+              </a:lnSpc>
+              <a:spcBef>
+                <a:spcPts val="500"/>
+              </a:spcBef>
+              <a:buFont typeface="Arial" panose="020B0604020202020204" pitchFamily="34" charset="0"/>
+              <a:buChar char="•"/>
+              <a:defRPr sz="1400" kern="1200">
+                <a:solidFill>
+                  <a:schemeClr val="tx1"/>
+                </a:solidFill>
+                <a:latin typeface="+mn-lt"/>
+                <a:ea typeface="+mn-ea"/>
+                <a:cs typeface="+mn-cs"/>
+              </a:defRPr>
+            </a:lvl7pPr>
+            <a:lvl8pPr marL="3429000" indent="-228600" algn="l" defTabSz="914400" rtl="0" eaLnBrk="1" latinLnBrk="0" hangingPunct="1">
+              <a:lnSpc>
+                <a:spcPct val="90000"/>
+              </a:lnSpc>
+              <a:spcBef>
+                <a:spcPts val="500"/>
+              </a:spcBef>
+              <a:buFont typeface="Arial" panose="020B0604020202020204" pitchFamily="34" charset="0"/>
+              <a:buChar char="•"/>
+              <a:defRPr sz="1400" kern="1200">
+                <a:solidFill>
+                  <a:schemeClr val="tx1"/>
+                </a:solidFill>
+                <a:latin typeface="+mn-lt"/>
+                <a:ea typeface="+mn-ea"/>
+                <a:cs typeface="+mn-cs"/>
+              </a:defRPr>
+            </a:lvl8pPr>
+            <a:lvl9pPr marL="3886200" indent="-228600" algn="l" defTabSz="914400" rtl="0" eaLnBrk="1" latinLnBrk="0" hangingPunct="1">
+              <a:lnSpc>
+                <a:spcPct val="90000"/>
+              </a:lnSpc>
+              <a:spcBef>
+                <a:spcPts val="500"/>
+              </a:spcBef>
+              <a:buFont typeface="Arial" panose="020B0604020202020204" pitchFamily="34" charset="0"/>
+              <a:buChar char="•"/>
+              <a:defRPr sz="1400" kern="1200">
+                <a:solidFill>
+                  <a:schemeClr val="tx1"/>
+                </a:solidFill>
+                <a:latin typeface="+mn-lt"/>
+                <a:ea typeface="+mn-ea"/>
+                <a:cs typeface="+mn-cs"/>
+              </a:defRPr>
+            </a:lvl9pPr>
+          </a:lstStyle>
+          <a:p>
+            <a:pPr marL="0" indent="0">
+              <a:buFont typeface="Wingdings" pitchFamily="2" charset="2"/>
+              <a:buNone/>
+              <a:defRPr/>
+            </a:pPr>
+            <a:r>
+              <a:rPr lang="es-AR" dirty="0" err="1">
+                <a:solidFill>
+                  <a:srgbClr val="000000"/>
+                </a:solidFill>
+                <a:highlight>
+                  <a:srgbClr val="FFFFFF"/>
+                </a:highlight>
+                <a:latin typeface="Consolas" panose="020B0609020204030204" pitchFamily="49" charset="0"/>
+              </a:rPr>
+              <a:t>comando.CommandText</a:t>
+            </a:r>
+            <a:r>
+              <a:rPr lang="es-AR" dirty="0">
+                <a:solidFill>
+                  <a:srgbClr val="000000"/>
+                </a:solidFill>
+                <a:highlight>
+                  <a:srgbClr val="FFFFFF"/>
+                </a:highlight>
+                <a:latin typeface="Consolas" panose="020B0609020204030204" pitchFamily="49" charset="0"/>
+              </a:rPr>
+              <a:t> = </a:t>
+            </a:r>
+            <a:r>
+              <a:rPr lang="es-AR" dirty="0">
+                <a:solidFill>
+                  <a:srgbClr val="A31515"/>
+                </a:solidFill>
+                <a:highlight>
+                  <a:srgbClr val="FFFFFF"/>
+                </a:highlight>
+                <a:latin typeface="Consolas" panose="020B0609020204030204" pitchFamily="49" charset="0"/>
+              </a:rPr>
+              <a:t>"SELECT Campo1,Campo2 FROM Tabla"</a:t>
+            </a:r>
+            <a:r>
+              <a:rPr lang="es-AR" dirty="0">
+                <a:solidFill>
+                  <a:srgbClr val="000000"/>
+                </a:solidFill>
+                <a:highlight>
+                  <a:srgbClr val="FFFFFF"/>
+                </a:highlight>
+                <a:latin typeface="Consolas" panose="020B0609020204030204" pitchFamily="49" charset="0"/>
+              </a:rPr>
+              <a:t>;</a:t>
+            </a:r>
+          </a:p>
+          <a:p>
+            <a:pPr marL="0" indent="0">
+              <a:buFont typeface="Wingdings" pitchFamily="2" charset="2"/>
+              <a:buNone/>
+              <a:defRPr/>
+            </a:pPr>
+            <a:r>
+              <a:rPr lang="es-AR" dirty="0" err="1">
+                <a:solidFill>
+                  <a:srgbClr val="000000"/>
+                </a:solidFill>
+                <a:highlight>
+                  <a:srgbClr val="FFFFFF"/>
+                </a:highlight>
+                <a:latin typeface="Consolas" panose="020B0609020204030204" pitchFamily="49" charset="0"/>
+              </a:rPr>
+              <a:t>conexion.Open</a:t>
+            </a:r>
+            <a:r>
+              <a:rPr lang="es-AR" dirty="0">
+                <a:solidFill>
+                  <a:srgbClr val="000000"/>
+                </a:solidFill>
+                <a:highlight>
+                  <a:srgbClr val="FFFFFF"/>
+                </a:highlight>
+                <a:latin typeface="Consolas" panose="020B0609020204030204" pitchFamily="49" charset="0"/>
+              </a:rPr>
+              <a:t>();</a:t>
+            </a:r>
+          </a:p>
+          <a:p>
+            <a:pPr marL="0" indent="0">
+              <a:buFont typeface="Wingdings" pitchFamily="2" charset="2"/>
+              <a:buNone/>
+              <a:defRPr/>
+            </a:pPr>
+            <a:endParaRPr lang="es-AR" dirty="0">
+              <a:solidFill>
+                <a:srgbClr val="000000"/>
+              </a:solidFill>
+              <a:highlight>
+                <a:srgbClr val="FFFFFF"/>
+              </a:highlight>
+              <a:latin typeface="Consolas" panose="020B0609020204030204" pitchFamily="49" charset="0"/>
+            </a:endParaRPr>
+          </a:p>
+          <a:p>
+            <a:pPr marL="0" indent="0">
+              <a:buFont typeface="Wingdings" pitchFamily="2" charset="2"/>
+              <a:buNone/>
+              <a:defRPr/>
+            </a:pPr>
+            <a:r>
+              <a:rPr lang="es-AR" dirty="0" err="1">
+                <a:solidFill>
+                  <a:srgbClr val="0000FF"/>
+                </a:solidFill>
+                <a:highlight>
+                  <a:srgbClr val="FFFFFF"/>
+                </a:highlight>
+                <a:latin typeface="Consolas" panose="020B0609020204030204" pitchFamily="49" charset="0"/>
+              </a:rPr>
+              <a:t>SqlDataReader</a:t>
+            </a:r>
+            <a:r>
+              <a:rPr lang="es-AR" dirty="0">
+                <a:solidFill>
+                  <a:srgbClr val="000000"/>
+                </a:solidFill>
+                <a:highlight>
+                  <a:srgbClr val="FFFFFF"/>
+                </a:highlight>
+                <a:latin typeface="Consolas" panose="020B0609020204030204" pitchFamily="49" charset="0"/>
+              </a:rPr>
+              <a:t> </a:t>
+            </a:r>
+            <a:r>
+              <a:rPr lang="es-AR" dirty="0" err="1">
+                <a:solidFill>
+                  <a:srgbClr val="000000"/>
+                </a:solidFill>
+                <a:highlight>
+                  <a:srgbClr val="FFFFFF"/>
+                </a:highlight>
+                <a:latin typeface="Consolas" panose="020B0609020204030204" pitchFamily="49" charset="0"/>
+              </a:rPr>
+              <a:t>oDr</a:t>
+            </a:r>
+            <a:r>
+              <a:rPr lang="es-AR" dirty="0">
+                <a:solidFill>
+                  <a:srgbClr val="000000"/>
+                </a:solidFill>
+                <a:highlight>
+                  <a:srgbClr val="FFFFFF"/>
+                </a:highlight>
+                <a:latin typeface="Consolas" panose="020B0609020204030204" pitchFamily="49" charset="0"/>
+              </a:rPr>
+              <a:t> = </a:t>
+            </a:r>
+            <a:r>
+              <a:rPr lang="es-AR" dirty="0" err="1">
+                <a:solidFill>
+                  <a:srgbClr val="000000"/>
+                </a:solidFill>
+                <a:highlight>
+                  <a:srgbClr val="FFFFFF"/>
+                </a:highlight>
+                <a:latin typeface="Consolas" panose="020B0609020204030204" pitchFamily="49" charset="0"/>
+              </a:rPr>
+              <a:t>comando.ExecuteReader</a:t>
+            </a:r>
+            <a:r>
+              <a:rPr lang="es-AR" dirty="0">
+                <a:solidFill>
+                  <a:srgbClr val="000000"/>
+                </a:solidFill>
+                <a:highlight>
+                  <a:srgbClr val="FFFFFF"/>
+                </a:highlight>
+                <a:latin typeface="Consolas" panose="020B0609020204030204" pitchFamily="49" charset="0"/>
+              </a:rPr>
+              <a:t>();</a:t>
+            </a:r>
+          </a:p>
+          <a:p>
+            <a:pPr marL="0" indent="0">
+              <a:buFont typeface="Wingdings" pitchFamily="2" charset="2"/>
+              <a:buNone/>
+              <a:defRPr/>
+            </a:pPr>
+            <a:endParaRPr lang="es-AR" dirty="0">
+              <a:solidFill>
+                <a:srgbClr val="000000"/>
+              </a:solidFill>
+              <a:highlight>
+                <a:srgbClr val="FFFFFF"/>
+              </a:highlight>
+              <a:latin typeface="Consolas" panose="020B0609020204030204" pitchFamily="49" charset="0"/>
+            </a:endParaRPr>
+          </a:p>
+          <a:p>
+            <a:pPr marL="0" indent="0">
+              <a:buFont typeface="Wingdings" pitchFamily="2" charset="2"/>
+              <a:buNone/>
+              <a:defRPr/>
+            </a:pPr>
+            <a:r>
+              <a:rPr lang="es-AR" dirty="0" err="1">
+                <a:solidFill>
+                  <a:srgbClr val="000000"/>
+                </a:solidFill>
+                <a:highlight>
+                  <a:srgbClr val="FFFFFF"/>
+                </a:highlight>
+                <a:latin typeface="Consolas" panose="020B0609020204030204" pitchFamily="49" charset="0"/>
+              </a:rPr>
+              <a:t>while</a:t>
+            </a:r>
+            <a:r>
+              <a:rPr lang="es-AR" dirty="0">
+                <a:solidFill>
+                  <a:srgbClr val="000000"/>
+                </a:solidFill>
+                <a:highlight>
+                  <a:srgbClr val="FFFFFF"/>
+                </a:highlight>
+                <a:latin typeface="Consolas" panose="020B0609020204030204" pitchFamily="49" charset="0"/>
+              </a:rPr>
+              <a:t> (</a:t>
+            </a:r>
+            <a:r>
+              <a:rPr lang="es-AR" dirty="0" err="1">
+                <a:solidFill>
+                  <a:srgbClr val="000000"/>
+                </a:solidFill>
+                <a:highlight>
+                  <a:srgbClr val="FFFFFF"/>
+                </a:highlight>
+                <a:latin typeface="Consolas" panose="020B0609020204030204" pitchFamily="49" charset="0"/>
+              </a:rPr>
+              <a:t>oDr.Read</a:t>
+            </a:r>
+            <a:r>
+              <a:rPr lang="es-AR" dirty="0">
+                <a:solidFill>
+                  <a:srgbClr val="000000"/>
+                </a:solidFill>
+                <a:highlight>
+                  <a:srgbClr val="FFFFFF"/>
+                </a:highlight>
+                <a:latin typeface="Consolas" panose="020B0609020204030204" pitchFamily="49" charset="0"/>
+              </a:rPr>
+              <a:t>())</a:t>
+            </a:r>
+          </a:p>
+          <a:p>
+            <a:pPr marL="0" indent="0">
+              <a:buFont typeface="Wingdings" pitchFamily="2" charset="2"/>
+              <a:buNone/>
+              <a:defRPr/>
+            </a:pPr>
+            <a:r>
+              <a:rPr lang="es-AR" dirty="0">
+                <a:solidFill>
+                  <a:srgbClr val="000000"/>
+                </a:solidFill>
+                <a:highlight>
+                  <a:srgbClr val="FFFFFF"/>
+                </a:highlight>
+                <a:latin typeface="Consolas" panose="020B0609020204030204" pitchFamily="49" charset="0"/>
+              </a:rPr>
+              <a:t>{</a:t>
+            </a:r>
+          </a:p>
+          <a:p>
+            <a:pPr marL="0" indent="0">
+              <a:buNone/>
+              <a:defRPr/>
+            </a:pPr>
+            <a:r>
+              <a:rPr lang="es-AR" dirty="0">
+                <a:solidFill>
+                  <a:srgbClr val="0000FF"/>
+                </a:solidFill>
+                <a:highlight>
+                  <a:srgbClr val="FFFFFF"/>
+                </a:highlight>
+                <a:latin typeface="Consolas" panose="020B0609020204030204" pitchFamily="49" charset="0"/>
+              </a:rPr>
+              <a:t>    </a:t>
+            </a:r>
+            <a:r>
+              <a:rPr lang="es-AR" sz="2400" dirty="0">
+                <a:solidFill>
+                  <a:srgbClr val="008000"/>
+                </a:solidFill>
+                <a:highlight>
+                  <a:srgbClr val="FFFFFF"/>
+                </a:highlight>
+                <a:latin typeface="Consolas" panose="020B0609020204030204" pitchFamily="49" charset="0"/>
+              </a:rPr>
+              <a:t>// Lógica...</a:t>
+            </a:r>
+            <a:endParaRPr lang="es-AR" sz="2400" dirty="0">
+              <a:solidFill>
+                <a:srgbClr val="000000"/>
+              </a:solidFill>
+              <a:highlight>
+                <a:srgbClr val="FFFFFF"/>
+              </a:highlight>
+              <a:latin typeface="Consolas" panose="020B0609020204030204" pitchFamily="49" charset="0"/>
+            </a:endParaRPr>
+          </a:p>
+          <a:p>
+            <a:pPr marL="0" indent="0">
+              <a:buFont typeface="Wingdings" pitchFamily="2" charset="2"/>
+              <a:buNone/>
+              <a:defRPr/>
+            </a:pPr>
+            <a:r>
+              <a:rPr lang="es-AR" dirty="0">
+                <a:solidFill>
+                  <a:srgbClr val="0000FF"/>
+                </a:solidFill>
+                <a:highlight>
+                  <a:srgbClr val="FFFFFF"/>
+                </a:highlight>
+                <a:latin typeface="Consolas" panose="020B0609020204030204" pitchFamily="49" charset="0"/>
+              </a:rPr>
+              <a:t>    string</a:t>
+            </a:r>
+            <a:r>
+              <a:rPr lang="es-AR" dirty="0">
+                <a:solidFill>
+                  <a:srgbClr val="000000"/>
+                </a:solidFill>
+                <a:highlight>
+                  <a:srgbClr val="FFFFFF"/>
+                </a:highlight>
+                <a:latin typeface="Consolas" panose="020B0609020204030204" pitchFamily="49" charset="0"/>
+              </a:rPr>
+              <a:t> </a:t>
+            </a:r>
+            <a:r>
+              <a:rPr lang="es-AR" dirty="0" err="1">
+                <a:solidFill>
+                  <a:srgbClr val="000000"/>
+                </a:solidFill>
+                <a:highlight>
+                  <a:srgbClr val="FFFFFF"/>
+                </a:highlight>
+                <a:latin typeface="Consolas" panose="020B0609020204030204" pitchFamily="49" charset="0"/>
+              </a:rPr>
+              <a:t>aux</a:t>
+            </a:r>
+            <a:r>
+              <a:rPr lang="es-AR" dirty="0">
+                <a:solidFill>
+                  <a:srgbClr val="000000"/>
+                </a:solidFill>
+                <a:highlight>
+                  <a:srgbClr val="FFFFFF"/>
+                </a:highlight>
+                <a:latin typeface="Consolas" panose="020B0609020204030204" pitchFamily="49" charset="0"/>
+              </a:rPr>
+              <a:t> = </a:t>
+            </a:r>
+            <a:r>
+              <a:rPr lang="es-AR" dirty="0" err="1">
+                <a:solidFill>
+                  <a:srgbClr val="000000"/>
+                </a:solidFill>
+                <a:highlight>
+                  <a:srgbClr val="FFFFFF"/>
+                </a:highlight>
+                <a:latin typeface="Consolas" panose="020B0609020204030204" pitchFamily="49" charset="0"/>
+              </a:rPr>
+              <a:t>oDr</a:t>
+            </a:r>
+            <a:r>
+              <a:rPr lang="es-AR" dirty="0">
+                <a:solidFill>
+                  <a:srgbClr val="000000"/>
+                </a:solidFill>
+                <a:highlight>
+                  <a:srgbClr val="FFFFFF"/>
+                </a:highlight>
+                <a:latin typeface="Consolas" panose="020B0609020204030204" pitchFamily="49" charset="0"/>
+              </a:rPr>
+              <a:t>[</a:t>
+            </a:r>
+            <a:r>
+              <a:rPr lang="es-AR" dirty="0">
+                <a:solidFill>
+                  <a:srgbClr val="A31515"/>
+                </a:solidFill>
+                <a:highlight>
+                  <a:srgbClr val="FFFFFF"/>
+                </a:highlight>
+                <a:latin typeface="Consolas" panose="020B0609020204030204" pitchFamily="49" charset="0"/>
+              </a:rPr>
+              <a:t>"nombre"</a:t>
+            </a:r>
+            <a:r>
+              <a:rPr lang="es-AR" dirty="0">
+                <a:solidFill>
+                  <a:srgbClr val="000000"/>
+                </a:solidFill>
+                <a:highlight>
+                  <a:srgbClr val="FFFFFF"/>
+                </a:highlight>
+                <a:latin typeface="Consolas" panose="020B0609020204030204" pitchFamily="49" charset="0"/>
+              </a:rPr>
+              <a:t>].</a:t>
+            </a:r>
+            <a:r>
+              <a:rPr lang="es-AR" dirty="0" err="1">
+                <a:solidFill>
+                  <a:srgbClr val="000000"/>
+                </a:solidFill>
+                <a:highlight>
+                  <a:srgbClr val="FFFFFF"/>
+                </a:highlight>
+                <a:latin typeface="Consolas" panose="020B0609020204030204" pitchFamily="49" charset="0"/>
+              </a:rPr>
+              <a:t>ToString</a:t>
+            </a:r>
+            <a:r>
+              <a:rPr lang="es-AR" dirty="0">
+                <a:solidFill>
+                  <a:srgbClr val="000000"/>
+                </a:solidFill>
+                <a:highlight>
+                  <a:srgbClr val="FFFFFF"/>
+                </a:highlight>
+                <a:latin typeface="Consolas" panose="020B0609020204030204" pitchFamily="49" charset="0"/>
+              </a:rPr>
+              <a:t>();</a:t>
+            </a:r>
+          </a:p>
+          <a:p>
+            <a:pPr marL="0" indent="0">
+              <a:buFont typeface="Wingdings" pitchFamily="2" charset="2"/>
+              <a:buNone/>
+              <a:defRPr/>
+            </a:pPr>
+            <a:r>
+              <a:rPr lang="es-AR" dirty="0">
+                <a:solidFill>
+                  <a:srgbClr val="000000"/>
+                </a:solidFill>
+                <a:highlight>
+                  <a:srgbClr val="FFFFFF"/>
+                </a:highlight>
+                <a:latin typeface="Consolas" panose="020B0609020204030204" pitchFamily="49" charset="0"/>
+              </a:rPr>
+              <a:t>}</a:t>
+            </a:r>
+          </a:p>
+          <a:p>
+            <a:pPr marL="0" indent="0">
+              <a:buFont typeface="Wingdings" pitchFamily="2" charset="2"/>
+              <a:buNone/>
+              <a:defRPr/>
+            </a:pPr>
+            <a:r>
+              <a:rPr lang="es-AR" dirty="0" err="1">
+                <a:solidFill>
+                  <a:srgbClr val="000000"/>
+                </a:solidFill>
+                <a:highlight>
+                  <a:srgbClr val="FFFFFF"/>
+                </a:highlight>
+                <a:latin typeface="Consolas" panose="020B0609020204030204" pitchFamily="49" charset="0"/>
+              </a:rPr>
+              <a:t>conexion.Close</a:t>
+            </a:r>
+            <a:r>
+              <a:rPr lang="es-AR" dirty="0">
+                <a:solidFill>
+                  <a:srgbClr val="000000"/>
+                </a:solidFill>
+                <a:highlight>
+                  <a:srgbClr val="FFFFFF"/>
+                </a:highlight>
+                <a:latin typeface="Consolas" panose="020B0609020204030204" pitchFamily="49" charset="0"/>
+              </a:rPr>
+              <a:t>();</a:t>
+            </a:r>
+            <a:endParaRPr lang="es-AR" dirty="0"/>
+          </a:p>
+        </p:txBody>
+      </p:sp>
+    </p:spTree>
+    <p:extLst>
+      <p:ext uri="{BB962C8B-B14F-4D97-AF65-F5344CB8AC3E}">
+        <p14:creationId xmlns:p14="http://schemas.microsoft.com/office/powerpoint/2010/main" val="2661193090"/>
+      </p:ext>
+    </p:extLst>
+  </p:cSld>
+  <p:clrMapOvr>
+    <a:masterClrMapping/>
+  </p:clrMapOvr>
+</p:sld>
+</file>
+
+<file path=ppt/slides/slide8.xml><?xml version="1.0" encoding="utf-8"?>
+<p:sld xmlns:a="http://schemas.openxmlformats.org/drawingml/2006/main" xmlns:r="http://schemas.openxmlformats.org/officeDocument/2006/relationships" xmlns:p="http://schemas.openxmlformats.org/presentationml/2006/main">
+  <p:cSld>
+    <p:spTree>
+      <p:nvGrpSpPr>
+        <p:cNvPr id="1" name=""/>
+        <p:cNvGrpSpPr/>
+        <p:nvPr/>
+      </p:nvGrpSpPr>
+      <p:grpSpPr>
+        <a:xfrm>
+          <a:off x="0" y="0"/>
+          <a:ext cx="0" cy="0"/>
+          <a:chOff x="0" y="0"/>
+          <a:chExt cx="0" cy="0"/>
+        </a:xfrm>
+      </p:grpSpPr>
+      <p:sp>
+        <p:nvSpPr>
+          <p:cNvPr id="2" name="Título 1"/>
+          <p:cNvSpPr>
+            <a:spLocks noGrp="1"/>
+          </p:cNvSpPr>
+          <p:nvPr>
+            <p:ph type="title"/>
+          </p:nvPr>
+        </p:nvSpPr>
+        <p:spPr/>
+        <p:txBody>
+          <a:bodyPr/>
+          <a:lstStyle/>
+          <a:p>
+            <a:r>
+              <a:rPr lang="es-AR" dirty="0"/>
+              <a:t>Ejemplo con </a:t>
+            </a:r>
+            <a:r>
+              <a:rPr lang="es-AR" dirty="0" err="1"/>
+              <a:t>using</a:t>
+            </a:r>
+            <a:endParaRPr lang="es-AR" dirty="0"/>
+          </a:p>
+        </p:txBody>
+      </p:sp>
+      <p:sp>
+        <p:nvSpPr>
+          <p:cNvPr id="4" name="Rectangle 3"/>
+          <p:cNvSpPr txBox="1">
+            <a:spLocks noChangeArrowheads="1"/>
+          </p:cNvSpPr>
+          <p:nvPr/>
+        </p:nvSpPr>
+        <p:spPr>
+          <a:xfrm>
+            <a:off x="680322" y="4622334"/>
+            <a:ext cx="9613860" cy="1958770"/>
+          </a:xfrm>
+          <a:prstGeom prst="rect">
+            <a:avLst/>
+          </a:prstGeom>
+          <a:solidFill>
+            <a:schemeClr val="tx1"/>
+          </a:solidFill>
+        </p:spPr>
+        <p:txBody>
+          <a:bodyPr vert="horz" lIns="91440" tIns="45720" rIns="91440" bIns="45720" rtlCol="0">
+            <a:normAutofit/>
+          </a:bodyPr>
+          <a:lstStyle>
+            <a:lvl1pPr marL="228600" indent="-228600" algn="l" defTabSz="914400" rtl="0" eaLnBrk="1" latinLnBrk="0" hangingPunct="1">
+              <a:lnSpc>
+                <a:spcPct val="90000"/>
+              </a:lnSpc>
+              <a:spcBef>
+                <a:spcPts val="1000"/>
+              </a:spcBef>
+              <a:buFont typeface="Arial" panose="020B0604020202020204" pitchFamily="34" charset="0"/>
+              <a:buChar char="•"/>
+              <a:defRPr sz="2400" kern="1200">
+                <a:solidFill>
+                  <a:schemeClr val="tx1"/>
+                </a:solidFill>
+                <a:latin typeface="+mn-lt"/>
+                <a:ea typeface="+mn-ea"/>
+                <a:cs typeface="+mn-cs"/>
+              </a:defRPr>
+            </a:lvl1pPr>
+            <a:lvl2pPr marL="685800" indent="-228600" algn="l" defTabSz="914400" rtl="0" eaLnBrk="1" latinLnBrk="0" hangingPunct="1">
+              <a:lnSpc>
+                <a:spcPct val="90000"/>
+              </a:lnSpc>
+              <a:spcBef>
+                <a:spcPts val="500"/>
+              </a:spcBef>
+              <a:buFont typeface="Arial" panose="020B0604020202020204" pitchFamily="34" charset="0"/>
+              <a:buChar char="•"/>
+              <a:defRPr sz="2000" kern="1200">
+                <a:solidFill>
+                  <a:schemeClr val="tx1"/>
+                </a:solidFill>
+                <a:latin typeface="+mn-lt"/>
+                <a:ea typeface="+mn-ea"/>
+                <a:cs typeface="+mn-cs"/>
+              </a:defRPr>
+            </a:lvl2pPr>
+            <a:lvl3pPr marL="1143000" indent="-228600" algn="l" defTabSz="914400" rtl="0" eaLnBrk="1" latinLnBrk="0" hangingPunct="1">
+              <a:lnSpc>
+                <a:spcPct val="90000"/>
+              </a:lnSpc>
+              <a:spcBef>
+                <a:spcPts val="500"/>
+              </a:spcBef>
+              <a:buFont typeface="Arial" panose="020B0604020202020204" pitchFamily="34" charset="0"/>
+              <a:buChar char="•"/>
+              <a:defRPr sz="1800" kern="1200">
+                <a:solidFill>
+                  <a:schemeClr val="tx1"/>
+                </a:solidFill>
+                <a:latin typeface="+mn-lt"/>
+                <a:ea typeface="+mn-ea"/>
+                <a:cs typeface="+mn-cs"/>
+              </a:defRPr>
+            </a:lvl3pPr>
+            <a:lvl4pPr marL="1600200" indent="-228600" algn="l" defTabSz="914400" rtl="0" eaLnBrk="1" latinLnBrk="0" hangingPunct="1">
+              <a:lnSpc>
+                <a:spcPct val="90000"/>
+              </a:lnSpc>
+              <a:spcBef>
+                <a:spcPts val="500"/>
+              </a:spcBef>
+              <a:buFont typeface="Arial" panose="020B0604020202020204" pitchFamily="34" charset="0"/>
+              <a:buChar char="•"/>
+              <a:defRPr sz="1600" kern="1200">
+                <a:solidFill>
+                  <a:schemeClr val="tx1"/>
+                </a:solidFill>
+                <a:latin typeface="+mn-lt"/>
+                <a:ea typeface="+mn-ea"/>
+                <a:cs typeface="+mn-cs"/>
+              </a:defRPr>
+            </a:lvl4pPr>
+            <a:lvl5pPr marL="2057400" indent="-228600" algn="l" defTabSz="914400" rtl="0" eaLnBrk="1" latinLnBrk="0" hangingPunct="1">
+              <a:lnSpc>
+                <a:spcPct val="90000"/>
+              </a:lnSpc>
+              <a:spcBef>
+                <a:spcPts val="500"/>
+              </a:spcBef>
+              <a:buFont typeface="Arial" panose="020B0604020202020204" pitchFamily="34" charset="0"/>
+              <a:buChar char="•"/>
+              <a:defRPr sz="1600" kern="1200">
+                <a:solidFill>
+                  <a:schemeClr val="tx1"/>
+                </a:solidFill>
+                <a:latin typeface="+mn-lt"/>
+                <a:ea typeface="+mn-ea"/>
+                <a:cs typeface="+mn-cs"/>
+              </a:defRPr>
+            </a:lvl5pPr>
+            <a:lvl6pPr marL="2514600" indent="-228600" algn="l" defTabSz="914400" rtl="0" eaLnBrk="1" latinLnBrk="0" hangingPunct="1">
+              <a:lnSpc>
+                <a:spcPct val="90000"/>
+              </a:lnSpc>
+              <a:spcBef>
+                <a:spcPts val="500"/>
+              </a:spcBef>
+              <a:buFont typeface="Arial" panose="020B0604020202020204" pitchFamily="34" charset="0"/>
+              <a:buChar char="•"/>
+              <a:defRPr sz="1400" kern="1200">
+                <a:solidFill>
+                  <a:schemeClr val="tx1"/>
+                </a:solidFill>
+                <a:latin typeface="+mn-lt"/>
+                <a:ea typeface="+mn-ea"/>
+                <a:cs typeface="+mn-cs"/>
+              </a:defRPr>
+            </a:lvl6pPr>
+            <a:lvl7pPr marL="2971800" indent="-228600" algn="l" defTabSz="914400" rtl="0" eaLnBrk="1" latinLnBrk="0" hangingPunct="1">
+              <a:lnSpc>
+                <a:spcPct val="90000"/>
+              </a:lnSpc>
+              <a:spcBef>
+                <a:spcPts val="500"/>
+              </a:spcBef>
+              <a:buFont typeface="Arial" panose="020B0604020202020204" pitchFamily="34" charset="0"/>
+              <a:buChar char="•"/>
+              <a:defRPr sz="1400" kern="1200">
+                <a:solidFill>
+                  <a:schemeClr val="tx1"/>
+                </a:solidFill>
+                <a:latin typeface="+mn-lt"/>
+                <a:ea typeface="+mn-ea"/>
+                <a:cs typeface="+mn-cs"/>
+              </a:defRPr>
+            </a:lvl7pPr>
+            <a:lvl8pPr marL="3429000" indent="-228600" algn="l" defTabSz="914400" rtl="0" eaLnBrk="1" latinLnBrk="0" hangingPunct="1">
+              <a:lnSpc>
+                <a:spcPct val="90000"/>
+              </a:lnSpc>
+              <a:spcBef>
+                <a:spcPts val="500"/>
+              </a:spcBef>
+              <a:buFont typeface="Arial" panose="020B0604020202020204" pitchFamily="34" charset="0"/>
+              <a:buChar char="•"/>
+              <a:defRPr sz="1400" kern="1200">
+                <a:solidFill>
+                  <a:schemeClr val="tx1"/>
+                </a:solidFill>
+                <a:latin typeface="+mn-lt"/>
+                <a:ea typeface="+mn-ea"/>
+                <a:cs typeface="+mn-cs"/>
+              </a:defRPr>
+            </a:lvl8pPr>
+            <a:lvl9pPr marL="3886200" indent="-228600" algn="l" defTabSz="914400" rtl="0" eaLnBrk="1" latinLnBrk="0" hangingPunct="1">
+              <a:lnSpc>
+                <a:spcPct val="90000"/>
+              </a:lnSpc>
+              <a:spcBef>
+                <a:spcPts val="500"/>
+              </a:spcBef>
+              <a:buFont typeface="Arial" panose="020B0604020202020204" pitchFamily="34" charset="0"/>
+              <a:buChar char="•"/>
+              <a:defRPr sz="1400" kern="1200">
+                <a:solidFill>
+                  <a:schemeClr val="tx1"/>
+                </a:solidFill>
+                <a:latin typeface="+mn-lt"/>
+                <a:ea typeface="+mn-ea"/>
+                <a:cs typeface="+mn-cs"/>
+              </a:defRPr>
+            </a:lvl9pPr>
+          </a:lstStyle>
+          <a:p>
+            <a:pPr marL="0" indent="0" algn="l">
+              <a:buNone/>
+            </a:pPr>
+            <a:r>
+              <a:rPr lang="en-US" b="0" i="1" dirty="0">
+                <a:solidFill>
+                  <a:srgbClr val="0000FF"/>
+                </a:solidFill>
+                <a:effectLst/>
+                <a:latin typeface="SFMono-Regular"/>
+              </a:rPr>
+              <a:t>using</a:t>
+            </a:r>
+            <a:r>
+              <a:rPr lang="en-US" b="0" i="0" dirty="0">
+                <a:solidFill>
+                  <a:srgbClr val="BFC7D5"/>
+                </a:solidFill>
+                <a:effectLst/>
+                <a:latin typeface="SFMono-Regular"/>
+              </a:rPr>
+              <a:t> </a:t>
+            </a:r>
+            <a:r>
+              <a:rPr lang="en-US" b="0" i="0" dirty="0">
+                <a:solidFill>
+                  <a:schemeClr val="bg1"/>
+                </a:solidFill>
+                <a:effectLst/>
+                <a:latin typeface="SFMono-Regular"/>
+              </a:rPr>
+              <a:t>(</a:t>
+            </a:r>
+            <a:r>
+              <a:rPr lang="en-US" b="0" i="0" dirty="0" err="1">
+                <a:solidFill>
+                  <a:srgbClr val="0000FF"/>
+                </a:solidFill>
+                <a:effectLst/>
+                <a:latin typeface="SFMono-Regular"/>
+              </a:rPr>
+              <a:t>SqlConnection</a:t>
+            </a:r>
+            <a:r>
+              <a:rPr lang="en-US" b="0" i="0" dirty="0">
+                <a:solidFill>
+                  <a:srgbClr val="BFC7D5"/>
+                </a:solidFill>
+                <a:effectLst/>
+                <a:latin typeface="SFMono-Regular"/>
+              </a:rPr>
+              <a:t> </a:t>
+            </a:r>
+            <a:r>
+              <a:rPr lang="en-US" b="0" i="0" dirty="0">
+                <a:solidFill>
+                  <a:schemeClr val="bg1"/>
+                </a:solidFill>
+                <a:effectLst/>
+                <a:latin typeface="SFMono-Regular"/>
+              </a:rPr>
+              <a:t>connection = </a:t>
+            </a:r>
+            <a:r>
+              <a:rPr lang="en-US" b="0" i="1" dirty="0">
+                <a:solidFill>
+                  <a:schemeClr val="bg1"/>
+                </a:solidFill>
+                <a:effectLst/>
+                <a:latin typeface="SFMono-Regular"/>
+              </a:rPr>
+              <a:t>new</a:t>
+            </a:r>
+            <a:r>
+              <a:rPr lang="en-US" b="0" i="0" dirty="0">
+                <a:solidFill>
+                  <a:schemeClr val="bg1"/>
+                </a:solidFill>
+                <a:effectLst/>
+                <a:latin typeface="SFMono-Regular"/>
+              </a:rPr>
+              <a:t> </a:t>
+            </a:r>
+            <a:r>
+              <a:rPr lang="en-US" b="0" i="0" dirty="0" err="1">
+                <a:solidFill>
+                  <a:srgbClr val="0000FF"/>
+                </a:solidFill>
+                <a:effectLst/>
+                <a:latin typeface="SFMono-Regular"/>
+              </a:rPr>
+              <a:t>SqlConnection</a:t>
+            </a:r>
+            <a:r>
+              <a:rPr lang="en-US" b="0" i="0" dirty="0">
+                <a:solidFill>
+                  <a:schemeClr val="bg1"/>
+                </a:solidFill>
+                <a:effectLst/>
+                <a:latin typeface="SFMono-Regular"/>
+              </a:rPr>
+              <a:t>(connection)) </a:t>
+            </a:r>
+          </a:p>
+          <a:p>
+            <a:pPr marL="0" indent="0" algn="l">
+              <a:buNone/>
+            </a:pPr>
+            <a:r>
+              <a:rPr lang="en-US" b="0" i="0" dirty="0">
+                <a:solidFill>
+                  <a:schemeClr val="bg1"/>
+                </a:solidFill>
+                <a:effectLst/>
+                <a:latin typeface="SFMono-Regular"/>
+              </a:rPr>
+              <a:t>{ </a:t>
+            </a:r>
+          </a:p>
+          <a:p>
+            <a:pPr marL="0" indent="0" algn="l">
+              <a:buNone/>
+            </a:pPr>
+            <a:r>
+              <a:rPr lang="es-AR" sz="2400" dirty="0">
+                <a:solidFill>
+                  <a:srgbClr val="008000"/>
+                </a:solidFill>
+                <a:highlight>
+                  <a:srgbClr val="FFFFFF"/>
+                </a:highlight>
+                <a:latin typeface="Consolas" panose="020B0609020204030204" pitchFamily="49" charset="0"/>
+              </a:rPr>
+              <a:t>   // Lógica...</a:t>
+            </a:r>
+            <a:endParaRPr lang="en-US" dirty="0">
+              <a:solidFill>
+                <a:schemeClr val="bg1"/>
+              </a:solidFill>
+              <a:latin typeface="SFMono-Regular"/>
+            </a:endParaRPr>
+          </a:p>
+          <a:p>
+            <a:pPr marL="0" indent="0" algn="l">
+              <a:buNone/>
+            </a:pPr>
+            <a:r>
+              <a:rPr lang="en-US" b="0" i="0" dirty="0">
+                <a:solidFill>
+                  <a:schemeClr val="bg1"/>
+                </a:solidFill>
+                <a:effectLst/>
+                <a:latin typeface="SFMono-Regular"/>
+              </a:rPr>
+              <a:t>}</a:t>
+            </a:r>
+          </a:p>
+        </p:txBody>
+      </p:sp>
+      <p:sp>
+        <p:nvSpPr>
+          <p:cNvPr id="5" name="Marcador de contenido 2">
+            <a:extLst>
+              <a:ext uri="{FF2B5EF4-FFF2-40B4-BE49-F238E27FC236}">
+                <a16:creationId xmlns:a16="http://schemas.microsoft.com/office/drawing/2014/main" id="{CAA4CDBE-31F7-434C-A722-06DAF4180253}"/>
+              </a:ext>
+            </a:extLst>
+          </p:cNvPr>
+          <p:cNvSpPr>
+            <a:spLocks noGrp="1"/>
+          </p:cNvSpPr>
+          <p:nvPr>
+            <p:ph idx="1"/>
+          </p:nvPr>
+        </p:nvSpPr>
+        <p:spPr>
+          <a:xfrm>
+            <a:off x="680321" y="2336873"/>
+            <a:ext cx="9613861" cy="3599316"/>
+          </a:xfrm>
+        </p:spPr>
+        <p:txBody>
+          <a:bodyPr/>
+          <a:lstStyle/>
+          <a:p>
+            <a:r>
+              <a:rPr lang="es-AR" dirty="0">
+                <a:effectLst>
+                  <a:outerShdw blurRad="38100" dist="38100" dir="2700000" algn="tl">
+                    <a:srgbClr val="000000">
+                      <a:alpha val="43137"/>
+                    </a:srgbClr>
+                  </a:outerShdw>
+                </a:effectLst>
+                <a:latin typeface="Franklin Gothic Medium" panose="020B0603020102020204" pitchFamily="34" charset="0"/>
+              </a:rPr>
+              <a:t>La misma operatorio podría realizarse utilizando </a:t>
+            </a:r>
+            <a:r>
+              <a:rPr lang="es-AR" dirty="0" err="1">
+                <a:effectLst>
+                  <a:outerShdw blurRad="38100" dist="38100" dir="2700000" algn="tl">
+                    <a:srgbClr val="000000">
+                      <a:alpha val="43137"/>
+                    </a:srgbClr>
+                  </a:outerShdw>
+                </a:effectLst>
+                <a:latin typeface="Franklin Gothic Medium" panose="020B0603020102020204" pitchFamily="34" charset="0"/>
+              </a:rPr>
+              <a:t>using</a:t>
+            </a:r>
+            <a:r>
+              <a:rPr lang="es-AR" dirty="0">
+                <a:effectLst>
+                  <a:outerShdw blurRad="38100" dist="38100" dir="2700000" algn="tl">
+                    <a:srgbClr val="000000">
+                      <a:alpha val="43137"/>
+                    </a:srgbClr>
+                  </a:outerShdw>
+                </a:effectLst>
+                <a:latin typeface="Franklin Gothic Medium" panose="020B0603020102020204" pitchFamily="34" charset="0"/>
+              </a:rPr>
+              <a:t>, con un formato similar al visto para archivos.</a:t>
+            </a:r>
+          </a:p>
+          <a:p>
+            <a:endParaRPr lang="es-AR" dirty="0">
+              <a:effectLst>
+                <a:outerShdw blurRad="38100" dist="38100" dir="2700000" algn="tl">
+                  <a:srgbClr val="000000">
+                    <a:alpha val="43137"/>
+                  </a:srgbClr>
+                </a:outerShdw>
+              </a:effectLst>
+              <a:latin typeface="Franklin Gothic Medium" panose="020B0603020102020204" pitchFamily="34" charset="0"/>
+            </a:endParaRPr>
+          </a:p>
+          <a:p>
+            <a:r>
+              <a:rPr lang="es-AR" dirty="0">
+                <a:effectLst>
+                  <a:outerShdw blurRad="38100" dist="38100" dir="2700000" algn="tl">
+                    <a:srgbClr val="000000">
+                      <a:alpha val="43137"/>
+                    </a:srgbClr>
+                  </a:outerShdw>
+                </a:effectLst>
+                <a:latin typeface="Franklin Gothic Medium" panose="020B0603020102020204" pitchFamily="34" charset="0"/>
+              </a:rPr>
+              <a:t>Recordemos que </a:t>
+            </a:r>
+            <a:r>
+              <a:rPr lang="es-AR" dirty="0" err="1">
+                <a:effectLst>
+                  <a:outerShdw blurRad="38100" dist="38100" dir="2700000" algn="tl">
+                    <a:srgbClr val="000000">
+                      <a:alpha val="43137"/>
+                    </a:srgbClr>
+                  </a:outerShdw>
+                </a:effectLst>
+                <a:latin typeface="Franklin Gothic Medium" panose="020B0603020102020204" pitchFamily="34" charset="0"/>
+              </a:rPr>
+              <a:t>using</a:t>
+            </a:r>
+            <a:r>
+              <a:rPr lang="es-AR" dirty="0">
+                <a:effectLst>
+                  <a:outerShdw blurRad="38100" dist="38100" dir="2700000" algn="tl">
+                    <a:srgbClr val="000000">
+                      <a:alpha val="43137"/>
+                    </a:srgbClr>
+                  </a:outerShdw>
+                </a:effectLst>
+                <a:latin typeface="Franklin Gothic Medium" panose="020B0603020102020204" pitchFamily="34" charset="0"/>
+              </a:rPr>
+              <a:t> maneja el cierre de la conexión.</a:t>
+            </a:r>
+          </a:p>
+        </p:txBody>
+      </p:sp>
+    </p:spTree>
+    <p:extLst>
+      <p:ext uri="{BB962C8B-B14F-4D97-AF65-F5344CB8AC3E}">
+        <p14:creationId xmlns:p14="http://schemas.microsoft.com/office/powerpoint/2010/main" val="2101655462"/>
+      </p:ext>
+    </p:extLst>
+  </p:cSld>
+  <p:clrMapOvr>
+    <a:masterClrMapping/>
+  </p:clrMapOvr>
+</p:sld>
+</file>
+
+<file path=ppt/slides/slide9.xml><?xml version="1.0" encoding="utf-8"?>
+<p:sld xmlns:a="http://schemas.openxmlformats.org/drawingml/2006/main" xmlns:r="http://schemas.openxmlformats.org/officeDocument/2006/relationships" xmlns:p="http://schemas.openxmlformats.org/presentationml/2006/main">
+  <p:cSld>
+    <p:spTree>
+      <p:nvGrpSpPr>
+        <p:cNvPr id="1" name=""/>
+        <p:cNvGrpSpPr/>
+        <p:nvPr/>
+      </p:nvGrpSpPr>
+      <p:grpSpPr>
+        <a:xfrm>
+          <a:off x="0" y="0"/>
+          <a:ext cx="0" cy="0"/>
+          <a:chOff x="0" y="0"/>
+          <a:chExt cx="0" cy="0"/>
+        </a:xfrm>
+      </p:grpSpPr>
+      <p:sp>
+        <p:nvSpPr>
+          <p:cNvPr id="2" name="Título 1"/>
+          <p:cNvSpPr>
+            <a:spLocks noGrp="1"/>
+          </p:cNvSpPr>
+          <p:nvPr>
+            <p:ph type="title"/>
+          </p:nvPr>
+        </p:nvSpPr>
+        <p:spPr/>
+        <p:txBody>
+          <a:bodyPr/>
+          <a:lstStyle/>
+          <a:p>
+            <a:r>
+              <a:rPr lang="es-AR" dirty="0"/>
+              <a:t>Ejemplo </a:t>
+            </a:r>
+            <a:r>
+              <a:rPr lang="es-AR" dirty="0" err="1"/>
+              <a:t>Insert</a:t>
+            </a:r>
+            <a:r>
+              <a:rPr lang="es-AR" dirty="0"/>
+              <a:t>, </a:t>
+            </a:r>
+            <a:r>
+              <a:rPr lang="es-AR" dirty="0" err="1"/>
+              <a:t>Update</a:t>
+            </a:r>
+            <a:r>
+              <a:rPr lang="es-AR" dirty="0"/>
+              <a:t> y </a:t>
+            </a:r>
+            <a:r>
+              <a:rPr lang="es-AR" dirty="0" err="1"/>
+              <a:t>Delete</a:t>
+            </a:r>
+            <a:endParaRPr lang="es-AR" dirty="0"/>
+          </a:p>
+        </p:txBody>
+      </p:sp>
+      <p:sp>
+        <p:nvSpPr>
+          <p:cNvPr id="5" name="Rectangle 3"/>
+          <p:cNvSpPr txBox="1">
+            <a:spLocks noChangeArrowheads="1"/>
+          </p:cNvSpPr>
+          <p:nvPr/>
+        </p:nvSpPr>
+        <p:spPr>
+          <a:xfrm>
+            <a:off x="680320" y="2339662"/>
+            <a:ext cx="9613861" cy="4262473"/>
+          </a:xfrm>
+          <a:prstGeom prst="rect">
+            <a:avLst/>
+          </a:prstGeom>
+          <a:solidFill>
+            <a:schemeClr val="tx1"/>
+          </a:solidFill>
+        </p:spPr>
+        <p:txBody>
+          <a:bodyPr vert="horz" lIns="91440" tIns="45720" rIns="91440" bIns="45720" rtlCol="0">
+            <a:normAutofit/>
+          </a:bodyPr>
+          <a:lstStyle>
+            <a:lvl1pPr marL="228600" indent="-228600" algn="l" defTabSz="914400" rtl="0" eaLnBrk="1" latinLnBrk="0" hangingPunct="1">
+              <a:lnSpc>
+                <a:spcPct val="90000"/>
+              </a:lnSpc>
+              <a:spcBef>
+                <a:spcPts val="1000"/>
+              </a:spcBef>
+              <a:buFont typeface="Arial" panose="020B0604020202020204" pitchFamily="34" charset="0"/>
+              <a:buChar char="•"/>
+              <a:defRPr sz="2400" kern="1200">
+                <a:solidFill>
+                  <a:schemeClr val="tx1"/>
+                </a:solidFill>
+                <a:latin typeface="+mn-lt"/>
+                <a:ea typeface="+mn-ea"/>
+                <a:cs typeface="+mn-cs"/>
+              </a:defRPr>
+            </a:lvl1pPr>
+            <a:lvl2pPr marL="685800" indent="-228600" algn="l" defTabSz="914400" rtl="0" eaLnBrk="1" latinLnBrk="0" hangingPunct="1">
+              <a:lnSpc>
+                <a:spcPct val="90000"/>
+              </a:lnSpc>
+              <a:spcBef>
+                <a:spcPts val="500"/>
+              </a:spcBef>
+              <a:buFont typeface="Arial" panose="020B0604020202020204" pitchFamily="34" charset="0"/>
+              <a:buChar char="•"/>
+              <a:defRPr sz="2000" kern="1200">
+                <a:solidFill>
+                  <a:schemeClr val="tx1"/>
+                </a:solidFill>
+                <a:latin typeface="+mn-lt"/>
+                <a:ea typeface="+mn-ea"/>
+                <a:cs typeface="+mn-cs"/>
+              </a:defRPr>
+            </a:lvl2pPr>
+            <a:lvl3pPr marL="1143000" indent="-228600" algn="l" defTabSz="914400" rtl="0" eaLnBrk="1" latinLnBrk="0" hangingPunct="1">
+              <a:lnSpc>
+                <a:spcPct val="90000"/>
+              </a:lnSpc>
+              <a:spcBef>
+                <a:spcPts val="500"/>
+              </a:spcBef>
+              <a:buFont typeface="Arial" panose="020B0604020202020204" pitchFamily="34" charset="0"/>
+              <a:buChar char="•"/>
+              <a:defRPr sz="1800" kern="1200">
+                <a:solidFill>
+                  <a:schemeClr val="tx1"/>
+                </a:solidFill>
+                <a:latin typeface="+mn-lt"/>
+                <a:ea typeface="+mn-ea"/>
+                <a:cs typeface="+mn-cs"/>
+              </a:defRPr>
+            </a:lvl3pPr>
+            <a:lvl4pPr marL="1600200" indent="-228600" algn="l" defTabSz="914400" rtl="0" eaLnBrk="1" latinLnBrk="0" hangingPunct="1">
+              <a:lnSpc>
+                <a:spcPct val="90000"/>
+              </a:lnSpc>
+              <a:spcBef>
+                <a:spcPts val="500"/>
+              </a:spcBef>
+              <a:buFont typeface="Arial" panose="020B0604020202020204" pitchFamily="34" charset="0"/>
+              <a:buChar char="•"/>
+              <a:defRPr sz="1600" kern="1200">
+                <a:solidFill>
+                  <a:schemeClr val="tx1"/>
+                </a:solidFill>
+                <a:latin typeface="+mn-lt"/>
+                <a:ea typeface="+mn-ea"/>
+                <a:cs typeface="+mn-cs"/>
+              </a:defRPr>
+            </a:lvl4pPr>
+            <a:lvl5pPr marL="2057400" indent="-228600" algn="l" defTabSz="914400" rtl="0" eaLnBrk="1" latinLnBrk="0" hangingPunct="1">
+              <a:lnSpc>
+                <a:spcPct val="90000"/>
+              </a:lnSpc>
+              <a:spcBef>
+                <a:spcPts val="500"/>
+              </a:spcBef>
+              <a:buFont typeface="Arial" panose="020B0604020202020204" pitchFamily="34" charset="0"/>
+              <a:buChar char="•"/>
+              <a:defRPr sz="1600" kern="1200">
+                <a:solidFill>
+                  <a:schemeClr val="tx1"/>
+                </a:solidFill>
+                <a:latin typeface="+mn-lt"/>
+                <a:ea typeface="+mn-ea"/>
+                <a:cs typeface="+mn-cs"/>
+              </a:defRPr>
+            </a:lvl5pPr>
+            <a:lvl6pPr marL="2514600" indent="-228600" algn="l" defTabSz="914400" rtl="0" eaLnBrk="1" latinLnBrk="0" hangingPunct="1">
+              <a:lnSpc>
+                <a:spcPct val="90000"/>
+              </a:lnSpc>
+              <a:spcBef>
+                <a:spcPts val="500"/>
+              </a:spcBef>
+              <a:buFont typeface="Arial" panose="020B0604020202020204" pitchFamily="34" charset="0"/>
+              <a:buChar char="•"/>
+              <a:defRPr sz="1400" kern="1200">
+                <a:solidFill>
+                  <a:schemeClr val="tx1"/>
+                </a:solidFill>
+                <a:latin typeface="+mn-lt"/>
+                <a:ea typeface="+mn-ea"/>
+                <a:cs typeface="+mn-cs"/>
+              </a:defRPr>
+            </a:lvl6pPr>
+            <a:lvl7pPr marL="2971800" indent="-228600" algn="l" defTabSz="914400" rtl="0" eaLnBrk="1" latinLnBrk="0" hangingPunct="1">
+              <a:lnSpc>
+                <a:spcPct val="90000"/>
+              </a:lnSpc>
+              <a:spcBef>
+                <a:spcPts val="500"/>
+              </a:spcBef>
+              <a:buFont typeface="Arial" panose="020B0604020202020204" pitchFamily="34" charset="0"/>
+              <a:buChar char="•"/>
+              <a:defRPr sz="1400" kern="1200">
+                <a:solidFill>
+                  <a:schemeClr val="tx1"/>
+                </a:solidFill>
+                <a:latin typeface="+mn-lt"/>
+                <a:ea typeface="+mn-ea"/>
+                <a:cs typeface="+mn-cs"/>
+              </a:defRPr>
+            </a:lvl7pPr>
+            <a:lvl8pPr marL="3429000" indent="-228600" algn="l" defTabSz="914400" rtl="0" eaLnBrk="1" latinLnBrk="0" hangingPunct="1">
+              <a:lnSpc>
+                <a:spcPct val="90000"/>
+              </a:lnSpc>
+              <a:spcBef>
+                <a:spcPts val="500"/>
+              </a:spcBef>
+              <a:buFont typeface="Arial" panose="020B0604020202020204" pitchFamily="34" charset="0"/>
+              <a:buChar char="•"/>
+              <a:defRPr sz="1400" kern="1200">
+                <a:solidFill>
+                  <a:schemeClr val="tx1"/>
+                </a:solidFill>
+                <a:latin typeface="+mn-lt"/>
+                <a:ea typeface="+mn-ea"/>
+                <a:cs typeface="+mn-cs"/>
+              </a:defRPr>
+            </a:lvl8pPr>
+            <a:lvl9pPr marL="3886200" indent="-228600" algn="l" defTabSz="914400" rtl="0" eaLnBrk="1" latinLnBrk="0" hangingPunct="1">
+              <a:lnSpc>
+                <a:spcPct val="90000"/>
+              </a:lnSpc>
+              <a:spcBef>
+                <a:spcPts val="500"/>
+              </a:spcBef>
+              <a:buFont typeface="Arial" panose="020B0604020202020204" pitchFamily="34" charset="0"/>
+              <a:buChar char="•"/>
+              <a:defRPr sz="1400" kern="1200">
+                <a:solidFill>
+                  <a:schemeClr val="tx1"/>
+                </a:solidFill>
+                <a:latin typeface="+mn-lt"/>
+                <a:ea typeface="+mn-ea"/>
+                <a:cs typeface="+mn-cs"/>
+              </a:defRPr>
+            </a:lvl9pPr>
+          </a:lstStyle>
+          <a:p>
+            <a:pPr marL="0" indent="0">
+              <a:buFont typeface="Wingdings" pitchFamily="2" charset="2"/>
+              <a:buNone/>
+              <a:defRPr/>
+            </a:pPr>
+            <a:r>
+              <a:rPr lang="es-AR" sz="2200" dirty="0" err="1">
+                <a:solidFill>
+                  <a:srgbClr val="2B91AF"/>
+                </a:solidFill>
+                <a:highlight>
+                  <a:srgbClr val="FFFFFF"/>
+                </a:highlight>
+                <a:latin typeface="Consolas" panose="020B0609020204030204" pitchFamily="49" charset="0"/>
+              </a:rPr>
+              <a:t>String</a:t>
+            </a:r>
+            <a:r>
+              <a:rPr lang="es-AR" sz="2200" dirty="0">
+                <a:solidFill>
+                  <a:srgbClr val="000000"/>
+                </a:solidFill>
+                <a:highlight>
+                  <a:srgbClr val="FFFFFF"/>
+                </a:highlight>
+                <a:latin typeface="Consolas" panose="020B0609020204030204" pitchFamily="49" charset="0"/>
+              </a:rPr>
+              <a:t> consulta;</a:t>
+            </a:r>
+          </a:p>
+          <a:p>
+            <a:pPr marL="0" indent="0">
+              <a:buFont typeface="Wingdings" pitchFamily="2" charset="2"/>
+              <a:buNone/>
+              <a:defRPr/>
+            </a:pPr>
+            <a:r>
+              <a:rPr lang="es-AR" sz="2200" dirty="0">
+                <a:solidFill>
+                  <a:srgbClr val="000000"/>
+                </a:solidFill>
+                <a:highlight>
+                  <a:srgbClr val="FFFFFF"/>
+                </a:highlight>
+                <a:latin typeface="Consolas" panose="020B0609020204030204" pitchFamily="49" charset="0"/>
+              </a:rPr>
+              <a:t>consulta = </a:t>
+            </a:r>
+            <a:r>
+              <a:rPr lang="es-AR" sz="2200" dirty="0">
+                <a:solidFill>
+                  <a:srgbClr val="A31515"/>
+                </a:solidFill>
+                <a:highlight>
+                  <a:srgbClr val="FFFFFF"/>
+                </a:highlight>
+                <a:latin typeface="Consolas" panose="020B0609020204030204" pitchFamily="49" charset="0"/>
+              </a:rPr>
+              <a:t>"UPDATE Personas SET nombre = '</a:t>
+            </a:r>
+            <a:r>
+              <a:rPr lang="es-AR" sz="2200" dirty="0" err="1">
+                <a:solidFill>
+                  <a:srgbClr val="A31515"/>
+                </a:solidFill>
+                <a:highlight>
+                  <a:srgbClr val="FFFFFF"/>
+                </a:highlight>
+                <a:latin typeface="Consolas" panose="020B0609020204030204" pitchFamily="49" charset="0"/>
+              </a:rPr>
+              <a:t>Fer</a:t>
+            </a:r>
+            <a:r>
+              <a:rPr lang="es-AR" sz="2200" dirty="0">
+                <a:solidFill>
+                  <a:srgbClr val="A31515"/>
+                </a:solidFill>
+                <a:highlight>
+                  <a:srgbClr val="FFFFFF"/>
+                </a:highlight>
+                <a:latin typeface="Consolas" panose="020B0609020204030204" pitchFamily="49" charset="0"/>
+              </a:rPr>
+              <a:t>' WHERE id = 1"</a:t>
+            </a:r>
+            <a:r>
+              <a:rPr lang="es-AR" sz="2200" dirty="0">
+                <a:solidFill>
+                  <a:srgbClr val="000000"/>
+                </a:solidFill>
+                <a:highlight>
+                  <a:srgbClr val="FFFFFF"/>
+                </a:highlight>
+                <a:latin typeface="Consolas" panose="020B0609020204030204" pitchFamily="49" charset="0"/>
+              </a:rPr>
+              <a:t>;</a:t>
+            </a:r>
+          </a:p>
+          <a:p>
+            <a:pPr marL="0" indent="0">
+              <a:buFont typeface="Wingdings" pitchFamily="2" charset="2"/>
+              <a:buNone/>
+              <a:defRPr/>
+            </a:pPr>
+            <a:r>
+              <a:rPr lang="es-AR" sz="2200" dirty="0">
+                <a:solidFill>
+                  <a:srgbClr val="008000"/>
+                </a:solidFill>
+                <a:highlight>
+                  <a:srgbClr val="FFFFFF"/>
+                </a:highlight>
+                <a:latin typeface="Consolas" panose="020B0609020204030204" pitchFamily="49" charset="0"/>
+              </a:rPr>
+              <a:t>//consulta = </a:t>
+            </a:r>
+            <a:r>
+              <a:rPr lang="es-AR" sz="2200" dirty="0">
+                <a:solidFill>
+                  <a:srgbClr val="339933"/>
+                </a:solidFill>
+                <a:highlight>
+                  <a:srgbClr val="FFFFFF"/>
+                </a:highlight>
+                <a:latin typeface="Consolas" panose="020B0609020204030204" pitchFamily="49" charset="0"/>
+              </a:rPr>
+              <a:t>"</a:t>
+            </a:r>
+            <a:r>
+              <a:rPr lang="es-AR" sz="2200" dirty="0">
+                <a:solidFill>
+                  <a:srgbClr val="008000"/>
+                </a:solidFill>
+                <a:highlight>
+                  <a:srgbClr val="FFFFFF"/>
+                </a:highlight>
+                <a:latin typeface="Consolas" panose="020B0609020204030204" pitchFamily="49" charset="0"/>
+              </a:rPr>
+              <a:t>INSERT INTO Personas (nombre)  VALUES('Pedro')</a:t>
+            </a:r>
+            <a:r>
+              <a:rPr lang="es-AR" sz="2200" dirty="0">
+                <a:solidFill>
+                  <a:srgbClr val="339933"/>
+                </a:solidFill>
+                <a:highlight>
+                  <a:srgbClr val="FFFFFF"/>
+                </a:highlight>
+                <a:latin typeface="Consolas" panose="020B0609020204030204" pitchFamily="49" charset="0"/>
+              </a:rPr>
+              <a:t>"</a:t>
+            </a:r>
+            <a:r>
+              <a:rPr lang="es-AR" sz="2200" dirty="0">
+                <a:solidFill>
+                  <a:srgbClr val="008000"/>
+                </a:solidFill>
+                <a:highlight>
+                  <a:srgbClr val="FFFFFF"/>
+                </a:highlight>
+                <a:latin typeface="Consolas" panose="020B0609020204030204" pitchFamily="49" charset="0"/>
+              </a:rPr>
+              <a:t>;</a:t>
+            </a:r>
+            <a:endParaRPr lang="es-AR" sz="2200" dirty="0">
+              <a:solidFill>
+                <a:srgbClr val="000000"/>
+              </a:solidFill>
+              <a:highlight>
+                <a:srgbClr val="FFFFFF"/>
+              </a:highlight>
+              <a:latin typeface="Consolas" panose="020B0609020204030204" pitchFamily="49" charset="0"/>
+            </a:endParaRPr>
+          </a:p>
+          <a:p>
+            <a:pPr marL="0" indent="0">
+              <a:buFont typeface="Wingdings" pitchFamily="2" charset="2"/>
+              <a:buNone/>
+              <a:defRPr/>
+            </a:pPr>
+            <a:r>
+              <a:rPr lang="es-AR" sz="2200" dirty="0">
+                <a:solidFill>
+                  <a:srgbClr val="008000"/>
+                </a:solidFill>
+                <a:highlight>
+                  <a:srgbClr val="FFFFFF"/>
+                </a:highlight>
+                <a:latin typeface="Consolas" panose="020B0609020204030204" pitchFamily="49" charset="0"/>
+              </a:rPr>
+              <a:t>//consulta = </a:t>
+            </a:r>
+            <a:r>
+              <a:rPr lang="es-AR" sz="2200" dirty="0">
+                <a:solidFill>
+                  <a:srgbClr val="339933"/>
+                </a:solidFill>
+                <a:highlight>
+                  <a:srgbClr val="FFFFFF"/>
+                </a:highlight>
+                <a:latin typeface="Consolas" panose="020B0609020204030204" pitchFamily="49" charset="0"/>
+              </a:rPr>
+              <a:t>"</a:t>
+            </a:r>
+            <a:r>
+              <a:rPr lang="es-AR" sz="2200" dirty="0">
+                <a:solidFill>
+                  <a:srgbClr val="008000"/>
+                </a:solidFill>
+                <a:highlight>
+                  <a:srgbClr val="FFFFFF"/>
+                </a:highlight>
+                <a:latin typeface="Consolas" panose="020B0609020204030204" pitchFamily="49" charset="0"/>
+              </a:rPr>
+              <a:t>DELETE FROM Personas WHERE id = 1</a:t>
+            </a:r>
+            <a:r>
+              <a:rPr lang="es-AR" sz="2200" dirty="0">
+                <a:solidFill>
+                  <a:srgbClr val="339933"/>
+                </a:solidFill>
+                <a:highlight>
+                  <a:srgbClr val="FFFFFF"/>
+                </a:highlight>
+                <a:latin typeface="Consolas" panose="020B0609020204030204" pitchFamily="49" charset="0"/>
+              </a:rPr>
+              <a:t>"</a:t>
+            </a:r>
+            <a:r>
+              <a:rPr lang="es-AR" sz="2200" dirty="0">
+                <a:solidFill>
+                  <a:srgbClr val="008000"/>
+                </a:solidFill>
+                <a:highlight>
+                  <a:srgbClr val="FFFFFF"/>
+                </a:highlight>
+                <a:latin typeface="Consolas" panose="020B0609020204030204" pitchFamily="49" charset="0"/>
+              </a:rPr>
+              <a:t>;</a:t>
+            </a:r>
+            <a:endParaRPr lang="es-AR" sz="2200" dirty="0">
+              <a:solidFill>
+                <a:srgbClr val="000000"/>
+              </a:solidFill>
+              <a:highlight>
+                <a:srgbClr val="FFFFFF"/>
+              </a:highlight>
+              <a:latin typeface="Consolas" panose="020B0609020204030204" pitchFamily="49" charset="0"/>
+            </a:endParaRPr>
+          </a:p>
+          <a:p>
+            <a:pPr marL="0" indent="0">
+              <a:buFont typeface="Wingdings" pitchFamily="2" charset="2"/>
+              <a:buNone/>
+              <a:defRPr/>
+            </a:pPr>
+            <a:endParaRPr lang="es-AR" sz="2200" dirty="0">
+              <a:solidFill>
+                <a:srgbClr val="000000"/>
+              </a:solidFill>
+              <a:highlight>
+                <a:srgbClr val="FFFFFF"/>
+              </a:highlight>
+              <a:latin typeface="Consolas" panose="020B0609020204030204" pitchFamily="49" charset="0"/>
+            </a:endParaRPr>
+          </a:p>
+          <a:p>
+            <a:pPr marL="0" indent="0">
+              <a:buFont typeface="Wingdings" pitchFamily="2" charset="2"/>
+              <a:buNone/>
+              <a:defRPr/>
+            </a:pPr>
+            <a:r>
+              <a:rPr lang="es-AR" sz="2200" dirty="0" err="1">
+                <a:solidFill>
+                  <a:srgbClr val="000000"/>
+                </a:solidFill>
+                <a:highlight>
+                  <a:srgbClr val="FFFFFF"/>
+                </a:highlight>
+                <a:latin typeface="Consolas" panose="020B0609020204030204" pitchFamily="49" charset="0"/>
+              </a:rPr>
+              <a:t>comando.CommandText</a:t>
+            </a:r>
+            <a:r>
+              <a:rPr lang="es-AR" sz="2200" dirty="0">
+                <a:solidFill>
+                  <a:srgbClr val="000000"/>
+                </a:solidFill>
+                <a:highlight>
+                  <a:srgbClr val="FFFFFF"/>
+                </a:highlight>
+                <a:latin typeface="Consolas" panose="020B0609020204030204" pitchFamily="49" charset="0"/>
+              </a:rPr>
+              <a:t> = consulta;</a:t>
+            </a:r>
+          </a:p>
+          <a:p>
+            <a:pPr marL="0" indent="0">
+              <a:buFont typeface="Wingdings" pitchFamily="2" charset="2"/>
+              <a:buNone/>
+              <a:defRPr/>
+            </a:pPr>
+            <a:r>
+              <a:rPr lang="es-AR" sz="2200" dirty="0" err="1">
+                <a:solidFill>
+                  <a:srgbClr val="000000"/>
+                </a:solidFill>
+                <a:highlight>
+                  <a:srgbClr val="FFFFFF"/>
+                </a:highlight>
+                <a:latin typeface="Consolas" panose="020B0609020204030204" pitchFamily="49" charset="0"/>
+              </a:rPr>
+              <a:t>conexion.Open</a:t>
+            </a:r>
+            <a:r>
+              <a:rPr lang="es-AR" sz="2200" dirty="0">
+                <a:solidFill>
+                  <a:srgbClr val="000000"/>
+                </a:solidFill>
+                <a:highlight>
+                  <a:srgbClr val="FFFFFF"/>
+                </a:highlight>
+                <a:latin typeface="Consolas" panose="020B0609020204030204" pitchFamily="49" charset="0"/>
+              </a:rPr>
+              <a:t>();</a:t>
+            </a:r>
+          </a:p>
+          <a:p>
+            <a:pPr marL="0" indent="0">
+              <a:buFont typeface="Wingdings" pitchFamily="2" charset="2"/>
+              <a:buNone/>
+              <a:defRPr/>
+            </a:pPr>
+            <a:r>
+              <a:rPr lang="es-AR" sz="2200" dirty="0" err="1">
+                <a:solidFill>
+                  <a:srgbClr val="000000"/>
+                </a:solidFill>
+                <a:highlight>
+                  <a:srgbClr val="FFFFFF"/>
+                </a:highlight>
+                <a:latin typeface="Consolas" panose="020B0609020204030204" pitchFamily="49" charset="0"/>
+              </a:rPr>
+              <a:t>comando.ExecuteNonQuery</a:t>
+            </a:r>
+            <a:r>
+              <a:rPr lang="es-AR" sz="2200" dirty="0">
+                <a:solidFill>
+                  <a:srgbClr val="000000"/>
+                </a:solidFill>
+                <a:highlight>
+                  <a:srgbClr val="FFFFFF"/>
+                </a:highlight>
+                <a:latin typeface="Consolas" panose="020B0609020204030204" pitchFamily="49" charset="0"/>
+              </a:rPr>
+              <a:t>();</a:t>
+            </a:r>
+          </a:p>
+          <a:p>
+            <a:pPr marL="0" indent="0">
+              <a:buFont typeface="Wingdings" pitchFamily="2" charset="2"/>
+              <a:buNone/>
+              <a:defRPr/>
+            </a:pPr>
+            <a:r>
+              <a:rPr lang="es-AR" sz="2200" dirty="0" err="1">
+                <a:solidFill>
+                  <a:srgbClr val="000000"/>
+                </a:solidFill>
+                <a:highlight>
+                  <a:srgbClr val="FFFFFF"/>
+                </a:highlight>
+                <a:latin typeface="Consolas" panose="020B0609020204030204" pitchFamily="49" charset="0"/>
+              </a:rPr>
+              <a:t>conexion.Close</a:t>
+            </a:r>
+            <a:r>
+              <a:rPr lang="es-AR" sz="2200" dirty="0">
+                <a:solidFill>
+                  <a:srgbClr val="000000"/>
+                </a:solidFill>
+                <a:highlight>
+                  <a:srgbClr val="FFFFFF"/>
+                </a:highlight>
+                <a:latin typeface="Consolas" panose="020B0609020204030204" pitchFamily="49" charset="0"/>
+              </a:rPr>
+              <a:t>();</a:t>
+            </a:r>
+          </a:p>
+          <a:p>
+            <a:pPr marL="0" indent="0">
+              <a:buFont typeface="Wingdings" pitchFamily="2" charset="2"/>
+              <a:buNone/>
+              <a:defRPr/>
+            </a:pPr>
+            <a:endParaRPr lang="es-AR" sz="2200" dirty="0"/>
+          </a:p>
+        </p:txBody>
+      </p:sp>
+    </p:spTree>
+    <p:extLst>
+      <p:ext uri="{BB962C8B-B14F-4D97-AF65-F5344CB8AC3E}">
+        <p14:creationId xmlns:p14="http://schemas.microsoft.com/office/powerpoint/2010/main" val="3992885876"/>
       </p:ext>
     </p:extLst>
   </p:cSld>
